--- a/Lecture 3/Lecture 3 draft v2.pptx
+++ b/Lecture 3/Lecture 3 draft v2.pptx
@@ -5,7 +5,7 @@
     <p:sldMasterId id="2147483672" r:id="rId1"/>
   </p:sldMasterIdLst>
   <p:notesMasterIdLst>
-    <p:notesMasterId r:id="rId28"/>
+    <p:notesMasterId r:id="rId30"/>
   </p:notesMasterIdLst>
   <p:sldIdLst>
     <p:sldId id="262" r:id="rId2"/>
@@ -22,18 +22,20 @@
     <p:sldId id="301" r:id="rId13"/>
     <p:sldId id="264" r:id="rId14"/>
     <p:sldId id="306" r:id="rId15"/>
-    <p:sldId id="285" r:id="rId16"/>
-    <p:sldId id="265" r:id="rId17"/>
-    <p:sldId id="305" r:id="rId18"/>
-    <p:sldId id="267" r:id="rId19"/>
-    <p:sldId id="308" r:id="rId20"/>
-    <p:sldId id="268" r:id="rId21"/>
-    <p:sldId id="289" r:id="rId22"/>
-    <p:sldId id="269" r:id="rId23"/>
-    <p:sldId id="291" r:id="rId24"/>
-    <p:sldId id="295" r:id="rId25"/>
-    <p:sldId id="296" r:id="rId26"/>
-    <p:sldId id="307" r:id="rId27"/>
+    <p:sldId id="309" r:id="rId16"/>
+    <p:sldId id="310" r:id="rId17"/>
+    <p:sldId id="285" r:id="rId18"/>
+    <p:sldId id="265" r:id="rId19"/>
+    <p:sldId id="305" r:id="rId20"/>
+    <p:sldId id="267" r:id="rId21"/>
+    <p:sldId id="308" r:id="rId22"/>
+    <p:sldId id="268" r:id="rId23"/>
+    <p:sldId id="289" r:id="rId24"/>
+    <p:sldId id="269" r:id="rId25"/>
+    <p:sldId id="291" r:id="rId26"/>
+    <p:sldId id="295" r:id="rId27"/>
+    <p:sldId id="296" r:id="rId28"/>
+    <p:sldId id="307" r:id="rId29"/>
   </p:sldIdLst>
   <p:sldSz cx="12192000" cy="6858000"/>
   <p:notesSz cx="6858000" cy="9144000"/>
@@ -163,6 +165,8 @@
             <p14:sldId id="301"/>
             <p14:sldId id="264"/>
             <p14:sldId id="306"/>
+            <p14:sldId id="309"/>
+            <p14:sldId id="310"/>
             <p14:sldId id="285"/>
             <p14:sldId id="265"/>
             <p14:sldId id="305"/>
@@ -1688,7 +1692,7 @@
           <a:p>
             <a:fld id="{996BBC3D-3E8B-F74A-BA84-000B911EA6F4}" type="slidenum">
               <a:rPr lang="en-US" smtClean="0"/>
-              <a:t>15</a:t>
+              <a:t>17</a:t>
             </a:fld>
             <a:endParaRPr lang="en-US"/>
           </a:p>
@@ -1865,7 +1869,7 @@
           <a:p>
             <a:fld id="{996BBC3D-3E8B-F74A-BA84-000B911EA6F4}" type="slidenum">
               <a:rPr lang="en-US" smtClean="0"/>
-              <a:t>16</a:t>
+              <a:t>18</a:t>
             </a:fld>
             <a:endParaRPr lang="en-US"/>
           </a:p>
@@ -2020,7 +2024,7 @@
           <a:p>
             <a:fld id="{996BBC3D-3E8B-F74A-BA84-000B911EA6F4}" type="slidenum">
               <a:rPr lang="en-US" smtClean="0"/>
-              <a:t>18</a:t>
+              <a:t>20</a:t>
             </a:fld>
             <a:endParaRPr lang="en-US"/>
           </a:p>
@@ -2104,7 +2108,7 @@
           <a:p>
             <a:fld id="{A7294D4A-3C6D-3543-B453-E3C017326446}" type="slidenum">
               <a:rPr lang="en-US" smtClean="0"/>
-              <a:t>20</a:t>
+              <a:t>22</a:t>
             </a:fld>
             <a:endParaRPr lang="en-US"/>
           </a:p>
@@ -2281,7 +2285,7 @@
           <a:p>
             <a:fld id="{A7294D4A-3C6D-3543-B453-E3C017326446}" type="slidenum">
               <a:rPr lang="en-US" smtClean="0"/>
-              <a:t>24</a:t>
+              <a:t>26</a:t>
             </a:fld>
             <a:endParaRPr lang="en-US"/>
           </a:p>
@@ -6742,6 +6746,330 @@
   <p:cSld>
     <p:spTree>
       <p:nvGrpSpPr>
+        <p:cNvPr id="1" name=""/>
+        <p:cNvGrpSpPr/>
+        <p:nvPr/>
+      </p:nvGrpSpPr>
+      <p:grpSpPr>
+        <a:xfrm>
+          <a:off x="0" y="0"/>
+          <a:ext cx="0" cy="0"/>
+          <a:chOff x="0" y="0"/>
+          <a:chExt cx="0" cy="0"/>
+        </a:xfrm>
+      </p:grpSpPr>
+      <p:sp>
+        <p:nvSpPr>
+          <p:cNvPr id="2" name="Title 1">
+            <a:extLst>
+              <a:ext uri="{FF2B5EF4-FFF2-40B4-BE49-F238E27FC236}">
+                <a16:creationId xmlns:a16="http://schemas.microsoft.com/office/drawing/2014/main" id="{947C34EA-3998-CF35-65B3-87AD2E3C73D6}"/>
+              </a:ext>
+            </a:extLst>
+          </p:cNvPr>
+          <p:cNvSpPr>
+            <a:spLocks noGrp="1"/>
+          </p:cNvSpPr>
+          <p:nvPr>
+            <p:ph type="title"/>
+          </p:nvPr>
+        </p:nvSpPr>
+        <p:spPr/>
+        <p:txBody>
+          <a:bodyPr/>
+          <a:lstStyle/>
+          <a:p>
+            <a:r>
+              <a:rPr lang="en-US" dirty="0"/>
+              <a:t>Calculating seropositivity – confidence intervals</a:t>
+            </a:r>
+          </a:p>
+        </p:txBody>
+      </p:sp>
+      <p:sp>
+        <p:nvSpPr>
+          <p:cNvPr id="3" name="Content Placeholder 2">
+            <a:extLst>
+              <a:ext uri="{FF2B5EF4-FFF2-40B4-BE49-F238E27FC236}">
+                <a16:creationId xmlns:a16="http://schemas.microsoft.com/office/drawing/2014/main" id="{BDC9B94E-699B-165F-04D9-613EE637E3F0}"/>
+              </a:ext>
+            </a:extLst>
+          </p:cNvPr>
+          <p:cNvSpPr>
+            <a:spLocks noGrp="1"/>
+          </p:cNvSpPr>
+          <p:nvPr>
+            <p:ph idx="1"/>
+          </p:nvPr>
+        </p:nvSpPr>
+        <p:spPr/>
+        <p:txBody>
+          <a:bodyPr>
+            <a:normAutofit/>
+          </a:bodyPr>
+          <a:lstStyle/>
+          <a:p>
+            <a:r>
+              <a:rPr lang="en-US" dirty="0"/>
+              <a:t>A confidence interval of 95% accounts for number of people sampled to make a seropositivity range that we are 95% confident will include the true population level seroprevalence</a:t>
+            </a:r>
+          </a:p>
+          <a:p>
+            <a:r>
+              <a:rPr lang="en-US" dirty="0"/>
+              <a:t>This method is based on a binomial distribution, and though the equation is complicated, but we can use R to easily compute it.</a:t>
+            </a:r>
+          </a:p>
+          <a:p>
+            <a:endParaRPr lang="en-US" dirty="0"/>
+          </a:p>
+          <a:p>
+            <a:endParaRPr lang="en-US" dirty="0"/>
+          </a:p>
+          <a:p>
+            <a:pPr marL="0" indent="0">
+              <a:buNone/>
+            </a:pPr>
+            <a:r>
+              <a:rPr lang="en-US" dirty="0"/>
+              <a:t>With 767 positives and 1000 total, lower 95% CI is: 74.0% and upper 95% CI is: 79.3%</a:t>
+            </a:r>
+          </a:p>
+        </p:txBody>
+      </p:sp>
+      <p:pic>
+        <p:nvPicPr>
+          <p:cNvPr id="6" name="Picture 5">
+            <a:extLst>
+              <a:ext uri="{FF2B5EF4-FFF2-40B4-BE49-F238E27FC236}">
+                <a16:creationId xmlns:a16="http://schemas.microsoft.com/office/drawing/2014/main" id="{7BAF375D-9085-B808-5846-BFA1DBE11679}"/>
+              </a:ext>
+            </a:extLst>
+          </p:cNvPr>
+          <p:cNvPicPr>
+            <a:picLocks noChangeAspect="1"/>
+          </p:cNvPicPr>
+          <p:nvPr/>
+        </p:nvPicPr>
+        <p:blipFill>
+          <a:blip r:embed="rId2"/>
+          <a:stretch>
+            <a:fillRect/>
+          </a:stretch>
+        </p:blipFill>
+        <p:spPr>
+          <a:xfrm>
+            <a:off x="4067174" y="4067969"/>
+            <a:ext cx="4219575" cy="932628"/>
+          </a:xfrm>
+          <a:prstGeom prst="rect">
+            <a:avLst/>
+          </a:prstGeom>
+        </p:spPr>
+      </p:pic>
+    </p:spTree>
+    <p:extLst>
+      <p:ext uri="{BB962C8B-B14F-4D97-AF65-F5344CB8AC3E}">
+        <p14:creationId xmlns:p14="http://schemas.microsoft.com/office/powerpoint/2010/main" val="980664946"/>
+      </p:ext>
+    </p:extLst>
+  </p:cSld>
+  <p:clrMapOvr>
+    <a:masterClrMapping/>
+  </p:clrMapOvr>
+  <p:timing>
+    <p:tnLst>
+      <p:par>
+        <p:cTn id="1" dur="indefinite" restart="never" nodeType="tmRoot">
+          <p:childTnLst>
+            <p:seq concurrent="1" nextAc="seek">
+              <p:cTn id="2" dur="indefinite" nodeType="mainSeq">
+                <p:childTnLst>
+                  <p:par>
+                    <p:cTn id="3" fill="hold">
+                      <p:stCondLst>
+                        <p:cond delay="indefinite"/>
+                      </p:stCondLst>
+                      <p:childTnLst>
+                        <p:par>
+                          <p:cTn id="4" fill="hold">
+                            <p:stCondLst>
+                              <p:cond delay="0"/>
+                            </p:stCondLst>
+                            <p:childTnLst>
+                              <p:par>
+                                <p:cTn id="5" presetID="1" presetClass="entr" presetSubtype="0" fill="hold" nodeType="clickEffect">
+                                  <p:stCondLst>
+                                    <p:cond delay="0"/>
+                                  </p:stCondLst>
+                                  <p:childTnLst>
+                                    <p:set>
+                                      <p:cBhvr>
+                                        <p:cTn id="6" dur="1" fill="hold">
+                                          <p:stCondLst>
+                                            <p:cond delay="0"/>
+                                          </p:stCondLst>
+                                        </p:cTn>
+                                        <p:tgtEl>
+                                          <p:spTgt spid="3">
+                                            <p:txEl>
+                                              <p:pRg st="4" end="4"/>
+                                            </p:txEl>
+                                          </p:spTgt>
+                                        </p:tgtEl>
+                                        <p:attrNameLst>
+                                          <p:attrName>style.visibility</p:attrName>
+                                        </p:attrNameLst>
+                                      </p:cBhvr>
+                                      <p:to>
+                                        <p:strVal val="visible"/>
+                                      </p:to>
+                                    </p:set>
+                                  </p:childTnLst>
+                                </p:cTn>
+                              </p:par>
+                            </p:childTnLst>
+                          </p:cTn>
+                        </p:par>
+                      </p:childTnLst>
+                    </p:cTn>
+                  </p:par>
+                </p:childTnLst>
+              </p:cTn>
+              <p:prevCondLst>
+                <p:cond evt="onPrev" delay="0">
+                  <p:tgtEl>
+                    <p:sldTgt/>
+                  </p:tgtEl>
+                </p:cond>
+              </p:prevCondLst>
+              <p:nextCondLst>
+                <p:cond evt="onNext" delay="0">
+                  <p:tgtEl>
+                    <p:sldTgt/>
+                  </p:tgtEl>
+                </p:cond>
+              </p:nextCondLst>
+            </p:seq>
+          </p:childTnLst>
+        </p:cTn>
+      </p:par>
+    </p:tnLst>
+  </p:timing>
+</p:sld>
+</file>
+
+<file path=ppt/slides/slide16.xml><?xml version="1.0" encoding="utf-8"?>
+<p:sld xmlns:a="http://schemas.openxmlformats.org/drawingml/2006/main" xmlns:r="http://schemas.openxmlformats.org/officeDocument/2006/relationships" xmlns:p="http://schemas.openxmlformats.org/presentationml/2006/main">
+  <p:cSld>
+    <p:spTree>
+      <p:nvGrpSpPr>
+        <p:cNvPr id="1" name=""/>
+        <p:cNvGrpSpPr/>
+        <p:nvPr/>
+      </p:nvGrpSpPr>
+      <p:grpSpPr>
+        <a:xfrm>
+          <a:off x="0" y="0"/>
+          <a:ext cx="0" cy="0"/>
+          <a:chOff x="0" y="0"/>
+          <a:chExt cx="0" cy="0"/>
+        </a:xfrm>
+      </p:grpSpPr>
+      <p:sp>
+        <p:nvSpPr>
+          <p:cNvPr id="3" name="Content Placeholder 2">
+            <a:extLst>
+              <a:ext uri="{FF2B5EF4-FFF2-40B4-BE49-F238E27FC236}">
+                <a16:creationId xmlns:a16="http://schemas.microsoft.com/office/drawing/2014/main" id="{9048B7F4-855F-2416-0C93-80AC06EDB470}"/>
+              </a:ext>
+            </a:extLst>
+          </p:cNvPr>
+          <p:cNvSpPr>
+            <a:spLocks noGrp="1"/>
+          </p:cNvSpPr>
+          <p:nvPr>
+            <p:ph idx="1"/>
+          </p:nvPr>
+        </p:nvSpPr>
+        <p:spPr/>
+        <p:txBody>
+          <a:bodyPr/>
+          <a:lstStyle/>
+          <a:p>
+            <a:pPr marL="0" indent="0">
+              <a:buNone/>
+            </a:pPr>
+            <a:r>
+              <a:rPr lang="en-US" dirty="0"/>
+              <a:t>With 767 positives and 1000 total samples:</a:t>
+            </a:r>
+          </a:p>
+          <a:p>
+            <a:pPr marL="0" indent="0" algn="ctr">
+              <a:buNone/>
+            </a:pPr>
+            <a:r>
+              <a:rPr lang="en-US" dirty="0"/>
+              <a:t>Seroprevalence = 76.7% (95% CI: 74.0%, 79.3%) </a:t>
+            </a:r>
+          </a:p>
+          <a:p>
+            <a:endParaRPr lang="en-US" dirty="0"/>
+          </a:p>
+        </p:txBody>
+      </p:sp>
+      <p:sp>
+        <p:nvSpPr>
+          <p:cNvPr id="4" name="Title 1">
+            <a:extLst>
+              <a:ext uri="{FF2B5EF4-FFF2-40B4-BE49-F238E27FC236}">
+                <a16:creationId xmlns:a16="http://schemas.microsoft.com/office/drawing/2014/main" id="{38E04507-A52D-8561-9DE6-226EE3169C0F}"/>
+              </a:ext>
+            </a:extLst>
+          </p:cNvPr>
+          <p:cNvSpPr>
+            <a:spLocks noGrp="1"/>
+          </p:cNvSpPr>
+          <p:nvPr>
+            <p:ph type="title"/>
+          </p:nvPr>
+        </p:nvSpPr>
+        <p:spPr>
+          <a:xfrm>
+            <a:off x="838200" y="365125"/>
+            <a:ext cx="10515600" cy="1325563"/>
+          </a:xfrm>
+        </p:spPr>
+        <p:txBody>
+          <a:bodyPr/>
+          <a:lstStyle/>
+          <a:p>
+            <a:r>
+              <a:rPr lang="en-US" dirty="0"/>
+              <a:t>Calculating seropositivity – confidence intervals</a:t>
+            </a:r>
+          </a:p>
+        </p:txBody>
+      </p:sp>
+    </p:spTree>
+    <p:extLst>
+      <p:ext uri="{BB962C8B-B14F-4D97-AF65-F5344CB8AC3E}">
+        <p14:creationId xmlns:p14="http://schemas.microsoft.com/office/powerpoint/2010/main" val="2963041930"/>
+      </p:ext>
+    </p:extLst>
+  </p:cSld>
+  <p:clrMapOvr>
+    <a:masterClrMapping/>
+  </p:clrMapOvr>
+</p:sld>
+</file>
+
+<file path=ppt/slides/slide17.xml><?xml version="1.0" encoding="utf-8"?>
+<p:sld xmlns:a="http://schemas.openxmlformats.org/drawingml/2006/main" xmlns:r="http://schemas.openxmlformats.org/officeDocument/2006/relationships" xmlns:p="http://schemas.openxmlformats.org/presentationml/2006/main">
+  <p:cSld>
+    <p:spTree>
+      <p:nvGrpSpPr>
         <p:cNvPr id="1" name="">
           <a:extLst>
             <a:ext uri="{FF2B5EF4-FFF2-40B4-BE49-F238E27FC236}">
@@ -7260,222 +7588,6 @@
 </p:sld>
 </file>
 
-<file path=ppt/slides/slide16.xml><?xml version="1.0" encoding="utf-8"?>
-<p:sld xmlns:a="http://schemas.openxmlformats.org/drawingml/2006/main" xmlns:r="http://schemas.openxmlformats.org/officeDocument/2006/relationships" xmlns:p="http://schemas.openxmlformats.org/presentationml/2006/main">
-  <p:cSld>
-    <p:spTree>
-      <p:nvGrpSpPr>
-        <p:cNvPr id="1" name=""/>
-        <p:cNvGrpSpPr/>
-        <p:nvPr/>
-      </p:nvGrpSpPr>
-      <p:grpSpPr>
-        <a:xfrm>
-          <a:off x="0" y="0"/>
-          <a:ext cx="0" cy="0"/>
-          <a:chOff x="0" y="0"/>
-          <a:chExt cx="0" cy="0"/>
-        </a:xfrm>
-      </p:grpSpPr>
-      <p:sp>
-        <p:nvSpPr>
-          <p:cNvPr id="2" name="Title 1">
-            <a:extLst>
-              <a:ext uri="{FF2B5EF4-FFF2-40B4-BE49-F238E27FC236}">
-                <a16:creationId xmlns:a16="http://schemas.microsoft.com/office/drawing/2014/main" id="{8235AF65-ACC8-02E9-BAAA-410AD7362898}"/>
-              </a:ext>
-            </a:extLst>
-          </p:cNvPr>
-          <p:cNvSpPr>
-            <a:spLocks noGrp="1"/>
-          </p:cNvSpPr>
-          <p:nvPr>
-            <p:ph type="title"/>
-          </p:nvPr>
-        </p:nvSpPr>
-        <p:spPr>
-          <a:xfrm>
-            <a:off x="575733" y="365125"/>
-            <a:ext cx="11051823" cy="1325563"/>
-          </a:xfrm>
-        </p:spPr>
-        <p:txBody>
-          <a:bodyPr/>
-          <a:lstStyle/>
-          <a:p>
-            <a:r>
-              <a:rPr lang="en-US" dirty="0"/>
-              <a:t>Question: How do we interpret seroprevalence?</a:t>
-            </a:r>
-          </a:p>
-        </p:txBody>
-      </p:sp>
-      <p:sp>
-        <p:nvSpPr>
-          <p:cNvPr id="3" name="Content Placeholder 2">
-            <a:extLst>
-              <a:ext uri="{FF2B5EF4-FFF2-40B4-BE49-F238E27FC236}">
-                <a16:creationId xmlns:a16="http://schemas.microsoft.com/office/drawing/2014/main" id="{A3CA31CA-9D02-A267-EC10-A2016E0E86EE}"/>
-              </a:ext>
-            </a:extLst>
-          </p:cNvPr>
-          <p:cNvSpPr>
-            <a:spLocks noGrp="1"/>
-          </p:cNvSpPr>
-          <p:nvPr>
-            <p:ph idx="1"/>
-          </p:nvPr>
-        </p:nvSpPr>
-        <p:spPr/>
-        <p:txBody>
-          <a:bodyPr/>
-          <a:lstStyle/>
-          <a:p>
-            <a:r>
-              <a:rPr lang="en-US" b="1" dirty="0"/>
-              <a:t>How would we interpret seroprevalence if there is NOT a correlate of protection?</a:t>
-            </a:r>
-          </a:p>
-        </p:txBody>
-      </p:sp>
-    </p:spTree>
-    <p:extLst>
-      <p:ext uri="{BB962C8B-B14F-4D97-AF65-F5344CB8AC3E}">
-        <p14:creationId xmlns:p14="http://schemas.microsoft.com/office/powerpoint/2010/main" val="1354356339"/>
-      </p:ext>
-    </p:extLst>
-  </p:cSld>
-  <p:clrMapOvr>
-    <a:masterClrMapping/>
-  </p:clrMapOvr>
-</p:sld>
-</file>
-
-<file path=ppt/slides/slide17.xml><?xml version="1.0" encoding="utf-8"?>
-<p:sld xmlns:a="http://schemas.openxmlformats.org/drawingml/2006/main" xmlns:r="http://schemas.openxmlformats.org/officeDocument/2006/relationships" xmlns:p="http://schemas.openxmlformats.org/presentationml/2006/main">
-  <p:cSld>
-    <p:spTree>
-      <p:nvGrpSpPr>
-        <p:cNvPr id="1" name=""/>
-        <p:cNvGrpSpPr/>
-        <p:nvPr/>
-      </p:nvGrpSpPr>
-      <p:grpSpPr>
-        <a:xfrm>
-          <a:off x="0" y="0"/>
-          <a:ext cx="0" cy="0"/>
-          <a:chOff x="0" y="0"/>
-          <a:chExt cx="0" cy="0"/>
-        </a:xfrm>
-      </p:grpSpPr>
-      <p:sp>
-        <p:nvSpPr>
-          <p:cNvPr id="3" name="Content Placeholder 2">
-            <a:extLst>
-              <a:ext uri="{FF2B5EF4-FFF2-40B4-BE49-F238E27FC236}">
-                <a16:creationId xmlns:a16="http://schemas.microsoft.com/office/drawing/2014/main" id="{2E329247-2DEE-A52D-0A72-6D811C48EBB6}"/>
-              </a:ext>
-            </a:extLst>
-          </p:cNvPr>
-          <p:cNvSpPr>
-            <a:spLocks noGrp="1"/>
-          </p:cNvSpPr>
-          <p:nvPr>
-            <p:ph idx="1"/>
-          </p:nvPr>
-        </p:nvSpPr>
-        <p:spPr/>
-        <p:txBody>
-          <a:bodyPr/>
-          <a:lstStyle/>
-          <a:p>
-            <a:r>
-              <a:rPr lang="en-US" b="1" dirty="0"/>
-              <a:t>How would we interpret seroprevalence if there is NOT a correlate of protection?</a:t>
-            </a:r>
-          </a:p>
-          <a:p>
-            <a:r>
-              <a:rPr lang="en-US" dirty="0"/>
-              <a:t>For antigens in general, seroprevalence could indicate:</a:t>
-            </a:r>
-          </a:p>
-          <a:p>
-            <a:pPr lvl="1"/>
-            <a:r>
-              <a:rPr lang="en-US" dirty="0"/>
-              <a:t>Population ever exposed to pathogen or vaccine</a:t>
-            </a:r>
-          </a:p>
-          <a:p>
-            <a:pPr lvl="1"/>
-            <a:r>
-              <a:rPr lang="en-US" dirty="0"/>
-              <a:t>Population with recent infection</a:t>
-            </a:r>
-          </a:p>
-          <a:p>
-            <a:pPr lvl="1"/>
-            <a:r>
-              <a:rPr lang="en-US" dirty="0"/>
-              <a:t>Population with symptomatic infection</a:t>
-            </a:r>
-          </a:p>
-          <a:p>
-            <a:pPr lvl="1"/>
-            <a:r>
-              <a:rPr lang="en-US" dirty="0"/>
-              <a:t>Cross-reactive antibody responses</a:t>
-            </a:r>
-          </a:p>
-        </p:txBody>
-      </p:sp>
-      <p:sp>
-        <p:nvSpPr>
-          <p:cNvPr id="4" name="Title 1">
-            <a:extLst>
-              <a:ext uri="{FF2B5EF4-FFF2-40B4-BE49-F238E27FC236}">
-                <a16:creationId xmlns:a16="http://schemas.microsoft.com/office/drawing/2014/main" id="{061B93DF-0EF6-666C-28EA-BF0ECBB27CE5}"/>
-              </a:ext>
-            </a:extLst>
-          </p:cNvPr>
-          <p:cNvSpPr>
-            <a:spLocks noGrp="1"/>
-          </p:cNvSpPr>
-          <p:nvPr>
-            <p:ph type="title"/>
-          </p:nvPr>
-        </p:nvSpPr>
-        <p:spPr>
-          <a:xfrm>
-            <a:off x="575733" y="365125"/>
-            <a:ext cx="11051823" cy="1325563"/>
-          </a:xfrm>
-        </p:spPr>
-        <p:txBody>
-          <a:bodyPr/>
-          <a:lstStyle/>
-          <a:p>
-            <a:r>
-              <a:rPr lang="en-US" dirty="0"/>
-              <a:t>Question: How do we interpret seroprevalence?</a:t>
-            </a:r>
-          </a:p>
-        </p:txBody>
-      </p:sp>
-    </p:spTree>
-    <p:extLst>
-      <p:ext uri="{BB962C8B-B14F-4D97-AF65-F5344CB8AC3E}">
-        <p14:creationId xmlns:p14="http://schemas.microsoft.com/office/powerpoint/2010/main" val="242034705"/>
-      </p:ext>
-    </p:extLst>
-  </p:cSld>
-  <p:clrMapOvr>
-    <a:masterClrMapping/>
-  </p:clrMapOvr>
-</p:sld>
-</file>
-
 <file path=ppt/slides/slide18.xml><?xml version="1.0" encoding="utf-8"?>
 <p:sld xmlns:a="http://schemas.openxmlformats.org/drawingml/2006/main" xmlns:r="http://schemas.openxmlformats.org/officeDocument/2006/relationships" xmlns:p="http://schemas.openxmlformats.org/presentationml/2006/main">
   <p:cSld>
@@ -7498,6 +7610,331 @@
           <p:cNvPr id="2" name="Title 1">
             <a:extLst>
               <a:ext uri="{FF2B5EF4-FFF2-40B4-BE49-F238E27FC236}">
+                <a16:creationId xmlns:a16="http://schemas.microsoft.com/office/drawing/2014/main" id="{8235AF65-ACC8-02E9-BAAA-410AD7362898}"/>
+              </a:ext>
+            </a:extLst>
+          </p:cNvPr>
+          <p:cNvSpPr>
+            <a:spLocks noGrp="1"/>
+          </p:cNvSpPr>
+          <p:nvPr>
+            <p:ph type="title"/>
+          </p:nvPr>
+        </p:nvSpPr>
+        <p:spPr>
+          <a:xfrm>
+            <a:off x="575733" y="365125"/>
+            <a:ext cx="11051823" cy="1325563"/>
+          </a:xfrm>
+        </p:spPr>
+        <p:txBody>
+          <a:bodyPr/>
+          <a:lstStyle/>
+          <a:p>
+            <a:r>
+              <a:rPr lang="en-US" dirty="0"/>
+              <a:t>Question: How do we interpret seroprevalence?</a:t>
+            </a:r>
+          </a:p>
+        </p:txBody>
+      </p:sp>
+      <p:sp>
+        <p:nvSpPr>
+          <p:cNvPr id="3" name="Content Placeholder 2">
+            <a:extLst>
+              <a:ext uri="{FF2B5EF4-FFF2-40B4-BE49-F238E27FC236}">
+                <a16:creationId xmlns:a16="http://schemas.microsoft.com/office/drawing/2014/main" id="{A3CA31CA-9D02-A267-EC10-A2016E0E86EE}"/>
+              </a:ext>
+            </a:extLst>
+          </p:cNvPr>
+          <p:cNvSpPr>
+            <a:spLocks noGrp="1"/>
+          </p:cNvSpPr>
+          <p:nvPr>
+            <p:ph idx="1"/>
+          </p:nvPr>
+        </p:nvSpPr>
+        <p:spPr/>
+        <p:txBody>
+          <a:bodyPr/>
+          <a:lstStyle/>
+          <a:p>
+            <a:r>
+              <a:rPr lang="en-US" b="1" dirty="0"/>
+              <a:t>How would we interpret seroprevalence if there is NOT a correlate of protection?</a:t>
+            </a:r>
+          </a:p>
+        </p:txBody>
+      </p:sp>
+    </p:spTree>
+    <p:extLst>
+      <p:ext uri="{BB962C8B-B14F-4D97-AF65-F5344CB8AC3E}">
+        <p14:creationId xmlns:p14="http://schemas.microsoft.com/office/powerpoint/2010/main" val="1354356339"/>
+      </p:ext>
+    </p:extLst>
+  </p:cSld>
+  <p:clrMapOvr>
+    <a:masterClrMapping/>
+  </p:clrMapOvr>
+</p:sld>
+</file>
+
+<file path=ppt/slides/slide19.xml><?xml version="1.0" encoding="utf-8"?>
+<p:sld xmlns:a="http://schemas.openxmlformats.org/drawingml/2006/main" xmlns:r="http://schemas.openxmlformats.org/officeDocument/2006/relationships" xmlns:p="http://schemas.openxmlformats.org/presentationml/2006/main">
+  <p:cSld>
+    <p:spTree>
+      <p:nvGrpSpPr>
+        <p:cNvPr id="1" name=""/>
+        <p:cNvGrpSpPr/>
+        <p:nvPr/>
+      </p:nvGrpSpPr>
+      <p:grpSpPr>
+        <a:xfrm>
+          <a:off x="0" y="0"/>
+          <a:ext cx="0" cy="0"/>
+          <a:chOff x="0" y="0"/>
+          <a:chExt cx="0" cy="0"/>
+        </a:xfrm>
+      </p:grpSpPr>
+      <p:sp>
+        <p:nvSpPr>
+          <p:cNvPr id="3" name="Content Placeholder 2">
+            <a:extLst>
+              <a:ext uri="{FF2B5EF4-FFF2-40B4-BE49-F238E27FC236}">
+                <a16:creationId xmlns:a16="http://schemas.microsoft.com/office/drawing/2014/main" id="{2E329247-2DEE-A52D-0A72-6D811C48EBB6}"/>
+              </a:ext>
+            </a:extLst>
+          </p:cNvPr>
+          <p:cNvSpPr>
+            <a:spLocks noGrp="1"/>
+          </p:cNvSpPr>
+          <p:nvPr>
+            <p:ph idx="1"/>
+          </p:nvPr>
+        </p:nvSpPr>
+        <p:spPr/>
+        <p:txBody>
+          <a:bodyPr/>
+          <a:lstStyle/>
+          <a:p>
+            <a:r>
+              <a:rPr lang="en-US" b="1" dirty="0"/>
+              <a:t>How would we interpret seroprevalence if there is NOT a correlate of protection?</a:t>
+            </a:r>
+          </a:p>
+          <a:p>
+            <a:r>
+              <a:rPr lang="en-US" dirty="0"/>
+              <a:t>For antigens in general, seroprevalence could indicate:</a:t>
+            </a:r>
+          </a:p>
+          <a:p>
+            <a:pPr lvl="1"/>
+            <a:r>
+              <a:rPr lang="en-US" dirty="0"/>
+              <a:t>Population ever exposed to pathogen or vaccine</a:t>
+            </a:r>
+          </a:p>
+          <a:p>
+            <a:pPr lvl="1"/>
+            <a:r>
+              <a:rPr lang="en-US" dirty="0"/>
+              <a:t>Population with recent infection</a:t>
+            </a:r>
+          </a:p>
+          <a:p>
+            <a:pPr lvl="1"/>
+            <a:r>
+              <a:rPr lang="en-US" dirty="0"/>
+              <a:t>Population with symptomatic infection</a:t>
+            </a:r>
+          </a:p>
+          <a:p>
+            <a:pPr lvl="1"/>
+            <a:r>
+              <a:rPr lang="en-US" dirty="0"/>
+              <a:t>Cross-reactive antibody responses</a:t>
+            </a:r>
+          </a:p>
+        </p:txBody>
+      </p:sp>
+      <p:sp>
+        <p:nvSpPr>
+          <p:cNvPr id="4" name="Title 1">
+            <a:extLst>
+              <a:ext uri="{FF2B5EF4-FFF2-40B4-BE49-F238E27FC236}">
+                <a16:creationId xmlns:a16="http://schemas.microsoft.com/office/drawing/2014/main" id="{061B93DF-0EF6-666C-28EA-BF0ECBB27CE5}"/>
+              </a:ext>
+            </a:extLst>
+          </p:cNvPr>
+          <p:cNvSpPr>
+            <a:spLocks noGrp="1"/>
+          </p:cNvSpPr>
+          <p:nvPr>
+            <p:ph type="title"/>
+          </p:nvPr>
+        </p:nvSpPr>
+        <p:spPr>
+          <a:xfrm>
+            <a:off x="575733" y="365125"/>
+            <a:ext cx="11051823" cy="1325563"/>
+          </a:xfrm>
+        </p:spPr>
+        <p:txBody>
+          <a:bodyPr/>
+          <a:lstStyle/>
+          <a:p>
+            <a:r>
+              <a:rPr lang="en-US" dirty="0"/>
+              <a:t>Question: How do we interpret seroprevalence?</a:t>
+            </a:r>
+          </a:p>
+        </p:txBody>
+      </p:sp>
+    </p:spTree>
+    <p:extLst>
+      <p:ext uri="{BB962C8B-B14F-4D97-AF65-F5344CB8AC3E}">
+        <p14:creationId xmlns:p14="http://schemas.microsoft.com/office/powerpoint/2010/main" val="242034705"/>
+      </p:ext>
+    </p:extLst>
+  </p:cSld>
+  <p:clrMapOvr>
+    <a:masterClrMapping/>
+  </p:clrMapOvr>
+</p:sld>
+</file>
+
+<file path=ppt/slides/slide2.xml><?xml version="1.0" encoding="utf-8"?>
+<p:sld xmlns:a="http://schemas.openxmlformats.org/drawingml/2006/main" xmlns:r="http://schemas.openxmlformats.org/officeDocument/2006/relationships" xmlns:p="http://schemas.openxmlformats.org/presentationml/2006/main">
+  <p:cSld>
+    <p:spTree>
+      <p:nvGrpSpPr>
+        <p:cNvPr id="1" name=""/>
+        <p:cNvGrpSpPr/>
+        <p:nvPr/>
+      </p:nvGrpSpPr>
+      <p:grpSpPr>
+        <a:xfrm>
+          <a:off x="0" y="0"/>
+          <a:ext cx="0" cy="0"/>
+          <a:chOff x="0" y="0"/>
+          <a:chExt cx="0" cy="0"/>
+        </a:xfrm>
+      </p:grpSpPr>
+      <p:sp>
+        <p:nvSpPr>
+          <p:cNvPr id="2" name="Title 1">
+            <a:extLst>
+              <a:ext uri="{FF2B5EF4-FFF2-40B4-BE49-F238E27FC236}">
+                <a16:creationId xmlns:a16="http://schemas.microsoft.com/office/drawing/2014/main" id="{2B9D4F15-62EA-517A-97D7-3C917C7F4C50}"/>
+              </a:ext>
+            </a:extLst>
+          </p:cNvPr>
+          <p:cNvSpPr>
+            <a:spLocks noGrp="1"/>
+          </p:cNvSpPr>
+          <p:nvPr>
+            <p:ph type="title"/>
+          </p:nvPr>
+        </p:nvSpPr>
+        <p:spPr/>
+        <p:txBody>
+          <a:bodyPr/>
+          <a:lstStyle/>
+          <a:p>
+            <a:r>
+              <a:rPr lang="en-US" dirty="0"/>
+              <a:t>Lecture outline: </a:t>
+            </a:r>
+          </a:p>
+        </p:txBody>
+      </p:sp>
+      <p:sp>
+        <p:nvSpPr>
+          <p:cNvPr id="3" name="Content Placeholder 2">
+            <a:extLst>
+              <a:ext uri="{FF2B5EF4-FFF2-40B4-BE49-F238E27FC236}">
+                <a16:creationId xmlns:a16="http://schemas.microsoft.com/office/drawing/2014/main" id="{26B03998-8D19-413F-D557-FDE476559A1C}"/>
+              </a:ext>
+            </a:extLst>
+          </p:cNvPr>
+          <p:cNvSpPr>
+            <a:spLocks noGrp="1"/>
+          </p:cNvSpPr>
+          <p:nvPr>
+            <p:ph idx="1"/>
+          </p:nvPr>
+        </p:nvSpPr>
+        <p:spPr>
+          <a:xfrm>
+            <a:off x="1135380" y="1814195"/>
+            <a:ext cx="7597140" cy="4351338"/>
+          </a:xfrm>
+        </p:spPr>
+        <p:txBody>
+          <a:bodyPr/>
+          <a:lstStyle/>
+          <a:p>
+            <a:r>
+              <a:rPr lang="en-US" dirty="0"/>
+              <a:t>Data visualization</a:t>
+            </a:r>
+          </a:p>
+          <a:p>
+            <a:r>
+              <a:rPr lang="en-US" dirty="0"/>
+              <a:t>Why binarize data? </a:t>
+            </a:r>
+          </a:p>
+          <a:p>
+            <a:r>
+              <a:rPr lang="en-US" dirty="0"/>
+              <a:t>Calculating seroprevalence from a cutoff</a:t>
+            </a:r>
+          </a:p>
+          <a:p>
+            <a:r>
+              <a:rPr lang="en-US" dirty="0"/>
+              <a:t>Selecting controls</a:t>
+            </a:r>
+          </a:p>
+        </p:txBody>
+      </p:sp>
+    </p:spTree>
+    <p:extLst>
+      <p:ext uri="{BB962C8B-B14F-4D97-AF65-F5344CB8AC3E}">
+        <p14:creationId xmlns:p14="http://schemas.microsoft.com/office/powerpoint/2010/main" val="86817123"/>
+      </p:ext>
+    </p:extLst>
+  </p:cSld>
+  <p:clrMapOvr>
+    <a:masterClrMapping/>
+  </p:clrMapOvr>
+</p:sld>
+</file>
+
+<file path=ppt/slides/slide20.xml><?xml version="1.0" encoding="utf-8"?>
+<p:sld xmlns:a="http://schemas.openxmlformats.org/drawingml/2006/main" xmlns:r="http://schemas.openxmlformats.org/officeDocument/2006/relationships" xmlns:p="http://schemas.openxmlformats.org/presentationml/2006/main">
+  <p:cSld>
+    <p:spTree>
+      <p:nvGrpSpPr>
+        <p:cNvPr id="1" name=""/>
+        <p:cNvGrpSpPr/>
+        <p:nvPr/>
+      </p:nvGrpSpPr>
+      <p:grpSpPr>
+        <a:xfrm>
+          <a:off x="0" y="0"/>
+          <a:ext cx="0" cy="0"/>
+          <a:chOff x="0" y="0"/>
+          <a:chExt cx="0" cy="0"/>
+        </a:xfrm>
+      </p:grpSpPr>
+      <p:sp>
+        <p:nvSpPr>
+          <p:cNvPr id="2" name="Title 1">
+            <a:extLst>
+              <a:ext uri="{FF2B5EF4-FFF2-40B4-BE49-F238E27FC236}">
                 <a16:creationId xmlns:a16="http://schemas.microsoft.com/office/drawing/2014/main" id="{F73C67F2-F3E5-A50F-A7C5-2EF0A34C9F21}"/>
               </a:ext>
             </a:extLst>
@@ -7646,7 +8083,7 @@
 </p:sld>
 </file>
 
-<file path=ppt/slides/slide19.xml><?xml version="1.0" encoding="utf-8"?>
+<file path=ppt/slides/slide21.xml><?xml version="1.0" encoding="utf-8"?>
 <p:sld xmlns:a="http://schemas.openxmlformats.org/drawingml/2006/main" xmlns:r="http://schemas.openxmlformats.org/officeDocument/2006/relationships" xmlns:p="http://schemas.openxmlformats.org/presentationml/2006/main">
   <p:cSld>
     <p:spTree>
@@ -7779,7 +8216,7 @@
 </p:sld>
 </file>
 
-<file path=ppt/slides/slide2.xml><?xml version="1.0" encoding="utf-8"?>
+<file path=ppt/slides/slide22.xml><?xml version="1.0" encoding="utf-8"?>
 <p:sld xmlns:a="http://schemas.openxmlformats.org/drawingml/2006/main" xmlns:r="http://schemas.openxmlformats.org/officeDocument/2006/relationships" xmlns:p="http://schemas.openxmlformats.org/presentationml/2006/main">
   <p:cSld>
     <p:spTree>
@@ -7801,115 +8238,6 @@
           <p:cNvPr id="2" name="Title 1">
             <a:extLst>
               <a:ext uri="{FF2B5EF4-FFF2-40B4-BE49-F238E27FC236}">
-                <a16:creationId xmlns:a16="http://schemas.microsoft.com/office/drawing/2014/main" id="{2B9D4F15-62EA-517A-97D7-3C917C7F4C50}"/>
-              </a:ext>
-            </a:extLst>
-          </p:cNvPr>
-          <p:cNvSpPr>
-            <a:spLocks noGrp="1"/>
-          </p:cNvSpPr>
-          <p:nvPr>
-            <p:ph type="title"/>
-          </p:nvPr>
-        </p:nvSpPr>
-        <p:spPr/>
-        <p:txBody>
-          <a:bodyPr/>
-          <a:lstStyle/>
-          <a:p>
-            <a:r>
-              <a:rPr lang="en-US" dirty="0"/>
-              <a:t>Lecture outline: </a:t>
-            </a:r>
-          </a:p>
-        </p:txBody>
-      </p:sp>
-      <p:sp>
-        <p:nvSpPr>
-          <p:cNvPr id="3" name="Content Placeholder 2">
-            <a:extLst>
-              <a:ext uri="{FF2B5EF4-FFF2-40B4-BE49-F238E27FC236}">
-                <a16:creationId xmlns:a16="http://schemas.microsoft.com/office/drawing/2014/main" id="{26B03998-8D19-413F-D557-FDE476559A1C}"/>
-              </a:ext>
-            </a:extLst>
-          </p:cNvPr>
-          <p:cNvSpPr>
-            <a:spLocks noGrp="1"/>
-          </p:cNvSpPr>
-          <p:nvPr>
-            <p:ph idx="1"/>
-          </p:nvPr>
-        </p:nvSpPr>
-        <p:spPr>
-          <a:xfrm>
-            <a:off x="1135380" y="1814195"/>
-            <a:ext cx="7597140" cy="4351338"/>
-          </a:xfrm>
-        </p:spPr>
-        <p:txBody>
-          <a:bodyPr/>
-          <a:lstStyle/>
-          <a:p>
-            <a:r>
-              <a:rPr lang="en-US" dirty="0"/>
-              <a:t>Data visualization</a:t>
-            </a:r>
-          </a:p>
-          <a:p>
-            <a:r>
-              <a:rPr lang="en-US" dirty="0"/>
-              <a:t>Why binarize data? </a:t>
-            </a:r>
-          </a:p>
-          <a:p>
-            <a:r>
-              <a:rPr lang="en-US" dirty="0"/>
-              <a:t>Calculating seroprevalence from a cutoff</a:t>
-            </a:r>
-          </a:p>
-          <a:p>
-            <a:r>
-              <a:rPr lang="en-US" dirty="0"/>
-              <a:t>Selecting controls</a:t>
-            </a:r>
-          </a:p>
-        </p:txBody>
-      </p:sp>
-    </p:spTree>
-    <p:extLst>
-      <p:ext uri="{BB962C8B-B14F-4D97-AF65-F5344CB8AC3E}">
-        <p14:creationId xmlns:p14="http://schemas.microsoft.com/office/powerpoint/2010/main" val="86817123"/>
-      </p:ext>
-    </p:extLst>
-  </p:cSld>
-  <p:clrMapOvr>
-    <a:masterClrMapping/>
-  </p:clrMapOvr>
-</p:sld>
-</file>
-
-<file path=ppt/slides/slide20.xml><?xml version="1.0" encoding="utf-8"?>
-<p:sld xmlns:a="http://schemas.openxmlformats.org/drawingml/2006/main" xmlns:r="http://schemas.openxmlformats.org/officeDocument/2006/relationships" xmlns:p="http://schemas.openxmlformats.org/presentationml/2006/main">
-  <p:cSld>
-    <p:spTree>
-      <p:nvGrpSpPr>
-        <p:cNvPr id="1" name=""/>
-        <p:cNvGrpSpPr/>
-        <p:nvPr/>
-      </p:nvGrpSpPr>
-      <p:grpSpPr>
-        <a:xfrm>
-          <a:off x="0" y="0"/>
-          <a:ext cx="0" cy="0"/>
-          <a:chOff x="0" y="0"/>
-          <a:chExt cx="0" cy="0"/>
-        </a:xfrm>
-      </p:grpSpPr>
-      <p:sp>
-        <p:nvSpPr>
-          <p:cNvPr id="2" name="Title 1">
-            <a:extLst>
-              <a:ext uri="{FF2B5EF4-FFF2-40B4-BE49-F238E27FC236}">
                 <a16:creationId xmlns:a16="http://schemas.microsoft.com/office/drawing/2014/main" id="{A9218A3A-1137-C5FC-BF5F-70B892ADB326}"/>
               </a:ext>
             </a:extLst>
@@ -8006,7 +8334,7 @@
 </p:sld>
 </file>
 
-<file path=ppt/slides/slide21.xml><?xml version="1.0" encoding="utf-8"?>
+<file path=ppt/slides/slide23.xml><?xml version="1.0" encoding="utf-8"?>
 <p:sld xmlns:a="http://schemas.openxmlformats.org/drawingml/2006/main" xmlns:r="http://schemas.openxmlformats.org/officeDocument/2006/relationships" xmlns:p="http://schemas.openxmlformats.org/presentationml/2006/main">
   <p:cSld>
     <p:spTree>
@@ -8187,7 +8515,7 @@
 </p:sld>
 </file>
 
-<file path=ppt/slides/slide22.xml><?xml version="1.0" encoding="utf-8"?>
+<file path=ppt/slides/slide24.xml><?xml version="1.0" encoding="utf-8"?>
 <p:sld xmlns:a="http://schemas.openxmlformats.org/drawingml/2006/main" xmlns:r="http://schemas.openxmlformats.org/officeDocument/2006/relationships" xmlns:p="http://schemas.openxmlformats.org/presentationml/2006/main">
   <p:cSld>
     <p:spTree>
@@ -8287,7 +8615,7 @@
 </p:sld>
 </file>
 
-<file path=ppt/slides/slide23.xml><?xml version="1.0" encoding="utf-8"?>
+<file path=ppt/slides/slide25.xml><?xml version="1.0" encoding="utf-8"?>
 <p:sld xmlns:a="http://schemas.openxmlformats.org/drawingml/2006/main" xmlns:r="http://schemas.openxmlformats.org/officeDocument/2006/relationships" xmlns:p="http://schemas.openxmlformats.org/presentationml/2006/main">
   <p:cSld>
     <p:spTree>
@@ -8467,7 +8795,7 @@
 </p:sld>
 </file>
 
-<file path=ppt/slides/slide24.xml><?xml version="1.0" encoding="utf-8"?>
+<file path=ppt/slides/slide26.xml><?xml version="1.0" encoding="utf-8"?>
 <p:sld xmlns:a="http://schemas.openxmlformats.org/drawingml/2006/main" xmlns:r="http://schemas.openxmlformats.org/officeDocument/2006/relationships" xmlns:p="http://schemas.openxmlformats.org/presentationml/2006/main">
   <p:cSld>
     <p:spTree>
@@ -8676,7 +9004,7 @@
 </p:sld>
 </file>
 
-<file path=ppt/slides/slide25.xml><?xml version="1.0" encoding="utf-8"?>
+<file path=ppt/slides/slide27.xml><?xml version="1.0" encoding="utf-8"?>
 <p:sld xmlns:a="http://schemas.openxmlformats.org/drawingml/2006/main" xmlns:r="http://schemas.openxmlformats.org/officeDocument/2006/relationships" xmlns:p="http://schemas.openxmlformats.org/presentationml/2006/main">
   <p:cSld>
     <p:spTree>
@@ -8821,7 +9149,7 @@
 </p:sld>
 </file>
 
-<file path=ppt/slides/slide26.xml><?xml version="1.0" encoding="utf-8"?>
+<file path=ppt/slides/slide28.xml><?xml version="1.0" encoding="utf-8"?>
 <p:sld xmlns:a="http://schemas.openxmlformats.org/drawingml/2006/main" xmlns:r="http://schemas.openxmlformats.org/officeDocument/2006/relationships" xmlns:p="http://schemas.openxmlformats.org/presentationml/2006/main">
   <p:cSld>
     <p:spTree>

--- a/Lecture 3/Lecture 3 draft v2.pptx
+++ b/Lecture 3/Lecture 3 draft v2.pptx
@@ -5,7 +5,7 @@
     <p:sldMasterId id="2147483672" r:id="rId1"/>
   </p:sldMasterIdLst>
   <p:notesMasterIdLst>
-    <p:notesMasterId r:id="rId30"/>
+    <p:notesMasterId r:id="rId31"/>
   </p:notesMasterIdLst>
   <p:sldIdLst>
     <p:sldId id="262" r:id="rId2"/>
@@ -19,23 +19,24 @@
     <p:sldId id="281" r:id="rId10"/>
     <p:sldId id="282" r:id="rId11"/>
     <p:sldId id="283" r:id="rId12"/>
-    <p:sldId id="301" r:id="rId13"/>
-    <p:sldId id="264" r:id="rId14"/>
-    <p:sldId id="306" r:id="rId15"/>
-    <p:sldId id="309" r:id="rId16"/>
-    <p:sldId id="310" r:id="rId17"/>
-    <p:sldId id="285" r:id="rId18"/>
-    <p:sldId id="265" r:id="rId19"/>
-    <p:sldId id="305" r:id="rId20"/>
-    <p:sldId id="267" r:id="rId21"/>
-    <p:sldId id="308" r:id="rId22"/>
-    <p:sldId id="268" r:id="rId23"/>
-    <p:sldId id="289" r:id="rId24"/>
-    <p:sldId id="269" r:id="rId25"/>
-    <p:sldId id="291" r:id="rId26"/>
-    <p:sldId id="295" r:id="rId27"/>
-    <p:sldId id="296" r:id="rId28"/>
-    <p:sldId id="307" r:id="rId29"/>
+    <p:sldId id="311" r:id="rId13"/>
+    <p:sldId id="301" r:id="rId14"/>
+    <p:sldId id="264" r:id="rId15"/>
+    <p:sldId id="306" r:id="rId16"/>
+    <p:sldId id="309" r:id="rId17"/>
+    <p:sldId id="310" r:id="rId18"/>
+    <p:sldId id="285" r:id="rId19"/>
+    <p:sldId id="265" r:id="rId20"/>
+    <p:sldId id="305" r:id="rId21"/>
+    <p:sldId id="267" r:id="rId22"/>
+    <p:sldId id="308" r:id="rId23"/>
+    <p:sldId id="268" r:id="rId24"/>
+    <p:sldId id="289" r:id="rId25"/>
+    <p:sldId id="269" r:id="rId26"/>
+    <p:sldId id="291" r:id="rId27"/>
+    <p:sldId id="295" r:id="rId28"/>
+    <p:sldId id="296" r:id="rId29"/>
+    <p:sldId id="307" r:id="rId30"/>
   </p:sldIdLst>
   <p:sldSz cx="12192000" cy="6858000"/>
   <p:notesSz cx="6858000" cy="9144000"/>
@@ -162,6 +163,7 @@
         <p14:section name="UI &lt;-&gt; MFI" id="{7948F724-9741-9B45-9B8E-7F12EFD36728}">
           <p14:sldIdLst>
             <p14:sldId id="283"/>
+            <p14:sldId id="311"/>
             <p14:sldId id="301"/>
             <p14:sldId id="264"/>
             <p14:sldId id="306"/>
@@ -282,7 +284,7 @@
           <a:p>
             <a:fld id="{5C5D1EB4-F37D-7F4F-B96E-519D8F231415}" type="datetimeFigureOut">
               <a:rPr lang="en-US" smtClean="0"/>
-              <a:t>5/6/25</a:t>
+              <a:t>5/18/25</a:t>
             </a:fld>
             <a:endParaRPr lang="en-US"/>
           </a:p>
@@ -1075,6 +1077,449 @@
         <p:cNvPr id="1" name="">
           <a:extLst>
             <a:ext uri="{FF2B5EF4-FFF2-40B4-BE49-F238E27FC236}">
+              <a16:creationId xmlns:a16="http://schemas.microsoft.com/office/drawing/2014/main" id="{11BC8A51-0264-6AAF-86DA-82EE949393FC}"/>
+            </a:ext>
+          </a:extLst>
+        </p:cNvPr>
+        <p:cNvGrpSpPr/>
+        <p:nvPr/>
+      </p:nvGrpSpPr>
+      <p:grpSpPr>
+        <a:xfrm>
+          <a:off x="0" y="0"/>
+          <a:ext cx="0" cy="0"/>
+          <a:chOff x="0" y="0"/>
+          <a:chExt cx="0" cy="0"/>
+        </a:xfrm>
+      </p:grpSpPr>
+      <p:sp>
+        <p:nvSpPr>
+          <p:cNvPr id="2" name="Slide Image Placeholder 1">
+            <a:extLst>
+              <a:ext uri="{FF2B5EF4-FFF2-40B4-BE49-F238E27FC236}">
+                <a16:creationId xmlns:a16="http://schemas.microsoft.com/office/drawing/2014/main" id="{6030C324-E3A5-0FCA-7A57-4A9F116D7485}"/>
+              </a:ext>
+            </a:extLst>
+          </p:cNvPr>
+          <p:cNvSpPr>
+            <a:spLocks noGrp="1" noRot="1" noChangeAspect="1"/>
+          </p:cNvSpPr>
+          <p:nvPr>
+            <p:ph type="sldImg"/>
+          </p:nvPr>
+        </p:nvSpPr>
+        <p:spPr/>
+      </p:sp>
+      <p:sp>
+        <p:nvSpPr>
+          <p:cNvPr id="3" name="Notes Placeholder 2">
+            <a:extLst>
+              <a:ext uri="{FF2B5EF4-FFF2-40B4-BE49-F238E27FC236}">
+                <a16:creationId xmlns:a16="http://schemas.microsoft.com/office/drawing/2014/main" id="{7B37C6C4-D4AC-12CA-EA96-E1FFFE6EC22D}"/>
+              </a:ext>
+            </a:extLst>
+          </p:cNvPr>
+          <p:cNvSpPr>
+            <a:spLocks noGrp="1"/>
+          </p:cNvSpPr>
+          <p:nvPr>
+            <p:ph type="body" idx="1"/>
+          </p:nvPr>
+        </p:nvSpPr>
+        <p:spPr/>
+        <p:txBody>
+          <a:bodyPr/>
+          <a:lstStyle/>
+          <a:p>
+            <a:pPr marL="342900" marR="0" lvl="0" indent="-342900">
+              <a:lnSpc>
+                <a:spcPct val="115000"/>
+              </a:lnSpc>
+              <a:buFont typeface="Symbol" pitchFamily="2" charset="2"/>
+              <a:buChar char=""/>
+            </a:pPr>
+            <a:r>
+              <a:rPr lang="en-US" sz="1200" kern="100" dirty="0">
+                <a:effectLst/>
+                <a:latin typeface="Aptos" panose="020B0004020202020204" pitchFamily="34" charset="0"/>
+                <a:ea typeface="Aptos" panose="020B0004020202020204" pitchFamily="34" charset="0"/>
+                <a:cs typeface="Times New Roman" panose="02020603050405020304" pitchFamily="18" charset="0"/>
+              </a:rPr>
+              <a:t>Example with measles- well-defined correlate of protection (15 min, with students putting in code as well)</a:t>
+            </a:r>
+          </a:p>
+          <a:p>
+            <a:pPr marL="742950" marR="0" lvl="1" indent="-285750">
+              <a:lnSpc>
+                <a:spcPct val="115000"/>
+              </a:lnSpc>
+              <a:buFont typeface="Courier New" panose="02070309020205020404" pitchFamily="49" charset="0"/>
+              <a:buChar char="o"/>
+            </a:pPr>
+            <a:r>
+              <a:rPr lang="en-US" sz="1200" kern="100" dirty="0">
+                <a:effectLst/>
+                <a:latin typeface="Aptos" panose="020B0004020202020204" pitchFamily="34" charset="0"/>
+                <a:ea typeface="Aptos" panose="020B0004020202020204" pitchFamily="34" charset="0"/>
+                <a:cs typeface="Times New Roman" panose="02020603050405020304" pitchFamily="18" charset="0"/>
+              </a:rPr>
+              <a:t>Easy to justify using cutoff when there is a correlate of protection</a:t>
+            </a:r>
+          </a:p>
+          <a:p>
+            <a:pPr marL="742950" marR="0" lvl="1" indent="-285750">
+              <a:lnSpc>
+                <a:spcPct val="115000"/>
+              </a:lnSpc>
+              <a:buFont typeface="Courier New" panose="02070309020205020404" pitchFamily="49" charset="0"/>
+              <a:buChar char="o"/>
+            </a:pPr>
+            <a:r>
+              <a:rPr lang="en-US" sz="1200" kern="100" dirty="0">
+                <a:effectLst/>
+                <a:latin typeface="Aptos" panose="020B0004020202020204" pitchFamily="34" charset="0"/>
+                <a:ea typeface="Aptos" panose="020B0004020202020204" pitchFamily="34" charset="0"/>
+                <a:cs typeface="Times New Roman" panose="02020603050405020304" pitchFamily="18" charset="0"/>
+              </a:rPr>
+              <a:t>To get MFI, we must use standard curve to convert international units to MFI.</a:t>
+            </a:r>
+          </a:p>
+          <a:p>
+            <a:pPr marL="1143000" marR="0" lvl="2" indent="-228600">
+              <a:lnSpc>
+                <a:spcPct val="115000"/>
+              </a:lnSpc>
+              <a:buFont typeface="Wingdings" pitchFamily="2" charset="2"/>
+              <a:buChar char=""/>
+            </a:pPr>
+            <a:r>
+              <a:rPr lang="en-US" sz="1200" kern="100" dirty="0">
+                <a:effectLst/>
+                <a:highlight>
+                  <a:srgbClr val="FFFF00"/>
+                </a:highlight>
+                <a:latin typeface="Aptos" panose="020B0004020202020204" pitchFamily="34" charset="0"/>
+                <a:ea typeface="Aptos" panose="020B0004020202020204" pitchFamily="34" charset="0"/>
+                <a:cs typeface="Times New Roman" panose="02020603050405020304" pitchFamily="18" charset="0"/>
+              </a:rPr>
+              <a:t>To convert this, </a:t>
+            </a:r>
+            <a:r>
+              <a:rPr lang="en-US" sz="800" kern="100" dirty="0">
+                <a:effectLst/>
+                <a:latin typeface="Aptos" panose="020B0004020202020204" pitchFamily="34" charset="0"/>
+                <a:ea typeface="Aptos" panose="020B0004020202020204" pitchFamily="34" charset="0"/>
+                <a:cs typeface="Times New Roman" panose="02020603050405020304" pitchFamily="18" charset="0"/>
+              </a:rPr>
+              <a:t> </a:t>
+            </a:r>
+            <a:r>
+              <a:rPr lang="en-US" sz="1200" kern="100" dirty="0">
+                <a:effectLst/>
+                <a:highlight>
+                  <a:srgbClr val="FFFF00"/>
+                </a:highlight>
+                <a:latin typeface="Aptos" panose="020B0004020202020204" pitchFamily="34" charset="0"/>
+                <a:ea typeface="Aptos" panose="020B0004020202020204" pitchFamily="34" charset="0"/>
+                <a:cs typeface="Times New Roman" panose="02020603050405020304" pitchFamily="18" charset="0"/>
+              </a:rPr>
+              <a:t>we need to use standards from controls samples that were tested at different known concentrations that will have different UIs. From this, we can convert the standardized UI to an MFI value that we can compare to our data. </a:t>
+            </a:r>
+            <a:endParaRPr lang="en-US" sz="1200" kern="100" dirty="0">
+              <a:effectLst/>
+              <a:latin typeface="Aptos" panose="020B0004020202020204" pitchFamily="34" charset="0"/>
+              <a:ea typeface="Aptos" panose="020B0004020202020204" pitchFamily="34" charset="0"/>
+              <a:cs typeface="Times New Roman" panose="02020603050405020304" pitchFamily="18" charset="0"/>
+            </a:endParaRPr>
+          </a:p>
+          <a:p>
+            <a:pPr marL="1143000" marR="0" lvl="2" indent="-228600">
+              <a:lnSpc>
+                <a:spcPct val="115000"/>
+              </a:lnSpc>
+              <a:buFont typeface="Wingdings" pitchFamily="2" charset="2"/>
+              <a:buChar char=""/>
+            </a:pPr>
+            <a:r>
+              <a:rPr lang="en-US" sz="1200" kern="100" dirty="0">
+                <a:effectLst/>
+                <a:highlight>
+                  <a:srgbClr val="FFFF00"/>
+                </a:highlight>
+                <a:latin typeface="Aptos" panose="020B0004020202020204" pitchFamily="34" charset="0"/>
+                <a:ea typeface="Aptos" panose="020B0004020202020204" pitchFamily="34" charset="0"/>
+                <a:cs typeface="Times New Roman" panose="02020603050405020304" pitchFamily="18" charset="0"/>
+              </a:rPr>
+              <a:t>The standard curve is created using </a:t>
+            </a:r>
+            <a:r>
+              <a:rPr lang="en-US" sz="1200" b="1" kern="100" dirty="0">
+                <a:effectLst/>
+                <a:highlight>
+                  <a:srgbClr val="FFFF00"/>
+                </a:highlight>
+                <a:latin typeface="Aptos" panose="020B0004020202020204" pitchFamily="34" charset="0"/>
+                <a:ea typeface="Aptos" panose="020B0004020202020204" pitchFamily="34" charset="0"/>
+                <a:cs typeface="Times New Roman" panose="02020603050405020304" pitchFamily="18" charset="0"/>
+              </a:rPr>
+              <a:t>known concentrations</a:t>
+            </a:r>
+            <a:r>
+              <a:rPr lang="en-US" sz="1200" kern="100" dirty="0">
+                <a:effectLst/>
+                <a:highlight>
+                  <a:srgbClr val="FFFF00"/>
+                </a:highlight>
+                <a:latin typeface="Aptos" panose="020B0004020202020204" pitchFamily="34" charset="0"/>
+                <a:ea typeface="Aptos" panose="020B0004020202020204" pitchFamily="34" charset="0"/>
+                <a:cs typeface="Times New Roman" panose="02020603050405020304" pitchFamily="18" charset="0"/>
+              </a:rPr>
+              <a:t> of antibody standards, measured on the same plate as the unknown samples.</a:t>
+            </a:r>
+            <a:endParaRPr lang="en-US" sz="1200" kern="100" dirty="0">
+              <a:effectLst/>
+              <a:latin typeface="Aptos" panose="020B0004020202020204" pitchFamily="34" charset="0"/>
+              <a:ea typeface="Aptos" panose="020B0004020202020204" pitchFamily="34" charset="0"/>
+              <a:cs typeface="Times New Roman" panose="02020603050405020304" pitchFamily="18" charset="0"/>
+            </a:endParaRPr>
+          </a:p>
+          <a:p>
+            <a:pPr marL="1143000" marR="0" lvl="2" indent="-228600">
+              <a:lnSpc>
+                <a:spcPct val="115000"/>
+              </a:lnSpc>
+              <a:spcAft>
+                <a:spcPts val="800"/>
+              </a:spcAft>
+              <a:buFont typeface="Wingdings" pitchFamily="2" charset="2"/>
+              <a:buChar char=""/>
+            </a:pPr>
+            <a:r>
+              <a:rPr lang="en-US" sz="1200" kern="100" dirty="0">
+                <a:effectLst/>
+                <a:highlight>
+                  <a:srgbClr val="FFFF00"/>
+                </a:highlight>
+                <a:latin typeface="Aptos" panose="020B0004020202020204" pitchFamily="34" charset="0"/>
+                <a:ea typeface="Aptos" panose="020B0004020202020204" pitchFamily="34" charset="0"/>
+                <a:cs typeface="Times New Roman" panose="02020603050405020304" pitchFamily="18" charset="0"/>
+              </a:rPr>
+              <a:t>First we fit a model to our data to establish the relationship between </a:t>
+            </a:r>
+            <a:r>
+              <a:rPr lang="en-US" sz="1200" b="1" kern="100" dirty="0">
+                <a:effectLst/>
+                <a:highlight>
+                  <a:srgbClr val="FFFF00"/>
+                </a:highlight>
+                <a:latin typeface="Aptos" panose="020B0004020202020204" pitchFamily="34" charset="0"/>
+                <a:ea typeface="Aptos" panose="020B0004020202020204" pitchFamily="34" charset="0"/>
+                <a:cs typeface="Times New Roman" panose="02020603050405020304" pitchFamily="18" charset="0"/>
+              </a:rPr>
+              <a:t>MFI values</a:t>
+            </a:r>
+            <a:r>
+              <a:rPr lang="en-US" sz="1200" kern="100" dirty="0">
+                <a:effectLst/>
+                <a:highlight>
+                  <a:srgbClr val="FFFF00"/>
+                </a:highlight>
+                <a:latin typeface="Aptos" panose="020B0004020202020204" pitchFamily="34" charset="0"/>
+                <a:ea typeface="Aptos" panose="020B0004020202020204" pitchFamily="34" charset="0"/>
+                <a:cs typeface="Times New Roman" panose="02020603050405020304" pitchFamily="18" charset="0"/>
+              </a:rPr>
+              <a:t> and known </a:t>
+            </a:r>
+            <a:r>
+              <a:rPr lang="en-US" sz="1200" b="1" kern="100" dirty="0">
+                <a:effectLst/>
+                <a:highlight>
+                  <a:srgbClr val="FFFF00"/>
+                </a:highlight>
+                <a:latin typeface="Aptos" panose="020B0004020202020204" pitchFamily="34" charset="0"/>
+                <a:ea typeface="Aptos" panose="020B0004020202020204" pitchFamily="34" charset="0"/>
+                <a:cs typeface="Times New Roman" panose="02020603050405020304" pitchFamily="18" charset="0"/>
+              </a:rPr>
+              <a:t>IU/mL concentrations</a:t>
+            </a:r>
+            <a:r>
+              <a:rPr lang="en-US" sz="1200" kern="100" dirty="0">
+                <a:effectLst/>
+                <a:highlight>
+                  <a:srgbClr val="FFFF00"/>
+                </a:highlight>
+                <a:latin typeface="Aptos" panose="020B0004020202020204" pitchFamily="34" charset="0"/>
+                <a:ea typeface="Aptos" panose="020B0004020202020204" pitchFamily="34" charset="0"/>
+                <a:cs typeface="Times New Roman" panose="02020603050405020304" pitchFamily="18" charset="0"/>
+              </a:rPr>
+              <a:t>.</a:t>
+            </a:r>
+            <a:endParaRPr lang="en-US" sz="1200" kern="100" dirty="0">
+              <a:effectLst/>
+              <a:latin typeface="Aptos" panose="020B0004020202020204" pitchFamily="34" charset="0"/>
+              <a:ea typeface="Aptos" panose="020B0004020202020204" pitchFamily="34" charset="0"/>
+              <a:cs typeface="Times New Roman" panose="02020603050405020304" pitchFamily="18" charset="0"/>
+            </a:endParaRPr>
+          </a:p>
+          <a:p>
+            <a:endParaRPr lang="en-US" dirty="0"/>
+          </a:p>
+          <a:p>
+            <a:pPr marL="0" marR="0">
+              <a:lnSpc>
+                <a:spcPct val="115000"/>
+              </a:lnSpc>
+              <a:spcAft>
+                <a:spcPts val="800"/>
+              </a:spcAft>
+              <a:buNone/>
+            </a:pPr>
+            <a:endParaRPr lang="en-US" sz="1800" kern="100" dirty="0">
+              <a:effectLst/>
+              <a:latin typeface="Aptos" panose="020B0004020202020204" pitchFamily="34" charset="0"/>
+              <a:ea typeface="Aptos" panose="020B0004020202020204" pitchFamily="34" charset="0"/>
+              <a:cs typeface="Times New Roman" panose="02020603050405020304" pitchFamily="18" charset="0"/>
+            </a:endParaRPr>
+          </a:p>
+          <a:p>
+            <a:pPr marL="0" marR="0">
+              <a:lnSpc>
+                <a:spcPct val="115000"/>
+              </a:lnSpc>
+              <a:spcAft>
+                <a:spcPts val="800"/>
+              </a:spcAft>
+              <a:buNone/>
+            </a:pPr>
+            <a:r>
+              <a:rPr lang="en-US" sz="1200" kern="100" dirty="0" err="1">
+                <a:solidFill>
+                  <a:srgbClr val="000000"/>
+                </a:solidFill>
+                <a:effectLst/>
+                <a:latin typeface="Aptos" panose="020B0004020202020204" pitchFamily="34" charset="0"/>
+                <a:ea typeface="Aptos" panose="020B0004020202020204" pitchFamily="34" charset="0"/>
+                <a:cs typeface="Times New Roman" panose="02020603050405020304" pitchFamily="18" charset="0"/>
+              </a:rPr>
+              <a:t>Chatgpt</a:t>
+            </a:r>
+            <a:r>
+              <a:rPr lang="en-US" sz="1200" kern="100" dirty="0">
+                <a:solidFill>
+                  <a:srgbClr val="000000"/>
+                </a:solidFill>
+                <a:effectLst/>
+                <a:latin typeface="Aptos" panose="020B0004020202020204" pitchFamily="34" charset="0"/>
+                <a:ea typeface="Aptos" panose="020B0004020202020204" pitchFamily="34" charset="0"/>
+                <a:cs typeface="Times New Roman" panose="02020603050405020304" pitchFamily="18" charset="0"/>
+              </a:rPr>
+              <a:t> prompt: in the same style as you did previously, write a section describing how to use the results of a standard curve. Standard curve is on a plate with results as MFI values from a multiplex bead assay. I want to use results from a standard curve to then convert international units to </a:t>
+            </a:r>
+            <a:r>
+              <a:rPr lang="en-US" sz="1200" kern="100" dirty="0" err="1">
+                <a:solidFill>
+                  <a:srgbClr val="000000"/>
+                </a:solidFill>
+                <a:effectLst/>
+                <a:latin typeface="Aptos" panose="020B0004020202020204" pitchFamily="34" charset="0"/>
+                <a:ea typeface="Aptos" panose="020B0004020202020204" pitchFamily="34" charset="0"/>
+                <a:cs typeface="Times New Roman" panose="02020603050405020304" pitchFamily="18" charset="0"/>
+              </a:rPr>
+              <a:t>mfi</a:t>
+            </a:r>
+            <a:r>
+              <a:rPr lang="en-US" sz="1200" kern="100" dirty="0">
+                <a:solidFill>
+                  <a:srgbClr val="000000"/>
+                </a:solidFill>
+                <a:effectLst/>
+                <a:latin typeface="Aptos" panose="020B0004020202020204" pitchFamily="34" charset="0"/>
+                <a:ea typeface="Aptos" panose="020B0004020202020204" pitchFamily="34" charset="0"/>
+                <a:cs typeface="Times New Roman" panose="02020603050405020304" pitchFamily="18" charset="0"/>
+              </a:rPr>
+              <a:t> to determine the cutoffs in a serological surveillance study.</a:t>
+            </a:r>
+            <a:endParaRPr lang="en-US" sz="1800" kern="100" dirty="0">
+              <a:effectLst/>
+              <a:latin typeface="Aptos" panose="020B0004020202020204" pitchFamily="34" charset="0"/>
+              <a:ea typeface="Aptos" panose="020B0004020202020204" pitchFamily="34" charset="0"/>
+              <a:cs typeface="Times New Roman" panose="02020603050405020304" pitchFamily="18" charset="0"/>
+            </a:endParaRPr>
+          </a:p>
+          <a:p>
+            <a:pPr marL="0" marR="0">
+              <a:lnSpc>
+                <a:spcPct val="115000"/>
+              </a:lnSpc>
+              <a:spcAft>
+                <a:spcPts val="800"/>
+              </a:spcAft>
+            </a:pPr>
+            <a:r>
+              <a:rPr lang="en-US" sz="1800" kern="100" dirty="0">
+                <a:effectLst/>
+                <a:latin typeface="Aptos" panose="020B0004020202020204" pitchFamily="34" charset="0"/>
+                <a:ea typeface="Aptos" panose="020B0004020202020204" pitchFamily="34" charset="0"/>
+                <a:cs typeface="Times New Roman" panose="02020603050405020304" pitchFamily="18" charset="0"/>
+              </a:rPr>
+              <a:t> </a:t>
+            </a:r>
+          </a:p>
+          <a:p>
+            <a:endParaRPr lang="en-US" dirty="0"/>
+          </a:p>
+        </p:txBody>
+      </p:sp>
+      <p:sp>
+        <p:nvSpPr>
+          <p:cNvPr id="4" name="Slide Number Placeholder 3">
+            <a:extLst>
+              <a:ext uri="{FF2B5EF4-FFF2-40B4-BE49-F238E27FC236}">
+                <a16:creationId xmlns:a16="http://schemas.microsoft.com/office/drawing/2014/main" id="{C81D5B59-F760-4872-C94F-9F3F1098D2B3}"/>
+              </a:ext>
+            </a:extLst>
+          </p:cNvPr>
+          <p:cNvSpPr>
+            <a:spLocks noGrp="1"/>
+          </p:cNvSpPr>
+          <p:nvPr>
+            <p:ph type="sldNum" sz="quarter" idx="5"/>
+          </p:nvPr>
+        </p:nvSpPr>
+        <p:spPr/>
+        <p:txBody>
+          <a:bodyPr/>
+          <a:lstStyle/>
+          <a:p>
+            <a:fld id="{996BBC3D-3E8B-F74A-BA84-000B911EA6F4}" type="slidenum">
+              <a:rPr lang="en-US" smtClean="0"/>
+              <a:t>12</a:t>
+            </a:fld>
+            <a:endParaRPr lang="en-US"/>
+          </a:p>
+        </p:txBody>
+      </p:sp>
+    </p:spTree>
+    <p:extLst>
+      <p:ext uri="{BB962C8B-B14F-4D97-AF65-F5344CB8AC3E}">
+        <p14:creationId xmlns:p14="http://schemas.microsoft.com/office/powerpoint/2010/main" val="2828461043"/>
+      </p:ext>
+    </p:extLst>
+  </p:cSld>
+  <p:clrMapOvr>
+    <a:masterClrMapping/>
+  </p:clrMapOvr>
+</p:notes>
+</file>
+
+<file path=ppt/notesSlides/notesSlide12.xml><?xml version="1.0" encoding="utf-8"?>
+<p:notes xmlns:a="http://schemas.openxmlformats.org/drawingml/2006/main" xmlns:r="http://schemas.openxmlformats.org/officeDocument/2006/relationships" xmlns:p="http://schemas.openxmlformats.org/presentationml/2006/main">
+  <p:cSld>
+    <p:spTree>
+      <p:nvGrpSpPr>
+        <p:cNvPr id="1" name="">
+          <a:extLst>
+            <a:ext uri="{FF2B5EF4-FFF2-40B4-BE49-F238E27FC236}">
               <a16:creationId xmlns:a16="http://schemas.microsoft.com/office/drawing/2014/main" id="{29F4D180-BF76-05A6-9225-17488FD8E65A}"/>
             </a:ext>
           </a:extLst>
@@ -1491,7 +1936,7 @@
           <a:p>
             <a:fld id="{996BBC3D-3E8B-F74A-BA84-000B911EA6F4}" type="slidenum">
               <a:rPr lang="en-US" smtClean="0"/>
-              <a:t>12</a:t>
+              <a:t>13</a:t>
             </a:fld>
             <a:endParaRPr lang="en-US"/>
           </a:p>
@@ -1510,7 +1955,7 @@
 </p:notes>
 </file>
 
-<file path=ppt/notesSlides/notesSlide12.xml><?xml version="1.0" encoding="utf-8"?>
+<file path=ppt/notesSlides/notesSlide13.xml><?xml version="1.0" encoding="utf-8"?>
 <p:notes xmlns:a="http://schemas.openxmlformats.org/drawingml/2006/main" xmlns:r="http://schemas.openxmlformats.org/officeDocument/2006/relationships" xmlns:p="http://schemas.openxmlformats.org/presentationml/2006/main">
   <p:cSld>
     <p:spTree>
@@ -1692,7 +2137,7 @@
           <a:p>
             <a:fld id="{996BBC3D-3E8B-F74A-BA84-000B911EA6F4}" type="slidenum">
               <a:rPr lang="en-US" smtClean="0"/>
-              <a:t>17</a:t>
+              <a:t>18</a:t>
             </a:fld>
             <a:endParaRPr lang="en-US"/>
           </a:p>
@@ -1702,183 +2147,6 @@
     <p:extLst>
       <p:ext uri="{BB962C8B-B14F-4D97-AF65-F5344CB8AC3E}">
         <p14:creationId xmlns:p14="http://schemas.microsoft.com/office/powerpoint/2010/main" val="3142946872"/>
-      </p:ext>
-    </p:extLst>
-  </p:cSld>
-  <p:clrMapOvr>
-    <a:masterClrMapping/>
-  </p:clrMapOvr>
-</p:notes>
-</file>
-
-<file path=ppt/notesSlides/notesSlide13.xml><?xml version="1.0" encoding="utf-8"?>
-<p:notes xmlns:a="http://schemas.openxmlformats.org/drawingml/2006/main" xmlns:r="http://schemas.openxmlformats.org/officeDocument/2006/relationships" xmlns:p="http://schemas.openxmlformats.org/presentationml/2006/main">
-  <p:cSld>
-    <p:spTree>
-      <p:nvGrpSpPr>
-        <p:cNvPr id="1" name=""/>
-        <p:cNvGrpSpPr/>
-        <p:nvPr/>
-      </p:nvGrpSpPr>
-      <p:grpSpPr>
-        <a:xfrm>
-          <a:off x="0" y="0"/>
-          <a:ext cx="0" cy="0"/>
-          <a:chOff x="0" y="0"/>
-          <a:chExt cx="0" cy="0"/>
-        </a:xfrm>
-      </p:grpSpPr>
-      <p:sp>
-        <p:nvSpPr>
-          <p:cNvPr id="2" name="Slide Image Placeholder 1"/>
-          <p:cNvSpPr>
-            <a:spLocks noGrp="1" noRot="1" noChangeAspect="1"/>
-          </p:cNvSpPr>
-          <p:nvPr>
-            <p:ph type="sldImg"/>
-          </p:nvPr>
-        </p:nvSpPr>
-        <p:spPr/>
-      </p:sp>
-      <p:sp>
-        <p:nvSpPr>
-          <p:cNvPr id="3" name="Notes Placeholder 2"/>
-          <p:cNvSpPr>
-            <a:spLocks noGrp="1"/>
-          </p:cNvSpPr>
-          <p:nvPr>
-            <p:ph type="body" idx="1"/>
-          </p:nvPr>
-        </p:nvSpPr>
-        <p:spPr/>
-        <p:txBody>
-          <a:bodyPr/>
-          <a:lstStyle/>
-          <a:p>
-            <a:pPr marL="342900" marR="0" lvl="0" indent="-342900">
-              <a:lnSpc>
-                <a:spcPct val="115000"/>
-              </a:lnSpc>
-              <a:buFont typeface="Symbol" pitchFamily="2" charset="2"/>
-              <a:buChar char=""/>
-            </a:pPr>
-            <a:r>
-              <a:rPr lang="en-US" sz="1200" kern="100" dirty="0">
-                <a:effectLst/>
-                <a:latin typeface="Aptos" panose="020B0004020202020204" pitchFamily="34" charset="0"/>
-                <a:ea typeface="Aptos" panose="020B0004020202020204" pitchFamily="34" charset="0"/>
-                <a:cs typeface="Times New Roman" panose="02020603050405020304" pitchFamily="18" charset="0"/>
-              </a:rPr>
-              <a:t>Interpretation of these numbers: ask participants what they think (5-10 min with discussion)</a:t>
-            </a:r>
-          </a:p>
-          <a:p>
-            <a:pPr marL="742950" marR="0" lvl="1" indent="-285750">
-              <a:lnSpc>
-                <a:spcPct val="115000"/>
-              </a:lnSpc>
-              <a:buFont typeface="Courier New" panose="02070309020205020404" pitchFamily="49" charset="0"/>
-              <a:buChar char="o"/>
-            </a:pPr>
-            <a:r>
-              <a:rPr lang="en-US" sz="1200" kern="100" dirty="0">
-                <a:effectLst/>
-                <a:latin typeface="Aptos" panose="020B0004020202020204" pitchFamily="34" charset="0"/>
-                <a:ea typeface="Aptos" panose="020B0004020202020204" pitchFamily="34" charset="0"/>
-                <a:cs typeface="Times New Roman" panose="02020603050405020304" pitchFamily="18" charset="0"/>
-              </a:rPr>
-              <a:t>Percentage of people who have been exposed to vaccine or natural infection</a:t>
-            </a:r>
-          </a:p>
-          <a:p>
-            <a:pPr marL="742950" marR="0" lvl="1" indent="-285750">
-              <a:lnSpc>
-                <a:spcPct val="115000"/>
-              </a:lnSpc>
-              <a:buFont typeface="Courier New" panose="02070309020205020404" pitchFamily="49" charset="0"/>
-              <a:buChar char="o"/>
-            </a:pPr>
-            <a:r>
-              <a:rPr lang="en-US" sz="1200" kern="100" dirty="0">
-                <a:effectLst/>
-                <a:latin typeface="Aptos" panose="020B0004020202020204" pitchFamily="34" charset="0"/>
-                <a:ea typeface="Aptos" panose="020B0004020202020204" pitchFamily="34" charset="0"/>
-                <a:cs typeface="Times New Roman" panose="02020603050405020304" pitchFamily="18" charset="0"/>
-              </a:rPr>
-              <a:t>How might interpretation change based on what we know about measles spread in region and spread of vaccination (</a:t>
-            </a:r>
-            <a:r>
-              <a:rPr lang="en-US" sz="1200" kern="100" dirty="0" err="1">
-                <a:effectLst/>
-                <a:latin typeface="Aptos" panose="020B0004020202020204" pitchFamily="34" charset="0"/>
-                <a:ea typeface="Aptos" panose="020B0004020202020204" pitchFamily="34" charset="0"/>
-                <a:cs typeface="Times New Roman" panose="02020603050405020304" pitchFamily="18" charset="0"/>
-              </a:rPr>
-              <a:t>eg</a:t>
-            </a:r>
-            <a:r>
-              <a:rPr lang="en-US" sz="1200" kern="100" dirty="0">
-                <a:effectLst/>
-                <a:latin typeface="Aptos" panose="020B0004020202020204" pitchFamily="34" charset="0"/>
-                <a:ea typeface="Aptos" panose="020B0004020202020204" pitchFamily="34" charset="0"/>
-                <a:cs typeface="Times New Roman" panose="02020603050405020304" pitchFamily="18" charset="0"/>
-              </a:rPr>
-              <a:t>, if there’s no/little vaccination in area, we could interpret seroprevalence as indication of spread of disease, and if there’s little evidence of disease in area, this is more indication of vaccination</a:t>
-            </a:r>
-          </a:p>
-          <a:p>
-            <a:pPr marL="742950" marR="0" lvl="1" indent="-285750">
-              <a:lnSpc>
-                <a:spcPct val="115000"/>
-              </a:lnSpc>
-              <a:spcAft>
-                <a:spcPts val="800"/>
-              </a:spcAft>
-              <a:buFont typeface="Courier New" panose="02070309020205020404" pitchFamily="49" charset="0"/>
-              <a:buChar char="o"/>
-            </a:pPr>
-            <a:r>
-              <a:rPr lang="en-US" sz="1200" kern="100" dirty="0">
-                <a:effectLst/>
-                <a:latin typeface="Aptos" panose="020B0004020202020204" pitchFamily="34" charset="0"/>
-                <a:ea typeface="Aptos" panose="020B0004020202020204" pitchFamily="34" charset="0"/>
-                <a:cs typeface="Times New Roman" panose="02020603050405020304" pitchFamily="18" charset="0"/>
-              </a:rPr>
-              <a:t>Cutoff is correlate as protection, so could also show which individuals are susceptible to future infection, and whether there could be outbreaks in region</a:t>
-            </a:r>
-          </a:p>
-          <a:p>
-            <a:endParaRPr lang="en-US" dirty="0"/>
-          </a:p>
-        </p:txBody>
-      </p:sp>
-      <p:sp>
-        <p:nvSpPr>
-          <p:cNvPr id="4" name="Slide Number Placeholder 3"/>
-          <p:cNvSpPr>
-            <a:spLocks noGrp="1"/>
-          </p:cNvSpPr>
-          <p:nvPr>
-            <p:ph type="sldNum" sz="quarter" idx="5"/>
-          </p:nvPr>
-        </p:nvSpPr>
-        <p:spPr/>
-        <p:txBody>
-          <a:bodyPr/>
-          <a:lstStyle/>
-          <a:p>
-            <a:fld id="{996BBC3D-3E8B-F74A-BA84-000B911EA6F4}" type="slidenum">
-              <a:rPr lang="en-US" smtClean="0"/>
-              <a:t>18</a:t>
-            </a:fld>
-            <a:endParaRPr lang="en-US"/>
-          </a:p>
-        </p:txBody>
-      </p:sp>
-    </p:spTree>
-    <p:extLst>
-      <p:ext uri="{BB962C8B-B14F-4D97-AF65-F5344CB8AC3E}">
-        <p14:creationId xmlns:p14="http://schemas.microsoft.com/office/powerpoint/2010/main" val="1474936325"/>
       </p:ext>
     </p:extLst>
   </p:cSld>
@@ -1939,28 +2207,14 @@
               <a:buFont typeface="Symbol" pitchFamily="2" charset="2"/>
               <a:buChar char=""/>
             </a:pPr>
-            <a:endParaRPr lang="en-US" kern="100" dirty="0">
-              <a:latin typeface="Aptos" panose="020B0004020202020204" pitchFamily="34" charset="0"/>
-              <a:ea typeface="Aptos" panose="020B0004020202020204" pitchFamily="34" charset="0"/>
-              <a:cs typeface="Times New Roman" panose="02020603050405020304" pitchFamily="18" charset="0"/>
-            </a:endParaRPr>
-          </a:p>
-          <a:p>
-            <a:pPr marL="342900" marR="0" lvl="0" indent="-342900">
-              <a:lnSpc>
-                <a:spcPct val="115000"/>
-              </a:lnSpc>
-              <a:buFont typeface="Symbol" pitchFamily="2" charset="2"/>
-              <a:buChar char=""/>
-            </a:pPr>
-            <a:r>
-              <a:rPr lang="en-US" kern="100" dirty="0">
-                <a:effectLst/>
-                <a:latin typeface="Aptos" panose="020B0004020202020204" pitchFamily="34" charset="0"/>
-                <a:ea typeface="Aptos" panose="020B0004020202020204" pitchFamily="34" charset="0"/>
-                <a:cs typeface="Times New Roman" panose="02020603050405020304" pitchFamily="18" charset="0"/>
-              </a:rPr>
-              <a:t>Controls necessary for many cutoff methods (15 min)</a:t>
+            <a:r>
+              <a:rPr lang="en-US" sz="1200" kern="100" dirty="0">
+                <a:effectLst/>
+                <a:latin typeface="Aptos" panose="020B0004020202020204" pitchFamily="34" charset="0"/>
+                <a:ea typeface="Aptos" panose="020B0004020202020204" pitchFamily="34" charset="0"/>
+                <a:cs typeface="Times New Roman" panose="02020603050405020304" pitchFamily="18" charset="0"/>
+              </a:rPr>
+              <a:t>Interpretation of these numbers: ask participants what they think (5-10 min with discussion)</a:t>
             </a:r>
           </a:p>
           <a:p>
@@ -1972,13 +2226,49 @@
               <a:buChar char="o"/>
             </a:pPr>
             <a:r>
-              <a:rPr lang="en-US" sz="2800" kern="100" dirty="0">
-                <a:effectLst/>
-                <a:latin typeface="Aptos" panose="020B0004020202020204" pitchFamily="34" charset="0"/>
-                <a:ea typeface="Aptos" panose="020B0004020202020204" pitchFamily="34" charset="0"/>
-                <a:cs typeface="Times New Roman" panose="02020603050405020304" pitchFamily="18" charset="0"/>
-              </a:rPr>
-              <a:t>For most diseases, we don’t have a correlate of protection</a:t>
+              <a:rPr lang="en-US" sz="1200" kern="100" dirty="0">
+                <a:effectLst/>
+                <a:latin typeface="Aptos" panose="020B0004020202020204" pitchFamily="34" charset="0"/>
+                <a:ea typeface="Aptos" panose="020B0004020202020204" pitchFamily="34" charset="0"/>
+                <a:cs typeface="Times New Roman" panose="02020603050405020304" pitchFamily="18" charset="0"/>
+              </a:rPr>
+              <a:t>Percentage of people who have been exposed to vaccine or natural infection</a:t>
+            </a:r>
+          </a:p>
+          <a:p>
+            <a:pPr marL="742950" marR="0" lvl="1" indent="-285750">
+              <a:lnSpc>
+                <a:spcPct val="115000"/>
+              </a:lnSpc>
+              <a:buFont typeface="Courier New" panose="02070309020205020404" pitchFamily="49" charset="0"/>
+              <a:buChar char="o"/>
+            </a:pPr>
+            <a:r>
+              <a:rPr lang="en-US" sz="1200" kern="100" dirty="0">
+                <a:effectLst/>
+                <a:latin typeface="Aptos" panose="020B0004020202020204" pitchFamily="34" charset="0"/>
+                <a:ea typeface="Aptos" panose="020B0004020202020204" pitchFamily="34" charset="0"/>
+                <a:cs typeface="Times New Roman" panose="02020603050405020304" pitchFamily="18" charset="0"/>
+              </a:rPr>
+              <a:t>How might interpretation change based on what we know about measles spread in region and spread of vaccination (</a:t>
+            </a:r>
+            <a:r>
+              <a:rPr lang="en-US" sz="1200" kern="100" dirty="0" err="1">
+                <a:effectLst/>
+                <a:latin typeface="Aptos" panose="020B0004020202020204" pitchFamily="34" charset="0"/>
+                <a:ea typeface="Aptos" panose="020B0004020202020204" pitchFamily="34" charset="0"/>
+                <a:cs typeface="Times New Roman" panose="02020603050405020304" pitchFamily="18" charset="0"/>
+              </a:rPr>
+              <a:t>eg</a:t>
+            </a:r>
+            <a:r>
+              <a:rPr lang="en-US" sz="1200" kern="100" dirty="0">
+                <a:effectLst/>
+                <a:latin typeface="Aptos" panose="020B0004020202020204" pitchFamily="34" charset="0"/>
+                <a:ea typeface="Aptos" panose="020B0004020202020204" pitchFamily="34" charset="0"/>
+                <a:cs typeface="Times New Roman" panose="02020603050405020304" pitchFamily="18" charset="0"/>
+              </a:rPr>
+              <a:t>, if there’s no/little vaccination in area, we could interpret seroprevalence as indication of spread of disease, and if there’s little evidence of disease in area, this is more indication of vaccination</a:t>
             </a:r>
           </a:p>
           <a:p>
@@ -1993,13 +2283,13 @@
               <a:buChar char="o"/>
             </a:pPr>
             <a:r>
-              <a:rPr lang="en-US" sz="2800" kern="100" dirty="0">
-                <a:effectLst/>
-                <a:latin typeface="Aptos" panose="020B0004020202020204" pitchFamily="34" charset="0"/>
-                <a:ea typeface="Aptos" panose="020B0004020202020204" pitchFamily="34" charset="0"/>
-                <a:cs typeface="Times New Roman" panose="02020603050405020304" pitchFamily="18" charset="0"/>
-              </a:rPr>
-              <a:t>Seropositivity using different cutoffs may have different interpretations. Consider how to interpret seropositivity for the cutoff methods you apply.</a:t>
+              <a:rPr lang="en-US" sz="1200" kern="100" dirty="0">
+                <a:effectLst/>
+                <a:latin typeface="Aptos" panose="020B0004020202020204" pitchFamily="34" charset="0"/>
+                <a:ea typeface="Aptos" panose="020B0004020202020204" pitchFamily="34" charset="0"/>
+                <a:cs typeface="Times New Roman" panose="02020603050405020304" pitchFamily="18" charset="0"/>
+              </a:rPr>
+              <a:t>Cutoff is correlate as protection, so could also show which individuals are susceptible to future infection, and whether there could be outbreaks in region</a:t>
             </a:r>
           </a:p>
           <a:p>
@@ -2024,7 +2314,7 @@
           <a:p>
             <a:fld id="{996BBC3D-3E8B-F74A-BA84-000B911EA6F4}" type="slidenum">
               <a:rPr lang="en-US" smtClean="0"/>
-              <a:t>20</a:t>
+              <a:t>19</a:t>
             </a:fld>
             <a:endParaRPr lang="en-US"/>
           </a:p>
@@ -2033,7 +2323,7 @@
     </p:spTree>
     <p:extLst>
       <p:ext uri="{BB962C8B-B14F-4D97-AF65-F5344CB8AC3E}">
-        <p14:creationId xmlns:p14="http://schemas.microsoft.com/office/powerpoint/2010/main" val="3587419348"/>
+        <p14:creationId xmlns:p14="http://schemas.microsoft.com/office/powerpoint/2010/main" val="1474936325"/>
       </p:ext>
     </p:extLst>
   </p:cSld>
@@ -2087,6 +2377,77 @@
           <a:bodyPr/>
           <a:lstStyle/>
           <a:p>
+            <a:pPr marL="342900" marR="0" lvl="0" indent="-342900">
+              <a:lnSpc>
+                <a:spcPct val="115000"/>
+              </a:lnSpc>
+              <a:buFont typeface="Symbol" pitchFamily="2" charset="2"/>
+              <a:buChar char=""/>
+            </a:pPr>
+            <a:endParaRPr lang="en-US" kern="100" dirty="0">
+              <a:latin typeface="Aptos" panose="020B0004020202020204" pitchFamily="34" charset="0"/>
+              <a:ea typeface="Aptos" panose="020B0004020202020204" pitchFamily="34" charset="0"/>
+              <a:cs typeface="Times New Roman" panose="02020603050405020304" pitchFamily="18" charset="0"/>
+            </a:endParaRPr>
+          </a:p>
+          <a:p>
+            <a:pPr marL="342900" marR="0" lvl="0" indent="-342900">
+              <a:lnSpc>
+                <a:spcPct val="115000"/>
+              </a:lnSpc>
+              <a:buFont typeface="Symbol" pitchFamily="2" charset="2"/>
+              <a:buChar char=""/>
+            </a:pPr>
+            <a:r>
+              <a:rPr lang="en-US" kern="100" dirty="0">
+                <a:effectLst/>
+                <a:latin typeface="Aptos" panose="020B0004020202020204" pitchFamily="34" charset="0"/>
+                <a:ea typeface="Aptos" panose="020B0004020202020204" pitchFamily="34" charset="0"/>
+                <a:cs typeface="Times New Roman" panose="02020603050405020304" pitchFamily="18" charset="0"/>
+              </a:rPr>
+              <a:t>Controls necessary for many cutoff methods (15 min)</a:t>
+            </a:r>
+          </a:p>
+          <a:p>
+            <a:pPr marL="742950" marR="0" lvl="1" indent="-285750">
+              <a:lnSpc>
+                <a:spcPct val="115000"/>
+              </a:lnSpc>
+              <a:buFont typeface="Courier New" panose="02070309020205020404" pitchFamily="49" charset="0"/>
+              <a:buChar char="o"/>
+            </a:pPr>
+            <a:r>
+              <a:rPr lang="en-US" sz="2800" kern="100" dirty="0">
+                <a:effectLst/>
+                <a:latin typeface="Aptos" panose="020B0004020202020204" pitchFamily="34" charset="0"/>
+                <a:ea typeface="Aptos" panose="020B0004020202020204" pitchFamily="34" charset="0"/>
+                <a:cs typeface="Times New Roman" panose="02020603050405020304" pitchFamily="18" charset="0"/>
+              </a:rPr>
+              <a:t>For most diseases, we don’t have a correlate of protection</a:t>
+            </a:r>
+          </a:p>
+          <a:p>
+            <a:pPr marL="742950" marR="0" lvl="1" indent="-285750">
+              <a:lnSpc>
+                <a:spcPct val="115000"/>
+              </a:lnSpc>
+              <a:spcAft>
+                <a:spcPts val="800"/>
+              </a:spcAft>
+              <a:buFont typeface="Courier New" panose="02070309020205020404" pitchFamily="49" charset="0"/>
+              <a:buChar char="o"/>
+            </a:pPr>
+            <a:r>
+              <a:rPr lang="en-US" sz="2800" kern="100" dirty="0">
+                <a:effectLst/>
+                <a:latin typeface="Aptos" panose="020B0004020202020204" pitchFamily="34" charset="0"/>
+                <a:ea typeface="Aptos" panose="020B0004020202020204" pitchFamily="34" charset="0"/>
+                <a:cs typeface="Times New Roman" panose="02020603050405020304" pitchFamily="18" charset="0"/>
+              </a:rPr>
+              <a:t>Seropositivity using different cutoffs may have different interpretations. Consider how to interpret seropositivity for the cutoff methods you apply.</a:t>
+            </a:r>
+          </a:p>
+          <a:p>
             <a:endParaRPr lang="en-US" dirty="0"/>
           </a:p>
         </p:txBody>
@@ -2106,9 +2467,9 @@
           <a:bodyPr/>
           <a:lstStyle/>
           <a:p>
-            <a:fld id="{A7294D4A-3C6D-3543-B453-E3C017326446}" type="slidenum">
+            <a:fld id="{996BBC3D-3E8B-F74A-BA84-000B911EA6F4}" type="slidenum">
               <a:rPr lang="en-US" smtClean="0"/>
-              <a:t>22</a:t>
+              <a:t>21</a:t>
             </a:fld>
             <a:endParaRPr lang="en-US"/>
           </a:p>
@@ -2117,7 +2478,7 @@
     </p:spTree>
     <p:extLst>
       <p:ext uri="{BB962C8B-B14F-4D97-AF65-F5344CB8AC3E}">
-        <p14:creationId xmlns:p14="http://schemas.microsoft.com/office/powerpoint/2010/main" val="3009550890"/>
+        <p14:creationId xmlns:p14="http://schemas.microsoft.com/office/powerpoint/2010/main" val="3587419348"/>
       </p:ext>
     </p:extLst>
   </p:cSld>
@@ -2171,6 +2532,90 @@
           <a:bodyPr/>
           <a:lstStyle/>
           <a:p>
+            <a:endParaRPr lang="en-US" dirty="0"/>
+          </a:p>
+        </p:txBody>
+      </p:sp>
+      <p:sp>
+        <p:nvSpPr>
+          <p:cNvPr id="4" name="Slide Number Placeholder 3"/>
+          <p:cNvSpPr>
+            <a:spLocks noGrp="1"/>
+          </p:cNvSpPr>
+          <p:nvPr>
+            <p:ph type="sldNum" sz="quarter" idx="5"/>
+          </p:nvPr>
+        </p:nvSpPr>
+        <p:spPr/>
+        <p:txBody>
+          <a:bodyPr/>
+          <a:lstStyle/>
+          <a:p>
+            <a:fld id="{A7294D4A-3C6D-3543-B453-E3C017326446}" type="slidenum">
+              <a:rPr lang="en-US" smtClean="0"/>
+              <a:t>23</a:t>
+            </a:fld>
+            <a:endParaRPr lang="en-US"/>
+          </a:p>
+        </p:txBody>
+      </p:sp>
+    </p:spTree>
+    <p:extLst>
+      <p:ext uri="{BB962C8B-B14F-4D97-AF65-F5344CB8AC3E}">
+        <p14:creationId xmlns:p14="http://schemas.microsoft.com/office/powerpoint/2010/main" val="3009550890"/>
+      </p:ext>
+    </p:extLst>
+  </p:cSld>
+  <p:clrMapOvr>
+    <a:masterClrMapping/>
+  </p:clrMapOvr>
+</p:notes>
+</file>
+
+<file path=ppt/notesSlides/notesSlide17.xml><?xml version="1.0" encoding="utf-8"?>
+<p:notes xmlns:a="http://schemas.openxmlformats.org/drawingml/2006/main" xmlns:r="http://schemas.openxmlformats.org/officeDocument/2006/relationships" xmlns:p="http://schemas.openxmlformats.org/presentationml/2006/main">
+  <p:cSld>
+    <p:spTree>
+      <p:nvGrpSpPr>
+        <p:cNvPr id="1" name=""/>
+        <p:cNvGrpSpPr/>
+        <p:nvPr/>
+      </p:nvGrpSpPr>
+      <p:grpSpPr>
+        <a:xfrm>
+          <a:off x="0" y="0"/>
+          <a:ext cx="0" cy="0"/>
+          <a:chOff x="0" y="0"/>
+          <a:chExt cx="0" cy="0"/>
+        </a:xfrm>
+      </p:grpSpPr>
+      <p:sp>
+        <p:nvSpPr>
+          <p:cNvPr id="2" name="Slide Image Placeholder 1"/>
+          <p:cNvSpPr>
+            <a:spLocks noGrp="1" noRot="1" noChangeAspect="1"/>
+          </p:cNvSpPr>
+          <p:nvPr>
+            <p:ph type="sldImg"/>
+          </p:nvPr>
+        </p:nvSpPr>
+        <p:spPr/>
+      </p:sp>
+      <p:sp>
+        <p:nvSpPr>
+          <p:cNvPr id="3" name="Notes Placeholder 2"/>
+          <p:cNvSpPr>
+            <a:spLocks noGrp="1"/>
+          </p:cNvSpPr>
+          <p:nvPr>
+            <p:ph type="body" idx="1"/>
+          </p:nvPr>
+        </p:nvSpPr>
+        <p:spPr/>
+        <p:txBody>
+          <a:bodyPr/>
+          <a:lstStyle/>
+          <a:p>
             <a:pPr marL="1600200" marR="0" lvl="3" indent="-228600">
               <a:lnSpc>
                 <a:spcPct val="115000"/>
@@ -2285,7 +2730,7 @@
           <a:p>
             <a:fld id="{A7294D4A-3C6D-3543-B453-E3C017326446}" type="slidenum">
               <a:rPr lang="en-US" smtClean="0"/>
-              <a:t>26</a:t>
+              <a:t>27</a:t>
             </a:fld>
             <a:endParaRPr lang="en-US"/>
           </a:p>
@@ -5217,7 +5662,12 @@
             <p:ph type="ctrTitle"/>
           </p:nvPr>
         </p:nvSpPr>
-        <p:spPr/>
+        <p:spPr>
+          <a:xfrm>
+            <a:off x="760071" y="1122363"/>
+            <a:ext cx="10671858" cy="2387600"/>
+          </a:xfrm>
+        </p:spPr>
         <p:txBody>
           <a:bodyPr>
             <a:normAutofit/>
@@ -5225,15 +5675,10 @@
           <a:lstStyle/>
           <a:p>
             <a:r>
-              <a:rPr lang="en-US" sz="4000" dirty="0"/>
-              <a:t>Lecture 3</a:t>
-            </a:r>
-            <a:br>
-              <a:rPr lang="en-US" sz="4000" dirty="0"/>
-            </a:br>
-            <a:r>
-              <a:rPr lang="en-US" sz="4000" dirty="0"/>
-              <a:t>Considerations for choosing cutoffs for seropositivity</a:t>
+              <a:rPr lang="en-US" sz="3600" dirty="0">
+                <a:latin typeface="Aptos" panose="020B0004020202020204" pitchFamily="34" charset="0"/>
+              </a:rPr>
+              <a:t>Lecture 3: Visualizations &amp; considerations for binarizing serological data</a:t>
             </a:r>
           </a:p>
         </p:txBody>
@@ -5355,69 +5800,18 @@
           <a:p>
             <a:r>
               <a:rPr lang="en-US" sz="2400" dirty="0"/>
-              <a:t>However, the multiplex assay gives us units in MFI (median fluorescence intensity)</a:t>
+              <a:t>However, the Luminex assay gives us antibody units in MFI (median fluorescence intensity)</a:t>
             </a:r>
           </a:p>
           <a:p>
             <a:r>
               <a:rPr lang="en-US" sz="2400" b="1" dirty="0"/>
-              <a:t>We can convert between IU/ml and MFI using a standard curve, to calculate a correlate of protection in MFI</a:t>
-            </a:r>
-          </a:p>
-        </p:txBody>
-      </p:sp>
-      <p:sp>
-        <p:nvSpPr>
-          <p:cNvPr id="6" name="Title 1">
-            <a:extLst>
-              <a:ext uri="{FF2B5EF4-FFF2-40B4-BE49-F238E27FC236}">
-                <a16:creationId xmlns:a16="http://schemas.microsoft.com/office/drawing/2014/main" id="{39D8C95B-6E24-438E-E8F3-5AEF9778B482}"/>
-              </a:ext>
-            </a:extLst>
-          </p:cNvPr>
-          <p:cNvSpPr txBox="1">
-            <a:spLocks/>
-          </p:cNvSpPr>
-          <p:nvPr/>
-        </p:nvSpPr>
-        <p:spPr>
-          <a:xfrm>
-            <a:off x="990600" y="517525"/>
-            <a:ext cx="10515600" cy="1325563"/>
-          </a:xfrm>
-          <a:prstGeom prst="rect">
-            <a:avLst/>
-          </a:prstGeom>
-        </p:spPr>
-        <p:txBody>
-          <a:bodyPr vert="horz" lIns="91440" tIns="45720" rIns="91440" bIns="45720" rtlCol="0" anchor="ctr">
-            <a:normAutofit/>
-          </a:bodyPr>
-          <a:lstStyle>
-            <a:lvl1pPr algn="l" defTabSz="914400" rtl="0" eaLnBrk="1" latinLnBrk="0" hangingPunct="1">
-              <a:lnSpc>
-                <a:spcPct val="90000"/>
-              </a:lnSpc>
-              <a:spcBef>
-                <a:spcPct val="0"/>
-              </a:spcBef>
-              <a:buNone/>
-              <a:defRPr sz="4400" kern="1200">
-                <a:solidFill>
-                  <a:schemeClr val="tx1"/>
-                </a:solidFill>
-                <a:latin typeface="+mj-lt"/>
-                <a:ea typeface="+mj-ea"/>
-                <a:cs typeface="+mj-cs"/>
-              </a:defRPr>
-            </a:lvl1pPr>
-          </a:lstStyle>
-          <a:p>
-            <a:r>
-              <a:rPr lang="en-US"/>
-              <a:t>Rubella (wruv) histogram</a:t>
-            </a:r>
-            <a:endParaRPr lang="en-US" dirty="0"/>
+              <a:t>We can convert between MFI and IU/ml using a standard curve: </a:t>
+            </a:r>
+            <a:r>
+              <a:rPr lang="en-US" sz="2400" dirty="0"/>
+              <a:t>we convert all MFI values to IU/ml, and apply the 9.36 IU/ml cutoff</a:t>
+            </a:r>
           </a:p>
         </p:txBody>
       </p:sp>
@@ -5451,12 +5845,53 @@
           </a:prstGeom>
         </p:spPr>
       </p:pic>
+      <p:sp>
+        <p:nvSpPr>
+          <p:cNvPr id="2" name="Title 1">
+            <a:extLst>
+              <a:ext uri="{FF2B5EF4-FFF2-40B4-BE49-F238E27FC236}">
+                <a16:creationId xmlns:a16="http://schemas.microsoft.com/office/drawing/2014/main" id="{4BCAD38E-033D-CB5B-C195-0EF57BF558DA}"/>
+              </a:ext>
+            </a:extLst>
+          </p:cNvPr>
+          <p:cNvSpPr>
+            <a:spLocks noGrp="1"/>
+          </p:cNvSpPr>
+          <p:nvPr>
+            <p:ph type="title"/>
+          </p:nvPr>
+        </p:nvSpPr>
+        <p:spPr>
+          <a:xfrm>
+            <a:off x="585938" y="246276"/>
+            <a:ext cx="11353800" cy="1325563"/>
+          </a:xfrm>
+        </p:spPr>
+        <p:txBody>
+          <a:bodyPr/>
+          <a:lstStyle/>
+          <a:p>
+            <a:r>
+              <a:rPr lang="en-US" dirty="0"/>
+              <a:t>Histograms of rubella (</a:t>
+            </a:r>
+            <a:r>
+              <a:rPr lang="en-US" dirty="0" err="1"/>
+              <a:t>wruv</a:t>
+            </a:r>
+            <a:r>
+              <a:rPr lang="en-US" dirty="0"/>
+              <a:t>) antibody responses</a:t>
+            </a:r>
+          </a:p>
+        </p:txBody>
+      </p:sp>
       <p:pic>
         <p:nvPicPr>
-          <p:cNvPr id="8" name="Picture 7" descr="A graph of a number of samples&#10;&#10;AI-generated content may be incorrect.">
+          <p:cNvPr id="4" name="Picture 3" descr="A graph of a number of samples&#10;&#10;AI-generated content may be incorrect.">
             <a:extLst>
               <a:ext uri="{FF2B5EF4-FFF2-40B4-BE49-F238E27FC236}">
-                <a16:creationId xmlns:a16="http://schemas.microsoft.com/office/drawing/2014/main" id="{E2661FBA-548D-1425-B2CE-59D5420E962F}"/>
+                <a16:creationId xmlns:a16="http://schemas.microsoft.com/office/drawing/2014/main" id="{90B37C52-98C6-1C44-D552-BA8D0A7A2F25}"/>
               </a:ext>
             </a:extLst>
           </p:cNvPr>
@@ -5473,7 +5908,7 @@
         </p:blipFill>
         <p:spPr>
           <a:xfrm>
-            <a:off x="6703640" y="1433267"/>
+            <a:off x="6930467" y="1611680"/>
             <a:ext cx="2747964" cy="2747964"/>
           </a:xfrm>
           <a:prstGeom prst="rect">
@@ -5590,8 +6025,8 @@
         </p:nvSpPr>
         <p:spPr>
           <a:xfrm>
-            <a:off x="1097692" y="1863488"/>
-            <a:ext cx="10515600" cy="2747963"/>
+            <a:off x="1022536" y="1766016"/>
+            <a:ext cx="10331264" cy="2129425"/>
           </a:xfrm>
           <a:prstGeom prst="rect">
             <a:avLst/>
@@ -5599,7 +6034,7 @@
         </p:spPr>
         <p:txBody>
           <a:bodyPr vert="horz" lIns="91440" tIns="45720" rIns="91440" bIns="45720" rtlCol="0">
-            <a:normAutofit fontScale="92500" lnSpcReduction="20000"/>
+            <a:normAutofit/>
           </a:bodyPr>
           <a:lstStyle>
             <a:lvl1pPr marL="228600" indent="-228600" algn="l" defTabSz="914400" rtl="0" eaLnBrk="1" latinLnBrk="0" hangingPunct="1">
@@ -5791,71 +6226,93 @@
                 <a:ea typeface="Aptos" panose="020B0004020202020204" pitchFamily="34" charset="0"/>
                 <a:cs typeface="Times New Roman" panose="02020603050405020304" pitchFamily="18" charset="0"/>
               </a:rPr>
-              <a:t> of antibody standards, measured on the same plate as the unknown samples.</a:t>
-            </a:r>
-          </a:p>
-          <a:p>
-            <a:r>
-              <a:rPr lang="en-US" sz="2800" kern="100" dirty="0">
-                <a:effectLst/>
-                <a:latin typeface="Aptos" panose="020B0004020202020204" pitchFamily="34" charset="0"/>
-                <a:ea typeface="Aptos" panose="020B0004020202020204" pitchFamily="34" charset="0"/>
-                <a:cs typeface="Times New Roman" panose="02020603050405020304" pitchFamily="18" charset="0"/>
-              </a:rPr>
-              <a:t>Yesterday we used standard curved to compare variation in results between plates</a:t>
-            </a:r>
-          </a:p>
-          <a:p>
-            <a:r>
-              <a:rPr lang="en-US" sz="2800" kern="100" dirty="0">
-                <a:effectLst/>
-                <a:latin typeface="Aptos" panose="020B0004020202020204" pitchFamily="34" charset="0"/>
-                <a:ea typeface="Aptos" panose="020B0004020202020204" pitchFamily="34" charset="0"/>
-                <a:cs typeface="Times New Roman" panose="02020603050405020304" pitchFamily="18" charset="0"/>
-              </a:rPr>
-              <a:t>First we fit a model to our data to establish the relationship between </a:t>
-            </a:r>
-            <a:r>
-              <a:rPr lang="en-US" sz="2800" b="1" kern="100" dirty="0">
-                <a:effectLst/>
-                <a:latin typeface="Aptos" panose="020B0004020202020204" pitchFamily="34" charset="0"/>
-                <a:ea typeface="Aptos" panose="020B0004020202020204" pitchFamily="34" charset="0"/>
-                <a:cs typeface="Times New Roman" panose="02020603050405020304" pitchFamily="18" charset="0"/>
-              </a:rPr>
-              <a:t>MFI values</a:t>
-            </a:r>
-            <a:r>
-              <a:rPr lang="en-US" sz="2800" kern="100" dirty="0">
-                <a:effectLst/>
-                <a:latin typeface="Aptos" panose="020B0004020202020204" pitchFamily="34" charset="0"/>
-                <a:ea typeface="Aptos" panose="020B0004020202020204" pitchFamily="34" charset="0"/>
-                <a:cs typeface="Times New Roman" panose="02020603050405020304" pitchFamily="18" charset="0"/>
-              </a:rPr>
-              <a:t> and known </a:t>
-            </a:r>
-            <a:r>
-              <a:rPr lang="en-US" sz="2800" b="1" kern="100" dirty="0">
-                <a:effectLst/>
-                <a:latin typeface="Aptos" panose="020B0004020202020204" pitchFamily="34" charset="0"/>
-                <a:ea typeface="Aptos" panose="020B0004020202020204" pitchFamily="34" charset="0"/>
-                <a:cs typeface="Times New Roman" panose="02020603050405020304" pitchFamily="18" charset="0"/>
-              </a:rPr>
-              <a:t>IU/mL concentrations</a:t>
-            </a:r>
-            <a:r>
-              <a:rPr lang="en-US" sz="2800" kern="100" dirty="0">
-                <a:effectLst/>
-                <a:latin typeface="Aptos" panose="020B0004020202020204" pitchFamily="34" charset="0"/>
-                <a:ea typeface="Aptos" panose="020B0004020202020204" pitchFamily="34" charset="0"/>
-                <a:cs typeface="Times New Roman" panose="02020603050405020304" pitchFamily="18" charset="0"/>
-              </a:rPr>
-              <a:t>.</a:t>
-            </a:r>
-          </a:p>
+              <a:t> of antibody standards (e.g., the WHO International Standard for rubella, below), ideally measured on the same plate(s) as the unknown samples.</a:t>
+            </a:r>
+          </a:p>
+        </p:txBody>
+      </p:sp>
+      <p:pic>
+        <p:nvPicPr>
+          <p:cNvPr id="4" name="Picture 3" descr="A close-up of a white background&#10;&#10;AI-generated content may be incorrect.">
+            <a:extLst>
+              <a:ext uri="{FF2B5EF4-FFF2-40B4-BE49-F238E27FC236}">
+                <a16:creationId xmlns:a16="http://schemas.microsoft.com/office/drawing/2014/main" id="{39EB3B71-B86D-9D4C-88E3-2E62F7D9AB4B}"/>
+              </a:ext>
+            </a:extLst>
+          </p:cNvPr>
+          <p:cNvPicPr>
+            <a:picLocks noChangeAspect="1"/>
+          </p:cNvPicPr>
+          <p:nvPr/>
+        </p:nvPicPr>
+        <p:blipFill>
+          <a:blip r:embed="rId3"/>
+          <a:stretch>
+            <a:fillRect/>
+          </a:stretch>
+        </p:blipFill>
+        <p:spPr>
+          <a:xfrm>
+            <a:off x="2209800" y="3651490"/>
+            <a:ext cx="7772400" cy="1985222"/>
+          </a:xfrm>
+          <a:prstGeom prst="rect">
+            <a:avLst/>
+          </a:prstGeom>
+          <a:ln>
+            <a:solidFill>
+              <a:schemeClr val="tx1"/>
+            </a:solidFill>
+          </a:ln>
+        </p:spPr>
+      </p:pic>
+      <p:sp>
+        <p:nvSpPr>
+          <p:cNvPr id="6" name="TextBox 5">
+            <a:extLst>
+              <a:ext uri="{FF2B5EF4-FFF2-40B4-BE49-F238E27FC236}">
+                <a16:creationId xmlns:a16="http://schemas.microsoft.com/office/drawing/2014/main" id="{B54F17DF-D5CA-63FF-C30D-03EE3D86FBA7}"/>
+              </a:ext>
+            </a:extLst>
+          </p:cNvPr>
+          <p:cNvSpPr txBox="1"/>
+          <p:nvPr/>
+        </p:nvSpPr>
+        <p:spPr>
+          <a:xfrm>
+            <a:off x="0" y="5959350"/>
+            <a:ext cx="6106438" cy="369332"/>
+          </a:xfrm>
+          <a:prstGeom prst="rect">
+            <a:avLst/>
+          </a:prstGeom>
+          <a:noFill/>
+        </p:spPr>
+        <p:txBody>
+          <a:bodyPr wrap="square">
+            <a:spAutoFit/>
+          </a:bodyPr>
+          <a:lstStyle/>
           <a:p>
             <a:r>
               <a:rPr lang="en-US" dirty="0"/>
-              <a:t>Then we can use this model to convert the 9.36 IU/ml correlate of protection to an equivalent MFI (or can convert MFI to values in IU/ml) </a:t>
+              <a:t>https://</a:t>
+            </a:r>
+            <a:r>
+              <a:rPr lang="en-US" dirty="0" err="1"/>
+              <a:t>nibsc.org</a:t>
+            </a:r>
+            <a:r>
+              <a:rPr lang="en-US" dirty="0"/>
+              <a:t>/documents/</a:t>
+            </a:r>
+            <a:r>
+              <a:rPr lang="en-US" dirty="0" err="1"/>
+              <a:t>ifu</a:t>
+            </a:r>
+            <a:r>
+              <a:rPr lang="en-US" dirty="0"/>
+              <a:t>/RUBI-1-94.pdf</a:t>
             </a:r>
           </a:p>
         </p:txBody>
@@ -5874,6 +6331,333 @@
 </file>
 
 <file path=ppt/slides/slide12.xml><?xml version="1.0" encoding="utf-8"?>
+<p:sld xmlns:a="http://schemas.openxmlformats.org/drawingml/2006/main" xmlns:r="http://schemas.openxmlformats.org/officeDocument/2006/relationships" xmlns:p="http://schemas.openxmlformats.org/presentationml/2006/main">
+  <p:cSld>
+    <p:spTree>
+      <p:nvGrpSpPr>
+        <p:cNvPr id="1" name="">
+          <a:extLst>
+            <a:ext uri="{FF2B5EF4-FFF2-40B4-BE49-F238E27FC236}">
+              <a16:creationId xmlns:a16="http://schemas.microsoft.com/office/drawing/2014/main" id="{52FB246C-09B7-AD2F-4189-0A49A299BA96}"/>
+            </a:ext>
+          </a:extLst>
+        </p:cNvPr>
+        <p:cNvGrpSpPr/>
+        <p:nvPr/>
+      </p:nvGrpSpPr>
+      <p:grpSpPr>
+        <a:xfrm>
+          <a:off x="0" y="0"/>
+          <a:ext cx="0" cy="0"/>
+          <a:chOff x="0" y="0"/>
+          <a:chExt cx="0" cy="0"/>
+        </a:xfrm>
+      </p:grpSpPr>
+      <p:sp>
+        <p:nvSpPr>
+          <p:cNvPr id="2" name="Title 1">
+            <a:extLst>
+              <a:ext uri="{FF2B5EF4-FFF2-40B4-BE49-F238E27FC236}">
+                <a16:creationId xmlns:a16="http://schemas.microsoft.com/office/drawing/2014/main" id="{06179AE0-36CE-3C5D-D076-A96B65791E8B}"/>
+              </a:ext>
+            </a:extLst>
+          </p:cNvPr>
+          <p:cNvSpPr>
+            <a:spLocks noGrp="1"/>
+          </p:cNvSpPr>
+          <p:nvPr>
+            <p:ph type="title"/>
+          </p:nvPr>
+        </p:nvSpPr>
+        <p:spPr/>
+        <p:txBody>
+          <a:bodyPr/>
+          <a:lstStyle/>
+          <a:p>
+            <a:r>
+              <a:rPr lang="en-US" dirty="0"/>
+              <a:t>Converting MFI values to standardized units (IU/ml) from standard curves </a:t>
+            </a:r>
+          </a:p>
+        </p:txBody>
+      </p:sp>
+      <p:sp>
+        <p:nvSpPr>
+          <p:cNvPr id="7" name="Content Placeholder 2">
+            <a:extLst>
+              <a:ext uri="{FF2B5EF4-FFF2-40B4-BE49-F238E27FC236}">
+                <a16:creationId xmlns:a16="http://schemas.microsoft.com/office/drawing/2014/main" id="{26A3A10E-945D-095D-879A-C747F2945BAE}"/>
+              </a:ext>
+            </a:extLst>
+          </p:cNvPr>
+          <p:cNvSpPr txBox="1">
+            <a:spLocks/>
+          </p:cNvSpPr>
+          <p:nvPr/>
+        </p:nvSpPr>
+        <p:spPr>
+          <a:xfrm>
+            <a:off x="1097692" y="1863488"/>
+            <a:ext cx="10256108" cy="4149005"/>
+          </a:xfrm>
+          <a:prstGeom prst="rect">
+            <a:avLst/>
+          </a:prstGeom>
+        </p:spPr>
+        <p:txBody>
+          <a:bodyPr vert="horz" lIns="91440" tIns="45720" rIns="91440" bIns="45720" rtlCol="0">
+            <a:normAutofit/>
+          </a:bodyPr>
+          <a:lstStyle>
+            <a:lvl1pPr marL="228600" indent="-228600" algn="l" defTabSz="914400" rtl="0" eaLnBrk="1" latinLnBrk="0" hangingPunct="1">
+              <a:lnSpc>
+                <a:spcPct val="90000"/>
+              </a:lnSpc>
+              <a:spcBef>
+                <a:spcPts val="1000"/>
+              </a:spcBef>
+              <a:buFont typeface="Arial" panose="020B0604020202020204" pitchFamily="34" charset="0"/>
+              <a:buChar char="•"/>
+              <a:defRPr sz="2800" kern="1200">
+                <a:solidFill>
+                  <a:schemeClr val="tx1"/>
+                </a:solidFill>
+                <a:latin typeface="+mn-lt"/>
+                <a:ea typeface="+mn-ea"/>
+                <a:cs typeface="+mn-cs"/>
+              </a:defRPr>
+            </a:lvl1pPr>
+            <a:lvl2pPr marL="685800" indent="-228600" algn="l" defTabSz="914400" rtl="0" eaLnBrk="1" latinLnBrk="0" hangingPunct="1">
+              <a:lnSpc>
+                <a:spcPct val="90000"/>
+              </a:lnSpc>
+              <a:spcBef>
+                <a:spcPts val="500"/>
+              </a:spcBef>
+              <a:buFont typeface="Arial" panose="020B0604020202020204" pitchFamily="34" charset="0"/>
+              <a:buChar char="•"/>
+              <a:defRPr sz="2400" kern="1200">
+                <a:solidFill>
+                  <a:schemeClr val="tx1"/>
+                </a:solidFill>
+                <a:latin typeface="+mn-lt"/>
+                <a:ea typeface="+mn-ea"/>
+                <a:cs typeface="+mn-cs"/>
+              </a:defRPr>
+            </a:lvl2pPr>
+            <a:lvl3pPr marL="1143000" indent="-228600" algn="l" defTabSz="914400" rtl="0" eaLnBrk="1" latinLnBrk="0" hangingPunct="1">
+              <a:lnSpc>
+                <a:spcPct val="90000"/>
+              </a:lnSpc>
+              <a:spcBef>
+                <a:spcPts val="500"/>
+              </a:spcBef>
+              <a:buFont typeface="Arial" panose="020B0604020202020204" pitchFamily="34" charset="0"/>
+              <a:buChar char="•"/>
+              <a:defRPr sz="2000" kern="1200">
+                <a:solidFill>
+                  <a:schemeClr val="tx1"/>
+                </a:solidFill>
+                <a:latin typeface="+mn-lt"/>
+                <a:ea typeface="+mn-ea"/>
+                <a:cs typeface="+mn-cs"/>
+              </a:defRPr>
+            </a:lvl3pPr>
+            <a:lvl4pPr marL="1600200" indent="-228600" algn="l" defTabSz="914400" rtl="0" eaLnBrk="1" latinLnBrk="0" hangingPunct="1">
+              <a:lnSpc>
+                <a:spcPct val="90000"/>
+              </a:lnSpc>
+              <a:spcBef>
+                <a:spcPts val="500"/>
+              </a:spcBef>
+              <a:buFont typeface="Arial" panose="020B0604020202020204" pitchFamily="34" charset="0"/>
+              <a:buChar char="•"/>
+              <a:defRPr sz="1800" kern="1200">
+                <a:solidFill>
+                  <a:schemeClr val="tx1"/>
+                </a:solidFill>
+                <a:latin typeface="+mn-lt"/>
+                <a:ea typeface="+mn-ea"/>
+                <a:cs typeface="+mn-cs"/>
+              </a:defRPr>
+            </a:lvl4pPr>
+            <a:lvl5pPr marL="2057400" indent="-228600" algn="l" defTabSz="914400" rtl="0" eaLnBrk="1" latinLnBrk="0" hangingPunct="1">
+              <a:lnSpc>
+                <a:spcPct val="90000"/>
+              </a:lnSpc>
+              <a:spcBef>
+                <a:spcPts val="500"/>
+              </a:spcBef>
+              <a:buFont typeface="Arial" panose="020B0604020202020204" pitchFamily="34" charset="0"/>
+              <a:buChar char="•"/>
+              <a:defRPr sz="1800" kern="1200">
+                <a:solidFill>
+                  <a:schemeClr val="tx1"/>
+                </a:solidFill>
+                <a:latin typeface="+mn-lt"/>
+                <a:ea typeface="+mn-ea"/>
+                <a:cs typeface="+mn-cs"/>
+              </a:defRPr>
+            </a:lvl5pPr>
+            <a:lvl6pPr marL="2514600" indent="-228600" algn="l" defTabSz="914400" rtl="0" eaLnBrk="1" latinLnBrk="0" hangingPunct="1">
+              <a:lnSpc>
+                <a:spcPct val="90000"/>
+              </a:lnSpc>
+              <a:spcBef>
+                <a:spcPts val="500"/>
+              </a:spcBef>
+              <a:buFont typeface="Arial" panose="020B0604020202020204" pitchFamily="34" charset="0"/>
+              <a:buChar char="•"/>
+              <a:defRPr sz="1800" kern="1200">
+                <a:solidFill>
+                  <a:schemeClr val="tx1"/>
+                </a:solidFill>
+                <a:latin typeface="+mn-lt"/>
+                <a:ea typeface="+mn-ea"/>
+                <a:cs typeface="+mn-cs"/>
+              </a:defRPr>
+            </a:lvl6pPr>
+            <a:lvl7pPr marL="2971800" indent="-228600" algn="l" defTabSz="914400" rtl="0" eaLnBrk="1" latinLnBrk="0" hangingPunct="1">
+              <a:lnSpc>
+                <a:spcPct val="90000"/>
+              </a:lnSpc>
+              <a:spcBef>
+                <a:spcPts val="500"/>
+              </a:spcBef>
+              <a:buFont typeface="Arial" panose="020B0604020202020204" pitchFamily="34" charset="0"/>
+              <a:buChar char="•"/>
+              <a:defRPr sz="1800" kern="1200">
+                <a:solidFill>
+                  <a:schemeClr val="tx1"/>
+                </a:solidFill>
+                <a:latin typeface="+mn-lt"/>
+                <a:ea typeface="+mn-ea"/>
+                <a:cs typeface="+mn-cs"/>
+              </a:defRPr>
+            </a:lvl7pPr>
+            <a:lvl8pPr marL="3429000" indent="-228600" algn="l" defTabSz="914400" rtl="0" eaLnBrk="1" latinLnBrk="0" hangingPunct="1">
+              <a:lnSpc>
+                <a:spcPct val="90000"/>
+              </a:lnSpc>
+              <a:spcBef>
+                <a:spcPts val="500"/>
+              </a:spcBef>
+              <a:buFont typeface="Arial" panose="020B0604020202020204" pitchFamily="34" charset="0"/>
+              <a:buChar char="•"/>
+              <a:defRPr sz="1800" kern="1200">
+                <a:solidFill>
+                  <a:schemeClr val="tx1"/>
+                </a:solidFill>
+                <a:latin typeface="+mn-lt"/>
+                <a:ea typeface="+mn-ea"/>
+                <a:cs typeface="+mn-cs"/>
+              </a:defRPr>
+            </a:lvl8pPr>
+            <a:lvl9pPr marL="3886200" indent="-228600" algn="l" defTabSz="914400" rtl="0" eaLnBrk="1" latinLnBrk="0" hangingPunct="1">
+              <a:lnSpc>
+                <a:spcPct val="90000"/>
+              </a:lnSpc>
+              <a:spcBef>
+                <a:spcPts val="500"/>
+              </a:spcBef>
+              <a:buFont typeface="Arial" panose="020B0604020202020204" pitchFamily="34" charset="0"/>
+              <a:buChar char="•"/>
+              <a:defRPr sz="1800" kern="1200">
+                <a:solidFill>
+                  <a:schemeClr val="tx1"/>
+                </a:solidFill>
+                <a:latin typeface="+mn-lt"/>
+                <a:ea typeface="+mn-ea"/>
+                <a:cs typeface="+mn-cs"/>
+              </a:defRPr>
+            </a:lvl9pPr>
+          </a:lstStyle>
+          <a:p>
+            <a:r>
+              <a:rPr lang="en-US" sz="2800" kern="100" dirty="0">
+                <a:effectLst/>
+                <a:latin typeface="Aptos" panose="020B0004020202020204" pitchFamily="34" charset="0"/>
+                <a:ea typeface="Aptos" panose="020B0004020202020204" pitchFamily="34" charset="0"/>
+                <a:cs typeface="Times New Roman" panose="02020603050405020304" pitchFamily="18" charset="0"/>
+              </a:rPr>
+              <a:t>Yesterday, we used standard curves to compare variation in results between plates.</a:t>
+            </a:r>
+          </a:p>
+          <a:p>
+            <a:r>
+              <a:rPr lang="en-US" sz="2800" kern="100" dirty="0">
+                <a:effectLst/>
+                <a:latin typeface="Aptos" panose="020B0004020202020204" pitchFamily="34" charset="0"/>
+                <a:ea typeface="Aptos" panose="020B0004020202020204" pitchFamily="34" charset="0"/>
+                <a:cs typeface="Times New Roman" panose="02020603050405020304" pitchFamily="18" charset="0"/>
+              </a:rPr>
+              <a:t>First, we fit a model to our data to establish the relationship between </a:t>
+            </a:r>
+            <a:r>
+              <a:rPr lang="en-US" sz="2800" b="1" kern="100" dirty="0">
+                <a:effectLst/>
+                <a:latin typeface="Aptos" panose="020B0004020202020204" pitchFamily="34" charset="0"/>
+                <a:ea typeface="Aptos" panose="020B0004020202020204" pitchFamily="34" charset="0"/>
+                <a:cs typeface="Times New Roman" panose="02020603050405020304" pitchFamily="18" charset="0"/>
+              </a:rPr>
+              <a:t>MFI values</a:t>
+            </a:r>
+            <a:r>
+              <a:rPr lang="en-US" sz="2800" kern="100" dirty="0">
+                <a:effectLst/>
+                <a:latin typeface="Aptos" panose="020B0004020202020204" pitchFamily="34" charset="0"/>
+                <a:ea typeface="Aptos" panose="020B0004020202020204" pitchFamily="34" charset="0"/>
+                <a:cs typeface="Times New Roman" panose="02020603050405020304" pitchFamily="18" charset="0"/>
+              </a:rPr>
+              <a:t> and known </a:t>
+            </a:r>
+            <a:r>
+              <a:rPr lang="en-US" sz="2800" b="1" kern="100" dirty="0">
+                <a:effectLst/>
+                <a:latin typeface="Aptos" panose="020B0004020202020204" pitchFamily="34" charset="0"/>
+                <a:ea typeface="Aptos" panose="020B0004020202020204" pitchFamily="34" charset="0"/>
+                <a:cs typeface="Times New Roman" panose="02020603050405020304" pitchFamily="18" charset="0"/>
+              </a:rPr>
+              <a:t>IU/mL concentrations</a:t>
+            </a:r>
+            <a:r>
+              <a:rPr lang="en-US" sz="2800" kern="100" dirty="0">
+                <a:effectLst/>
+                <a:latin typeface="Aptos" panose="020B0004020202020204" pitchFamily="34" charset="0"/>
+                <a:ea typeface="Aptos" panose="020B0004020202020204" pitchFamily="34" charset="0"/>
+                <a:cs typeface="Times New Roman" panose="02020603050405020304" pitchFamily="18" charset="0"/>
+              </a:rPr>
+              <a:t>.</a:t>
+            </a:r>
+          </a:p>
+          <a:p>
+            <a:r>
+              <a:rPr lang="en-US" dirty="0"/>
+              <a:t>Then, we can use this model to convert MFI values for the samples of interest to IU/ml.</a:t>
+            </a:r>
+          </a:p>
+          <a:p>
+            <a:r>
+              <a:rPr lang="en-US" dirty="0"/>
+              <a:t>Lastly, we apply the 9.36 IU/ml correlate of protection cutoff to the samples of interest to determine a binary serostatus for each sample.</a:t>
+            </a:r>
+          </a:p>
+        </p:txBody>
+      </p:sp>
+    </p:spTree>
+    <p:extLst>
+      <p:ext uri="{BB962C8B-B14F-4D97-AF65-F5344CB8AC3E}">
+        <p14:creationId xmlns:p14="http://schemas.microsoft.com/office/powerpoint/2010/main" val="1970428124"/>
+      </p:ext>
+    </p:extLst>
+  </p:cSld>
+  <p:clrMapOvr>
+    <a:masterClrMapping/>
+  </p:clrMapOvr>
+</p:sld>
+</file>
+
+<file path=ppt/slides/slide13.xml><?xml version="1.0" encoding="utf-8"?>
 <p:sld xmlns:a="http://schemas.openxmlformats.org/drawingml/2006/main" xmlns:r="http://schemas.openxmlformats.org/officeDocument/2006/relationships" xmlns:p="http://schemas.openxmlformats.org/presentationml/2006/main">
   <p:cSld>
     <p:spTree>
@@ -5911,7 +6695,7 @@
         <p:spPr>
           <a:xfrm>
             <a:off x="1001932" y="1920789"/>
-            <a:ext cx="3981548" cy="2308324"/>
+            <a:ext cx="3981548" cy="1938992"/>
           </a:xfrm>
           <a:prstGeom prst="rect">
             <a:avLst/>
@@ -5930,7 +6714,7 @@
             </a:pPr>
             <a:r>
               <a:rPr lang="en-US" sz="2400" dirty="0"/>
-              <a:t>For rubella (WRUV), we know the cutoff (based on correlate of protection) of 9.36 IU/mL is equivalent to 501.1 MFI based on the standard curve </a:t>
+              <a:t>For rubella (WRUV), we can apply the cutoff (based on correlate of protection) of 9.36 IU/ml to determine serostatus</a:t>
             </a:r>
           </a:p>
         </p:txBody>
@@ -5992,41 +6776,6 @@
         </p:pic>
         <p:sp>
           <p:nvSpPr>
-            <p:cNvPr id="7" name="TextBox 6">
-              <a:extLst>
-                <a:ext uri="{FF2B5EF4-FFF2-40B4-BE49-F238E27FC236}">
-                  <a16:creationId xmlns:a16="http://schemas.microsoft.com/office/drawing/2014/main" id="{6B089835-C829-2B39-C187-4384787CE400}"/>
-                </a:ext>
-              </a:extLst>
-            </p:cNvPr>
-            <p:cNvSpPr txBox="1"/>
-            <p:nvPr/>
-          </p:nvSpPr>
-          <p:spPr>
-            <a:xfrm>
-              <a:off x="6783152" y="2666574"/>
-              <a:ext cx="1588770" cy="369332"/>
-            </a:xfrm>
-            <a:prstGeom prst="rect">
-              <a:avLst/>
-            </a:prstGeom>
-            <a:noFill/>
-          </p:spPr>
-          <p:txBody>
-            <a:bodyPr wrap="square" rtlCol="0">
-              <a:spAutoFit/>
-            </a:bodyPr>
-            <a:lstStyle/>
-            <a:p>
-              <a:r>
-                <a:rPr lang="en-US" b="1" dirty="0"/>
-                <a:t>501.1 MFI</a:t>
-              </a:r>
-            </a:p>
-          </p:txBody>
-        </p:sp>
-        <p:sp>
-          <p:nvSpPr>
             <p:cNvPr id="8" name="TextBox 7">
               <a:extLst>
                 <a:ext uri="{FF2B5EF4-FFF2-40B4-BE49-F238E27FC236}">
@@ -6063,54 +6812,37 @@
       </p:grpSp>
       <p:sp>
         <p:nvSpPr>
-          <p:cNvPr id="14" name="Title 1">
+          <p:cNvPr id="2" name="Title 1">
             <a:extLst>
               <a:ext uri="{FF2B5EF4-FFF2-40B4-BE49-F238E27FC236}">
-                <a16:creationId xmlns:a16="http://schemas.microsoft.com/office/drawing/2014/main" id="{4EE32124-E0DE-C3F9-7423-39EC011C162C}"/>
+                <a16:creationId xmlns:a16="http://schemas.microsoft.com/office/drawing/2014/main" id="{461CD3DE-81DB-7972-447F-94108818C25F}"/>
               </a:ext>
             </a:extLst>
           </p:cNvPr>
-          <p:cNvSpPr txBox="1">
-            <a:spLocks/>
-          </p:cNvSpPr>
-          <p:nvPr/>
+          <p:cNvSpPr>
+            <a:spLocks noGrp="1"/>
+          </p:cNvSpPr>
+          <p:nvPr>
+            <p:ph type="title"/>
+          </p:nvPr>
         </p:nvSpPr>
         <p:spPr>
           <a:xfrm>
-            <a:off x="838200" y="411328"/>
+            <a:off x="838200" y="365125"/>
             <a:ext cx="10515600" cy="1325563"/>
           </a:xfrm>
-          <a:prstGeom prst="rect">
-            <a:avLst/>
-          </a:prstGeom>
         </p:spPr>
         <p:txBody>
-          <a:bodyPr vert="horz" lIns="91440" tIns="45720" rIns="91440" bIns="45720" rtlCol="0" anchor="ctr">
-            <a:normAutofit/>
-          </a:bodyPr>
-          <a:lstStyle>
-            <a:lvl1pPr algn="l" defTabSz="914400" rtl="0" eaLnBrk="1" latinLnBrk="0" hangingPunct="1">
-              <a:lnSpc>
-                <a:spcPct val="90000"/>
-              </a:lnSpc>
-              <a:spcBef>
-                <a:spcPct val="0"/>
-              </a:spcBef>
-              <a:buNone/>
-              <a:defRPr sz="4400" kern="1200">
-                <a:solidFill>
-                  <a:schemeClr val="tx1"/>
-                </a:solidFill>
-                <a:latin typeface="+mj-lt"/>
-                <a:ea typeface="+mj-ea"/>
-                <a:cs typeface="+mj-cs"/>
-              </a:defRPr>
-            </a:lvl1pPr>
-          </a:lstStyle>
-          <a:p>
-            <a:r>
-              <a:rPr lang="en-US" dirty="0"/>
-              <a:t>Getting MFI values from standard curves </a:t>
+          <a:bodyPr/>
+          <a:lstStyle/>
+          <a:p>
+            <a:r>
+              <a:rPr lang="en-US" dirty="0">
+                <a:highlight>
+                  <a:srgbClr val="FFFF00"/>
+                </a:highlight>
+              </a:rPr>
+              <a:t>Converting MFI values to standardized units (IU/ml) from standard curves </a:t>
             </a:r>
           </a:p>
         </p:txBody>
@@ -6128,7 +6860,7 @@
 </p:sld>
 </file>
 
-<file path=ppt/slides/slide13.xml><?xml version="1.0" encoding="utf-8"?>
+<file path=ppt/slides/slide14.xml><?xml version="1.0" encoding="utf-8"?>
 <p:sld xmlns:a="http://schemas.openxmlformats.org/drawingml/2006/main" xmlns:r="http://schemas.openxmlformats.org/officeDocument/2006/relationships" xmlns:p="http://schemas.openxmlformats.org/presentationml/2006/main">
   <p:cSld>
     <p:spTree>
@@ -6167,7 +6899,11 @@
           <a:lstStyle/>
           <a:p>
             <a:r>
-              <a:rPr lang="en-US" dirty="0"/>
+              <a:rPr lang="en-US" dirty="0">
+                <a:highlight>
+                  <a:srgbClr val="FFFF00"/>
+                </a:highlight>
+              </a:rPr>
               <a:t>Finding serostatus from cutoff</a:t>
             </a:r>
           </a:p>
@@ -6261,7 +6997,7 @@
 </p:sld>
 </file>
 
-<file path=ppt/slides/slide14.xml><?xml version="1.0" encoding="utf-8"?>
+<file path=ppt/slides/slide15.xml><?xml version="1.0" encoding="utf-8"?>
 <p:sld xmlns:a="http://schemas.openxmlformats.org/drawingml/2006/main" xmlns:r="http://schemas.openxmlformats.org/officeDocument/2006/relationships" xmlns:p="http://schemas.openxmlformats.org/presentationml/2006/main">
   <p:cSld>
     <p:spTree>
@@ -6345,7 +7081,7 @@
             </a:pPr>
             <a:r>
               <a:rPr lang="en-US" dirty="0"/>
-              <a:t>For WRUV with a cutoff of 501.1, we have:</a:t>
+              <a:t>For WRUV with a cutoff of 9.36 IU/ml, we have:</a:t>
             </a:r>
           </a:p>
           <a:p>
@@ -6368,8 +7104,8 @@
           </a:p>
         </p:txBody>
       </p:sp>
-      <mc:AlternateContent xmlns:mc="http://schemas.openxmlformats.org/markup-compatibility/2006">
-        <mc:Choice xmlns:a14="http://schemas.microsoft.com/office/drawing/2010/main" Requires="a14">
+      <mc:AlternateContent xmlns:mc="http://schemas.openxmlformats.org/markup-compatibility/2006" xmlns:a14="http://schemas.microsoft.com/office/drawing/2010/main">
+        <mc:Choice Requires="a14">
           <p:sp>
             <p:nvSpPr>
               <p:cNvPr id="7" name="TextBox 6">
@@ -6605,7 +7341,7 @@
             </p:txBody>
           </p:sp>
         </mc:Choice>
-        <mc:Fallback>
+        <mc:Fallback xmlns="">
           <p:sp>
             <p:nvSpPr>
               <p:cNvPr id="7" name="TextBox 6">
@@ -6741,7 +7477,7 @@
 </p:sld>
 </file>
 
-<file path=ppt/slides/slide15.xml><?xml version="1.0" encoding="utf-8"?>
+<file path=ppt/slides/slide16.xml><?xml version="1.0" encoding="utf-8"?>
 <p:sld xmlns:a="http://schemas.openxmlformats.org/drawingml/2006/main" xmlns:r="http://schemas.openxmlformats.org/officeDocument/2006/relationships" xmlns:p="http://schemas.openxmlformats.org/presentationml/2006/main">
   <p:cSld>
     <p:spTree>
@@ -6811,13 +7547,13 @@
           <a:p>
             <a:r>
               <a:rPr lang="en-US" dirty="0"/>
-              <a:t>A confidence interval of 95% accounts for number of people sampled to make a seropositivity range that we are 95% confident will include the true population level seroprevalence</a:t>
+              <a:t>A confidence interval of 95% accounts for number of people sampled, to make a range that we are 95% confident will include the true population-level seroprevalence.</a:t>
             </a:r>
           </a:p>
           <a:p>
             <a:r>
               <a:rPr lang="en-US" dirty="0"/>
-              <a:t>This method is based on a binomial distribution, and though the equation is complicated, but we can use R to easily compute it.</a:t>
+              <a:t>This method is based on a binomial distribution, and though the equation is complicated, we can use R to easily compute it:</a:t>
             </a:r>
           </a:p>
           <a:p>
@@ -6832,7 +7568,11 @@
             </a:pPr>
             <a:r>
               <a:rPr lang="en-US" dirty="0"/>
-              <a:t>With 767 positives and 1000 total, lower 95% CI is: 74.0% and upper 95% CI is: 79.3%</a:t>
+              <a:t>With 767 positive individuals and 1000 individuals total, the 95% CI is: </a:t>
+            </a:r>
+            <a:r>
+              <a:rPr lang="en-US" b="1" dirty="0"/>
+              <a:t>74.0% - 79.3%.</a:t>
             </a:r>
           </a:p>
         </p:txBody>
@@ -6959,7 +7699,7 @@
 </p:sld>
 </file>
 
-<file path=ppt/slides/slide16.xml><?xml version="1.0" encoding="utf-8"?>
+<file path=ppt/slides/slide17.xml><?xml version="1.0" encoding="utf-8"?>
 <p:sld xmlns:a="http://schemas.openxmlformats.org/drawingml/2006/main" xmlns:r="http://schemas.openxmlformats.org/officeDocument/2006/relationships" xmlns:p="http://schemas.openxmlformats.org/presentationml/2006/main">
   <p:cSld>
     <p:spTree>
@@ -7065,7 +7805,7 @@
 </p:sld>
 </file>
 
-<file path=ppt/slides/slide17.xml><?xml version="1.0" encoding="utf-8"?>
+<file path=ppt/slides/slide18.xml><?xml version="1.0" encoding="utf-8"?>
 <p:sld xmlns:a="http://schemas.openxmlformats.org/drawingml/2006/main" xmlns:r="http://schemas.openxmlformats.org/officeDocument/2006/relationships" xmlns:p="http://schemas.openxmlformats.org/presentationml/2006/main">
   <p:cSld>
     <p:spTree>
@@ -7325,7 +8065,7 @@
                 <a:ea typeface="Aptos" panose="020B0004020202020204" pitchFamily="34" charset="0"/>
                 <a:cs typeface="Times New Roman" panose="02020603050405020304" pitchFamily="18" charset="0"/>
               </a:rPr>
-              <a:t>Percentage of people who have been exposed to vaccine or natural infection</a:t>
+              <a:t>Percentage of people who have been exposed to vaccine or natural infection.</a:t>
             </a:r>
           </a:p>
           <a:p>
@@ -7342,7 +8082,7 @@
                 <a:ea typeface="Aptos" panose="020B0004020202020204" pitchFamily="34" charset="0"/>
                 <a:cs typeface="Times New Roman" panose="02020603050405020304" pitchFamily="18" charset="0"/>
               </a:rPr>
-              <a:t>If we know there’s little vaccination, we may assume seroprevalence is due to natural infection, or vice versa. </a:t>
+              <a:t>If we know there’s no/little vaccination, we may assume seroprevalence is due to natural infection, or vice versa. </a:t>
             </a:r>
           </a:p>
           <a:p>
@@ -7362,7 +8102,7 @@
                 <a:ea typeface="Aptos" panose="020B0004020202020204" pitchFamily="34" charset="0"/>
                 <a:cs typeface="Times New Roman" panose="02020603050405020304" pitchFamily="18" charset="0"/>
               </a:rPr>
-              <a:t>Since cutoff is a correlate as protection, seroprevalence so could also show which individuals are susceptible to future infection, and whether there could be outbreaks in region</a:t>
+              <a:t>Since cutoff is a correlate as protection, seroprevalence could also indicate which individuals are susceptible to future infection, and whether there could be outbreaks in a region.</a:t>
             </a:r>
           </a:p>
           <a:p>
@@ -7588,97 +8328,6 @@
 </p:sld>
 </file>
 
-<file path=ppt/slides/slide18.xml><?xml version="1.0" encoding="utf-8"?>
-<p:sld xmlns:a="http://schemas.openxmlformats.org/drawingml/2006/main" xmlns:r="http://schemas.openxmlformats.org/officeDocument/2006/relationships" xmlns:p="http://schemas.openxmlformats.org/presentationml/2006/main">
-  <p:cSld>
-    <p:spTree>
-      <p:nvGrpSpPr>
-        <p:cNvPr id="1" name=""/>
-        <p:cNvGrpSpPr/>
-        <p:nvPr/>
-      </p:nvGrpSpPr>
-      <p:grpSpPr>
-        <a:xfrm>
-          <a:off x="0" y="0"/>
-          <a:ext cx="0" cy="0"/>
-          <a:chOff x="0" y="0"/>
-          <a:chExt cx="0" cy="0"/>
-        </a:xfrm>
-      </p:grpSpPr>
-      <p:sp>
-        <p:nvSpPr>
-          <p:cNvPr id="2" name="Title 1">
-            <a:extLst>
-              <a:ext uri="{FF2B5EF4-FFF2-40B4-BE49-F238E27FC236}">
-                <a16:creationId xmlns:a16="http://schemas.microsoft.com/office/drawing/2014/main" id="{8235AF65-ACC8-02E9-BAAA-410AD7362898}"/>
-              </a:ext>
-            </a:extLst>
-          </p:cNvPr>
-          <p:cNvSpPr>
-            <a:spLocks noGrp="1"/>
-          </p:cNvSpPr>
-          <p:nvPr>
-            <p:ph type="title"/>
-          </p:nvPr>
-        </p:nvSpPr>
-        <p:spPr>
-          <a:xfrm>
-            <a:off x="575733" y="365125"/>
-            <a:ext cx="11051823" cy="1325563"/>
-          </a:xfrm>
-        </p:spPr>
-        <p:txBody>
-          <a:bodyPr/>
-          <a:lstStyle/>
-          <a:p>
-            <a:r>
-              <a:rPr lang="en-US" dirty="0"/>
-              <a:t>Question: How do we interpret seroprevalence?</a:t>
-            </a:r>
-          </a:p>
-        </p:txBody>
-      </p:sp>
-      <p:sp>
-        <p:nvSpPr>
-          <p:cNvPr id="3" name="Content Placeholder 2">
-            <a:extLst>
-              <a:ext uri="{FF2B5EF4-FFF2-40B4-BE49-F238E27FC236}">
-                <a16:creationId xmlns:a16="http://schemas.microsoft.com/office/drawing/2014/main" id="{A3CA31CA-9D02-A267-EC10-A2016E0E86EE}"/>
-              </a:ext>
-            </a:extLst>
-          </p:cNvPr>
-          <p:cNvSpPr>
-            <a:spLocks noGrp="1"/>
-          </p:cNvSpPr>
-          <p:nvPr>
-            <p:ph idx="1"/>
-          </p:nvPr>
-        </p:nvSpPr>
-        <p:spPr/>
-        <p:txBody>
-          <a:bodyPr/>
-          <a:lstStyle/>
-          <a:p>
-            <a:r>
-              <a:rPr lang="en-US" b="1" dirty="0"/>
-              <a:t>How would we interpret seroprevalence if there is NOT a correlate of protection?</a:t>
-            </a:r>
-          </a:p>
-        </p:txBody>
-      </p:sp>
-    </p:spTree>
-    <p:extLst>
-      <p:ext uri="{BB962C8B-B14F-4D97-AF65-F5344CB8AC3E}">
-        <p14:creationId xmlns:p14="http://schemas.microsoft.com/office/powerpoint/2010/main" val="1354356339"/>
-      </p:ext>
-    </p:extLst>
-  </p:cSld>
-  <p:clrMapOvr>
-    <a:masterClrMapping/>
-  </p:clrMapOvr>
-</p:sld>
-</file>
-
 <file path=ppt/slides/slide19.xml><?xml version="1.0" encoding="utf-8"?>
 <p:sld xmlns:a="http://schemas.openxmlformats.org/drawingml/2006/main" xmlns:r="http://schemas.openxmlformats.org/officeDocument/2006/relationships" xmlns:p="http://schemas.openxmlformats.org/presentationml/2006/main">
   <p:cSld>
@@ -7698,72 +8347,10 @@
       </p:grpSpPr>
       <p:sp>
         <p:nvSpPr>
-          <p:cNvPr id="3" name="Content Placeholder 2">
+          <p:cNvPr id="2" name="Title 1">
             <a:extLst>
               <a:ext uri="{FF2B5EF4-FFF2-40B4-BE49-F238E27FC236}">
-                <a16:creationId xmlns:a16="http://schemas.microsoft.com/office/drawing/2014/main" id="{2E329247-2DEE-A52D-0A72-6D811C48EBB6}"/>
-              </a:ext>
-            </a:extLst>
-          </p:cNvPr>
-          <p:cNvSpPr>
-            <a:spLocks noGrp="1"/>
-          </p:cNvSpPr>
-          <p:nvPr>
-            <p:ph idx="1"/>
-          </p:nvPr>
-        </p:nvSpPr>
-        <p:spPr/>
-        <p:txBody>
-          <a:bodyPr/>
-          <a:lstStyle/>
-          <a:p>
-            <a:r>
-              <a:rPr lang="en-US" b="1" dirty="0"/>
-              <a:t>How would we interpret seroprevalence if there is NOT a correlate of protection?</a:t>
-            </a:r>
-          </a:p>
-          <a:p>
-            <a:r>
-              <a:rPr lang="en-US" dirty="0"/>
-              <a:t>For antigens in general, seroprevalence could indicate:</a:t>
-            </a:r>
-          </a:p>
-          <a:p>
-            <a:pPr lvl="1"/>
-            <a:r>
-              <a:rPr lang="en-US" dirty="0"/>
-              <a:t>Population ever exposed to pathogen or vaccine</a:t>
-            </a:r>
-          </a:p>
-          <a:p>
-            <a:pPr lvl="1"/>
-            <a:r>
-              <a:rPr lang="en-US" dirty="0"/>
-              <a:t>Population with recent infection</a:t>
-            </a:r>
-          </a:p>
-          <a:p>
-            <a:pPr lvl="1"/>
-            <a:r>
-              <a:rPr lang="en-US" dirty="0"/>
-              <a:t>Population with symptomatic infection</a:t>
-            </a:r>
-          </a:p>
-          <a:p>
-            <a:pPr lvl="1"/>
-            <a:r>
-              <a:rPr lang="en-US" dirty="0"/>
-              <a:t>Cross-reactive antibody responses</a:t>
-            </a:r>
-          </a:p>
-        </p:txBody>
-      </p:sp>
-      <p:sp>
-        <p:nvSpPr>
-          <p:cNvPr id="4" name="Title 1">
-            <a:extLst>
-              <a:ext uri="{FF2B5EF4-FFF2-40B4-BE49-F238E27FC236}">
-                <a16:creationId xmlns:a16="http://schemas.microsoft.com/office/drawing/2014/main" id="{061B93DF-0EF6-666C-28EA-BF0ECBB27CE5}"/>
+                <a16:creationId xmlns:a16="http://schemas.microsoft.com/office/drawing/2014/main" id="{8235AF65-ACC8-02E9-BAAA-410AD7362898}"/>
               </a:ext>
             </a:extLst>
           </p:cNvPr>
@@ -7791,10 +8378,38 @@
           </a:p>
         </p:txBody>
       </p:sp>
+      <p:sp>
+        <p:nvSpPr>
+          <p:cNvPr id="3" name="Content Placeholder 2">
+            <a:extLst>
+              <a:ext uri="{FF2B5EF4-FFF2-40B4-BE49-F238E27FC236}">
+                <a16:creationId xmlns:a16="http://schemas.microsoft.com/office/drawing/2014/main" id="{A3CA31CA-9D02-A267-EC10-A2016E0E86EE}"/>
+              </a:ext>
+            </a:extLst>
+          </p:cNvPr>
+          <p:cNvSpPr>
+            <a:spLocks noGrp="1"/>
+          </p:cNvSpPr>
+          <p:nvPr>
+            <p:ph idx="1"/>
+          </p:nvPr>
+        </p:nvSpPr>
+        <p:spPr/>
+        <p:txBody>
+          <a:bodyPr/>
+          <a:lstStyle/>
+          <a:p>
+            <a:r>
+              <a:rPr lang="en-US" b="1" dirty="0"/>
+              <a:t>How would we interpret seroprevalence if there is NOT a correlate of protection?</a:t>
+            </a:r>
+          </a:p>
+        </p:txBody>
+      </p:sp>
     </p:spTree>
     <p:extLst>
       <p:ext uri="{BB962C8B-B14F-4D97-AF65-F5344CB8AC3E}">
-        <p14:creationId xmlns:p14="http://schemas.microsoft.com/office/powerpoint/2010/main" val="242034705"/>
+        <p14:creationId xmlns:p14="http://schemas.microsoft.com/office/powerpoint/2010/main" val="1354356339"/>
       </p:ext>
     </p:extLst>
   </p:cSld>
@@ -7883,7 +8498,7 @@
           <a:p>
             <a:r>
               <a:rPr lang="en-US" dirty="0"/>
-              <a:t>Why binarize data? </a:t>
+              <a:t>Why binarize serological data? </a:t>
             </a:r>
           </a:p>
           <a:p>
@@ -7932,10 +8547,10 @@
       </p:grpSpPr>
       <p:sp>
         <p:nvSpPr>
-          <p:cNvPr id="2" name="Title 1">
+          <p:cNvPr id="3" name="Content Placeholder 2">
             <a:extLst>
               <a:ext uri="{FF2B5EF4-FFF2-40B4-BE49-F238E27FC236}">
-                <a16:creationId xmlns:a16="http://schemas.microsoft.com/office/drawing/2014/main" id="{F73C67F2-F3E5-A50F-A7C5-2EF0A34C9F21}"/>
+                <a16:creationId xmlns:a16="http://schemas.microsoft.com/office/drawing/2014/main" id="{2E329247-2DEE-A52D-0A72-6D811C48EBB6}"/>
               </a:ext>
             </a:extLst>
           </p:cNvPr>
@@ -7943,7 +8558,7 @@
             <a:spLocks noGrp="1"/>
           </p:cNvSpPr>
           <p:nvPr>
-            <p:ph type="title"/>
+            <p:ph idx="1"/>
           </p:nvPr>
         </p:nvSpPr>
         <p:spPr/>
@@ -7952,18 +8567,52 @@
           <a:lstStyle/>
           <a:p>
             <a:r>
+              <a:rPr lang="en-US" b="1" dirty="0"/>
+              <a:t>How would we interpret seroprevalence if there is NOT a correlate of protection?</a:t>
+            </a:r>
+          </a:p>
+          <a:p>
+            <a:r>
               <a:rPr lang="en-US" dirty="0"/>
-              <a:t>Controls </a:t>
-            </a:r>
-          </a:p>
-        </p:txBody>
-      </p:sp>
-      <p:sp>
-        <p:nvSpPr>
-          <p:cNvPr id="3" name="Content Placeholder 2">
+              <a:t>For antigens in general, seroprevalence could indicate:</a:t>
+            </a:r>
+          </a:p>
+          <a:p>
+            <a:pPr lvl="1"/>
+            <a:r>
+              <a:rPr lang="en-US" dirty="0"/>
+              <a:t>Population ever exposed to pathogen or vaccine</a:t>
+            </a:r>
+          </a:p>
+          <a:p>
+            <a:pPr lvl="1"/>
+            <a:r>
+              <a:rPr lang="en-US" dirty="0"/>
+              <a:t>Population with recent infection</a:t>
+            </a:r>
+          </a:p>
+          <a:p>
+            <a:pPr lvl="1"/>
+            <a:r>
+              <a:rPr lang="en-US" dirty="0"/>
+              <a:t>Population with symptomatic infection</a:t>
+            </a:r>
+          </a:p>
+          <a:p>
+            <a:pPr lvl="1"/>
+            <a:r>
+              <a:rPr lang="en-US" dirty="0"/>
+              <a:t>Cross-reactive antibody responses</a:t>
+            </a:r>
+          </a:p>
+        </p:txBody>
+      </p:sp>
+      <p:sp>
+        <p:nvSpPr>
+          <p:cNvPr id="4" name="Title 1">
             <a:extLst>
               <a:ext uri="{FF2B5EF4-FFF2-40B4-BE49-F238E27FC236}">
-                <a16:creationId xmlns:a16="http://schemas.microsoft.com/office/drawing/2014/main" id="{4DAE5214-2F99-3603-C4C1-121D106104AC}"/>
+                <a16:creationId xmlns:a16="http://schemas.microsoft.com/office/drawing/2014/main" id="{061B93DF-0EF6-666C-28EA-BF0ECBB27CE5}"/>
               </a:ext>
             </a:extLst>
           </p:cNvPr>
@@ -7971,109 +8620,30 @@
             <a:spLocks noGrp="1"/>
           </p:cNvSpPr>
           <p:nvPr>
-            <p:ph idx="1"/>
-          </p:nvPr>
-        </p:nvSpPr>
-        <p:spPr/>
-        <p:txBody>
-          <a:bodyPr>
-            <a:normAutofit/>
-          </a:bodyPr>
+            <p:ph type="title"/>
+          </p:nvPr>
+        </p:nvSpPr>
+        <p:spPr>
+          <a:xfrm>
+            <a:off x="575733" y="365125"/>
+            <a:ext cx="11051823" cy="1325563"/>
+          </a:xfrm>
+        </p:spPr>
+        <p:txBody>
+          <a:bodyPr/>
           <a:lstStyle/>
           <a:p>
-            <a:pPr marL="342900" marR="0" lvl="0" indent="-342900">
-              <a:lnSpc>
-                <a:spcPct val="115000"/>
-              </a:lnSpc>
-              <a:buFont typeface="Symbol" pitchFamily="2" charset="2"/>
-              <a:buChar char=""/>
-            </a:pPr>
-            <a:r>
-              <a:rPr lang="en-US" sz="2400" kern="100" dirty="0">
-                <a:effectLst/>
-                <a:latin typeface="Aptos" panose="020B0004020202020204" pitchFamily="34" charset="0"/>
-                <a:ea typeface="Aptos" panose="020B0004020202020204" pitchFamily="34" charset="0"/>
-                <a:cs typeface="Times New Roman" panose="02020603050405020304" pitchFamily="18" charset="0"/>
-              </a:rPr>
-              <a:t>If we don’t have a correlate of protection, we can use controls to determine cutoffs for seropositivity</a:t>
-            </a:r>
-          </a:p>
-          <a:p>
-            <a:pPr marL="800100" lvl="1" indent="-342900">
-              <a:lnSpc>
-                <a:spcPct val="115000"/>
-              </a:lnSpc>
-              <a:buFont typeface="Symbol" pitchFamily="2" charset="2"/>
-              <a:buChar char=""/>
-            </a:pPr>
-            <a:r>
-              <a:rPr lang="en-US" kern="100" dirty="0">
-                <a:effectLst/>
-                <a:latin typeface="Aptos" panose="020B0004020202020204" pitchFamily="34" charset="0"/>
-                <a:ea typeface="Aptos" panose="020B0004020202020204" pitchFamily="34" charset="0"/>
-                <a:cs typeface="Times New Roman" panose="02020603050405020304" pitchFamily="18" charset="0"/>
-              </a:rPr>
-              <a:t>Ideally, we could have positive and negative controls. </a:t>
-            </a:r>
-          </a:p>
-          <a:p>
-            <a:pPr marL="800100" lvl="1" indent="-342900">
-              <a:lnSpc>
-                <a:spcPct val="115000"/>
-              </a:lnSpc>
-              <a:buFont typeface="Symbol" pitchFamily="2" charset="2"/>
-              <a:buChar char=""/>
-            </a:pPr>
-            <a:r>
-              <a:rPr lang="en-US" kern="100" dirty="0">
-                <a:effectLst/>
-                <a:latin typeface="Aptos" panose="020B0004020202020204" pitchFamily="34" charset="0"/>
-                <a:ea typeface="Aptos" panose="020B0004020202020204" pitchFamily="34" charset="0"/>
-                <a:cs typeface="Times New Roman" panose="02020603050405020304" pitchFamily="18" charset="0"/>
-              </a:rPr>
-              <a:t>Often, we only </a:t>
-            </a:r>
-            <a:r>
-              <a:rPr lang="en-US" kern="100" dirty="0">
-                <a:latin typeface="Aptos" panose="020B0004020202020204" pitchFamily="34" charset="0"/>
-                <a:ea typeface="Aptos" panose="020B0004020202020204" pitchFamily="34" charset="0"/>
-                <a:cs typeface="Times New Roman" panose="02020603050405020304" pitchFamily="18" charset="0"/>
-              </a:rPr>
-              <a:t>have negative controls, and sometimes we don’t have positive or negative controls</a:t>
-            </a:r>
-          </a:p>
-          <a:p>
-            <a:pPr marL="342900" marR="0" lvl="0" indent="-342900">
-              <a:lnSpc>
-                <a:spcPct val="115000"/>
-              </a:lnSpc>
-              <a:buFont typeface="Symbol" pitchFamily="2" charset="2"/>
-              <a:buChar char=""/>
-            </a:pPr>
-            <a:r>
-              <a:rPr lang="en-US" sz="2400" kern="100" dirty="0">
-                <a:latin typeface="Aptos" panose="020B0004020202020204" pitchFamily="34" charset="0"/>
-                <a:ea typeface="Aptos" panose="020B0004020202020204" pitchFamily="34" charset="0"/>
-                <a:cs typeface="Times New Roman" panose="02020603050405020304" pitchFamily="18" charset="0"/>
-              </a:rPr>
-              <a:t>The controls we use to establish cutoffs can affect our interpretation of seroprevalence</a:t>
-            </a:r>
-            <a:endParaRPr lang="en-US" sz="2400" kern="100" dirty="0">
-              <a:effectLst/>
-              <a:latin typeface="Aptos" panose="020B0004020202020204" pitchFamily="34" charset="0"/>
-              <a:ea typeface="Aptos" panose="020B0004020202020204" pitchFamily="34" charset="0"/>
-              <a:cs typeface="Times New Roman" panose="02020603050405020304" pitchFamily="18" charset="0"/>
-            </a:endParaRPr>
-          </a:p>
-          <a:p>
-            <a:endParaRPr lang="en-US" sz="2400" dirty="0"/>
+            <a:r>
+              <a:rPr lang="en-US" dirty="0"/>
+              <a:t>Question: How do we interpret seroprevalence?</a:t>
+            </a:r>
           </a:p>
         </p:txBody>
       </p:sp>
     </p:spTree>
     <p:extLst>
       <p:ext uri="{BB962C8B-B14F-4D97-AF65-F5344CB8AC3E}">
-        <p14:creationId xmlns:p14="http://schemas.microsoft.com/office/powerpoint/2010/main" val="40204400"/>
+        <p14:creationId xmlns:p14="http://schemas.microsoft.com/office/powerpoint/2010/main" val="242034705"/>
       </p:ext>
     </p:extLst>
   </p:cSld>
@@ -8105,6 +8675,176 @@
           <p:cNvPr id="2" name="Title 1">
             <a:extLst>
               <a:ext uri="{FF2B5EF4-FFF2-40B4-BE49-F238E27FC236}">
+                <a16:creationId xmlns:a16="http://schemas.microsoft.com/office/drawing/2014/main" id="{F73C67F2-F3E5-A50F-A7C5-2EF0A34C9F21}"/>
+              </a:ext>
+            </a:extLst>
+          </p:cNvPr>
+          <p:cNvSpPr>
+            <a:spLocks noGrp="1"/>
+          </p:cNvSpPr>
+          <p:nvPr>
+            <p:ph type="title"/>
+          </p:nvPr>
+        </p:nvSpPr>
+        <p:spPr/>
+        <p:txBody>
+          <a:bodyPr/>
+          <a:lstStyle/>
+          <a:p>
+            <a:r>
+              <a:rPr lang="en-US" dirty="0"/>
+              <a:t>Controls </a:t>
+            </a:r>
+          </a:p>
+        </p:txBody>
+      </p:sp>
+      <p:sp>
+        <p:nvSpPr>
+          <p:cNvPr id="3" name="Content Placeholder 2">
+            <a:extLst>
+              <a:ext uri="{FF2B5EF4-FFF2-40B4-BE49-F238E27FC236}">
+                <a16:creationId xmlns:a16="http://schemas.microsoft.com/office/drawing/2014/main" id="{4DAE5214-2F99-3603-C4C1-121D106104AC}"/>
+              </a:ext>
+            </a:extLst>
+          </p:cNvPr>
+          <p:cNvSpPr>
+            <a:spLocks noGrp="1"/>
+          </p:cNvSpPr>
+          <p:nvPr>
+            <p:ph idx="1"/>
+          </p:nvPr>
+        </p:nvSpPr>
+        <p:spPr/>
+        <p:txBody>
+          <a:bodyPr>
+            <a:normAutofit/>
+          </a:bodyPr>
+          <a:lstStyle/>
+          <a:p>
+            <a:pPr marL="342900" marR="0" lvl="0" indent="-342900">
+              <a:lnSpc>
+                <a:spcPct val="115000"/>
+              </a:lnSpc>
+              <a:buFont typeface="Symbol" pitchFamily="2" charset="2"/>
+              <a:buChar char=""/>
+            </a:pPr>
+            <a:r>
+              <a:rPr lang="en-US" sz="2400" kern="100" dirty="0">
+                <a:effectLst/>
+                <a:latin typeface="Aptos" panose="020B0004020202020204" pitchFamily="34" charset="0"/>
+                <a:ea typeface="Aptos" panose="020B0004020202020204" pitchFamily="34" charset="0"/>
+                <a:cs typeface="Times New Roman" panose="02020603050405020304" pitchFamily="18" charset="0"/>
+              </a:rPr>
+              <a:t>If we don’t have a correlate of protection, we can use control samples to determine cutoffs for seropositivity.</a:t>
+            </a:r>
+          </a:p>
+          <a:p>
+            <a:pPr marL="800100" lvl="1" indent="-342900">
+              <a:lnSpc>
+                <a:spcPct val="115000"/>
+              </a:lnSpc>
+              <a:buFont typeface="Symbol" pitchFamily="2" charset="2"/>
+              <a:buChar char=""/>
+            </a:pPr>
+            <a:r>
+              <a:rPr lang="en-US" kern="100" dirty="0">
+                <a:effectLst/>
+                <a:latin typeface="Aptos" panose="020B0004020202020204" pitchFamily="34" charset="0"/>
+                <a:ea typeface="Aptos" panose="020B0004020202020204" pitchFamily="34" charset="0"/>
+                <a:cs typeface="Times New Roman" panose="02020603050405020304" pitchFamily="18" charset="0"/>
+              </a:rPr>
+              <a:t>Ideally, we could have positive and negative controls. </a:t>
+            </a:r>
+          </a:p>
+          <a:p>
+            <a:pPr marL="800100" lvl="1" indent="-342900">
+              <a:lnSpc>
+                <a:spcPct val="115000"/>
+              </a:lnSpc>
+              <a:buFont typeface="Symbol" pitchFamily="2" charset="2"/>
+              <a:buChar char=""/>
+            </a:pPr>
+            <a:r>
+              <a:rPr lang="en-US" kern="100" dirty="0">
+                <a:effectLst/>
+                <a:latin typeface="Aptos" panose="020B0004020202020204" pitchFamily="34" charset="0"/>
+                <a:ea typeface="Aptos" panose="020B0004020202020204" pitchFamily="34" charset="0"/>
+                <a:cs typeface="Times New Roman" panose="02020603050405020304" pitchFamily="18" charset="0"/>
+              </a:rPr>
+              <a:t>Often, we only </a:t>
+            </a:r>
+            <a:r>
+              <a:rPr lang="en-US" kern="100" dirty="0">
+                <a:latin typeface="Aptos" panose="020B0004020202020204" pitchFamily="34" charset="0"/>
+                <a:ea typeface="Aptos" panose="020B0004020202020204" pitchFamily="34" charset="0"/>
+                <a:cs typeface="Times New Roman" panose="02020603050405020304" pitchFamily="18" charset="0"/>
+              </a:rPr>
+              <a:t>have negative controls, and sometimes we don’t have positive or negative controls.</a:t>
+            </a:r>
+          </a:p>
+          <a:p>
+            <a:pPr marL="342900" marR="0" lvl="0" indent="-342900">
+              <a:lnSpc>
+                <a:spcPct val="115000"/>
+              </a:lnSpc>
+              <a:buFont typeface="Symbol" pitchFamily="2" charset="2"/>
+              <a:buChar char=""/>
+            </a:pPr>
+            <a:r>
+              <a:rPr lang="en-US" sz="2400" kern="100" dirty="0">
+                <a:latin typeface="Aptos" panose="020B0004020202020204" pitchFamily="34" charset="0"/>
+                <a:ea typeface="Aptos" panose="020B0004020202020204" pitchFamily="34" charset="0"/>
+                <a:cs typeface="Times New Roman" panose="02020603050405020304" pitchFamily="18" charset="0"/>
+              </a:rPr>
+              <a:t>The controls we use to establish cutoffs can affect our interpretation of seroprevalence.</a:t>
+            </a:r>
+            <a:endParaRPr lang="en-US" sz="2400" kern="100" dirty="0">
+              <a:effectLst/>
+              <a:latin typeface="Aptos" panose="020B0004020202020204" pitchFamily="34" charset="0"/>
+              <a:ea typeface="Aptos" panose="020B0004020202020204" pitchFamily="34" charset="0"/>
+              <a:cs typeface="Times New Roman" panose="02020603050405020304" pitchFamily="18" charset="0"/>
+            </a:endParaRPr>
+          </a:p>
+          <a:p>
+            <a:endParaRPr lang="en-US" sz="2400" dirty="0"/>
+          </a:p>
+        </p:txBody>
+      </p:sp>
+    </p:spTree>
+    <p:extLst>
+      <p:ext uri="{BB962C8B-B14F-4D97-AF65-F5344CB8AC3E}">
+        <p14:creationId xmlns:p14="http://schemas.microsoft.com/office/powerpoint/2010/main" val="40204400"/>
+      </p:ext>
+    </p:extLst>
+  </p:cSld>
+  <p:clrMapOvr>
+    <a:masterClrMapping/>
+  </p:clrMapOvr>
+</p:sld>
+</file>
+
+<file path=ppt/slides/slide22.xml><?xml version="1.0" encoding="utf-8"?>
+<p:sld xmlns:a="http://schemas.openxmlformats.org/drawingml/2006/main" xmlns:r="http://schemas.openxmlformats.org/officeDocument/2006/relationships" xmlns:p="http://schemas.openxmlformats.org/presentationml/2006/main">
+  <p:cSld>
+    <p:spTree>
+      <p:nvGrpSpPr>
+        <p:cNvPr id="1" name=""/>
+        <p:cNvGrpSpPr/>
+        <p:nvPr/>
+      </p:nvGrpSpPr>
+      <p:grpSpPr>
+        <a:xfrm>
+          <a:off x="0" y="0"/>
+          <a:ext cx="0" cy="0"/>
+          <a:chOff x="0" y="0"/>
+          <a:chExt cx="0" cy="0"/>
+        </a:xfrm>
+      </p:grpSpPr>
+      <p:sp>
+        <p:nvSpPr>
+          <p:cNvPr id="2" name="Title 1">
+            <a:extLst>
+              <a:ext uri="{FF2B5EF4-FFF2-40B4-BE49-F238E27FC236}">
                 <a16:creationId xmlns:a16="http://schemas.microsoft.com/office/drawing/2014/main" id="{7FC78CD1-12C2-3907-41D4-F0A5A9A15AC7}"/>
               </a:ext>
             </a:extLst>
@@ -8156,19 +8896,19 @@
           <a:p>
             <a:r>
               <a:rPr lang="en-US" dirty="0"/>
-              <a:t>We also have controls with non-target antigens (SNAP in our dataset, other common ones are GST and Vero)</a:t>
+              <a:t>We also have controls with non-target antigens (SNAP in our dataset, other common ones are GST and Vero).</a:t>
             </a:r>
           </a:p>
           <a:p>
             <a:r>
               <a:rPr lang="en-US" dirty="0"/>
-              <a:t>These controls can ensure that the plate ran correctly, whether values are similar between plates, and high values can indicate non-specific binding</a:t>
+              <a:t>These controls can ensure that the plate ran correctly, whether values are similar between plates, and high values can indicate non-specific binding.</a:t>
             </a:r>
           </a:p>
           <a:p>
             <a:r>
               <a:rPr lang="en-US" dirty="0"/>
-              <a:t>The non-target antigen values should not differ between samples with high and low antigen values </a:t>
+              <a:t>The non-target antigen values should ideally not differ between samples with high and low antigen values.</a:t>
             </a:r>
           </a:p>
         </p:txBody>
@@ -8216,7 +8956,7 @@
 </p:sld>
 </file>
 
-<file path=ppt/slides/slide22.xml><?xml version="1.0" encoding="utf-8"?>
+<file path=ppt/slides/slide23.xml><?xml version="1.0" encoding="utf-8"?>
 <p:sld xmlns:a="http://schemas.openxmlformats.org/drawingml/2006/main" xmlns:r="http://schemas.openxmlformats.org/officeDocument/2006/relationships" xmlns:p="http://schemas.openxmlformats.org/presentationml/2006/main">
   <p:cSld>
     <p:spTree>
@@ -8334,7 +9074,7 @@
 </p:sld>
 </file>
 
-<file path=ppt/slides/slide23.xml><?xml version="1.0" encoding="utf-8"?>
+<file path=ppt/slides/slide24.xml><?xml version="1.0" encoding="utf-8"?>
 <p:sld xmlns:a="http://schemas.openxmlformats.org/drawingml/2006/main" xmlns:r="http://schemas.openxmlformats.org/officeDocument/2006/relationships" xmlns:p="http://schemas.openxmlformats.org/presentationml/2006/main">
   <p:cSld>
     <p:spTree>
@@ -8440,7 +9180,7 @@
                 <a:ea typeface="Aptos" panose="020B0004020202020204" pitchFamily="34" charset="0"/>
                 <a:cs typeface="Times New Roman" panose="02020603050405020304" pitchFamily="18" charset="0"/>
               </a:rPr>
-              <a:t>How might positive controls differ from positive samples?</a:t>
+              <a:t>How might positive controls differ from positives in samples?</a:t>
             </a:r>
           </a:p>
           <a:p>
@@ -8497,7 +9237,7 @@
                 <a:ea typeface="Aptos" panose="020B0004020202020204" pitchFamily="34" charset="0"/>
                 <a:cs typeface="Times New Roman" panose="02020603050405020304" pitchFamily="18" charset="0"/>
               </a:rPr>
-              <a:t>Timing since infection (controls likely had acute infection)</a:t>
+              <a:t>Timing since infection (controls likely were taken from acute infection phase)</a:t>
             </a:r>
           </a:p>
         </p:txBody>
@@ -8515,7 +9255,7 @@
 </p:sld>
 </file>
 
-<file path=ppt/slides/slide24.xml><?xml version="1.0" encoding="utf-8"?>
+<file path=ppt/slides/slide25.xml><?xml version="1.0" encoding="utf-8"?>
 <p:sld xmlns:a="http://schemas.openxmlformats.org/drawingml/2006/main" xmlns:r="http://schemas.openxmlformats.org/officeDocument/2006/relationships" xmlns:p="http://schemas.openxmlformats.org/presentationml/2006/main">
   <p:cSld>
     <p:spTree>
@@ -8615,7 +9355,7 @@
 </p:sld>
 </file>
 
-<file path=ppt/slides/slide25.xml><?xml version="1.0" encoding="utf-8"?>
+<file path=ppt/slides/slide26.xml><?xml version="1.0" encoding="utf-8"?>
 <p:sld xmlns:a="http://schemas.openxmlformats.org/drawingml/2006/main" xmlns:r="http://schemas.openxmlformats.org/officeDocument/2006/relationships" xmlns:p="http://schemas.openxmlformats.org/presentationml/2006/main">
   <p:cSld>
     <p:spTree>
@@ -8756,7 +9496,7 @@
                 <a:ea typeface="Aptos" panose="020B0004020202020204" pitchFamily="34" charset="0"/>
                 <a:cs typeface="Times New Roman" panose="02020603050405020304" pitchFamily="18" charset="0"/>
               </a:rPr>
-              <a:t>Why would you choose to get or not get controls from each of these populations?</a:t>
+              <a:t>Why would you choose to get - or not get - controls from each of these populations?</a:t>
             </a:r>
             <a:endParaRPr lang="en-US" kern="100" dirty="0">
               <a:effectLst/>
@@ -8795,7 +9535,7 @@
 </p:sld>
 </file>
 
-<file path=ppt/slides/slide26.xml><?xml version="1.0" encoding="utf-8"?>
+<file path=ppt/slides/slide27.xml><?xml version="1.0" encoding="utf-8"?>
 <p:sld xmlns:a="http://schemas.openxmlformats.org/drawingml/2006/main" xmlns:r="http://schemas.openxmlformats.org/officeDocument/2006/relationships" xmlns:p="http://schemas.openxmlformats.org/presentationml/2006/main">
   <p:cSld>
     <p:spTree>
@@ -8936,7 +9676,7 @@
                 <a:ea typeface="Aptos" panose="020B0004020202020204" pitchFamily="34" charset="0"/>
                 <a:cs typeface="Times New Roman" panose="02020603050405020304" pitchFamily="18" charset="0"/>
               </a:rPr>
-              <a:t>Why would you choose to get or not get controls from each of these populations?</a:t>
+              <a:t>Why would you choose to get - or not get - controls from each of these populations?</a:t>
             </a:r>
           </a:p>
           <a:p>
@@ -8995,151 +9735,6 @@
     <p:extLst>
       <p:ext uri="{BB962C8B-B14F-4D97-AF65-F5344CB8AC3E}">
         <p14:creationId xmlns:p14="http://schemas.microsoft.com/office/powerpoint/2010/main" val="3975271084"/>
-      </p:ext>
-    </p:extLst>
-  </p:cSld>
-  <p:clrMapOvr>
-    <a:masterClrMapping/>
-  </p:clrMapOvr>
-</p:sld>
-</file>
-
-<file path=ppt/slides/slide27.xml><?xml version="1.0" encoding="utf-8"?>
-<p:sld xmlns:a="http://schemas.openxmlformats.org/drawingml/2006/main" xmlns:r="http://schemas.openxmlformats.org/officeDocument/2006/relationships" xmlns:p="http://schemas.openxmlformats.org/presentationml/2006/main">
-  <p:cSld>
-    <p:spTree>
-      <p:nvGrpSpPr>
-        <p:cNvPr id="1" name=""/>
-        <p:cNvGrpSpPr/>
-        <p:nvPr/>
-      </p:nvGrpSpPr>
-      <p:grpSpPr>
-        <a:xfrm>
-          <a:off x="0" y="0"/>
-          <a:ext cx="0" cy="0"/>
-          <a:chOff x="0" y="0"/>
-          <a:chExt cx="0" cy="0"/>
-        </a:xfrm>
-      </p:grpSpPr>
-      <p:sp>
-        <p:nvSpPr>
-          <p:cNvPr id="2" name="Title 1">
-            <a:extLst>
-              <a:ext uri="{FF2B5EF4-FFF2-40B4-BE49-F238E27FC236}">
-                <a16:creationId xmlns:a16="http://schemas.microsoft.com/office/drawing/2014/main" id="{C57C8CBA-3D56-3D4D-EFC5-E6438AA4464B}"/>
-              </a:ext>
-            </a:extLst>
-          </p:cNvPr>
-          <p:cNvSpPr>
-            <a:spLocks noGrp="1"/>
-          </p:cNvSpPr>
-          <p:nvPr>
-            <p:ph type="title"/>
-          </p:nvPr>
-        </p:nvSpPr>
-        <p:spPr/>
-        <p:txBody>
-          <a:bodyPr/>
-          <a:lstStyle/>
-          <a:p>
-            <a:r>
-              <a:rPr lang="en-US" dirty="0"/>
-              <a:t>Controls</a:t>
-            </a:r>
-          </a:p>
-        </p:txBody>
-      </p:sp>
-      <p:sp>
-        <p:nvSpPr>
-          <p:cNvPr id="3" name="Content Placeholder 2">
-            <a:extLst>
-              <a:ext uri="{FF2B5EF4-FFF2-40B4-BE49-F238E27FC236}">
-                <a16:creationId xmlns:a16="http://schemas.microsoft.com/office/drawing/2014/main" id="{7BA8AEDE-9015-DCCE-B184-19C482A99E45}"/>
-              </a:ext>
-            </a:extLst>
-          </p:cNvPr>
-          <p:cNvSpPr>
-            <a:spLocks noGrp="1"/>
-          </p:cNvSpPr>
-          <p:nvPr>
-            <p:ph idx="1"/>
-          </p:nvPr>
-        </p:nvSpPr>
-        <p:spPr/>
-        <p:txBody>
-          <a:bodyPr/>
-          <a:lstStyle/>
-          <a:p>
-            <a:pPr marL="0" indent="0" algn="ctr">
-              <a:buNone/>
-            </a:pPr>
-            <a:endParaRPr lang="en-US" sz="3600" b="1" kern="100" dirty="0">
-              <a:latin typeface="Aptos" panose="020B0004020202020204" pitchFamily="34" charset="0"/>
-              <a:ea typeface="Aptos" panose="020B0004020202020204" pitchFamily="34" charset="0"/>
-              <a:cs typeface="Times New Roman" panose="02020603050405020304" pitchFamily="18" charset="0"/>
-            </a:endParaRPr>
-          </a:p>
-          <a:p>
-            <a:pPr marL="0" indent="0" algn="ctr">
-              <a:buNone/>
-            </a:pPr>
-            <a:r>
-              <a:rPr lang="en-US" sz="3600" b="1" kern="100" dirty="0">
-                <a:latin typeface="Aptos" panose="020B0004020202020204" pitchFamily="34" charset="0"/>
-                <a:ea typeface="Aptos" panose="020B0004020202020204" pitchFamily="34" charset="0"/>
-                <a:cs typeface="Times New Roman" panose="02020603050405020304" pitchFamily="18" charset="0"/>
-              </a:rPr>
-              <a:t>Y</a:t>
-            </a:r>
-            <a:r>
-              <a:rPr lang="en-US" sz="3600" b="1" kern="100" dirty="0">
-                <a:effectLst/>
-                <a:latin typeface="Aptos" panose="020B0004020202020204" pitchFamily="34" charset="0"/>
-                <a:ea typeface="Aptos" panose="020B0004020202020204" pitchFamily="34" charset="0"/>
-                <a:cs typeface="Times New Roman" panose="02020603050405020304" pitchFamily="18" charset="0"/>
-              </a:rPr>
-              <a:t>ou may not have ideal controls. </a:t>
-            </a:r>
-          </a:p>
-          <a:p>
-            <a:pPr marL="0" indent="0" algn="ctr">
-              <a:buNone/>
-            </a:pPr>
-            <a:endParaRPr lang="en-US" sz="3600" b="1" kern="100" dirty="0">
-              <a:latin typeface="Aptos" panose="020B0004020202020204" pitchFamily="34" charset="0"/>
-              <a:ea typeface="Aptos" panose="020B0004020202020204" pitchFamily="34" charset="0"/>
-              <a:cs typeface="Times New Roman" panose="02020603050405020304" pitchFamily="18" charset="0"/>
-            </a:endParaRPr>
-          </a:p>
-          <a:p>
-            <a:pPr marL="0" indent="0" algn="ctr">
-              <a:buNone/>
-            </a:pPr>
-            <a:r>
-              <a:rPr lang="en-US" sz="3600" b="1" kern="100" dirty="0">
-                <a:effectLst/>
-                <a:latin typeface="Aptos" panose="020B0004020202020204" pitchFamily="34" charset="0"/>
-                <a:ea typeface="Aptos" panose="020B0004020202020204" pitchFamily="34" charset="0"/>
-                <a:cs typeface="Times New Roman" panose="02020603050405020304" pitchFamily="18" charset="0"/>
-              </a:rPr>
-              <a:t>You should understand the assumptions/ biases of your controls</a:t>
-            </a:r>
-            <a:endParaRPr lang="en-US" sz="3600" kern="100" dirty="0">
-              <a:effectLst/>
-              <a:latin typeface="Aptos" panose="020B0004020202020204" pitchFamily="34" charset="0"/>
-              <a:ea typeface="Aptos" panose="020B0004020202020204" pitchFamily="34" charset="0"/>
-              <a:cs typeface="Times New Roman" panose="02020603050405020304" pitchFamily="18" charset="0"/>
-            </a:endParaRPr>
-          </a:p>
-          <a:p>
-            <a:endParaRPr lang="en-US" dirty="0"/>
-          </a:p>
-        </p:txBody>
-      </p:sp>
-    </p:spTree>
-    <p:extLst>
-      <p:ext uri="{BB962C8B-B14F-4D97-AF65-F5344CB8AC3E}">
-        <p14:creationId xmlns:p14="http://schemas.microsoft.com/office/powerpoint/2010/main" val="2410735319"/>
       </p:ext>
     </p:extLst>
   </p:cSld>
@@ -9171,6 +9766,151 @@
           <p:cNvPr id="2" name="Title 1">
             <a:extLst>
               <a:ext uri="{FF2B5EF4-FFF2-40B4-BE49-F238E27FC236}">
+                <a16:creationId xmlns:a16="http://schemas.microsoft.com/office/drawing/2014/main" id="{C57C8CBA-3D56-3D4D-EFC5-E6438AA4464B}"/>
+              </a:ext>
+            </a:extLst>
+          </p:cNvPr>
+          <p:cNvSpPr>
+            <a:spLocks noGrp="1"/>
+          </p:cNvSpPr>
+          <p:nvPr>
+            <p:ph type="title"/>
+          </p:nvPr>
+        </p:nvSpPr>
+        <p:spPr/>
+        <p:txBody>
+          <a:bodyPr/>
+          <a:lstStyle/>
+          <a:p>
+            <a:r>
+              <a:rPr lang="en-US" dirty="0"/>
+              <a:t>Controls</a:t>
+            </a:r>
+          </a:p>
+        </p:txBody>
+      </p:sp>
+      <p:sp>
+        <p:nvSpPr>
+          <p:cNvPr id="3" name="Content Placeholder 2">
+            <a:extLst>
+              <a:ext uri="{FF2B5EF4-FFF2-40B4-BE49-F238E27FC236}">
+                <a16:creationId xmlns:a16="http://schemas.microsoft.com/office/drawing/2014/main" id="{7BA8AEDE-9015-DCCE-B184-19C482A99E45}"/>
+              </a:ext>
+            </a:extLst>
+          </p:cNvPr>
+          <p:cNvSpPr>
+            <a:spLocks noGrp="1"/>
+          </p:cNvSpPr>
+          <p:nvPr>
+            <p:ph idx="1"/>
+          </p:nvPr>
+        </p:nvSpPr>
+        <p:spPr/>
+        <p:txBody>
+          <a:bodyPr/>
+          <a:lstStyle/>
+          <a:p>
+            <a:pPr marL="0" indent="0" algn="ctr">
+              <a:buNone/>
+            </a:pPr>
+            <a:endParaRPr lang="en-US" sz="3600" b="1" kern="100" dirty="0">
+              <a:latin typeface="Aptos" panose="020B0004020202020204" pitchFamily="34" charset="0"/>
+              <a:ea typeface="Aptos" panose="020B0004020202020204" pitchFamily="34" charset="0"/>
+              <a:cs typeface="Times New Roman" panose="02020603050405020304" pitchFamily="18" charset="0"/>
+            </a:endParaRPr>
+          </a:p>
+          <a:p>
+            <a:pPr marL="0" indent="0" algn="ctr">
+              <a:buNone/>
+            </a:pPr>
+            <a:r>
+              <a:rPr lang="en-US" sz="3600" b="1" kern="100" dirty="0">
+                <a:latin typeface="Aptos" panose="020B0004020202020204" pitchFamily="34" charset="0"/>
+                <a:ea typeface="Aptos" panose="020B0004020202020204" pitchFamily="34" charset="0"/>
+                <a:cs typeface="Times New Roman" panose="02020603050405020304" pitchFamily="18" charset="0"/>
+              </a:rPr>
+              <a:t>Y</a:t>
+            </a:r>
+            <a:r>
+              <a:rPr lang="en-US" sz="3600" b="1" kern="100" dirty="0">
+                <a:effectLst/>
+                <a:latin typeface="Aptos" panose="020B0004020202020204" pitchFamily="34" charset="0"/>
+                <a:ea typeface="Aptos" panose="020B0004020202020204" pitchFamily="34" charset="0"/>
+                <a:cs typeface="Times New Roman" panose="02020603050405020304" pitchFamily="18" charset="0"/>
+              </a:rPr>
+              <a:t>ou may not have ideal controls. </a:t>
+            </a:r>
+          </a:p>
+          <a:p>
+            <a:pPr marL="0" indent="0" algn="ctr">
+              <a:buNone/>
+            </a:pPr>
+            <a:endParaRPr lang="en-US" sz="3600" b="1" kern="100" dirty="0">
+              <a:latin typeface="Aptos" panose="020B0004020202020204" pitchFamily="34" charset="0"/>
+              <a:ea typeface="Aptos" panose="020B0004020202020204" pitchFamily="34" charset="0"/>
+              <a:cs typeface="Times New Roman" panose="02020603050405020304" pitchFamily="18" charset="0"/>
+            </a:endParaRPr>
+          </a:p>
+          <a:p>
+            <a:pPr marL="0" indent="0" algn="ctr">
+              <a:buNone/>
+            </a:pPr>
+            <a:r>
+              <a:rPr lang="en-US" sz="3600" b="1" kern="100" dirty="0">
+                <a:effectLst/>
+                <a:latin typeface="Aptos" panose="020B0004020202020204" pitchFamily="34" charset="0"/>
+                <a:ea typeface="Aptos" panose="020B0004020202020204" pitchFamily="34" charset="0"/>
+                <a:cs typeface="Times New Roman" panose="02020603050405020304" pitchFamily="18" charset="0"/>
+              </a:rPr>
+              <a:t>You should understand the assumptions/biases of your controls!</a:t>
+            </a:r>
+            <a:endParaRPr lang="en-US" sz="3600" kern="100" dirty="0">
+              <a:effectLst/>
+              <a:latin typeface="Aptos" panose="020B0004020202020204" pitchFamily="34" charset="0"/>
+              <a:ea typeface="Aptos" panose="020B0004020202020204" pitchFamily="34" charset="0"/>
+              <a:cs typeface="Times New Roman" panose="02020603050405020304" pitchFamily="18" charset="0"/>
+            </a:endParaRPr>
+          </a:p>
+          <a:p>
+            <a:endParaRPr lang="en-US" dirty="0"/>
+          </a:p>
+        </p:txBody>
+      </p:sp>
+    </p:spTree>
+    <p:extLst>
+      <p:ext uri="{BB962C8B-B14F-4D97-AF65-F5344CB8AC3E}">
+        <p14:creationId xmlns:p14="http://schemas.microsoft.com/office/powerpoint/2010/main" val="2410735319"/>
+      </p:ext>
+    </p:extLst>
+  </p:cSld>
+  <p:clrMapOvr>
+    <a:masterClrMapping/>
+  </p:clrMapOvr>
+</p:sld>
+</file>
+
+<file path=ppt/slides/slide29.xml><?xml version="1.0" encoding="utf-8"?>
+<p:sld xmlns:a="http://schemas.openxmlformats.org/drawingml/2006/main" xmlns:r="http://schemas.openxmlformats.org/officeDocument/2006/relationships" xmlns:p="http://schemas.openxmlformats.org/presentationml/2006/main">
+  <p:cSld>
+    <p:spTree>
+      <p:nvGrpSpPr>
+        <p:cNvPr id="1" name=""/>
+        <p:cNvGrpSpPr/>
+        <p:nvPr/>
+      </p:nvGrpSpPr>
+      <p:grpSpPr>
+        <a:xfrm>
+          <a:off x="0" y="0"/>
+          <a:ext cx="0" cy="0"/>
+          <a:chOff x="0" y="0"/>
+          <a:chExt cx="0" cy="0"/>
+        </a:xfrm>
+      </p:grpSpPr>
+      <p:sp>
+        <p:nvSpPr>
+          <p:cNvPr id="2" name="Title 1">
+            <a:extLst>
+              <a:ext uri="{FF2B5EF4-FFF2-40B4-BE49-F238E27FC236}">
                 <a16:creationId xmlns:a16="http://schemas.microsoft.com/office/drawing/2014/main" id="{210510F7-6FB9-CB6D-166B-B0B1018724BB}"/>
               </a:ext>
             </a:extLst>
@@ -9217,31 +9957,20 @@
           <a:p>
             <a:r>
               <a:rPr lang="en-US" dirty="0"/>
-              <a:t>You should visualize your data before conducting analysis</a:t>
+              <a:t>You should visualize your data before conducting analysis.</a:t>
             </a:r>
           </a:p>
           <a:p>
             <a:r>
               <a:rPr lang="en-US" dirty="0"/>
-              <a:t>It can be useful to classify samples as seropositive and seronegative, and to calculate </a:t>
-            </a:r>
-            <a:r>
-              <a:rPr lang="en-US" dirty="0" err="1"/>
-              <a:t>seropostivity</a:t>
-            </a:r>
-            <a:endParaRPr lang="en-US" dirty="0"/>
+              <a:t>It can be useful to classify samples as seropositive and seronegative, and to calculate seropositivity.</a:t>
+            </a:r>
           </a:p>
           <a:p>
             <a:r>
               <a:rPr lang="en-US" dirty="0"/>
-              <a:t>It’s important to understand the controls you use, and how these will affect your inference</a:t>
-            </a:r>
-          </a:p>
-          <a:p>
-            <a:endParaRPr lang="en-US" dirty="0"/>
-          </a:p>
-          <a:p>
-            <a:endParaRPr lang="en-US" dirty="0"/>
+              <a:t>It’s important to understand the controls you use, and how these will affect your inference.</a:t>
+            </a:r>
           </a:p>
         </p:txBody>
       </p:sp>
@@ -9298,7 +10027,7 @@
           <a:p>
             <a:r>
               <a:rPr lang="en-US" dirty="0"/>
-              <a:t>Visualizing data with histograms</a:t>
+              <a:t>Visualizing serological data with histograms</a:t>
             </a:r>
           </a:p>
         </p:txBody>
@@ -9428,7 +10157,7 @@
           <a:p>
             <a:r>
               <a:rPr lang="en-US" dirty="0"/>
-              <a:t>Visualizing data with histograms</a:t>
+              <a:t>Visualizing serological data with histograms</a:t>
             </a:r>
           </a:p>
         </p:txBody>
@@ -9558,7 +10287,7 @@
           <a:p>
             <a:r>
               <a:rPr lang="en-US" dirty="0"/>
-              <a:t>Visualizing data with histograms</a:t>
+              <a:t>Visualizing serological data with histograms</a:t>
             </a:r>
           </a:p>
         </p:txBody>
@@ -9591,6 +10320,9 @@
           </a:bodyPr>
           <a:lstStyle/>
           <a:p>
+            <a:pPr marL="0" indent="0">
+              <a:buNone/>
+            </a:pPr>
             <a:r>
               <a:rPr lang="en-US" dirty="0"/>
               <a:t>How would you compare the different distributions of data? </a:t>
@@ -9600,15 +10332,7 @@
             <a:pPr lvl="1"/>
             <a:r>
               <a:rPr lang="en-US" dirty="0"/>
-              <a:t>Skewed vs. </a:t>
-            </a:r>
-            <a:r>
-              <a:rPr lang="en-US" dirty="0" err="1"/>
-              <a:t>unskewed</a:t>
-            </a:r>
-            <a:r>
-              <a:rPr lang="en-US" dirty="0"/>
-              <a:t> distributions</a:t>
+              <a:t>Skewed vs. non-skewed distributions</a:t>
             </a:r>
           </a:p>
           <a:p>
@@ -9629,7 +10353,7 @@
             <a:pPr lvl="1"/>
             <a:r>
               <a:rPr lang="en-US" dirty="0"/>
-              <a:t>Are the outliers?</a:t>
+              <a:t>Are there outliers?</a:t>
             </a:r>
           </a:p>
           <a:p>
@@ -9727,7 +10451,7 @@
           <a:p>
             <a:r>
               <a:rPr lang="en-US" dirty="0"/>
-              <a:t>Visualizing data with histograms</a:t>
+              <a:t>Visualizing serological data with histograms</a:t>
             </a:r>
           </a:p>
         </p:txBody>
@@ -9859,7 +10583,7 @@
           <a:p>
             <a:r>
               <a:rPr lang="en-US" dirty="0"/>
-              <a:t>Visualizing data with histograms</a:t>
+              <a:t>Visualizing serological data with histograms</a:t>
             </a:r>
           </a:p>
         </p:txBody>
@@ -9999,14 +10723,19 @@
             <p:ph type="title"/>
           </p:nvPr>
         </p:nvSpPr>
-        <p:spPr/>
+        <p:spPr>
+          <a:xfrm>
+            <a:off x="585938" y="246276"/>
+            <a:ext cx="11353800" cy="1325563"/>
+          </a:xfrm>
+        </p:spPr>
         <p:txBody>
           <a:bodyPr/>
           <a:lstStyle/>
           <a:p>
             <a:r>
               <a:rPr lang="en-US" dirty="0"/>
-              <a:t>Rubella (</a:t>
+              <a:t>Histograms of rubella (</a:t>
             </a:r>
             <a:r>
               <a:rPr lang="en-US" dirty="0" err="1"/>
@@ -10014,7 +10743,7 @@
             </a:r>
             <a:r>
               <a:rPr lang="en-US" dirty="0"/>
-              <a:t>) histogram</a:t>
+              <a:t>) antibody responses</a:t>
             </a:r>
           </a:p>
         </p:txBody>
@@ -10052,7 +10781,7 @@
             </a:pPr>
             <a:r>
               <a:rPr lang="en-US" sz="2600" dirty="0"/>
-              <a:t>How to get information from histograms like this?</a:t>
+              <a:t>How to get information from histograms like these?</a:t>
             </a:r>
           </a:p>
           <a:p>
@@ -10064,7 +10793,7 @@
           <a:p>
             <a:r>
               <a:rPr lang="en-US" sz="2600" dirty="0"/>
-              <a:t>What inferences can we make about disease exposure based on a histogram? </a:t>
+              <a:t>What inferences can we make about pathogen exposure based on a histogram? </a:t>
             </a:r>
           </a:p>
           <a:p>
@@ -10085,17 +10814,17 @@
             <a:pPr lvl="2"/>
             <a:r>
               <a:rPr lang="en-US" sz="2200" dirty="0"/>
-              <a:t>Setting an MFI cutoff, and everything above that cutoff is positive</a:t>
+              <a:t>Setting a cutoff, and everything above that cutoff is positive</a:t>
             </a:r>
           </a:p>
         </p:txBody>
       </p:sp>
       <p:pic>
         <p:nvPicPr>
-          <p:cNvPr id="7" name="Picture 6" descr="A graph of samples in a row&#10;&#10;AI-generated content may be incorrect.">
+          <p:cNvPr id="4" name="Picture 3" descr="A graph of samples in a row&#10;&#10;AI-generated content may be incorrect.">
             <a:extLst>
               <a:ext uri="{FF2B5EF4-FFF2-40B4-BE49-F238E27FC236}">
-                <a16:creationId xmlns:a16="http://schemas.microsoft.com/office/drawing/2014/main" id="{8F7261EE-96C6-DB3E-B678-4FF90F9A99E5}"/>
+                <a16:creationId xmlns:a16="http://schemas.microsoft.com/office/drawing/2014/main" id="{95F758FD-A31C-28A4-25D1-2ED87268E1FB}"/>
               </a:ext>
             </a:extLst>
           </p:cNvPr>
@@ -10112,7 +10841,7 @@
         </p:blipFill>
         <p:spPr>
           <a:xfrm>
-            <a:off x="2411006" y="1518184"/>
+            <a:off x="2354736" y="1611680"/>
             <a:ext cx="2747963" cy="2747963"/>
           </a:xfrm>
           <a:prstGeom prst="rect">
@@ -10122,10 +10851,10 @@
       </p:pic>
       <p:pic>
         <p:nvPicPr>
-          <p:cNvPr id="9" name="Picture 8" descr="A graph of a number of samples&#10;&#10;AI-generated content may be incorrect.">
+          <p:cNvPr id="5" name="Picture 4" descr="A graph of a number of samples&#10;&#10;AI-generated content may be incorrect.">
             <a:extLst>
               <a:ext uri="{FF2B5EF4-FFF2-40B4-BE49-F238E27FC236}">
-                <a16:creationId xmlns:a16="http://schemas.microsoft.com/office/drawing/2014/main" id="{22F34599-3CAB-BDC0-7E71-E17EA254E815}"/>
+                <a16:creationId xmlns:a16="http://schemas.microsoft.com/office/drawing/2014/main" id="{B57DE277-4B6F-4877-BE01-98B4E0338F81}"/>
               </a:ext>
             </a:extLst>
           </p:cNvPr>
@@ -10142,7 +10871,7 @@
         </p:blipFill>
         <p:spPr>
           <a:xfrm>
-            <a:off x="6865928" y="1505677"/>
+            <a:off x="6930467" y="1611680"/>
             <a:ext cx="2747964" cy="2747964"/>
           </a:xfrm>
           <a:prstGeom prst="rect">
@@ -10152,10 +10881,10 @@
       </p:pic>
       <p:sp>
         <p:nvSpPr>
-          <p:cNvPr id="10" name="TextBox 9">
+          <p:cNvPr id="6" name="TextBox 5">
             <a:extLst>
               <a:ext uri="{FF2B5EF4-FFF2-40B4-BE49-F238E27FC236}">
-                <a16:creationId xmlns:a16="http://schemas.microsoft.com/office/drawing/2014/main" id="{E04D3CEC-510B-E616-8ADB-33C808896501}"/>
+                <a16:creationId xmlns:a16="http://schemas.microsoft.com/office/drawing/2014/main" id="{519DA5E7-7A3A-DE85-EEA4-570E627375F1}"/>
               </a:ext>
             </a:extLst>
           </p:cNvPr>
@@ -10164,7 +10893,7 @@
         </p:nvSpPr>
         <p:spPr>
           <a:xfrm>
-            <a:off x="2411006" y="1339771"/>
+            <a:off x="2354736" y="1433267"/>
             <a:ext cx="7703665" cy="369332"/>
           </a:xfrm>
           <a:prstGeom prst="rect">
@@ -10379,69 +11108,7 @@
             <a:pPr lvl="1"/>
             <a:r>
               <a:rPr lang="en-US" dirty="0"/>
-              <a:t>By applying a cutoff equivalent to the correlate of protection, we can calculate seroprevalence</a:t>
-            </a:r>
-          </a:p>
-        </p:txBody>
-      </p:sp>
-      <p:sp>
-        <p:nvSpPr>
-          <p:cNvPr id="7" name="Title 1">
-            <a:extLst>
-              <a:ext uri="{FF2B5EF4-FFF2-40B4-BE49-F238E27FC236}">
-                <a16:creationId xmlns:a16="http://schemas.microsoft.com/office/drawing/2014/main" id="{D3CD4119-54A6-7A97-AF14-D29DACE2D35E}"/>
-              </a:ext>
-            </a:extLst>
-          </p:cNvPr>
-          <p:cNvSpPr txBox="1">
-            <a:spLocks/>
-          </p:cNvSpPr>
-          <p:nvPr/>
-        </p:nvSpPr>
-        <p:spPr>
-          <a:xfrm>
-            <a:off x="948768" y="404190"/>
-            <a:ext cx="10515600" cy="1325563"/>
-          </a:xfrm>
-          <a:prstGeom prst="rect">
-            <a:avLst/>
-          </a:prstGeom>
-        </p:spPr>
-        <p:txBody>
-          <a:bodyPr vert="horz" lIns="91440" tIns="45720" rIns="91440" bIns="45720" rtlCol="0" anchor="ctr">
-            <a:normAutofit/>
-          </a:bodyPr>
-          <a:lstStyle>
-            <a:lvl1pPr algn="l" defTabSz="914400" rtl="0" eaLnBrk="1" latinLnBrk="0" hangingPunct="1">
-              <a:lnSpc>
-                <a:spcPct val="90000"/>
-              </a:lnSpc>
-              <a:spcBef>
-                <a:spcPct val="0"/>
-              </a:spcBef>
-              <a:buNone/>
-              <a:defRPr sz="4400" kern="1200">
-                <a:solidFill>
-                  <a:schemeClr val="tx1"/>
-                </a:solidFill>
-                <a:latin typeface="+mj-lt"/>
-                <a:ea typeface="+mj-ea"/>
-                <a:cs typeface="+mj-cs"/>
-              </a:defRPr>
-            </a:lvl1pPr>
-          </a:lstStyle>
-          <a:p>
-            <a:r>
-              <a:rPr lang="en-US" dirty="0"/>
-              <a:t>Rubella (</a:t>
-            </a:r>
-            <a:r>
-              <a:rPr lang="en-US" dirty="0" err="1"/>
-              <a:t>wruv</a:t>
-            </a:r>
-            <a:r>
-              <a:rPr lang="en-US" dirty="0"/>
-              <a:t>) histogram</a:t>
+              <a:t>By applying a cutoff equivalent to the correlate of protection, we can calculate seroprevalence (here, also equals the immune proportion)</a:t>
             </a:r>
           </a:p>
         </p:txBody>
@@ -10537,6 +11204,47 @@
             <a:r>
               <a:rPr lang="en-US" dirty="0"/>
               <a:t>Untransformed MFI Values 					Log transformed MFI values</a:t>
+            </a:r>
+          </a:p>
+        </p:txBody>
+      </p:sp>
+      <p:sp>
+        <p:nvSpPr>
+          <p:cNvPr id="2" name="Title 1">
+            <a:extLst>
+              <a:ext uri="{FF2B5EF4-FFF2-40B4-BE49-F238E27FC236}">
+                <a16:creationId xmlns:a16="http://schemas.microsoft.com/office/drawing/2014/main" id="{4FA51156-E1DB-F1FD-AB65-068C70BF6D1B}"/>
+              </a:ext>
+            </a:extLst>
+          </p:cNvPr>
+          <p:cNvSpPr>
+            <a:spLocks noGrp="1"/>
+          </p:cNvSpPr>
+          <p:nvPr>
+            <p:ph type="title"/>
+          </p:nvPr>
+        </p:nvSpPr>
+        <p:spPr>
+          <a:xfrm>
+            <a:off x="585938" y="246276"/>
+            <a:ext cx="11353800" cy="1325563"/>
+          </a:xfrm>
+        </p:spPr>
+        <p:txBody>
+          <a:bodyPr/>
+          <a:lstStyle/>
+          <a:p>
+            <a:r>
+              <a:rPr lang="en-US" dirty="0"/>
+              <a:t>Histograms of rubella (</a:t>
+            </a:r>
+            <a:r>
+              <a:rPr lang="en-US" dirty="0" err="1"/>
+              <a:t>wruv</a:t>
+            </a:r>
+            <a:r>
+              <a:rPr lang="en-US" dirty="0"/>
+              <a:t>) antibody responses</a:t>
             </a:r>
           </a:p>
         </p:txBody>

--- a/Lecture 3/Lecture 3 draft v2.pptx
+++ b/Lecture 3/Lecture 3 draft v2.pptx
@@ -5,7 +5,7 @@
     <p:sldMasterId id="2147483672" r:id="rId1"/>
   </p:sldMasterIdLst>
   <p:notesMasterIdLst>
-    <p:notesMasterId r:id="rId31"/>
+    <p:notesMasterId r:id="rId32"/>
   </p:notesMasterIdLst>
   <p:sldIdLst>
     <p:sldId id="262" r:id="rId2"/>
@@ -31,12 +31,13 @@
     <p:sldId id="267" r:id="rId22"/>
     <p:sldId id="308" r:id="rId23"/>
     <p:sldId id="268" r:id="rId24"/>
-    <p:sldId id="289" r:id="rId25"/>
+    <p:sldId id="313" r:id="rId25"/>
     <p:sldId id="269" r:id="rId26"/>
     <p:sldId id="291" r:id="rId27"/>
-    <p:sldId id="295" r:id="rId28"/>
-    <p:sldId id="296" r:id="rId29"/>
-    <p:sldId id="307" r:id="rId30"/>
+    <p:sldId id="314" r:id="rId28"/>
+    <p:sldId id="295" r:id="rId29"/>
+    <p:sldId id="296" r:id="rId30"/>
+    <p:sldId id="307" r:id="rId31"/>
   </p:sldIdLst>
   <p:sldSz cx="12192000" cy="6858000"/>
   <p:notesSz cx="6858000" cy="9144000"/>
@@ -179,9 +180,10 @@
             <p14:sldId id="267"/>
             <p14:sldId id="308"/>
             <p14:sldId id="268"/>
-            <p14:sldId id="289"/>
+            <p14:sldId id="313"/>
             <p14:sldId id="269"/>
             <p14:sldId id="291"/>
+            <p14:sldId id="314"/>
             <p14:sldId id="295"/>
             <p14:sldId id="296"/>
             <p14:sldId id="307"/>
@@ -200,6 +202,1185 @@
 <p188:authorLst xmlns:a="http://schemas.openxmlformats.org/drawingml/2006/main" xmlns:r="http://schemas.openxmlformats.org/officeDocument/2006/relationships" xmlns:p188="http://schemas.microsoft.com/office/powerpoint/2018/8/main">
   <p188:author id="{1CE0FB90-2441-19E3-AE87-5EC9058FFAEA}" name="Sarah Lapidus" initials="" userId="S::slapidu1@jh.edu::c89f8e94-d9ee-4a70-8f0d-d05c80a5c9d2" providerId="AD"/>
 </p188:authorLst>
+</file>
+
+<file path=ppt/revisionInfo.xml><?xml version="1.0" encoding="utf-8"?>
+<p1510:revInfo xmlns:a="http://schemas.openxmlformats.org/drawingml/2006/main" xmlns:r="http://schemas.openxmlformats.org/officeDocument/2006/relationships" xmlns:p1510="http://schemas.microsoft.com/office/powerpoint/2015/10/main">
+  <p1510:revLst>
+    <p1510:client id="{353A459F-1326-E646-9951-1A5C678B88AF}" v="863" dt="2025-05-20T05:55:19.009"/>
+  </p1510:revLst>
+</p1510:revInfo>
+</file>
+
+<file path=ppt/changesInfos/changesInfo1.xml><?xml version="1.0" encoding="utf-8"?>
+<pc:chgInfo xmlns:a="http://schemas.openxmlformats.org/drawingml/2006/main" xmlns:r="http://schemas.openxmlformats.org/officeDocument/2006/relationships" xmlns:ac="http://schemas.microsoft.com/office/drawing/2013/main/command" xmlns:pc="http://schemas.microsoft.com/office/powerpoint/2013/main/command">
+  <pc:docChgLst>
+    <pc:chgData name="Sonia Tara Hegde" userId="d93a2558-a889-4521-bcb4-6ed3fce9e012" providerId="ADAL" clId="{353A459F-1326-E646-9951-1A5C678B88AF}"/>
+    <pc:docChg chg="undo custSel addSld delSld modSld modSection">
+      <pc:chgData name="Sonia Tara Hegde" userId="d93a2558-a889-4521-bcb4-6ed3fce9e012" providerId="ADAL" clId="{353A459F-1326-E646-9951-1A5C678B88AF}" dt="2025-05-20T05:55:19.009" v="2795" actId="167"/>
+      <pc:docMkLst>
+        <pc:docMk/>
+      </pc:docMkLst>
+      <pc:sldChg chg="modSp mod">
+        <pc:chgData name="Sonia Tara Hegde" userId="d93a2558-a889-4521-bcb4-6ed3fce9e012" providerId="ADAL" clId="{353A459F-1326-E646-9951-1A5C678B88AF}" dt="2025-05-19T17:05:47.927" v="21" actId="1076"/>
+        <pc:sldMkLst>
+          <pc:docMk/>
+          <pc:sldMk cId="2118512461" sldId="264"/>
+        </pc:sldMkLst>
+        <pc:spChg chg="mod">
+          <ac:chgData name="Sonia Tara Hegde" userId="d93a2558-a889-4521-bcb4-6ed3fce9e012" providerId="ADAL" clId="{353A459F-1326-E646-9951-1A5C678B88AF}" dt="2025-05-19T17:05:33.514" v="19" actId="13926"/>
+          <ac:spMkLst>
+            <pc:docMk/>
+            <pc:sldMk cId="2118512461" sldId="264"/>
+            <ac:spMk id="2" creationId="{5578DAC8-E7DD-EB23-93B1-A20EAB8317A8}"/>
+          </ac:spMkLst>
+        </pc:spChg>
+        <pc:spChg chg="mod">
+          <ac:chgData name="Sonia Tara Hegde" userId="d93a2558-a889-4521-bcb4-6ed3fce9e012" providerId="ADAL" clId="{353A459F-1326-E646-9951-1A5C678B88AF}" dt="2025-05-19T17:05:47.927" v="21" actId="1076"/>
+          <ac:spMkLst>
+            <pc:docMk/>
+            <pc:sldMk cId="2118512461" sldId="264"/>
+            <ac:spMk id="3" creationId="{D5846FC3-F3D5-A4FE-AB63-D33F95B247C0}"/>
+          </ac:spMkLst>
+        </pc:spChg>
+      </pc:sldChg>
+      <pc:sldChg chg="modSp mod">
+        <pc:chgData name="Sonia Tara Hegde" userId="d93a2558-a889-4521-bcb4-6ed3fce9e012" providerId="ADAL" clId="{353A459F-1326-E646-9951-1A5C678B88AF}" dt="2025-05-19T23:00:40.320" v="2458" actId="1036"/>
+        <pc:sldMkLst>
+          <pc:docMk/>
+          <pc:sldMk cId="1354356339" sldId="265"/>
+        </pc:sldMkLst>
+        <pc:spChg chg="mod">
+          <ac:chgData name="Sonia Tara Hegde" userId="d93a2558-a889-4521-bcb4-6ed3fce9e012" providerId="ADAL" clId="{353A459F-1326-E646-9951-1A5C678B88AF}" dt="2025-05-19T23:00:40.320" v="2458" actId="1036"/>
+          <ac:spMkLst>
+            <pc:docMk/>
+            <pc:sldMk cId="1354356339" sldId="265"/>
+            <ac:spMk id="3" creationId="{A3CA31CA-9D02-A267-EC10-A2016E0E86EE}"/>
+          </ac:spMkLst>
+        </pc:spChg>
+      </pc:sldChg>
+      <pc:sldChg chg="modSp mod">
+        <pc:chgData name="Sonia Tara Hegde" userId="d93a2558-a889-4521-bcb4-6ed3fce9e012" providerId="ADAL" clId="{353A459F-1326-E646-9951-1A5C678B88AF}" dt="2025-05-19T17:58:03.110" v="2393" actId="255"/>
+        <pc:sldMkLst>
+          <pc:docMk/>
+          <pc:sldMk cId="40204400" sldId="267"/>
+        </pc:sldMkLst>
+        <pc:spChg chg="mod">
+          <ac:chgData name="Sonia Tara Hegde" userId="d93a2558-a889-4521-bcb4-6ed3fce9e012" providerId="ADAL" clId="{353A459F-1326-E646-9951-1A5C678B88AF}" dt="2025-05-19T17:58:03.110" v="2393" actId="255"/>
+          <ac:spMkLst>
+            <pc:docMk/>
+            <pc:sldMk cId="40204400" sldId="267"/>
+            <ac:spMk id="3" creationId="{4DAE5214-2F99-3603-C4C1-121D106104AC}"/>
+          </ac:spMkLst>
+        </pc:spChg>
+      </pc:sldChg>
+      <pc:sldChg chg="addSp delSp modSp mod">
+        <pc:chgData name="Sonia Tara Hegde" userId="d93a2558-a889-4521-bcb4-6ed3fce9e012" providerId="ADAL" clId="{353A459F-1326-E646-9951-1A5C678B88AF}" dt="2025-05-19T22:59:25.081" v="2446" actId="478"/>
+        <pc:sldMkLst>
+          <pc:docMk/>
+          <pc:sldMk cId="2856764265" sldId="268"/>
+        </pc:sldMkLst>
+        <pc:spChg chg="mod">
+          <ac:chgData name="Sonia Tara Hegde" userId="d93a2558-a889-4521-bcb4-6ed3fce9e012" providerId="ADAL" clId="{353A459F-1326-E646-9951-1A5C678B88AF}" dt="2025-05-19T18:03:38.826" v="2419" actId="255"/>
+          <ac:spMkLst>
+            <pc:docMk/>
+            <pc:sldMk cId="2856764265" sldId="268"/>
+            <ac:spMk id="3" creationId="{6E4F3BB0-8E18-4F0A-7809-AAA20A88B242}"/>
+          </ac:spMkLst>
+        </pc:spChg>
+        <pc:cxnChg chg="add del mod">
+          <ac:chgData name="Sonia Tara Hegde" userId="d93a2558-a889-4521-bcb4-6ed3fce9e012" providerId="ADAL" clId="{353A459F-1326-E646-9951-1A5C678B88AF}" dt="2025-05-19T22:59:25.081" v="2446" actId="478"/>
+          <ac:cxnSpMkLst>
+            <pc:docMk/>
+            <pc:sldMk cId="2856764265" sldId="268"/>
+            <ac:cxnSpMk id="4" creationId="{109BAA44-2185-151B-C431-D9D0B82E75B8}"/>
+          </ac:cxnSpMkLst>
+        </pc:cxnChg>
+        <pc:cxnChg chg="add del mod">
+          <ac:chgData name="Sonia Tara Hegde" userId="d93a2558-a889-4521-bcb4-6ed3fce9e012" providerId="ADAL" clId="{353A459F-1326-E646-9951-1A5C678B88AF}" dt="2025-05-19T22:59:25.081" v="2446" actId="478"/>
+          <ac:cxnSpMkLst>
+            <pc:docMk/>
+            <pc:sldMk cId="2856764265" sldId="268"/>
+            <ac:cxnSpMk id="5" creationId="{0439F44C-E198-D78B-5E3D-494CD4F5DE7C}"/>
+          </ac:cxnSpMkLst>
+        </pc:cxnChg>
+        <pc:cxnChg chg="add del mod">
+          <ac:chgData name="Sonia Tara Hegde" userId="d93a2558-a889-4521-bcb4-6ed3fce9e012" providerId="ADAL" clId="{353A459F-1326-E646-9951-1A5C678B88AF}" dt="2025-05-19T22:59:25.081" v="2446" actId="478"/>
+          <ac:cxnSpMkLst>
+            <pc:docMk/>
+            <pc:sldMk cId="2856764265" sldId="268"/>
+            <ac:cxnSpMk id="6" creationId="{B7360427-48B9-7256-F734-23459C8FEBD7}"/>
+          </ac:cxnSpMkLst>
+        </pc:cxnChg>
+      </pc:sldChg>
+      <pc:sldChg chg="modSp mod">
+        <pc:chgData name="Sonia Tara Hegde" userId="d93a2558-a889-4521-bcb4-6ed3fce9e012" providerId="ADAL" clId="{353A459F-1326-E646-9951-1A5C678B88AF}" dt="2025-05-19T18:04:13.135" v="2420" actId="113"/>
+        <pc:sldMkLst>
+          <pc:docMk/>
+          <pc:sldMk cId="2594302332" sldId="269"/>
+        </pc:sldMkLst>
+        <pc:spChg chg="mod">
+          <ac:chgData name="Sonia Tara Hegde" userId="d93a2558-a889-4521-bcb4-6ed3fce9e012" providerId="ADAL" clId="{353A459F-1326-E646-9951-1A5C678B88AF}" dt="2025-05-19T18:04:13.135" v="2420" actId="113"/>
+          <ac:spMkLst>
+            <pc:docMk/>
+            <pc:sldMk cId="2594302332" sldId="269"/>
+            <ac:spMk id="3" creationId="{68AFC8B9-212A-6332-70B0-1D62491C6249}"/>
+          </ac:spMkLst>
+        </pc:spChg>
+      </pc:sldChg>
+      <pc:sldChg chg="modSp mod">
+        <pc:chgData name="Sonia Tara Hegde" userId="d93a2558-a889-4521-bcb4-6ed3fce9e012" providerId="ADAL" clId="{353A459F-1326-E646-9951-1A5C678B88AF}" dt="2025-05-19T16:55:56.633" v="2" actId="1076"/>
+        <pc:sldMkLst>
+          <pc:docMk/>
+          <pc:sldMk cId="86817123" sldId="274"/>
+        </pc:sldMkLst>
+        <pc:spChg chg="mod">
+          <ac:chgData name="Sonia Tara Hegde" userId="d93a2558-a889-4521-bcb4-6ed3fce9e012" providerId="ADAL" clId="{353A459F-1326-E646-9951-1A5C678B88AF}" dt="2025-05-19T16:55:50.455" v="1" actId="20577"/>
+          <ac:spMkLst>
+            <pc:docMk/>
+            <pc:sldMk cId="86817123" sldId="274"/>
+            <ac:spMk id="2" creationId="{2B9D4F15-62EA-517A-97D7-3C917C7F4C50}"/>
+          </ac:spMkLst>
+        </pc:spChg>
+        <pc:spChg chg="mod">
+          <ac:chgData name="Sonia Tara Hegde" userId="d93a2558-a889-4521-bcb4-6ed3fce9e012" providerId="ADAL" clId="{353A459F-1326-E646-9951-1A5C678B88AF}" dt="2025-05-19T16:55:56.633" v="2" actId="1076"/>
+          <ac:spMkLst>
+            <pc:docMk/>
+            <pc:sldMk cId="86817123" sldId="274"/>
+            <ac:spMk id="3" creationId="{26B03998-8D19-413F-D557-FDE476559A1C}"/>
+          </ac:spMkLst>
+        </pc:spChg>
+      </pc:sldChg>
+      <pc:sldChg chg="modSp mod">
+        <pc:chgData name="Sonia Tara Hegde" userId="d93a2558-a889-4521-bcb4-6ed3fce9e012" providerId="ADAL" clId="{353A459F-1326-E646-9951-1A5C678B88AF}" dt="2025-05-19T23:03:07.974" v="2495" actId="1036"/>
+        <pc:sldMkLst>
+          <pc:docMk/>
+          <pc:sldMk cId="2682364400" sldId="275"/>
+        </pc:sldMkLst>
+        <pc:spChg chg="mod">
+          <ac:chgData name="Sonia Tara Hegde" userId="d93a2558-a889-4521-bcb4-6ed3fce9e012" providerId="ADAL" clId="{353A459F-1326-E646-9951-1A5C678B88AF}" dt="2025-05-19T23:03:07.974" v="2495" actId="1036"/>
+          <ac:spMkLst>
+            <pc:docMk/>
+            <pc:sldMk cId="2682364400" sldId="275"/>
+            <ac:spMk id="3" creationId="{EE927A07-66BF-0402-232F-0ECA96F3F70D}"/>
+          </ac:spMkLst>
+        </pc:spChg>
+        <pc:picChg chg="mod">
+          <ac:chgData name="Sonia Tara Hegde" userId="d93a2558-a889-4521-bcb4-6ed3fce9e012" providerId="ADAL" clId="{353A459F-1326-E646-9951-1A5C678B88AF}" dt="2025-05-19T23:03:04.511" v="2489" actId="14100"/>
+          <ac:picMkLst>
+            <pc:docMk/>
+            <pc:sldMk cId="2682364400" sldId="275"/>
+            <ac:picMk id="13" creationId="{996E3241-9B6E-8A12-3FA3-9B50EBA894D4}"/>
+          </ac:picMkLst>
+        </pc:picChg>
+      </pc:sldChg>
+      <pc:sldChg chg="modSp mod">
+        <pc:chgData name="Sonia Tara Hegde" userId="d93a2558-a889-4521-bcb4-6ed3fce9e012" providerId="ADAL" clId="{353A459F-1326-E646-9951-1A5C678B88AF}" dt="2025-05-19T23:01:55.297" v="2469" actId="1035"/>
+        <pc:sldMkLst>
+          <pc:docMk/>
+          <pc:sldMk cId="939043990" sldId="277"/>
+        </pc:sldMkLst>
+        <pc:picChg chg="mod">
+          <ac:chgData name="Sonia Tara Hegde" userId="d93a2558-a889-4521-bcb4-6ed3fce9e012" providerId="ADAL" clId="{353A459F-1326-E646-9951-1A5C678B88AF}" dt="2025-05-19T23:01:55.297" v="2469" actId="1035"/>
+          <ac:picMkLst>
+            <pc:docMk/>
+            <pc:sldMk cId="939043990" sldId="277"/>
+            <ac:picMk id="5" creationId="{5F70584A-653C-D0DC-EEBE-8296DB6B4337}"/>
+          </ac:picMkLst>
+        </pc:picChg>
+      </pc:sldChg>
+      <pc:sldChg chg="modSp mod">
+        <pc:chgData name="Sonia Tara Hegde" userId="d93a2558-a889-4521-bcb4-6ed3fce9e012" providerId="ADAL" clId="{353A459F-1326-E646-9951-1A5C678B88AF}" dt="2025-05-19T23:02:30.773" v="2486" actId="1035"/>
+        <pc:sldMkLst>
+          <pc:docMk/>
+          <pc:sldMk cId="3874053739" sldId="278"/>
+        </pc:sldMkLst>
+        <pc:spChg chg="mod">
+          <ac:chgData name="Sonia Tara Hegde" userId="d93a2558-a889-4521-bcb4-6ed3fce9e012" providerId="ADAL" clId="{353A459F-1326-E646-9951-1A5C678B88AF}" dt="2025-05-19T23:02:30.773" v="2486" actId="1035"/>
+          <ac:spMkLst>
+            <pc:docMk/>
+            <pc:sldMk cId="3874053739" sldId="278"/>
+            <ac:spMk id="3" creationId="{5333F8A2-E4F5-204E-6867-8AF537C21720}"/>
+          </ac:spMkLst>
+        </pc:spChg>
+        <pc:picChg chg="mod">
+          <ac:chgData name="Sonia Tara Hegde" userId="d93a2558-a889-4521-bcb4-6ed3fce9e012" providerId="ADAL" clId="{353A459F-1326-E646-9951-1A5C678B88AF}" dt="2025-05-19T23:02:02.223" v="2470" actId="1076"/>
+          <ac:picMkLst>
+            <pc:docMk/>
+            <pc:sldMk cId="3874053739" sldId="278"/>
+            <ac:picMk id="5" creationId="{051ED5E1-4827-3C90-5EF8-ED1379500A06}"/>
+          </ac:picMkLst>
+        </pc:picChg>
+      </pc:sldChg>
+      <pc:sldChg chg="modSp mod">
+        <pc:chgData name="Sonia Tara Hegde" userId="d93a2558-a889-4521-bcb4-6ed3fce9e012" providerId="ADAL" clId="{353A459F-1326-E646-9951-1A5C678B88AF}" dt="2025-05-19T23:02:41.607" v="2487" actId="1076"/>
+        <pc:sldMkLst>
+          <pc:docMk/>
+          <pc:sldMk cId="1455489951" sldId="279"/>
+        </pc:sldMkLst>
+        <pc:spChg chg="mod">
+          <ac:chgData name="Sonia Tara Hegde" userId="d93a2558-a889-4521-bcb4-6ed3fce9e012" providerId="ADAL" clId="{353A459F-1326-E646-9951-1A5C678B88AF}" dt="2025-05-19T23:02:21.866" v="2474" actId="14100"/>
+          <ac:spMkLst>
+            <pc:docMk/>
+            <pc:sldMk cId="1455489951" sldId="279"/>
+            <ac:spMk id="3" creationId="{B312C8A2-6018-A979-65BE-983AFB699514}"/>
+          </ac:spMkLst>
+        </pc:spChg>
+        <pc:picChg chg="mod">
+          <ac:chgData name="Sonia Tara Hegde" userId="d93a2558-a889-4521-bcb4-6ed3fce9e012" providerId="ADAL" clId="{353A459F-1326-E646-9951-1A5C678B88AF}" dt="2025-05-19T23:02:41.607" v="2487" actId="1076"/>
+          <ac:picMkLst>
+            <pc:docMk/>
+            <pc:sldMk cId="1455489951" sldId="279"/>
+            <ac:picMk id="5" creationId="{01F96A9D-EE7C-2325-0D53-9AC63E255809}"/>
+          </ac:picMkLst>
+        </pc:picChg>
+      </pc:sldChg>
+      <pc:sldChg chg="modSp mod">
+        <pc:chgData name="Sonia Tara Hegde" userId="d93a2558-a889-4521-bcb4-6ed3fce9e012" providerId="ADAL" clId="{353A459F-1326-E646-9951-1A5C678B88AF}" dt="2025-05-19T23:04:07.107" v="2509" actId="1035"/>
+        <pc:sldMkLst>
+          <pc:docMk/>
+          <pc:sldMk cId="2537672665" sldId="280"/>
+        </pc:sldMkLst>
+        <pc:spChg chg="mod">
+          <ac:chgData name="Sonia Tara Hegde" userId="d93a2558-a889-4521-bcb4-6ed3fce9e012" providerId="ADAL" clId="{353A459F-1326-E646-9951-1A5C678B88AF}" dt="2025-05-19T23:04:07.107" v="2509" actId="1035"/>
+          <ac:spMkLst>
+            <pc:docMk/>
+            <pc:sldMk cId="2537672665" sldId="280"/>
+            <ac:spMk id="3" creationId="{1DE76279-7662-8C48-5B8D-5D8BC8EE1147}"/>
+          </ac:spMkLst>
+        </pc:spChg>
+        <pc:spChg chg="mod">
+          <ac:chgData name="Sonia Tara Hegde" userId="d93a2558-a889-4521-bcb4-6ed3fce9e012" providerId="ADAL" clId="{353A459F-1326-E646-9951-1A5C678B88AF}" dt="2025-05-19T23:04:07.107" v="2509" actId="1035"/>
+          <ac:spMkLst>
+            <pc:docMk/>
+            <pc:sldMk cId="2537672665" sldId="280"/>
+            <ac:spMk id="6" creationId="{519DA5E7-7A3A-DE85-EEA4-570E627375F1}"/>
+          </ac:spMkLst>
+        </pc:spChg>
+        <pc:picChg chg="mod">
+          <ac:chgData name="Sonia Tara Hegde" userId="d93a2558-a889-4521-bcb4-6ed3fce9e012" providerId="ADAL" clId="{353A459F-1326-E646-9951-1A5C678B88AF}" dt="2025-05-19T23:04:07.107" v="2509" actId="1035"/>
+          <ac:picMkLst>
+            <pc:docMk/>
+            <pc:sldMk cId="2537672665" sldId="280"/>
+            <ac:picMk id="4" creationId="{95F758FD-A31C-28A4-25D1-2ED87268E1FB}"/>
+          </ac:picMkLst>
+        </pc:picChg>
+        <pc:picChg chg="mod">
+          <ac:chgData name="Sonia Tara Hegde" userId="d93a2558-a889-4521-bcb4-6ed3fce9e012" providerId="ADAL" clId="{353A459F-1326-E646-9951-1A5C678B88AF}" dt="2025-05-19T23:04:07.107" v="2509" actId="1035"/>
+          <ac:picMkLst>
+            <pc:docMk/>
+            <pc:sldMk cId="2537672665" sldId="280"/>
+            <ac:picMk id="5" creationId="{B57DE277-4B6F-4877-BE01-98B4E0338F81}"/>
+          </ac:picMkLst>
+        </pc:picChg>
+      </pc:sldChg>
+      <pc:sldChg chg="modSp mod">
+        <pc:chgData name="Sonia Tara Hegde" userId="d93a2558-a889-4521-bcb4-6ed3fce9e012" providerId="ADAL" clId="{353A459F-1326-E646-9951-1A5C678B88AF}" dt="2025-05-19T17:56:10.486" v="2390" actId="1037"/>
+        <pc:sldMkLst>
+          <pc:docMk/>
+          <pc:sldMk cId="4148897013" sldId="285"/>
+        </pc:sldMkLst>
+        <pc:spChg chg="mod">
+          <ac:chgData name="Sonia Tara Hegde" userId="d93a2558-a889-4521-bcb4-6ed3fce9e012" providerId="ADAL" clId="{353A459F-1326-E646-9951-1A5C678B88AF}" dt="2025-05-19T17:56:10.486" v="2390" actId="1037"/>
+          <ac:spMkLst>
+            <pc:docMk/>
+            <pc:sldMk cId="4148897013" sldId="285"/>
+            <ac:spMk id="4" creationId="{CEF4ED65-CD66-D584-3C23-55A9D3F5CC9E}"/>
+          </ac:spMkLst>
+        </pc:spChg>
+      </pc:sldChg>
+      <pc:sldChg chg="modSp del mod">
+        <pc:chgData name="Sonia Tara Hegde" userId="d93a2558-a889-4521-bcb4-6ed3fce9e012" providerId="ADAL" clId="{353A459F-1326-E646-9951-1A5C678B88AF}" dt="2025-05-19T18:03:18.058" v="2417" actId="2696"/>
+        <pc:sldMkLst>
+          <pc:docMk/>
+          <pc:sldMk cId="1743007105" sldId="289"/>
+        </pc:sldMkLst>
+        <pc:spChg chg="mod">
+          <ac:chgData name="Sonia Tara Hegde" userId="d93a2558-a889-4521-bcb4-6ed3fce9e012" providerId="ADAL" clId="{353A459F-1326-E646-9951-1A5C678B88AF}" dt="2025-05-19T18:02:13.828" v="2405" actId="255"/>
+          <ac:spMkLst>
+            <pc:docMk/>
+            <pc:sldMk cId="1743007105" sldId="289"/>
+            <ac:spMk id="3" creationId="{9EC8DC62-D5EC-F954-B13D-9CA32A7E8D5B}"/>
+          </ac:spMkLst>
+        </pc:spChg>
+      </pc:sldChg>
+      <pc:sldChg chg="modSp mod">
+        <pc:chgData name="Sonia Tara Hegde" userId="d93a2558-a889-4521-bcb4-6ed3fce9e012" providerId="ADAL" clId="{353A459F-1326-E646-9951-1A5C678B88AF}" dt="2025-05-19T18:04:45.892" v="2424" actId="20577"/>
+        <pc:sldMkLst>
+          <pc:docMk/>
+          <pc:sldMk cId="1563903188" sldId="291"/>
+        </pc:sldMkLst>
+        <pc:spChg chg="mod">
+          <ac:chgData name="Sonia Tara Hegde" userId="d93a2558-a889-4521-bcb4-6ed3fce9e012" providerId="ADAL" clId="{353A459F-1326-E646-9951-1A5C678B88AF}" dt="2025-05-19T18:04:45.892" v="2424" actId="20577"/>
+          <ac:spMkLst>
+            <pc:docMk/>
+            <pc:sldMk cId="1563903188" sldId="291"/>
+            <ac:spMk id="3" creationId="{B4870CA7-903B-3AEF-1795-41954B5D9CB6}"/>
+          </ac:spMkLst>
+        </pc:spChg>
+      </pc:sldChg>
+      <pc:sldChg chg="modSp mod">
+        <pc:chgData name="Sonia Tara Hegde" userId="d93a2558-a889-4521-bcb4-6ed3fce9e012" providerId="ADAL" clId="{353A459F-1326-E646-9951-1A5C678B88AF}" dt="2025-05-19T18:04:56.040" v="2426" actId="113"/>
+        <pc:sldMkLst>
+          <pc:docMk/>
+          <pc:sldMk cId="3975271084" sldId="295"/>
+        </pc:sldMkLst>
+        <pc:spChg chg="mod">
+          <ac:chgData name="Sonia Tara Hegde" userId="d93a2558-a889-4521-bcb4-6ed3fce9e012" providerId="ADAL" clId="{353A459F-1326-E646-9951-1A5C678B88AF}" dt="2025-05-19T18:04:56.040" v="2426" actId="113"/>
+          <ac:spMkLst>
+            <pc:docMk/>
+            <pc:sldMk cId="3975271084" sldId="295"/>
+            <ac:spMk id="3" creationId="{EBD1AA80-E257-4C0D-2941-6AABC4CF024C}"/>
+          </ac:spMkLst>
+        </pc:spChg>
+      </pc:sldChg>
+      <pc:sldChg chg="modSp mod">
+        <pc:chgData name="Sonia Tara Hegde" userId="d93a2558-a889-4521-bcb4-6ed3fce9e012" providerId="ADAL" clId="{353A459F-1326-E646-9951-1A5C678B88AF}" dt="2025-05-19T23:02:56.126" v="2488" actId="14100"/>
+        <pc:sldMkLst>
+          <pc:docMk/>
+          <pc:sldMk cId="104651184" sldId="299"/>
+        </pc:sldMkLst>
+        <pc:spChg chg="mod">
+          <ac:chgData name="Sonia Tara Hegde" userId="d93a2558-a889-4521-bcb4-6ed3fce9e012" providerId="ADAL" clId="{353A459F-1326-E646-9951-1A5C678B88AF}" dt="2025-05-19T23:02:56.126" v="2488" actId="14100"/>
+          <ac:spMkLst>
+            <pc:docMk/>
+            <pc:sldMk cId="104651184" sldId="299"/>
+            <ac:spMk id="3" creationId="{B425F88F-2478-2DCD-9A1D-DDC50C836B22}"/>
+          </ac:spMkLst>
+        </pc:spChg>
+        <pc:picChg chg="mod">
+          <ac:chgData name="Sonia Tara Hegde" userId="d93a2558-a889-4521-bcb4-6ed3fce9e012" providerId="ADAL" clId="{353A459F-1326-E646-9951-1A5C678B88AF}" dt="2025-05-19T23:01:46.524" v="2466" actId="1076"/>
+          <ac:picMkLst>
+            <pc:docMk/>
+            <pc:sldMk cId="104651184" sldId="299"/>
+            <ac:picMk id="13" creationId="{7C73A7D0-009E-8716-07DF-911340C52B1B}"/>
+          </ac:picMkLst>
+        </pc:picChg>
+      </pc:sldChg>
+      <pc:sldChg chg="addSp delSp modSp mod delAnim modAnim">
+        <pc:chgData name="Sonia Tara Hegde" userId="d93a2558-a889-4521-bcb4-6ed3fce9e012" providerId="ADAL" clId="{353A459F-1326-E646-9951-1A5C678B88AF}" dt="2025-05-20T05:55:19.009" v="2795" actId="167"/>
+        <pc:sldMkLst>
+          <pc:docMk/>
+          <pc:sldMk cId="3348940642" sldId="301"/>
+        </pc:sldMkLst>
+        <pc:spChg chg="mod">
+          <ac:chgData name="Sonia Tara Hegde" userId="d93a2558-a889-4521-bcb4-6ed3fce9e012" providerId="ADAL" clId="{353A459F-1326-E646-9951-1A5C678B88AF}" dt="2025-05-19T17:31:50.132" v="1642" actId="13926"/>
+          <ac:spMkLst>
+            <pc:docMk/>
+            <pc:sldMk cId="3348940642" sldId="301"/>
+            <ac:spMk id="2" creationId="{461CD3DE-81DB-7972-447F-94108818C25F}"/>
+          </ac:spMkLst>
+        </pc:spChg>
+        <pc:spChg chg="add del">
+          <ac:chgData name="Sonia Tara Hegde" userId="d93a2558-a889-4521-bcb4-6ed3fce9e012" providerId="ADAL" clId="{353A459F-1326-E646-9951-1A5C678B88AF}" dt="2025-05-20T05:20:30.439" v="2646" actId="478"/>
+          <ac:spMkLst>
+            <pc:docMk/>
+            <pc:sldMk cId="3348940642" sldId="301"/>
+            <ac:spMk id="3" creationId="{3E82DBA5-7220-2C18-65D6-B8983F96EBA5}"/>
+          </ac:spMkLst>
+        </pc:spChg>
+        <pc:spChg chg="mod">
+          <ac:chgData name="Sonia Tara Hegde" userId="d93a2558-a889-4521-bcb4-6ed3fce9e012" providerId="ADAL" clId="{353A459F-1326-E646-9951-1A5C678B88AF}" dt="2025-05-19T17:22:15.421" v="1210" actId="20577"/>
+          <ac:spMkLst>
+            <pc:docMk/>
+            <pc:sldMk cId="3348940642" sldId="301"/>
+            <ac:spMk id="5" creationId="{C23BE54B-FC8F-B195-B4F6-DC0CA563D3BC}"/>
+          </ac:spMkLst>
+        </pc:spChg>
+        <pc:spChg chg="add del">
+          <ac:chgData name="Sonia Tara Hegde" userId="d93a2558-a889-4521-bcb4-6ed3fce9e012" providerId="ADAL" clId="{353A459F-1326-E646-9951-1A5C678B88AF}" dt="2025-05-19T17:15:02.917" v="98" actId="478"/>
+          <ac:spMkLst>
+            <pc:docMk/>
+            <pc:sldMk cId="3348940642" sldId="301"/>
+            <ac:spMk id="6" creationId="{DFD76381-9889-BA98-3418-965180F55692}"/>
+          </ac:spMkLst>
+        </pc:spChg>
+        <pc:spChg chg="add mod">
+          <ac:chgData name="Sonia Tara Hegde" userId="d93a2558-a889-4521-bcb4-6ed3fce9e012" providerId="ADAL" clId="{353A459F-1326-E646-9951-1A5C678B88AF}" dt="2025-05-19T17:15:42.964" v="102" actId="2085"/>
+          <ac:spMkLst>
+            <pc:docMk/>
+            <pc:sldMk cId="3348940642" sldId="301"/>
+            <ac:spMk id="7" creationId="{D67DDB08-354C-1FDD-3911-562E45DDFB65}"/>
+          </ac:spMkLst>
+        </pc:spChg>
+        <pc:spChg chg="mod topLvl">
+          <ac:chgData name="Sonia Tara Hegde" userId="d93a2558-a889-4521-bcb4-6ed3fce9e012" providerId="ADAL" clId="{353A459F-1326-E646-9951-1A5C678B88AF}" dt="2025-05-20T05:46:33.029" v="2763" actId="1076"/>
+          <ac:spMkLst>
+            <pc:docMk/>
+            <pc:sldMk cId="3348940642" sldId="301"/>
+            <ac:spMk id="8" creationId="{D484C5D3-FB5C-1CCE-98FE-DA85FBE67526}"/>
+          </ac:spMkLst>
+        </pc:spChg>
+        <pc:spChg chg="add del mod topLvl">
+          <ac:chgData name="Sonia Tara Hegde" userId="d93a2558-a889-4521-bcb4-6ed3fce9e012" providerId="ADAL" clId="{353A459F-1326-E646-9951-1A5C678B88AF}" dt="2025-05-20T05:19:58.453" v="2642" actId="478"/>
+          <ac:spMkLst>
+            <pc:docMk/>
+            <pc:sldMk cId="3348940642" sldId="301"/>
+            <ac:spMk id="9" creationId="{505BAEDC-3E75-216B-FA0E-671036E63691}"/>
+          </ac:spMkLst>
+        </pc:spChg>
+        <pc:spChg chg="add mod">
+          <ac:chgData name="Sonia Tara Hegde" userId="d93a2558-a889-4521-bcb4-6ed3fce9e012" providerId="ADAL" clId="{353A459F-1326-E646-9951-1A5C678B88AF}" dt="2025-05-19T17:16:28.173" v="201" actId="1037"/>
+          <ac:spMkLst>
+            <pc:docMk/>
+            <pc:sldMk cId="3348940642" sldId="301"/>
+            <ac:spMk id="12" creationId="{C4A86EBC-6573-9A3E-D138-0C198C7D120D}"/>
+          </ac:spMkLst>
+        </pc:spChg>
+        <pc:spChg chg="add mod">
+          <ac:chgData name="Sonia Tara Hegde" userId="d93a2558-a889-4521-bcb4-6ed3fce9e012" providerId="ADAL" clId="{353A459F-1326-E646-9951-1A5C678B88AF}" dt="2025-05-19T17:15:50.262" v="105"/>
+          <ac:spMkLst>
+            <pc:docMk/>
+            <pc:sldMk cId="3348940642" sldId="301"/>
+            <ac:spMk id="13" creationId="{0ED9AF19-BA41-D008-06BA-6E0B1416F47F}"/>
+          </ac:spMkLst>
+        </pc:spChg>
+        <pc:spChg chg="add mod topLvl">
+          <ac:chgData name="Sonia Tara Hegde" userId="d93a2558-a889-4521-bcb4-6ed3fce9e012" providerId="ADAL" clId="{353A459F-1326-E646-9951-1A5C678B88AF}" dt="2025-05-19T17:29:22.646" v="1626" actId="165"/>
+          <ac:spMkLst>
+            <pc:docMk/>
+            <pc:sldMk cId="3348940642" sldId="301"/>
+            <ac:spMk id="14" creationId="{A699761C-FD5C-BD87-AB0D-1448E3003BF2}"/>
+          </ac:spMkLst>
+        </pc:spChg>
+        <pc:spChg chg="add del mod topLvl">
+          <ac:chgData name="Sonia Tara Hegde" userId="d93a2558-a889-4521-bcb4-6ed3fce9e012" providerId="ADAL" clId="{353A459F-1326-E646-9951-1A5C678B88AF}" dt="2025-05-20T05:19:58.453" v="2642" actId="478"/>
+          <ac:spMkLst>
+            <pc:docMk/>
+            <pc:sldMk cId="3348940642" sldId="301"/>
+            <ac:spMk id="15" creationId="{8D279B5D-F172-A4EA-D3AD-8E1179EDED28}"/>
+          </ac:spMkLst>
+        </pc:spChg>
+        <pc:spChg chg="add mod topLvl">
+          <ac:chgData name="Sonia Tara Hegde" userId="d93a2558-a889-4521-bcb4-6ed3fce9e012" providerId="ADAL" clId="{353A459F-1326-E646-9951-1A5C678B88AF}" dt="2025-05-19T17:29:22.646" v="1626" actId="165"/>
+          <ac:spMkLst>
+            <pc:docMk/>
+            <pc:sldMk cId="3348940642" sldId="301"/>
+            <ac:spMk id="16" creationId="{22419E3A-C148-F949-E85D-D06AF3DB4520}"/>
+          </ac:spMkLst>
+        </pc:spChg>
+        <pc:spChg chg="add mod topLvl">
+          <ac:chgData name="Sonia Tara Hegde" userId="d93a2558-a889-4521-bcb4-6ed3fce9e012" providerId="ADAL" clId="{353A459F-1326-E646-9951-1A5C678B88AF}" dt="2025-05-19T17:29:22.646" v="1626" actId="165"/>
+          <ac:spMkLst>
+            <pc:docMk/>
+            <pc:sldMk cId="3348940642" sldId="301"/>
+            <ac:spMk id="17" creationId="{CD600ED3-29BD-B14B-C7A4-4F7AB7623385}"/>
+          </ac:spMkLst>
+        </pc:spChg>
+        <pc:spChg chg="add mod topLvl">
+          <ac:chgData name="Sonia Tara Hegde" userId="d93a2558-a889-4521-bcb4-6ed3fce9e012" providerId="ADAL" clId="{353A459F-1326-E646-9951-1A5C678B88AF}" dt="2025-05-19T17:29:22.646" v="1626" actId="165"/>
+          <ac:spMkLst>
+            <pc:docMk/>
+            <pc:sldMk cId="3348940642" sldId="301"/>
+            <ac:spMk id="18" creationId="{C47B1F80-CEA9-AE8D-EA8C-D3028A8E0E3A}"/>
+          </ac:spMkLst>
+        </pc:spChg>
+        <pc:spChg chg="add mod">
+          <ac:chgData name="Sonia Tara Hegde" userId="d93a2558-a889-4521-bcb4-6ed3fce9e012" providerId="ADAL" clId="{353A459F-1326-E646-9951-1A5C678B88AF}" dt="2025-05-19T17:16:49.576" v="289" actId="1037"/>
+          <ac:spMkLst>
+            <pc:docMk/>
+            <pc:sldMk cId="3348940642" sldId="301"/>
+            <ac:spMk id="19" creationId="{1AD505DC-7F30-A787-682F-BBCEFC81927E}"/>
+          </ac:spMkLst>
+        </pc:spChg>
+        <pc:spChg chg="add del mod">
+          <ac:chgData name="Sonia Tara Hegde" userId="d93a2558-a889-4521-bcb4-6ed3fce9e012" providerId="ADAL" clId="{353A459F-1326-E646-9951-1A5C678B88AF}" dt="2025-05-20T05:19:58.453" v="2642" actId="478"/>
+          <ac:spMkLst>
+            <pc:docMk/>
+            <pc:sldMk cId="3348940642" sldId="301"/>
+            <ac:spMk id="20" creationId="{6CD3CFC8-74BA-3F41-2E2E-EDE95566884D}"/>
+          </ac:spMkLst>
+        </pc:spChg>
+        <pc:spChg chg="add mod">
+          <ac:chgData name="Sonia Tara Hegde" userId="d93a2558-a889-4521-bcb4-6ed3fce9e012" providerId="ADAL" clId="{353A459F-1326-E646-9951-1A5C678B88AF}" dt="2025-05-19T17:17:05.432" v="345" actId="1038"/>
+          <ac:spMkLst>
+            <pc:docMk/>
+            <pc:sldMk cId="3348940642" sldId="301"/>
+            <ac:spMk id="21" creationId="{5E4DD20E-FE87-17E9-1400-A1536D3F5CEB}"/>
+          </ac:spMkLst>
+        </pc:spChg>
+        <pc:spChg chg="add mod">
+          <ac:chgData name="Sonia Tara Hegde" userId="d93a2558-a889-4521-bcb4-6ed3fce9e012" providerId="ADAL" clId="{353A459F-1326-E646-9951-1A5C678B88AF}" dt="2025-05-19T17:17:07.846" v="350" actId="1036"/>
+          <ac:spMkLst>
+            <pc:docMk/>
+            <pc:sldMk cId="3348940642" sldId="301"/>
+            <ac:spMk id="22" creationId="{46CD29BF-581E-06EA-6BDF-F0162A1EE866}"/>
+          </ac:spMkLst>
+        </pc:spChg>
+        <pc:spChg chg="add mod">
+          <ac:chgData name="Sonia Tara Hegde" userId="d93a2558-a889-4521-bcb4-6ed3fce9e012" providerId="ADAL" clId="{353A459F-1326-E646-9951-1A5C678B88AF}" dt="2025-05-19T17:17:15.453" v="386" actId="1037"/>
+          <ac:spMkLst>
+            <pc:docMk/>
+            <pc:sldMk cId="3348940642" sldId="301"/>
+            <ac:spMk id="23" creationId="{0E29EE00-6C93-6829-6A46-F907CED05E21}"/>
+          </ac:spMkLst>
+        </pc:spChg>
+        <pc:spChg chg="add mod">
+          <ac:chgData name="Sonia Tara Hegde" userId="d93a2558-a889-4521-bcb4-6ed3fce9e012" providerId="ADAL" clId="{353A459F-1326-E646-9951-1A5C678B88AF}" dt="2025-05-19T17:17:20.300" v="405" actId="1035"/>
+          <ac:spMkLst>
+            <pc:docMk/>
+            <pc:sldMk cId="3348940642" sldId="301"/>
+            <ac:spMk id="24" creationId="{47A1B317-5181-68F8-F50C-791A311578C6}"/>
+          </ac:spMkLst>
+        </pc:spChg>
+        <pc:spChg chg="add mod">
+          <ac:chgData name="Sonia Tara Hegde" userId="d93a2558-a889-4521-bcb4-6ed3fce9e012" providerId="ADAL" clId="{353A459F-1326-E646-9951-1A5C678B88AF}" dt="2025-05-19T17:17:25.979" v="433" actId="1037"/>
+          <ac:spMkLst>
+            <pc:docMk/>
+            <pc:sldMk cId="3348940642" sldId="301"/>
+            <ac:spMk id="25" creationId="{B9BA717E-72C1-885E-BDE9-1604E9C7021F}"/>
+          </ac:spMkLst>
+        </pc:spChg>
+        <pc:spChg chg="add del mod">
+          <ac:chgData name="Sonia Tara Hegde" userId="d93a2558-a889-4521-bcb4-6ed3fce9e012" providerId="ADAL" clId="{353A459F-1326-E646-9951-1A5C678B88AF}" dt="2025-05-19T17:17:49.218" v="486" actId="478"/>
+          <ac:spMkLst>
+            <pc:docMk/>
+            <pc:sldMk cId="3348940642" sldId="301"/>
+            <ac:spMk id="26" creationId="{AC310A92-3423-3F03-CA6F-52818F1DC070}"/>
+          </ac:spMkLst>
+        </pc:spChg>
+        <pc:spChg chg="add del mod">
+          <ac:chgData name="Sonia Tara Hegde" userId="d93a2558-a889-4521-bcb4-6ed3fce9e012" providerId="ADAL" clId="{353A459F-1326-E646-9951-1A5C678B88AF}" dt="2025-05-20T05:54:00.924" v="2791" actId="478"/>
+          <ac:spMkLst>
+            <pc:docMk/>
+            <pc:sldMk cId="3348940642" sldId="301"/>
+            <ac:spMk id="27" creationId="{D302E3C3-2B24-9229-F034-E67ED289135A}"/>
+          </ac:spMkLst>
+        </pc:spChg>
+        <pc:spChg chg="add mod topLvl">
+          <ac:chgData name="Sonia Tara Hegde" userId="d93a2558-a889-4521-bcb4-6ed3fce9e012" providerId="ADAL" clId="{353A459F-1326-E646-9951-1A5C678B88AF}" dt="2025-05-19T17:29:22.646" v="1626" actId="165"/>
+          <ac:spMkLst>
+            <pc:docMk/>
+            <pc:sldMk cId="3348940642" sldId="301"/>
+            <ac:spMk id="28" creationId="{A54E65CE-9459-995F-8E9E-BECC8EBDB9D0}"/>
+          </ac:spMkLst>
+        </pc:spChg>
+        <pc:spChg chg="add del mod topLvl">
+          <ac:chgData name="Sonia Tara Hegde" userId="d93a2558-a889-4521-bcb4-6ed3fce9e012" providerId="ADAL" clId="{353A459F-1326-E646-9951-1A5C678B88AF}" dt="2025-05-20T05:19:58.453" v="2642" actId="478"/>
+          <ac:spMkLst>
+            <pc:docMk/>
+            <pc:sldMk cId="3348940642" sldId="301"/>
+            <ac:spMk id="29" creationId="{CC277069-81EE-664B-40F6-B812D7B8DE97}"/>
+          </ac:spMkLst>
+        </pc:spChg>
+        <pc:spChg chg="add del mod topLvl">
+          <ac:chgData name="Sonia Tara Hegde" userId="d93a2558-a889-4521-bcb4-6ed3fce9e012" providerId="ADAL" clId="{353A459F-1326-E646-9951-1A5C678B88AF}" dt="2025-05-20T05:19:58.453" v="2642" actId="478"/>
+          <ac:spMkLst>
+            <pc:docMk/>
+            <pc:sldMk cId="3348940642" sldId="301"/>
+            <ac:spMk id="30" creationId="{7A5407DE-69DD-928C-B8B2-7DE4A9C34C50}"/>
+          </ac:spMkLst>
+        </pc:spChg>
+        <pc:spChg chg="add del mod topLvl">
+          <ac:chgData name="Sonia Tara Hegde" userId="d93a2558-a889-4521-bcb4-6ed3fce9e012" providerId="ADAL" clId="{353A459F-1326-E646-9951-1A5C678B88AF}" dt="2025-05-20T05:19:58.453" v="2642" actId="478"/>
+          <ac:spMkLst>
+            <pc:docMk/>
+            <pc:sldMk cId="3348940642" sldId="301"/>
+            <ac:spMk id="31" creationId="{743DD694-49F7-3478-5849-9FD748ECBCA3}"/>
+          </ac:spMkLst>
+        </pc:spChg>
+        <pc:spChg chg="add mod">
+          <ac:chgData name="Sonia Tara Hegde" userId="d93a2558-a889-4521-bcb4-6ed3fce9e012" providerId="ADAL" clId="{353A459F-1326-E646-9951-1A5C678B88AF}" dt="2025-05-19T17:20:00.810" v="666" actId="1035"/>
+          <ac:spMkLst>
+            <pc:docMk/>
+            <pc:sldMk cId="3348940642" sldId="301"/>
+            <ac:spMk id="32" creationId="{DE381DF6-0E13-ADFA-D398-B466AA8E2C33}"/>
+          </ac:spMkLst>
+        </pc:spChg>
+        <pc:spChg chg="add del mod topLvl">
+          <ac:chgData name="Sonia Tara Hegde" userId="d93a2558-a889-4521-bcb4-6ed3fce9e012" providerId="ADAL" clId="{353A459F-1326-E646-9951-1A5C678B88AF}" dt="2025-05-20T05:19:58.453" v="2642" actId="478"/>
+          <ac:spMkLst>
+            <pc:docMk/>
+            <pc:sldMk cId="3348940642" sldId="301"/>
+            <ac:spMk id="33" creationId="{8303DC71-D717-D3D8-0447-AEE5A482D108}"/>
+          </ac:spMkLst>
+        </pc:spChg>
+        <pc:spChg chg="add del mod topLvl">
+          <ac:chgData name="Sonia Tara Hegde" userId="d93a2558-a889-4521-bcb4-6ed3fce9e012" providerId="ADAL" clId="{353A459F-1326-E646-9951-1A5C678B88AF}" dt="2025-05-20T05:19:58.453" v="2642" actId="478"/>
+          <ac:spMkLst>
+            <pc:docMk/>
+            <pc:sldMk cId="3348940642" sldId="301"/>
+            <ac:spMk id="34" creationId="{A52F30F8-4C21-8633-5E85-7648D7AB0546}"/>
+          </ac:spMkLst>
+        </pc:spChg>
+        <pc:spChg chg="add mod">
+          <ac:chgData name="Sonia Tara Hegde" userId="d93a2558-a889-4521-bcb4-6ed3fce9e012" providerId="ADAL" clId="{353A459F-1326-E646-9951-1A5C678B88AF}" dt="2025-05-19T17:20:14.589" v="746" actId="1037"/>
+          <ac:spMkLst>
+            <pc:docMk/>
+            <pc:sldMk cId="3348940642" sldId="301"/>
+            <ac:spMk id="35" creationId="{5076E683-B587-703C-A712-74B762AC8E60}"/>
+          </ac:spMkLst>
+        </pc:spChg>
+        <pc:spChg chg="add mod">
+          <ac:chgData name="Sonia Tara Hegde" userId="d93a2558-a889-4521-bcb4-6ed3fce9e012" providerId="ADAL" clId="{353A459F-1326-E646-9951-1A5C678B88AF}" dt="2025-05-19T17:20:17.680" v="765" actId="1035"/>
+          <ac:spMkLst>
+            <pc:docMk/>
+            <pc:sldMk cId="3348940642" sldId="301"/>
+            <ac:spMk id="36" creationId="{3D0A84FD-E49D-FFBE-212F-F2C5821A6A83}"/>
+          </ac:spMkLst>
+        </pc:spChg>
+        <pc:spChg chg="add mod">
+          <ac:chgData name="Sonia Tara Hegde" userId="d93a2558-a889-4521-bcb4-6ed3fce9e012" providerId="ADAL" clId="{353A459F-1326-E646-9951-1A5C678B88AF}" dt="2025-05-19T17:20:21.837" v="787" actId="1037"/>
+          <ac:spMkLst>
+            <pc:docMk/>
+            <pc:sldMk cId="3348940642" sldId="301"/>
+            <ac:spMk id="37" creationId="{B99C5F74-5AAC-9966-7B42-54A202DF645C}"/>
+          </ac:spMkLst>
+        </pc:spChg>
+        <pc:spChg chg="add mod">
+          <ac:chgData name="Sonia Tara Hegde" userId="d93a2558-a889-4521-bcb4-6ed3fce9e012" providerId="ADAL" clId="{353A459F-1326-E646-9951-1A5C678B88AF}" dt="2025-05-19T17:20:25.364" v="809" actId="1035"/>
+          <ac:spMkLst>
+            <pc:docMk/>
+            <pc:sldMk cId="3348940642" sldId="301"/>
+            <ac:spMk id="38" creationId="{21C2A0F1-A575-257F-359D-D3569BBEE6C0}"/>
+          </ac:spMkLst>
+        </pc:spChg>
+        <pc:spChg chg="add mod topLvl">
+          <ac:chgData name="Sonia Tara Hegde" userId="d93a2558-a889-4521-bcb4-6ed3fce9e012" providerId="ADAL" clId="{353A459F-1326-E646-9951-1A5C678B88AF}" dt="2025-05-20T05:19:28.281" v="2637" actId="1037"/>
+          <ac:spMkLst>
+            <pc:docMk/>
+            <pc:sldMk cId="3348940642" sldId="301"/>
+            <ac:spMk id="39" creationId="{0D544337-4441-1856-9042-124B93972FD0}"/>
+          </ac:spMkLst>
+        </pc:spChg>
+        <pc:spChg chg="add mod">
+          <ac:chgData name="Sonia Tara Hegde" userId="d93a2558-a889-4521-bcb4-6ed3fce9e012" providerId="ADAL" clId="{353A459F-1326-E646-9951-1A5C678B88AF}" dt="2025-05-19T17:20:32.993" v="845" actId="1035"/>
+          <ac:spMkLst>
+            <pc:docMk/>
+            <pc:sldMk cId="3348940642" sldId="301"/>
+            <ac:spMk id="40" creationId="{E4C571DB-2065-615B-C4C5-3DCD5FA3C111}"/>
+          </ac:spMkLst>
+        </pc:spChg>
+        <pc:spChg chg="add mod">
+          <ac:chgData name="Sonia Tara Hegde" userId="d93a2558-a889-4521-bcb4-6ed3fce9e012" providerId="ADAL" clId="{353A459F-1326-E646-9951-1A5C678B88AF}" dt="2025-05-19T17:20:36.351" v="861" actId="1035"/>
+          <ac:spMkLst>
+            <pc:docMk/>
+            <pc:sldMk cId="3348940642" sldId="301"/>
+            <ac:spMk id="41" creationId="{CB02AC86-63B2-54D3-7065-8B3AAF105465}"/>
+          </ac:spMkLst>
+        </pc:spChg>
+        <pc:spChg chg="add mod topLvl">
+          <ac:chgData name="Sonia Tara Hegde" userId="d93a2558-a889-4521-bcb4-6ed3fce9e012" providerId="ADAL" clId="{353A459F-1326-E646-9951-1A5C678B88AF}" dt="2025-05-19T17:29:22.646" v="1626" actId="165"/>
+          <ac:spMkLst>
+            <pc:docMk/>
+            <pc:sldMk cId="3348940642" sldId="301"/>
+            <ac:spMk id="42" creationId="{C8B33EFE-FD58-CE0B-8180-E726C7B9CF17}"/>
+          </ac:spMkLst>
+        </pc:spChg>
+        <pc:spChg chg="add del mod topLvl">
+          <ac:chgData name="Sonia Tara Hegde" userId="d93a2558-a889-4521-bcb4-6ed3fce9e012" providerId="ADAL" clId="{353A459F-1326-E646-9951-1A5C678B88AF}" dt="2025-05-20T05:20:03.992" v="2643" actId="478"/>
+          <ac:spMkLst>
+            <pc:docMk/>
+            <pc:sldMk cId="3348940642" sldId="301"/>
+            <ac:spMk id="43" creationId="{C2B9D873-C3A8-4ABE-30B1-26152F91CEEA}"/>
+          </ac:spMkLst>
+        </pc:spChg>
+        <pc:spChg chg="add mod topLvl">
+          <ac:chgData name="Sonia Tara Hegde" userId="d93a2558-a889-4521-bcb4-6ed3fce9e012" providerId="ADAL" clId="{353A459F-1326-E646-9951-1A5C678B88AF}" dt="2025-05-19T17:29:22.646" v="1626" actId="165"/>
+          <ac:spMkLst>
+            <pc:docMk/>
+            <pc:sldMk cId="3348940642" sldId="301"/>
+            <ac:spMk id="44" creationId="{B52C0FE0-A2C9-00F2-324F-A7FA3DDC1F8D}"/>
+          </ac:spMkLst>
+        </pc:spChg>
+        <pc:spChg chg="add mod">
+          <ac:chgData name="Sonia Tara Hegde" userId="d93a2558-a889-4521-bcb4-6ed3fce9e012" providerId="ADAL" clId="{353A459F-1326-E646-9951-1A5C678B88AF}" dt="2025-05-19T17:20:53.727" v="952" actId="1037"/>
+          <ac:spMkLst>
+            <pc:docMk/>
+            <pc:sldMk cId="3348940642" sldId="301"/>
+            <ac:spMk id="45" creationId="{2522DBC8-0BE5-8E05-9AE8-12E956E879A7}"/>
+          </ac:spMkLst>
+        </pc:spChg>
+        <pc:spChg chg="add mod">
+          <ac:chgData name="Sonia Tara Hegde" userId="d93a2558-a889-4521-bcb4-6ed3fce9e012" providerId="ADAL" clId="{353A459F-1326-E646-9951-1A5C678B88AF}" dt="2025-05-19T17:21:02.184" v="984" actId="20577"/>
+          <ac:spMkLst>
+            <pc:docMk/>
+            <pc:sldMk cId="3348940642" sldId="301"/>
+            <ac:spMk id="46" creationId="{9E29EB33-330B-444C-B094-FF2B14B7A1F5}"/>
+          </ac:spMkLst>
+        </pc:spChg>
+        <pc:spChg chg="add mod">
+          <ac:chgData name="Sonia Tara Hegde" userId="d93a2558-a889-4521-bcb4-6ed3fce9e012" providerId="ADAL" clId="{353A459F-1326-E646-9951-1A5C678B88AF}" dt="2025-05-19T17:21:00.520" v="983"/>
+          <ac:spMkLst>
+            <pc:docMk/>
+            <pc:sldMk cId="3348940642" sldId="301"/>
+            <ac:spMk id="47" creationId="{5F104D7A-9E17-DC28-75B8-6689B5EC3C7A}"/>
+          </ac:spMkLst>
+        </pc:spChg>
+        <pc:spChg chg="add mod">
+          <ac:chgData name="Sonia Tara Hegde" userId="d93a2558-a889-4521-bcb4-6ed3fce9e012" providerId="ADAL" clId="{353A459F-1326-E646-9951-1A5C678B88AF}" dt="2025-05-19T17:21:11.357" v="1019" actId="1038"/>
+          <ac:spMkLst>
+            <pc:docMk/>
+            <pc:sldMk cId="3348940642" sldId="301"/>
+            <ac:spMk id="48" creationId="{A35CEA48-D9FE-EDD9-D471-1092F8867C2B}"/>
+          </ac:spMkLst>
+        </pc:spChg>
+        <pc:spChg chg="add del mod topLvl">
+          <ac:chgData name="Sonia Tara Hegde" userId="d93a2558-a889-4521-bcb4-6ed3fce9e012" providerId="ADAL" clId="{353A459F-1326-E646-9951-1A5C678B88AF}" dt="2025-05-20T05:19:58.453" v="2642" actId="478"/>
+          <ac:spMkLst>
+            <pc:docMk/>
+            <pc:sldMk cId="3348940642" sldId="301"/>
+            <ac:spMk id="49" creationId="{DF6CEA17-9CB9-6258-CFAC-B45861EF3080}"/>
+          </ac:spMkLst>
+        </pc:spChg>
+        <pc:spChg chg="add mod">
+          <ac:chgData name="Sonia Tara Hegde" userId="d93a2558-a889-4521-bcb4-6ed3fce9e012" providerId="ADAL" clId="{353A459F-1326-E646-9951-1A5C678B88AF}" dt="2025-05-19T17:21:24.842" v="1103" actId="1035"/>
+          <ac:spMkLst>
+            <pc:docMk/>
+            <pc:sldMk cId="3348940642" sldId="301"/>
+            <ac:spMk id="50" creationId="{649DC735-87D0-7BCF-169C-0D831B128A0F}"/>
+          </ac:spMkLst>
+        </pc:spChg>
+        <pc:spChg chg="add del mod">
+          <ac:chgData name="Sonia Tara Hegde" userId="d93a2558-a889-4521-bcb4-6ed3fce9e012" providerId="ADAL" clId="{353A459F-1326-E646-9951-1A5C678B88AF}" dt="2025-05-20T05:20:03.992" v="2643" actId="478"/>
+          <ac:spMkLst>
+            <pc:docMk/>
+            <pc:sldMk cId="3348940642" sldId="301"/>
+            <ac:spMk id="51" creationId="{B5BE8058-A840-0054-623B-98BD480D2BAC}"/>
+          </ac:spMkLst>
+        </pc:spChg>
+        <pc:spChg chg="add del mod topLvl">
+          <ac:chgData name="Sonia Tara Hegde" userId="d93a2558-a889-4521-bcb4-6ed3fce9e012" providerId="ADAL" clId="{353A459F-1326-E646-9951-1A5C678B88AF}" dt="2025-05-20T05:20:03.992" v="2643" actId="478"/>
+          <ac:spMkLst>
+            <pc:docMk/>
+            <pc:sldMk cId="3348940642" sldId="301"/>
+            <ac:spMk id="52" creationId="{4D5DF1DF-4BD6-2571-3D9E-CD52F50B9191}"/>
+          </ac:spMkLst>
+        </pc:spChg>
+        <pc:spChg chg="add mod topLvl">
+          <ac:chgData name="Sonia Tara Hegde" userId="d93a2558-a889-4521-bcb4-6ed3fce9e012" providerId="ADAL" clId="{353A459F-1326-E646-9951-1A5C678B88AF}" dt="2025-05-20T05:47:33.416" v="2776" actId="1037"/>
+          <ac:spMkLst>
+            <pc:docMk/>
+            <pc:sldMk cId="3348940642" sldId="301"/>
+            <ac:spMk id="59" creationId="{FDAD1F23-558D-342D-6508-CB3559EDAD7A}"/>
+          </ac:spMkLst>
+        </pc:spChg>
+        <pc:spChg chg="add del">
+          <ac:chgData name="Sonia Tara Hegde" userId="d93a2558-a889-4521-bcb4-6ed3fce9e012" providerId="ADAL" clId="{353A459F-1326-E646-9951-1A5C678B88AF}" dt="2025-05-20T05:36:49.801" v="2671" actId="478"/>
+          <ac:spMkLst>
+            <pc:docMk/>
+            <pc:sldMk cId="3348940642" sldId="301"/>
+            <ac:spMk id="61" creationId="{D33727FD-C211-663F-1893-3693B5079796}"/>
+          </ac:spMkLst>
+        </pc:spChg>
+        <pc:spChg chg="add mod topLvl">
+          <ac:chgData name="Sonia Tara Hegde" userId="d93a2558-a889-4521-bcb4-6ed3fce9e012" providerId="ADAL" clId="{353A459F-1326-E646-9951-1A5C678B88AF}" dt="2025-05-19T17:29:16.300" v="1625" actId="165"/>
+          <ac:spMkLst>
+            <pc:docMk/>
+            <pc:sldMk cId="3348940642" sldId="301"/>
+            <ac:spMk id="62" creationId="{FB0A0451-B2E9-2946-E177-FC647AC8EB1F}"/>
+          </ac:spMkLst>
+        </pc:spChg>
+        <pc:spChg chg="add del mod topLvl">
+          <ac:chgData name="Sonia Tara Hegde" userId="d93a2558-a889-4521-bcb4-6ed3fce9e012" providerId="ADAL" clId="{353A459F-1326-E646-9951-1A5C678B88AF}" dt="2025-05-20T05:19:58.453" v="2642" actId="478"/>
+          <ac:spMkLst>
+            <pc:docMk/>
+            <pc:sldMk cId="3348940642" sldId="301"/>
+            <ac:spMk id="63" creationId="{1B710CA5-BBFD-66B7-325F-328CF6853EDC}"/>
+          </ac:spMkLst>
+        </pc:spChg>
+        <pc:spChg chg="add mod topLvl">
+          <ac:chgData name="Sonia Tara Hegde" userId="d93a2558-a889-4521-bcb4-6ed3fce9e012" providerId="ADAL" clId="{353A459F-1326-E646-9951-1A5C678B88AF}" dt="2025-05-19T17:29:16.300" v="1625" actId="165"/>
+          <ac:spMkLst>
+            <pc:docMk/>
+            <pc:sldMk cId="3348940642" sldId="301"/>
+            <ac:spMk id="64" creationId="{86971694-7A2E-7A5C-FC57-EFA883189B3D}"/>
+          </ac:spMkLst>
+        </pc:spChg>
+        <pc:spChg chg="add mod topLvl">
+          <ac:chgData name="Sonia Tara Hegde" userId="d93a2558-a889-4521-bcb4-6ed3fce9e012" providerId="ADAL" clId="{353A459F-1326-E646-9951-1A5C678B88AF}" dt="2025-05-19T17:29:16.300" v="1625" actId="165"/>
+          <ac:spMkLst>
+            <pc:docMk/>
+            <pc:sldMk cId="3348940642" sldId="301"/>
+            <ac:spMk id="65" creationId="{A061BCFF-C76C-DD47-BB3B-27849F0ED5FF}"/>
+          </ac:spMkLst>
+        </pc:spChg>
+        <pc:spChg chg="add del mod topLvl">
+          <ac:chgData name="Sonia Tara Hegde" userId="d93a2558-a889-4521-bcb4-6ed3fce9e012" providerId="ADAL" clId="{353A459F-1326-E646-9951-1A5C678B88AF}" dt="2025-05-20T05:20:03.992" v="2643" actId="478"/>
+          <ac:spMkLst>
+            <pc:docMk/>
+            <pc:sldMk cId="3348940642" sldId="301"/>
+            <ac:spMk id="66" creationId="{B8BFEA9D-5686-A0C5-1795-6EDC287054E7}"/>
+          </ac:spMkLst>
+        </pc:spChg>
+        <pc:spChg chg="add del mod topLvl">
+          <ac:chgData name="Sonia Tara Hegde" userId="d93a2558-a889-4521-bcb4-6ed3fce9e012" providerId="ADAL" clId="{353A459F-1326-E646-9951-1A5C678B88AF}" dt="2025-05-20T05:20:03.992" v="2643" actId="478"/>
+          <ac:spMkLst>
+            <pc:docMk/>
+            <pc:sldMk cId="3348940642" sldId="301"/>
+            <ac:spMk id="67" creationId="{1E829EFC-0FA7-E1D5-486F-7F1150ED2A57}"/>
+          </ac:spMkLst>
+        </pc:spChg>
+        <pc:spChg chg="add del mod topLvl">
+          <ac:chgData name="Sonia Tara Hegde" userId="d93a2558-a889-4521-bcb4-6ed3fce9e012" providerId="ADAL" clId="{353A459F-1326-E646-9951-1A5C678B88AF}" dt="2025-05-20T05:20:03.992" v="2643" actId="478"/>
+          <ac:spMkLst>
+            <pc:docMk/>
+            <pc:sldMk cId="3348940642" sldId="301"/>
+            <ac:spMk id="68" creationId="{50857B3A-1A8A-5914-66F1-62517418A807}"/>
+          </ac:spMkLst>
+        </pc:spChg>
+        <pc:spChg chg="add del mod topLvl">
+          <ac:chgData name="Sonia Tara Hegde" userId="d93a2558-a889-4521-bcb4-6ed3fce9e012" providerId="ADAL" clId="{353A459F-1326-E646-9951-1A5C678B88AF}" dt="2025-05-20T05:20:03.992" v="2643" actId="478"/>
+          <ac:spMkLst>
+            <pc:docMk/>
+            <pc:sldMk cId="3348940642" sldId="301"/>
+            <ac:spMk id="69" creationId="{4DC5922B-FCBD-1823-1B99-440C57FECA6B}"/>
+          </ac:spMkLst>
+        </pc:spChg>
+        <pc:spChg chg="add mod topLvl">
+          <ac:chgData name="Sonia Tara Hegde" userId="d93a2558-a889-4521-bcb4-6ed3fce9e012" providerId="ADAL" clId="{353A459F-1326-E646-9951-1A5C678B88AF}" dt="2025-05-19T17:29:16.300" v="1625" actId="165"/>
+          <ac:spMkLst>
+            <pc:docMk/>
+            <pc:sldMk cId="3348940642" sldId="301"/>
+            <ac:spMk id="70" creationId="{49C13603-D4C5-9F9A-6EBE-79F70F8C15D9}"/>
+          </ac:spMkLst>
+        </pc:spChg>
+        <pc:spChg chg="add del mod topLvl">
+          <ac:chgData name="Sonia Tara Hegde" userId="d93a2558-a889-4521-bcb4-6ed3fce9e012" providerId="ADAL" clId="{353A459F-1326-E646-9951-1A5C678B88AF}" dt="2025-05-20T05:47:51.666" v="2778" actId="478"/>
+          <ac:spMkLst>
+            <pc:docMk/>
+            <pc:sldMk cId="3348940642" sldId="301"/>
+            <ac:spMk id="73" creationId="{9C67109C-1C52-AEA4-171E-5C49595579A7}"/>
+          </ac:spMkLst>
+        </pc:spChg>
+        <pc:spChg chg="add mod">
+          <ac:chgData name="Sonia Tara Hegde" userId="d93a2558-a889-4521-bcb4-6ed3fce9e012" providerId="ADAL" clId="{353A459F-1326-E646-9951-1A5C678B88AF}" dt="2025-05-20T05:44:03.589" v="2743" actId="255"/>
+          <ac:spMkLst>
+            <pc:docMk/>
+            <pc:sldMk cId="3348940642" sldId="301"/>
+            <ac:spMk id="74" creationId="{FE69634A-9B1E-226A-6339-99320EDBDBC8}"/>
+          </ac:spMkLst>
+        </pc:spChg>
+        <pc:spChg chg="add mod">
+          <ac:chgData name="Sonia Tara Hegde" userId="d93a2558-a889-4521-bcb4-6ed3fce9e012" providerId="ADAL" clId="{353A459F-1326-E646-9951-1A5C678B88AF}" dt="2025-05-20T05:42:55.815" v="2731" actId="20577"/>
+          <ac:spMkLst>
+            <pc:docMk/>
+            <pc:sldMk cId="3348940642" sldId="301"/>
+            <ac:spMk id="76" creationId="{AD945688-2E99-C028-71D8-53FD4D8F79F0}"/>
+          </ac:spMkLst>
+        </pc:spChg>
+        <pc:grpChg chg="del">
+          <ac:chgData name="Sonia Tara Hegde" userId="d93a2558-a889-4521-bcb4-6ed3fce9e012" providerId="ADAL" clId="{353A459F-1326-E646-9951-1A5C678B88AF}" dt="2025-05-19T17:04:31.570" v="5" actId="165"/>
+          <ac:grpSpMkLst>
+            <pc:docMk/>
+            <pc:sldMk cId="3348940642" sldId="301"/>
+            <ac:grpSpMk id="11" creationId="{DB33CC2F-9F33-E694-D27E-1609F321687A}"/>
+          </ac:grpSpMkLst>
+        </pc:grpChg>
+        <pc:grpChg chg="add topLvl">
+          <ac:chgData name="Sonia Tara Hegde" userId="d93a2558-a889-4521-bcb4-6ed3fce9e012" providerId="ADAL" clId="{353A459F-1326-E646-9951-1A5C678B88AF}" dt="2025-05-19T17:29:16.300" v="1625" actId="165"/>
+          <ac:grpSpMkLst>
+            <pc:docMk/>
+            <pc:sldMk cId="3348940642" sldId="301"/>
+            <ac:grpSpMk id="56" creationId="{4F9928CF-CBFD-D995-F2A1-8A93BB7FA05F}"/>
+          </ac:grpSpMkLst>
+        </pc:grpChg>
+        <pc:grpChg chg="add mod topLvl">
+          <ac:chgData name="Sonia Tara Hegde" userId="d93a2558-a889-4521-bcb4-6ed3fce9e012" providerId="ADAL" clId="{353A459F-1326-E646-9951-1A5C678B88AF}" dt="2025-05-19T17:29:04.658" v="1624" actId="165"/>
+          <ac:grpSpMkLst>
+            <pc:docMk/>
+            <pc:sldMk cId="3348940642" sldId="301"/>
+            <ac:grpSpMk id="71" creationId="{B7384015-F8D5-9E36-3C66-60924D2B2A40}"/>
+          </ac:grpSpMkLst>
+        </pc:grpChg>
+        <pc:grpChg chg="add del">
+          <ac:chgData name="Sonia Tara Hegde" userId="d93a2558-a889-4521-bcb4-6ed3fce9e012" providerId="ADAL" clId="{353A459F-1326-E646-9951-1A5C678B88AF}" dt="2025-05-19T17:29:04.658" v="1624" actId="165"/>
+          <ac:grpSpMkLst>
+            <pc:docMk/>
+            <pc:sldMk cId="3348940642" sldId="301"/>
+            <ac:grpSpMk id="74" creationId="{5F3E1DB4-7782-0D07-3D53-49842D05E7DD}"/>
+          </ac:grpSpMkLst>
+        </pc:grpChg>
+        <pc:grpChg chg="add mod">
+          <ac:chgData name="Sonia Tara Hegde" userId="d93a2558-a889-4521-bcb4-6ed3fce9e012" providerId="ADAL" clId="{353A459F-1326-E646-9951-1A5C678B88AF}" dt="2025-05-20T05:18:30.052" v="2628" actId="1076"/>
+          <ac:grpSpMkLst>
+            <pc:docMk/>
+            <pc:sldMk cId="3348940642" sldId="301"/>
+            <ac:grpSpMk id="75" creationId="{8DC042CD-0541-A5A3-0CD1-AA91D19C0BC0}"/>
+          </ac:grpSpMkLst>
+        </pc:grpChg>
+        <pc:grpChg chg="add mod">
+          <ac:chgData name="Sonia Tara Hegde" userId="d93a2558-a889-4521-bcb4-6ed3fce9e012" providerId="ADAL" clId="{353A459F-1326-E646-9951-1A5C678B88AF}" dt="2025-05-20T05:43:49.608" v="2741" actId="1076"/>
+          <ac:grpSpMkLst>
+            <pc:docMk/>
+            <pc:sldMk cId="3348940642" sldId="301"/>
+            <ac:grpSpMk id="78" creationId="{BA622AD3-34D1-9AB3-63B0-CCB839E06F9E}"/>
+          </ac:grpSpMkLst>
+        </pc:grpChg>
+        <pc:picChg chg="mod topLvl modCrop">
+          <ac:chgData name="Sonia Tara Hegde" userId="d93a2558-a889-4521-bcb4-6ed3fce9e012" providerId="ADAL" clId="{353A459F-1326-E646-9951-1A5C678B88AF}" dt="2025-05-20T05:43:37.612" v="2739" actId="1076"/>
+          <ac:picMkLst>
+            <pc:docMk/>
+            <pc:sldMk cId="3348940642" sldId="301"/>
+            <ac:picMk id="10" creationId="{619C312E-E836-27F6-18DE-EB7356F07FFF}"/>
+          </ac:picMkLst>
+        </pc:picChg>
+        <pc:picChg chg="add del mod modCrop">
+          <ac:chgData name="Sonia Tara Hegde" userId="d93a2558-a889-4521-bcb4-6ed3fce9e012" providerId="ADAL" clId="{353A459F-1326-E646-9951-1A5C678B88AF}" dt="2025-05-20T05:42:59.306" v="2732" actId="478"/>
+          <ac:picMkLst>
+            <pc:docMk/>
+            <pc:sldMk cId="3348940642" sldId="301"/>
+            <ac:picMk id="58" creationId="{E745C27E-4B96-67B0-1BE3-7541D2F0B91E}"/>
+          </ac:picMkLst>
+        </pc:picChg>
+        <pc:picChg chg="add mod modCrop">
+          <ac:chgData name="Sonia Tara Hegde" userId="d93a2558-a889-4521-bcb4-6ed3fce9e012" providerId="ADAL" clId="{353A459F-1326-E646-9951-1A5C678B88AF}" dt="2025-05-20T05:55:19.009" v="2795" actId="167"/>
+          <ac:picMkLst>
+            <pc:docMk/>
+            <pc:sldMk cId="3348940642" sldId="301"/>
+            <ac:picMk id="71" creationId="{368F8AC1-D4C8-AE94-4FC2-7D676B428492}"/>
+          </ac:picMkLst>
+        </pc:picChg>
+        <pc:cxnChg chg="add mod">
+          <ac:chgData name="Sonia Tara Hegde" userId="d93a2558-a889-4521-bcb4-6ed3fce9e012" providerId="ADAL" clId="{353A459F-1326-E646-9951-1A5C678B88AF}" dt="2025-05-20T05:46:14.379" v="2762" actId="692"/>
+          <ac:cxnSpMkLst>
+            <pc:docMk/>
+            <pc:sldMk cId="3348940642" sldId="301"/>
+            <ac:cxnSpMk id="4" creationId="{62C1F8CC-C2D5-2A49-BBC9-B8A065336FDD}"/>
+          </ac:cxnSpMkLst>
+        </pc:cxnChg>
+        <pc:cxnChg chg="add del mod">
+          <ac:chgData name="Sonia Tara Hegde" userId="d93a2558-a889-4521-bcb4-6ed3fce9e012" providerId="ADAL" clId="{353A459F-1326-E646-9951-1A5C678B88AF}" dt="2025-05-20T05:21:19.937" v="2655" actId="478"/>
+          <ac:cxnSpMkLst>
+            <pc:docMk/>
+            <pc:sldMk cId="3348940642" sldId="301"/>
+            <ac:cxnSpMk id="11" creationId="{9D830F8B-C614-542B-2471-E02CE6C17F40}"/>
+          </ac:cxnSpMkLst>
+        </pc:cxnChg>
+        <pc:cxnChg chg="add mod topLvl">
+          <ac:chgData name="Sonia Tara Hegde" userId="d93a2558-a889-4521-bcb4-6ed3fce9e012" providerId="ADAL" clId="{353A459F-1326-E646-9951-1A5C678B88AF}" dt="2025-05-20T05:47:33.416" v="2776" actId="1037"/>
+          <ac:cxnSpMkLst>
+            <pc:docMk/>
+            <pc:sldMk cId="3348940642" sldId="301"/>
+            <ac:cxnSpMk id="54" creationId="{6868282A-B36C-0958-A1E6-D913DBAFF3D5}"/>
+          </ac:cxnSpMkLst>
+        </pc:cxnChg>
+        <pc:cxnChg chg="add mod topLvl">
+          <ac:chgData name="Sonia Tara Hegde" userId="d93a2558-a889-4521-bcb4-6ed3fce9e012" providerId="ADAL" clId="{353A459F-1326-E646-9951-1A5C678B88AF}" dt="2025-05-20T05:46:33.029" v="2763" actId="1076"/>
+          <ac:cxnSpMkLst>
+            <pc:docMk/>
+            <pc:sldMk cId="3348940642" sldId="301"/>
+            <ac:cxnSpMk id="60" creationId="{4B4F7D07-FDD8-7F62-290A-985108F89832}"/>
+          </ac:cxnSpMkLst>
+        </pc:cxnChg>
+        <pc:cxnChg chg="add mod topLvl">
+          <ac:chgData name="Sonia Tara Hegde" userId="d93a2558-a889-4521-bcb4-6ed3fce9e012" providerId="ADAL" clId="{353A459F-1326-E646-9951-1A5C678B88AF}" dt="2025-05-19T17:29:04.658" v="1624" actId="165"/>
+          <ac:cxnSpMkLst>
+            <pc:docMk/>
+            <pc:sldMk cId="3348940642" sldId="301"/>
+            <ac:cxnSpMk id="72" creationId="{DAD1DE4E-18EB-ADFD-5E7D-B933050400C9}"/>
+          </ac:cxnSpMkLst>
+        </pc:cxnChg>
+        <pc:cxnChg chg="add mod">
+          <ac:chgData name="Sonia Tara Hegde" userId="d93a2558-a889-4521-bcb4-6ed3fce9e012" providerId="ADAL" clId="{353A459F-1326-E646-9951-1A5C678B88AF}" dt="2025-05-20T05:48:40.753" v="2785" actId="692"/>
+          <ac:cxnSpMkLst>
+            <pc:docMk/>
+            <pc:sldMk cId="3348940642" sldId="301"/>
+            <ac:cxnSpMk id="77" creationId="{674C072D-1983-2E0B-EF86-DFDF4781D8CC}"/>
+          </ac:cxnSpMkLst>
+        </pc:cxnChg>
+        <pc:cxnChg chg="add del mod">
+          <ac:chgData name="Sonia Tara Hegde" userId="d93a2558-a889-4521-bcb4-6ed3fce9e012" providerId="ADAL" clId="{353A459F-1326-E646-9951-1A5C678B88AF}" dt="2025-05-20T05:48:46.010" v="2786" actId="478"/>
+          <ac:cxnSpMkLst>
+            <pc:docMk/>
+            <pc:sldMk cId="3348940642" sldId="301"/>
+            <ac:cxnSpMk id="79" creationId="{4790CA16-441C-1C20-EB39-F54B2B6EBD07}"/>
+          </ac:cxnSpMkLst>
+        </pc:cxnChg>
+      </pc:sldChg>
+      <pc:sldChg chg="modSp mod">
+        <pc:chgData name="Sonia Tara Hegde" userId="d93a2558-a889-4521-bcb4-6ed3fce9e012" providerId="ADAL" clId="{353A459F-1326-E646-9951-1A5C678B88AF}" dt="2025-05-19T23:00:29.295" v="2451" actId="1076"/>
+        <pc:sldMkLst>
+          <pc:docMk/>
+          <pc:sldMk cId="242034705" sldId="305"/>
+        </pc:sldMkLst>
+        <pc:spChg chg="mod">
+          <ac:chgData name="Sonia Tara Hegde" userId="d93a2558-a889-4521-bcb4-6ed3fce9e012" providerId="ADAL" clId="{353A459F-1326-E646-9951-1A5C678B88AF}" dt="2025-05-19T23:00:29.295" v="2451" actId="1076"/>
+          <ac:spMkLst>
+            <pc:docMk/>
+            <pc:sldMk cId="242034705" sldId="305"/>
+            <ac:spMk id="3" creationId="{2E329247-2DEE-A52D-0A72-6D811C48EBB6}"/>
+          </ac:spMkLst>
+        </pc:spChg>
+      </pc:sldChg>
+      <pc:sldChg chg="addSp delSp modSp mod modAnim">
+        <pc:chgData name="Sonia Tara Hegde" userId="d93a2558-a889-4521-bcb4-6ed3fce9e012" providerId="ADAL" clId="{353A459F-1326-E646-9951-1A5C678B88AF}" dt="2025-05-19T18:11:53.318" v="2441" actId="478"/>
+        <pc:sldMkLst>
+          <pc:docMk/>
+          <pc:sldMk cId="2308003049" sldId="306"/>
+        </pc:sldMkLst>
+        <pc:spChg chg="mod">
+          <ac:chgData name="Sonia Tara Hegde" userId="d93a2558-a889-4521-bcb4-6ed3fce9e012" providerId="ADAL" clId="{353A459F-1326-E646-9951-1A5C678B88AF}" dt="2025-05-19T17:36:18.505" v="1771" actId="114"/>
+          <ac:spMkLst>
+            <pc:docMk/>
+            <pc:sldMk cId="2308003049" sldId="306"/>
+            <ac:spMk id="2" creationId="{3F623FDA-62CD-2A96-E96F-69DEC5FF6A47}"/>
+          </ac:spMkLst>
+        </pc:spChg>
+        <pc:spChg chg="add del mod">
+          <ac:chgData name="Sonia Tara Hegde" userId="d93a2558-a889-4521-bcb4-6ed3fce9e012" providerId="ADAL" clId="{353A459F-1326-E646-9951-1A5C678B88AF}" dt="2025-05-19T18:11:53.318" v="2441" actId="478"/>
+          <ac:spMkLst>
+            <pc:docMk/>
+            <pc:sldMk cId="2308003049" sldId="306"/>
+            <ac:spMk id="5" creationId="{CC2876C4-8C45-28D8-44C0-52E56312B7E9}"/>
+          </ac:spMkLst>
+        </pc:spChg>
+        <pc:spChg chg="mod">
+          <ac:chgData name="Sonia Tara Hegde" userId="d93a2558-a889-4521-bcb4-6ed3fce9e012" providerId="ADAL" clId="{353A459F-1326-E646-9951-1A5C678B88AF}" dt="2025-05-19T18:11:45.175" v="2437"/>
+          <ac:spMkLst>
+            <pc:docMk/>
+            <pc:sldMk cId="2308003049" sldId="306"/>
+            <ac:spMk id="7" creationId="{98D98703-41DC-B653-CE19-D446FCE182BA}"/>
+          </ac:spMkLst>
+        </pc:spChg>
+      </pc:sldChg>
+      <pc:sldChg chg="modSp mod">
+        <pc:chgData name="Sonia Tara Hegde" userId="d93a2558-a889-4521-bcb4-6ed3fce9e012" providerId="ADAL" clId="{353A459F-1326-E646-9951-1A5C678B88AF}" dt="2025-05-19T18:05:15.599" v="2427" actId="255"/>
+        <pc:sldMkLst>
+          <pc:docMk/>
+          <pc:sldMk cId="2160286257" sldId="307"/>
+        </pc:sldMkLst>
+        <pc:spChg chg="mod">
+          <ac:chgData name="Sonia Tara Hegde" userId="d93a2558-a889-4521-bcb4-6ed3fce9e012" providerId="ADAL" clId="{353A459F-1326-E646-9951-1A5C678B88AF}" dt="2025-05-19T18:05:15.599" v="2427" actId="255"/>
+          <ac:spMkLst>
+            <pc:docMk/>
+            <pc:sldMk cId="2160286257" sldId="307"/>
+            <ac:spMk id="3" creationId="{39CCD9E5-F605-FC4F-6971-2ED435FBD898}"/>
+          </ac:spMkLst>
+        </pc:spChg>
+      </pc:sldChg>
+      <pc:sldChg chg="modSp mod">
+        <pc:chgData name="Sonia Tara Hegde" userId="d93a2558-a889-4521-bcb4-6ed3fce9e012" providerId="ADAL" clId="{353A459F-1326-E646-9951-1A5C678B88AF}" dt="2025-05-19T17:58:38.225" v="2398" actId="20577"/>
+        <pc:sldMkLst>
+          <pc:docMk/>
+          <pc:sldMk cId="2276494847" sldId="308"/>
+        </pc:sldMkLst>
+        <pc:spChg chg="mod">
+          <ac:chgData name="Sonia Tara Hegde" userId="d93a2558-a889-4521-bcb4-6ed3fce9e012" providerId="ADAL" clId="{353A459F-1326-E646-9951-1A5C678B88AF}" dt="2025-05-19T17:58:38.225" v="2398" actId="20577"/>
+          <ac:spMkLst>
+            <pc:docMk/>
+            <pc:sldMk cId="2276494847" sldId="308"/>
+            <ac:spMk id="3" creationId="{7991FF55-39F5-9352-E18D-29E7BB35183C}"/>
+          </ac:spMkLst>
+        </pc:spChg>
+      </pc:sldChg>
+      <pc:sldChg chg="modSp mod modAnim">
+        <pc:chgData name="Sonia Tara Hegde" userId="d93a2558-a889-4521-bcb4-6ed3fce9e012" providerId="ADAL" clId="{353A459F-1326-E646-9951-1A5C678B88AF}" dt="2025-05-19T23:19:44.937" v="2626" actId="27636"/>
+        <pc:sldMkLst>
+          <pc:docMk/>
+          <pc:sldMk cId="980664946" sldId="309"/>
+        </pc:sldMkLst>
+        <pc:spChg chg="mod">
+          <ac:chgData name="Sonia Tara Hegde" userId="d93a2558-a889-4521-bcb4-6ed3fce9e012" providerId="ADAL" clId="{353A459F-1326-E646-9951-1A5C678B88AF}" dt="2025-05-19T23:15:52.622" v="2552" actId="13926"/>
+          <ac:spMkLst>
+            <pc:docMk/>
+            <pc:sldMk cId="980664946" sldId="309"/>
+            <ac:spMk id="2" creationId="{947C34EA-3998-CF35-65B3-87AD2E3C73D6}"/>
+          </ac:spMkLst>
+        </pc:spChg>
+        <pc:spChg chg="mod">
+          <ac:chgData name="Sonia Tara Hegde" userId="d93a2558-a889-4521-bcb4-6ed3fce9e012" providerId="ADAL" clId="{353A459F-1326-E646-9951-1A5C678B88AF}" dt="2025-05-19T23:19:44.937" v="2626" actId="27636"/>
+          <ac:spMkLst>
+            <pc:docMk/>
+            <pc:sldMk cId="980664946" sldId="309"/>
+            <ac:spMk id="3" creationId="{BDC9B94E-699B-165F-04D9-613EE637E3F0}"/>
+          </ac:spMkLst>
+        </pc:spChg>
+        <pc:picChg chg="mod">
+          <ac:chgData name="Sonia Tara Hegde" userId="d93a2558-a889-4521-bcb4-6ed3fce9e012" providerId="ADAL" clId="{353A459F-1326-E646-9951-1A5C678B88AF}" dt="2025-05-19T23:18:57.777" v="2601" actId="1076"/>
+          <ac:picMkLst>
+            <pc:docMk/>
+            <pc:sldMk cId="980664946" sldId="309"/>
+            <ac:picMk id="6" creationId="{7BAF375D-9085-B808-5846-BFA1DBE11679}"/>
+          </ac:picMkLst>
+        </pc:picChg>
+      </pc:sldChg>
+      <pc:sldChg chg="modSp mod">
+        <pc:chgData name="Sonia Tara Hegde" userId="d93a2558-a889-4521-bcb4-6ed3fce9e012" providerId="ADAL" clId="{353A459F-1326-E646-9951-1A5C678B88AF}" dt="2025-05-19T18:11:08.425" v="2436" actId="114"/>
+        <pc:sldMkLst>
+          <pc:docMk/>
+          <pc:sldMk cId="2963041930" sldId="310"/>
+        </pc:sldMkLst>
+        <pc:spChg chg="mod">
+          <ac:chgData name="Sonia Tara Hegde" userId="d93a2558-a889-4521-bcb4-6ed3fce9e012" providerId="ADAL" clId="{353A459F-1326-E646-9951-1A5C678B88AF}" dt="2025-05-19T18:11:08.425" v="2436" actId="114"/>
+          <ac:spMkLst>
+            <pc:docMk/>
+            <pc:sldMk cId="2963041930" sldId="310"/>
+            <ac:spMk id="3" creationId="{9048B7F4-855F-2416-0C93-80AC06EDB470}"/>
+          </ac:spMkLst>
+        </pc:spChg>
+      </pc:sldChg>
+      <pc:sldChg chg="modSp mod">
+        <pc:chgData name="Sonia Tara Hegde" userId="d93a2558-a889-4521-bcb4-6ed3fce9e012" providerId="ADAL" clId="{353A459F-1326-E646-9951-1A5C678B88AF}" dt="2025-05-19T17:11:54.783" v="88" actId="20577"/>
+        <pc:sldMkLst>
+          <pc:docMk/>
+          <pc:sldMk cId="1970428124" sldId="311"/>
+        </pc:sldMkLst>
+        <pc:spChg chg="mod">
+          <ac:chgData name="Sonia Tara Hegde" userId="d93a2558-a889-4521-bcb4-6ed3fce9e012" providerId="ADAL" clId="{353A459F-1326-E646-9951-1A5C678B88AF}" dt="2025-05-19T17:11:54.783" v="88" actId="20577"/>
+          <ac:spMkLst>
+            <pc:docMk/>
+            <pc:sldMk cId="1970428124" sldId="311"/>
+            <ac:spMk id="7" creationId="{26A3A10E-945D-095D-879A-C747F2945BAE}"/>
+          </ac:spMkLst>
+        </pc:spChg>
+      </pc:sldChg>
+      <pc:sldChg chg="new del">
+        <pc:chgData name="Sonia Tara Hegde" userId="d93a2558-a889-4521-bcb4-6ed3fce9e012" providerId="ADAL" clId="{353A459F-1326-E646-9951-1A5C678B88AF}" dt="2025-05-19T18:02:58.661" v="2414" actId="2696"/>
+        <pc:sldMkLst>
+          <pc:docMk/>
+          <pc:sldMk cId="541158880" sldId="312"/>
+        </pc:sldMkLst>
+      </pc:sldChg>
+      <pc:sldChg chg="delSp modSp add mod">
+        <pc:chgData name="Sonia Tara Hegde" userId="d93a2558-a889-4521-bcb4-6ed3fce9e012" providerId="ADAL" clId="{353A459F-1326-E646-9951-1A5C678B88AF}" dt="2025-05-19T23:00:57.794" v="2460" actId="255"/>
+        <pc:sldMkLst>
+          <pc:docMk/>
+          <pc:sldMk cId="1444229574" sldId="313"/>
+        </pc:sldMkLst>
+        <pc:spChg chg="mod">
+          <ac:chgData name="Sonia Tara Hegde" userId="d93a2558-a889-4521-bcb4-6ed3fce9e012" providerId="ADAL" clId="{353A459F-1326-E646-9951-1A5C678B88AF}" dt="2025-05-19T23:00:57.794" v="2460" actId="255"/>
+          <ac:spMkLst>
+            <pc:docMk/>
+            <pc:sldMk cId="1444229574" sldId="313"/>
+            <ac:spMk id="3" creationId="{14812522-68ED-F54E-A149-754C5AAB7C48}"/>
+          </ac:spMkLst>
+        </pc:spChg>
+        <pc:cxnChg chg="del">
+          <ac:chgData name="Sonia Tara Hegde" userId="d93a2558-a889-4521-bcb4-6ed3fce9e012" providerId="ADAL" clId="{353A459F-1326-E646-9951-1A5C678B88AF}" dt="2025-05-19T22:59:46.745" v="2447" actId="478"/>
+          <ac:cxnSpMkLst>
+            <pc:docMk/>
+            <pc:sldMk cId="1444229574" sldId="313"/>
+            <ac:cxnSpMk id="4" creationId="{CA91413F-4EC0-1D95-283C-B891F4F5DD87}"/>
+          </ac:cxnSpMkLst>
+        </pc:cxnChg>
+        <pc:cxnChg chg="del">
+          <ac:chgData name="Sonia Tara Hegde" userId="d93a2558-a889-4521-bcb4-6ed3fce9e012" providerId="ADAL" clId="{353A459F-1326-E646-9951-1A5C678B88AF}" dt="2025-05-19T22:59:46.745" v="2447" actId="478"/>
+          <ac:cxnSpMkLst>
+            <pc:docMk/>
+            <pc:sldMk cId="1444229574" sldId="313"/>
+            <ac:cxnSpMk id="5" creationId="{0962702E-BC91-5610-9C95-7A510E364E2F}"/>
+          </ac:cxnSpMkLst>
+        </pc:cxnChg>
+        <pc:cxnChg chg="del">
+          <ac:chgData name="Sonia Tara Hegde" userId="d93a2558-a889-4521-bcb4-6ed3fce9e012" providerId="ADAL" clId="{353A459F-1326-E646-9951-1A5C678B88AF}" dt="2025-05-19T22:59:46.745" v="2447" actId="478"/>
+          <ac:cxnSpMkLst>
+            <pc:docMk/>
+            <pc:sldMk cId="1444229574" sldId="313"/>
+            <ac:cxnSpMk id="6" creationId="{CB60F205-4819-546B-D26F-EB1C115C7721}"/>
+          </ac:cxnSpMkLst>
+        </pc:cxnChg>
+      </pc:sldChg>
+      <pc:sldChg chg="add">
+        <pc:chgData name="Sonia Tara Hegde" userId="d93a2558-a889-4521-bcb4-6ed3fce9e012" providerId="ADAL" clId="{353A459F-1326-E646-9951-1A5C678B88AF}" dt="2025-05-19T18:04:41.974" v="2423"/>
+        <pc:sldMkLst>
+          <pc:docMk/>
+          <pc:sldMk cId="1211814404" sldId="314"/>
+        </pc:sldMkLst>
+      </pc:sldChg>
+    </pc:docChg>
+  </pc:docChgLst>
+</pc:chgInfo>
 </file>
 
 <file path=ppt/notesMasters/notesMaster1.xml><?xml version="1.0" encoding="utf-8"?>
@@ -284,7 +1465,7 @@
           <a:p>
             <a:fld id="{5C5D1EB4-F37D-7F4F-B96E-519D8F231415}" type="datetimeFigureOut">
               <a:rPr lang="en-US" smtClean="0"/>
-              <a:t>5/18/25</a:t>
+              <a:t>5/20/25</a:t>
             </a:fld>
             <a:endParaRPr lang="en-US"/>
           </a:p>
@@ -2577,6 +3758,114 @@
   <p:cSld>
     <p:spTree>
       <p:nvGrpSpPr>
+        <p:cNvPr id="1" name="">
+          <a:extLst>
+            <a:ext uri="{FF2B5EF4-FFF2-40B4-BE49-F238E27FC236}">
+              <a16:creationId xmlns:a16="http://schemas.microsoft.com/office/drawing/2014/main" id="{3DF45B6D-A335-8631-A664-BD7EC21AA887}"/>
+            </a:ext>
+          </a:extLst>
+        </p:cNvPr>
+        <p:cNvGrpSpPr/>
+        <p:nvPr/>
+      </p:nvGrpSpPr>
+      <p:grpSpPr>
+        <a:xfrm>
+          <a:off x="0" y="0"/>
+          <a:ext cx="0" cy="0"/>
+          <a:chOff x="0" y="0"/>
+          <a:chExt cx="0" cy="0"/>
+        </a:xfrm>
+      </p:grpSpPr>
+      <p:sp>
+        <p:nvSpPr>
+          <p:cNvPr id="2" name="Slide Image Placeholder 1">
+            <a:extLst>
+              <a:ext uri="{FF2B5EF4-FFF2-40B4-BE49-F238E27FC236}">
+                <a16:creationId xmlns:a16="http://schemas.microsoft.com/office/drawing/2014/main" id="{0E0ABBB4-802B-3DBF-CC70-44C41EEB62AD}"/>
+              </a:ext>
+            </a:extLst>
+          </p:cNvPr>
+          <p:cNvSpPr>
+            <a:spLocks noGrp="1" noRot="1" noChangeAspect="1"/>
+          </p:cNvSpPr>
+          <p:nvPr>
+            <p:ph type="sldImg"/>
+          </p:nvPr>
+        </p:nvSpPr>
+        <p:spPr/>
+      </p:sp>
+      <p:sp>
+        <p:nvSpPr>
+          <p:cNvPr id="3" name="Notes Placeholder 2">
+            <a:extLst>
+              <a:ext uri="{FF2B5EF4-FFF2-40B4-BE49-F238E27FC236}">
+                <a16:creationId xmlns:a16="http://schemas.microsoft.com/office/drawing/2014/main" id="{58A3C351-5735-7F24-891E-651DD64743AC}"/>
+              </a:ext>
+            </a:extLst>
+          </p:cNvPr>
+          <p:cNvSpPr>
+            <a:spLocks noGrp="1"/>
+          </p:cNvSpPr>
+          <p:nvPr>
+            <p:ph type="body" idx="1"/>
+          </p:nvPr>
+        </p:nvSpPr>
+        <p:spPr/>
+        <p:txBody>
+          <a:bodyPr/>
+          <a:lstStyle/>
+          <a:p>
+            <a:endParaRPr lang="en-US" dirty="0"/>
+          </a:p>
+        </p:txBody>
+      </p:sp>
+      <p:sp>
+        <p:nvSpPr>
+          <p:cNvPr id="4" name="Slide Number Placeholder 3">
+            <a:extLst>
+              <a:ext uri="{FF2B5EF4-FFF2-40B4-BE49-F238E27FC236}">
+                <a16:creationId xmlns:a16="http://schemas.microsoft.com/office/drawing/2014/main" id="{81FDEDB7-CA9F-CB4B-56BE-C6535CD1B40D}"/>
+              </a:ext>
+            </a:extLst>
+          </p:cNvPr>
+          <p:cNvSpPr>
+            <a:spLocks noGrp="1"/>
+          </p:cNvSpPr>
+          <p:nvPr>
+            <p:ph type="sldNum" sz="quarter" idx="5"/>
+          </p:nvPr>
+        </p:nvSpPr>
+        <p:spPr/>
+        <p:txBody>
+          <a:bodyPr/>
+          <a:lstStyle/>
+          <a:p>
+            <a:fld id="{A7294D4A-3C6D-3543-B453-E3C017326446}" type="slidenum">
+              <a:rPr lang="en-US" smtClean="0"/>
+              <a:t>24</a:t>
+            </a:fld>
+            <a:endParaRPr lang="en-US"/>
+          </a:p>
+        </p:txBody>
+      </p:sp>
+    </p:spTree>
+    <p:extLst>
+      <p:ext uri="{BB962C8B-B14F-4D97-AF65-F5344CB8AC3E}">
+        <p14:creationId xmlns:p14="http://schemas.microsoft.com/office/powerpoint/2010/main" val="3981693936"/>
+      </p:ext>
+    </p:extLst>
+  </p:cSld>
+  <p:clrMapOvr>
+    <a:masterClrMapping/>
+  </p:clrMapOvr>
+</p:notes>
+</file>
+
+<file path=ppt/notesSlides/notesSlide18.xml><?xml version="1.0" encoding="utf-8"?>
+<p:notes xmlns:a="http://schemas.openxmlformats.org/drawingml/2006/main" xmlns:r="http://schemas.openxmlformats.org/officeDocument/2006/relationships" xmlns:p="http://schemas.openxmlformats.org/presentationml/2006/main">
+  <p:cSld>
+    <p:spTree>
+      <p:nvGrpSpPr>
         <p:cNvPr id="1" name=""/>
         <p:cNvGrpSpPr/>
         <p:nvPr/>
@@ -2730,7 +4019,7 @@
           <a:p>
             <a:fld id="{A7294D4A-3C6D-3543-B453-E3C017326446}" type="slidenum">
               <a:rPr lang="en-US" smtClean="0"/>
-              <a:t>27</a:t>
+              <a:t>28</a:t>
             </a:fld>
             <a:endParaRPr lang="en-US"/>
           </a:p>
@@ -6406,7 +7695,7 @@
         </p:spPr>
         <p:txBody>
           <a:bodyPr vert="horz" lIns="91440" tIns="45720" rIns="91440" bIns="45720" rtlCol="0">
-            <a:normAutofit/>
+            <a:normAutofit lnSpcReduction="10000"/>
           </a:bodyPr>
           <a:lstStyle>
             <a:lvl1pPr marL="228600" indent="-228600" algn="l" defTabSz="914400" rtl="0" eaLnBrk="1" latinLnBrk="0" hangingPunct="1">
@@ -6573,6 +7862,24 @@
             </a:lvl9pPr>
           </a:lstStyle>
           <a:p>
+            <a:pPr marL="0" indent="0">
+              <a:buNone/>
+            </a:pPr>
+            <a:r>
+              <a:rPr lang="en-US" sz="2800" i="1" kern="100" dirty="0">
+                <a:effectLst/>
+                <a:latin typeface="Aptos" panose="020B0004020202020204" pitchFamily="34" charset="0"/>
+                <a:ea typeface="Aptos" panose="020B0004020202020204" pitchFamily="34" charset="0"/>
+                <a:cs typeface="Times New Roman" panose="02020603050405020304" pitchFamily="18" charset="0"/>
+              </a:rPr>
+              <a:t>(Recall we used standard curves to estimate relative antibody units.)</a:t>
+            </a:r>
+          </a:p>
+          <a:p>
+            <a:pPr marL="514350" indent="-514350">
+              <a:buFont typeface="+mj-lt"/>
+              <a:buAutoNum type="arabicPeriod"/>
+            </a:pPr>
             <a:r>
               <a:rPr lang="en-US" sz="2800" kern="100" dirty="0">
                 <a:effectLst/>
@@ -6580,10 +7887,17 @@
                 <a:ea typeface="Aptos" panose="020B0004020202020204" pitchFamily="34" charset="0"/>
                 <a:cs typeface="Times New Roman" panose="02020603050405020304" pitchFamily="18" charset="0"/>
               </a:rPr>
-              <a:t>Yesterday, we used standard curves to compare variation in results between plates.</a:t>
-            </a:r>
-          </a:p>
-          <a:p>
+              <a:t>First, we fit a model to our standard curve data to establish the relationship between </a:t>
+            </a:r>
+            <a:r>
+              <a:rPr lang="en-US" sz="2800" b="1" kern="100" dirty="0">
+                <a:effectLst/>
+                <a:latin typeface="Aptos" panose="020B0004020202020204" pitchFamily="34" charset="0"/>
+                <a:ea typeface="Aptos" panose="020B0004020202020204" pitchFamily="34" charset="0"/>
+                <a:cs typeface="Times New Roman" panose="02020603050405020304" pitchFamily="18" charset="0"/>
+              </a:rPr>
+              <a:t>MFI values</a:t>
+            </a:r>
             <a:r>
               <a:rPr lang="en-US" sz="2800" kern="100" dirty="0">
                 <a:effectLst/>
@@ -6591,7 +7905,7 @@
                 <a:ea typeface="Aptos" panose="020B0004020202020204" pitchFamily="34" charset="0"/>
                 <a:cs typeface="Times New Roman" panose="02020603050405020304" pitchFamily="18" charset="0"/>
               </a:rPr>
-              <a:t>First, we fit a model to our data to establish the relationship between </a:t>
+              <a:t> and known </a:t>
             </a:r>
             <a:r>
               <a:rPr lang="en-US" sz="2800" b="1" kern="100" dirty="0">
@@ -6600,7 +7914,7 @@
                 <a:ea typeface="Aptos" panose="020B0004020202020204" pitchFamily="34" charset="0"/>
                 <a:cs typeface="Times New Roman" panose="02020603050405020304" pitchFamily="18" charset="0"/>
               </a:rPr>
-              <a:t>MFI values</a:t>
+              <a:t>IU/mL concentrations</a:t>
             </a:r>
             <a:r>
               <a:rPr lang="en-US" sz="2800" kern="100" dirty="0">
@@ -6609,34 +7923,24 @@
                 <a:ea typeface="Aptos" panose="020B0004020202020204" pitchFamily="34" charset="0"/>
                 <a:cs typeface="Times New Roman" panose="02020603050405020304" pitchFamily="18" charset="0"/>
               </a:rPr>
-              <a:t> and known </a:t>
-            </a:r>
-            <a:r>
-              <a:rPr lang="en-US" sz="2800" b="1" kern="100" dirty="0">
-                <a:effectLst/>
-                <a:latin typeface="Aptos" panose="020B0004020202020204" pitchFamily="34" charset="0"/>
-                <a:ea typeface="Aptos" panose="020B0004020202020204" pitchFamily="34" charset="0"/>
-                <a:cs typeface="Times New Roman" panose="02020603050405020304" pitchFamily="18" charset="0"/>
-              </a:rPr>
-              <a:t>IU/mL concentrations</a:t>
-            </a:r>
-            <a:r>
-              <a:rPr lang="en-US" sz="2800" kern="100" dirty="0">
-                <a:effectLst/>
-                <a:latin typeface="Aptos" panose="020B0004020202020204" pitchFamily="34" charset="0"/>
-                <a:ea typeface="Aptos" panose="020B0004020202020204" pitchFamily="34" charset="0"/>
-                <a:cs typeface="Times New Roman" panose="02020603050405020304" pitchFamily="18" charset="0"/>
-              </a:rPr>
               <a:t>.</a:t>
             </a:r>
           </a:p>
           <a:p>
+            <a:pPr marL="514350" indent="-514350">
+              <a:buFont typeface="+mj-lt"/>
+              <a:buAutoNum type="arabicPeriod"/>
+            </a:pPr>
             <a:r>
               <a:rPr lang="en-US" dirty="0"/>
               <a:t>Then, we can use this model to convert MFI values for the samples of interest to IU/ml.</a:t>
             </a:r>
           </a:p>
           <a:p>
+            <a:pPr marL="514350" indent="-514350">
+              <a:buFont typeface="+mj-lt"/>
+              <a:buAutoNum type="arabicPeriod"/>
+            </a:pPr>
             <a:r>
               <a:rPr lang="en-US" dirty="0"/>
               <a:t>Lastly, we apply the 9.36 IU/ml correlate of protection cutoff to the samples of interest to determine a binary serostatus for each sample.</a:t>
@@ -6694,7 +7998,7 @@
         </p:nvSpPr>
         <p:spPr>
           <a:xfrm>
-            <a:off x="1001932" y="1920789"/>
+            <a:off x="838200" y="1920789"/>
             <a:ext cx="3981548" cy="1938992"/>
           </a:xfrm>
           <a:prstGeom prst="rect">
@@ -6708,23 +8012,315 @@
           </a:bodyPr>
           <a:lstStyle/>
           <a:p>
-            <a:pPr marL="285750" indent="-285750">
-              <a:buFont typeface="Arial" panose="020B0604020202020204" pitchFamily="34" charset="0"/>
-              <a:buChar char="•"/>
-            </a:pPr>
             <a:r>
               <a:rPr lang="en-US" sz="2400" dirty="0"/>
-              <a:t>For rubella (WRUV), we can apply the cutoff (based on correlate of protection) of 9.36 IU/ml to determine serostatus</a:t>
+              <a:t>For rubella (WRUV), we can apply the cutoff (based on correlate of protection) of 9.36 IU/ml to determine individual serostatus</a:t>
             </a:r>
           </a:p>
         </p:txBody>
       </p:sp>
+      <p:sp>
+        <p:nvSpPr>
+          <p:cNvPr id="2" name="Title 1">
+            <a:extLst>
+              <a:ext uri="{FF2B5EF4-FFF2-40B4-BE49-F238E27FC236}">
+                <a16:creationId xmlns:a16="http://schemas.microsoft.com/office/drawing/2014/main" id="{461CD3DE-81DB-7972-447F-94108818C25F}"/>
+              </a:ext>
+            </a:extLst>
+          </p:cNvPr>
+          <p:cNvSpPr>
+            <a:spLocks noGrp="1"/>
+          </p:cNvSpPr>
+          <p:nvPr>
+            <p:ph type="title"/>
+          </p:nvPr>
+        </p:nvSpPr>
+        <p:spPr>
+          <a:xfrm>
+            <a:off x="838200" y="365125"/>
+            <a:ext cx="10515600" cy="1325563"/>
+          </a:xfrm>
+        </p:spPr>
+        <p:txBody>
+          <a:bodyPr/>
+          <a:lstStyle/>
+          <a:p>
+            <a:r>
+              <a:rPr lang="en-US" dirty="0"/>
+              <a:t>Converting MFI values to standardized units (IU/ml) from standard curves </a:t>
+            </a:r>
+          </a:p>
+        </p:txBody>
+      </p:sp>
+      <p:sp>
+        <p:nvSpPr>
+          <p:cNvPr id="8" name="TextBox 7">
+            <a:extLst>
+              <a:ext uri="{FF2B5EF4-FFF2-40B4-BE49-F238E27FC236}">
+                <a16:creationId xmlns:a16="http://schemas.microsoft.com/office/drawing/2014/main" id="{D484C5D3-FB5C-1CCE-98FE-DA85FBE67526}"/>
+              </a:ext>
+            </a:extLst>
+          </p:cNvPr>
+          <p:cNvSpPr txBox="1"/>
+          <p:nvPr/>
+        </p:nvSpPr>
+        <p:spPr>
+          <a:xfrm>
+            <a:off x="8030227" y="2346630"/>
+            <a:ext cx="1588770" cy="646331"/>
+          </a:xfrm>
+          <a:prstGeom prst="rect">
+            <a:avLst/>
+          </a:prstGeom>
+          <a:noFill/>
+        </p:spPr>
+        <p:txBody>
+          <a:bodyPr wrap="square" rtlCol="0">
+            <a:spAutoFit/>
+          </a:bodyPr>
+          <a:lstStyle/>
+          <a:p>
+            <a:r>
+              <a:rPr lang="en-US" dirty="0">
+                <a:solidFill>
+                  <a:srgbClr val="FF0000"/>
+                </a:solidFill>
+              </a:rPr>
+              <a:t>cutoff (9.36  IU/mL)</a:t>
+            </a:r>
+          </a:p>
+        </p:txBody>
+      </p:sp>
+      <p:cxnSp>
+        <p:nvCxnSpPr>
+          <p:cNvPr id="54" name="Straight Arrow Connector 53">
+            <a:extLst>
+              <a:ext uri="{FF2B5EF4-FFF2-40B4-BE49-F238E27FC236}">
+                <a16:creationId xmlns:a16="http://schemas.microsoft.com/office/drawing/2014/main" id="{6868282A-B36C-0958-A1E6-D913DBAFF3D5}"/>
+              </a:ext>
+            </a:extLst>
+          </p:cNvPr>
+          <p:cNvCxnSpPr>
+            <a:cxnSpLocks/>
+          </p:cNvCxnSpPr>
+          <p:nvPr/>
+        </p:nvCxnSpPr>
+        <p:spPr>
+          <a:xfrm flipH="1">
+            <a:off x="6042035" y="3688873"/>
+            <a:ext cx="403736" cy="0"/>
+          </a:xfrm>
+          <a:prstGeom prst="straightConnector1">
+            <a:avLst/>
+          </a:prstGeom>
+          <a:ln>
+            <a:solidFill>
+              <a:schemeClr val="accent1">
+                <a:lumMod val="75000"/>
+              </a:schemeClr>
+            </a:solidFill>
+            <a:tailEnd type="triangle"/>
+          </a:ln>
+        </p:spPr>
+        <p:style>
+          <a:lnRef idx="2">
+            <a:schemeClr val="accent1"/>
+          </a:lnRef>
+          <a:fillRef idx="0">
+            <a:schemeClr val="accent1"/>
+          </a:fillRef>
+          <a:effectRef idx="1">
+            <a:schemeClr val="accent1"/>
+          </a:effectRef>
+          <a:fontRef idx="minor">
+            <a:schemeClr val="tx1"/>
+          </a:fontRef>
+        </p:style>
+      </p:cxnSp>
+      <p:sp>
+        <p:nvSpPr>
+          <p:cNvPr id="59" name="TextBox 58">
+            <a:extLst>
+              <a:ext uri="{FF2B5EF4-FFF2-40B4-BE49-F238E27FC236}">
+                <a16:creationId xmlns:a16="http://schemas.microsoft.com/office/drawing/2014/main" id="{FDAD1F23-558D-342D-6508-CB3559EDAD7A}"/>
+              </a:ext>
+            </a:extLst>
+          </p:cNvPr>
+          <p:cNvSpPr txBox="1"/>
+          <p:nvPr/>
+        </p:nvSpPr>
+        <p:spPr>
+          <a:xfrm>
+            <a:off x="6445771" y="3503682"/>
+            <a:ext cx="1294787" cy="923330"/>
+          </a:xfrm>
+          <a:prstGeom prst="rect">
+            <a:avLst/>
+          </a:prstGeom>
+          <a:noFill/>
+        </p:spPr>
+        <p:txBody>
+          <a:bodyPr wrap="square" rtlCol="0">
+            <a:spAutoFit/>
+          </a:bodyPr>
+          <a:lstStyle/>
+          <a:p>
+            <a:r>
+              <a:rPr lang="en-US" dirty="0">
+                <a:solidFill>
+                  <a:schemeClr val="accent1">
+                    <a:lumMod val="75000"/>
+                  </a:schemeClr>
+                </a:solidFill>
+              </a:rPr>
+              <a:t>observed sample data</a:t>
+            </a:r>
+          </a:p>
+        </p:txBody>
+      </p:sp>
+      <p:cxnSp>
+        <p:nvCxnSpPr>
+          <p:cNvPr id="60" name="Straight Arrow Connector 59">
+            <a:extLst>
+              <a:ext uri="{FF2B5EF4-FFF2-40B4-BE49-F238E27FC236}">
+                <a16:creationId xmlns:a16="http://schemas.microsoft.com/office/drawing/2014/main" id="{4B4F7D07-FDD8-7F62-290A-985108F89832}"/>
+              </a:ext>
+            </a:extLst>
+          </p:cNvPr>
+          <p:cNvCxnSpPr>
+            <a:cxnSpLocks/>
+          </p:cNvCxnSpPr>
+          <p:nvPr/>
+        </p:nvCxnSpPr>
+        <p:spPr>
+          <a:xfrm flipH="1">
+            <a:off x="7695365" y="2530780"/>
+            <a:ext cx="353150" cy="0"/>
+          </a:xfrm>
+          <a:prstGeom prst="straightConnector1">
+            <a:avLst/>
+          </a:prstGeom>
+          <a:ln>
+            <a:solidFill>
+              <a:srgbClr val="FF0000"/>
+            </a:solidFill>
+            <a:tailEnd type="triangle"/>
+          </a:ln>
+        </p:spPr>
+        <p:style>
+          <a:lnRef idx="2">
+            <a:schemeClr val="accent1"/>
+          </a:lnRef>
+          <a:fillRef idx="0">
+            <a:schemeClr val="accent1"/>
+          </a:fillRef>
+          <a:effectRef idx="1">
+            <a:schemeClr val="accent1"/>
+          </a:effectRef>
+          <a:fontRef idx="minor">
+            <a:schemeClr val="tx1"/>
+          </a:fontRef>
+        </p:style>
+      </p:cxnSp>
+      <p:cxnSp>
+        <p:nvCxnSpPr>
+          <p:cNvPr id="72" name="Straight Arrow Connector 71">
+            <a:extLst>
+              <a:ext uri="{FF2B5EF4-FFF2-40B4-BE49-F238E27FC236}">
+                <a16:creationId xmlns:a16="http://schemas.microsoft.com/office/drawing/2014/main" id="{DAD1DE4E-18EB-ADFD-5E7D-B933050400C9}"/>
+              </a:ext>
+            </a:extLst>
+          </p:cNvPr>
+          <p:cNvCxnSpPr>
+            <a:cxnSpLocks/>
+          </p:cNvCxnSpPr>
+          <p:nvPr/>
+        </p:nvCxnSpPr>
+        <p:spPr>
+          <a:xfrm flipV="1">
+            <a:off x="-135113" y="5872932"/>
+            <a:ext cx="0" cy="441452"/>
+          </a:xfrm>
+          <a:prstGeom prst="straightConnector1">
+            <a:avLst/>
+          </a:prstGeom>
+          <a:ln>
+            <a:solidFill>
+              <a:schemeClr val="tx1">
+                <a:lumMod val="50000"/>
+                <a:lumOff val="50000"/>
+              </a:schemeClr>
+            </a:solidFill>
+            <a:tailEnd type="triangle"/>
+          </a:ln>
+        </p:spPr>
+        <p:style>
+          <a:lnRef idx="2">
+            <a:schemeClr val="accent1"/>
+          </a:lnRef>
+          <a:fillRef idx="0">
+            <a:schemeClr val="accent1"/>
+          </a:fillRef>
+          <a:effectRef idx="1">
+            <a:schemeClr val="accent1"/>
+          </a:effectRef>
+          <a:fontRef idx="minor">
+            <a:schemeClr val="tx1"/>
+          </a:fontRef>
+        </p:style>
+      </p:cxnSp>
+      <p:cxnSp>
+        <p:nvCxnSpPr>
+          <p:cNvPr id="77" name="Straight Connector 76">
+            <a:extLst>
+              <a:ext uri="{FF2B5EF4-FFF2-40B4-BE49-F238E27FC236}">
+                <a16:creationId xmlns:a16="http://schemas.microsoft.com/office/drawing/2014/main" id="{674C072D-1983-2E0B-EF86-DFDF4781D8CC}"/>
+              </a:ext>
+            </a:extLst>
+          </p:cNvPr>
+          <p:cNvCxnSpPr>
+            <a:cxnSpLocks/>
+          </p:cNvCxnSpPr>
+          <p:nvPr/>
+        </p:nvCxnSpPr>
+        <p:spPr>
+          <a:xfrm>
+            <a:off x="5870448" y="4642504"/>
+            <a:ext cx="1736672" cy="0"/>
+          </a:xfrm>
+          <a:prstGeom prst="line">
+            <a:avLst/>
+          </a:prstGeom>
+          <a:ln w="15875">
+            <a:solidFill>
+              <a:schemeClr val="accent1">
+                <a:lumMod val="75000"/>
+              </a:schemeClr>
+            </a:solidFill>
+            <a:prstDash val="dash"/>
+          </a:ln>
+        </p:spPr>
+        <p:style>
+          <a:lnRef idx="2">
+            <a:schemeClr val="accent1"/>
+          </a:lnRef>
+          <a:fillRef idx="0">
+            <a:schemeClr val="accent1"/>
+          </a:fillRef>
+          <a:effectRef idx="1">
+            <a:schemeClr val="accent1"/>
+          </a:effectRef>
+          <a:fontRef idx="minor">
+            <a:schemeClr val="tx1"/>
+          </a:fontRef>
+        </p:style>
+      </p:cxnSp>
       <p:grpSp>
         <p:nvGrpSpPr>
-          <p:cNvPr id="11" name="Group 10">
+          <p:cNvPr id="78" name="Group 77">
             <a:extLst>
               <a:ext uri="{FF2B5EF4-FFF2-40B4-BE49-F238E27FC236}">
-                <a16:creationId xmlns:a16="http://schemas.microsoft.com/office/drawing/2014/main" id="{DB33CC2F-9F33-E694-D27E-1609F321687A}"/>
+                <a16:creationId xmlns:a16="http://schemas.microsoft.com/office/drawing/2014/main" id="{BA622AD3-34D1-9AB3-63B0-CCB839E06F9E}"/>
               </a:ext>
             </a:extLst>
           </p:cNvPr>
@@ -6733,12 +8329,43 @@
         </p:nvGrpSpPr>
         <p:grpSpPr>
           <a:xfrm>
-            <a:off x="5703668" y="1651869"/>
-            <a:ext cx="5486400" cy="4114800"/>
-            <a:chOff x="5867400" y="1653817"/>
-            <a:chExt cx="5486400" cy="4114800"/>
+            <a:off x="4958953" y="1907947"/>
+            <a:ext cx="5767779" cy="4330272"/>
+            <a:chOff x="5278875" y="1542660"/>
+            <a:chExt cx="5767779" cy="4330272"/>
           </a:xfrm>
         </p:grpSpPr>
+        <p:pic>
+          <p:nvPicPr>
+            <p:cNvPr id="71" name="Picture 70">
+              <a:extLst>
+                <a:ext uri="{FF2B5EF4-FFF2-40B4-BE49-F238E27FC236}">
+                  <a16:creationId xmlns:a16="http://schemas.microsoft.com/office/drawing/2014/main" id="{368F8AC1-D4C8-AE94-4FC2-7D676B428492}"/>
+                </a:ext>
+              </a:extLst>
+            </p:cNvPr>
+            <p:cNvPicPr>
+              <a:picLocks noChangeAspect="1"/>
+            </p:cNvPicPr>
+            <p:nvPr/>
+          </p:nvPicPr>
+          <p:blipFill>
+            <a:blip r:embed="rId3"/>
+            <a:srcRect l="9864" t="10137"/>
+            <a:stretch>
+              <a:fillRect/>
+            </a:stretch>
+          </p:blipFill>
+          <p:spPr>
+            <a:xfrm>
+              <a:off x="6096000" y="1642302"/>
+              <a:ext cx="4950654" cy="4230630"/>
+            </a:xfrm>
+            <a:prstGeom prst="rect">
+              <a:avLst/>
+            </a:prstGeom>
+          </p:spPr>
+        </p:pic>
         <p:pic>
           <p:nvPicPr>
             <p:cNvPr id="10" name="Picture 9" descr="A graph of a standard curve&#10;&#10;AI-generated content may be incorrect.">
@@ -6754,32 +8381,31 @@
             <p:nvPr/>
           </p:nvPicPr>
           <p:blipFill>
-            <a:blip r:embed="rId3"/>
+            <a:blip r:embed="rId4"/>
+            <a:srcRect r="85796"/>
             <a:stretch>
               <a:fillRect/>
             </a:stretch>
           </p:blipFill>
           <p:spPr>
             <a:xfrm>
-              <a:off x="5867400" y="1653817"/>
-              <a:ext cx="5486400" cy="4114800"/>
+              <a:off x="5278875" y="1542660"/>
+              <a:ext cx="779283" cy="4114800"/>
             </a:xfrm>
             <a:prstGeom prst="rect">
               <a:avLst/>
             </a:prstGeom>
             <a:ln>
-              <a:solidFill>
-                <a:schemeClr val="tx1"/>
-              </a:solidFill>
+              <a:noFill/>
             </a:ln>
           </p:spPr>
         </p:pic>
         <p:sp>
           <p:nvSpPr>
-            <p:cNvPr id="8" name="TextBox 7">
+            <p:cNvPr id="74" name="TextBox 73">
               <a:extLst>
                 <a:ext uri="{FF2B5EF4-FFF2-40B4-BE49-F238E27FC236}">
-                  <a16:creationId xmlns:a16="http://schemas.microsoft.com/office/drawing/2014/main" id="{D484C5D3-FB5C-1CCE-98FE-DA85FBE67526}"/>
+                  <a16:creationId xmlns:a16="http://schemas.microsoft.com/office/drawing/2014/main" id="{FE69634A-9B1E-226A-6339-99320EDBDBC8}"/>
                 </a:ext>
               </a:extLst>
             </p:cNvPr>
@@ -6788,13 +8414,15 @@
           </p:nvSpPr>
           <p:spPr>
             <a:xfrm>
-              <a:off x="9305802" y="4834851"/>
-              <a:ext cx="1588770" cy="369332"/>
+              <a:off x="7158849" y="5448543"/>
+              <a:ext cx="3515587" cy="323165"/>
             </a:xfrm>
             <a:prstGeom prst="rect">
               <a:avLst/>
             </a:prstGeom>
-            <a:noFill/>
+            <a:solidFill>
+              <a:schemeClr val="bg1"/>
+            </a:solidFill>
           </p:spPr>
           <p:txBody>
             <a:bodyPr wrap="square" rtlCol="0">
@@ -6803,50 +8431,94 @@
             <a:lstStyle/>
             <a:p>
               <a:r>
-                <a:rPr lang="en-US" b="1" dirty="0"/>
-                <a:t>9.36  IU/mL</a:t>
+                <a:rPr lang="en-US" sz="1500" dirty="0"/>
+                <a:t>WRUV concentration (IU/mL)</a:t>
+              </a:r>
+            </a:p>
+          </p:txBody>
+        </p:sp>
+        <p:sp>
+          <p:nvSpPr>
+            <p:cNvPr id="76" name="TextBox 75">
+              <a:extLst>
+                <a:ext uri="{FF2B5EF4-FFF2-40B4-BE49-F238E27FC236}">
+                  <a16:creationId xmlns:a16="http://schemas.microsoft.com/office/drawing/2014/main" id="{AD945688-2E99-C028-71D8-53FD4D8F79F0}"/>
+                </a:ext>
+              </a:extLst>
+            </p:cNvPr>
+            <p:cNvSpPr txBox="1"/>
+            <p:nvPr/>
+          </p:nvSpPr>
+          <p:spPr>
+            <a:xfrm>
+              <a:off x="6169672" y="5155313"/>
+              <a:ext cx="4504764" cy="369332"/>
+            </a:xfrm>
+            <a:prstGeom prst="rect">
+              <a:avLst/>
+            </a:prstGeom>
+            <a:solidFill>
+              <a:schemeClr val="bg1"/>
+            </a:solidFill>
+          </p:spPr>
+          <p:txBody>
+            <a:bodyPr wrap="square" rtlCol="0">
+              <a:spAutoFit/>
+            </a:bodyPr>
+            <a:lstStyle/>
+            <a:p>
+              <a:r>
+                <a:rPr lang="en-US" dirty="0"/>
+                <a:t>1				10				100	</a:t>
               </a:r>
             </a:p>
           </p:txBody>
         </p:sp>
       </p:grpSp>
-      <p:sp>
-        <p:nvSpPr>
-          <p:cNvPr id="2" name="Title 1">
+      <p:cxnSp>
+        <p:nvCxnSpPr>
+          <p:cNvPr id="4" name="Straight Connector 3">
             <a:extLst>
               <a:ext uri="{FF2B5EF4-FFF2-40B4-BE49-F238E27FC236}">
-                <a16:creationId xmlns:a16="http://schemas.microsoft.com/office/drawing/2014/main" id="{461CD3DE-81DB-7972-447F-94108818C25F}"/>
+                <a16:creationId xmlns:a16="http://schemas.microsoft.com/office/drawing/2014/main" id="{62C1F8CC-C2D5-2A49-BBC9-B8A065336FDD}"/>
               </a:ext>
             </a:extLst>
           </p:cNvPr>
-          <p:cNvSpPr>
-            <a:spLocks noGrp="1"/>
-          </p:cNvSpPr>
-          <p:nvPr>
-            <p:ph type="title"/>
-          </p:nvPr>
-        </p:nvSpPr>
+          <p:cNvCxnSpPr>
+            <a:cxnSpLocks/>
+          </p:cNvCxnSpPr>
+          <p:nvPr/>
+        </p:nvCxnSpPr>
         <p:spPr>
-          <a:xfrm>
-            <a:off x="838200" y="365125"/>
-            <a:ext cx="10515600" cy="1325563"/>
+          <a:xfrm flipV="1">
+            <a:off x="7607120" y="2253814"/>
+            <a:ext cx="0" cy="2984995"/>
           </a:xfrm>
+          <a:prstGeom prst="line">
+            <a:avLst/>
+          </a:prstGeom>
+          <a:ln>
+            <a:solidFill>
+              <a:srgbClr val="FF0000"/>
+            </a:solidFill>
+            <a:prstDash val="dash"/>
+          </a:ln>
         </p:spPr>
-        <p:txBody>
-          <a:bodyPr/>
-          <a:lstStyle/>
-          <a:p>
-            <a:r>
-              <a:rPr lang="en-US" dirty="0">
-                <a:highlight>
-                  <a:srgbClr val="FFFF00"/>
-                </a:highlight>
-              </a:rPr>
-              <a:t>Converting MFI values to standardized units (IU/ml) from standard curves </a:t>
-            </a:r>
-          </a:p>
-        </p:txBody>
-      </p:sp>
+        <p:style>
+          <a:lnRef idx="2">
+            <a:schemeClr val="accent1"/>
+          </a:lnRef>
+          <a:fillRef idx="0">
+            <a:schemeClr val="accent1"/>
+          </a:fillRef>
+          <a:effectRef idx="1">
+            <a:schemeClr val="accent1"/>
+          </a:effectRef>
+          <a:fontRef idx="minor">
+            <a:schemeClr val="tx1"/>
+          </a:fontRef>
+        </p:style>
+      </p:cxnSp>
     </p:spTree>
     <p:extLst>
       <p:ext uri="{BB962C8B-B14F-4D97-AF65-F5344CB8AC3E}">
@@ -6857,6 +8529,256 @@
   <p:clrMapOvr>
     <a:masterClrMapping/>
   </p:clrMapOvr>
+  <p:timing>
+    <p:tnLst>
+      <p:par>
+        <p:cTn id="1" dur="indefinite" restart="never" nodeType="tmRoot">
+          <p:childTnLst>
+            <p:seq concurrent="1" nextAc="seek">
+              <p:cTn id="2" dur="indefinite" nodeType="mainSeq">
+                <p:childTnLst>
+                  <p:par>
+                    <p:cTn id="3" fill="hold">
+                      <p:stCondLst>
+                        <p:cond delay="indefinite"/>
+                      </p:stCondLst>
+                      <p:childTnLst>
+                        <p:par>
+                          <p:cTn id="4" fill="hold">
+                            <p:stCondLst>
+                              <p:cond delay="0"/>
+                            </p:stCondLst>
+                            <p:childTnLst>
+                              <p:par>
+                                <p:cTn id="5" presetID="1" presetClass="entr" presetSubtype="0" fill="hold" grpId="0" nodeType="clickEffect">
+                                  <p:stCondLst>
+                                    <p:cond delay="0"/>
+                                  </p:stCondLst>
+                                  <p:childTnLst>
+                                    <p:set>
+                                      <p:cBhvr>
+                                        <p:cTn id="6" dur="1" fill="hold">
+                                          <p:stCondLst>
+                                            <p:cond delay="0"/>
+                                          </p:stCondLst>
+                                        </p:cTn>
+                                        <p:tgtEl>
+                                          <p:spTgt spid="8"/>
+                                        </p:tgtEl>
+                                        <p:attrNameLst>
+                                          <p:attrName>style.visibility</p:attrName>
+                                        </p:attrNameLst>
+                                      </p:cBhvr>
+                                      <p:to>
+                                        <p:strVal val="visible"/>
+                                      </p:to>
+                                    </p:set>
+                                  </p:childTnLst>
+                                </p:cTn>
+                              </p:par>
+                              <p:par>
+                                <p:cTn id="7" presetID="1" presetClass="entr" presetSubtype="0" fill="hold" nodeType="withEffect">
+                                  <p:stCondLst>
+                                    <p:cond delay="0"/>
+                                  </p:stCondLst>
+                                  <p:childTnLst>
+                                    <p:set>
+                                      <p:cBhvr>
+                                        <p:cTn id="8" dur="1" fill="hold">
+                                          <p:stCondLst>
+                                            <p:cond delay="0"/>
+                                          </p:stCondLst>
+                                        </p:cTn>
+                                        <p:tgtEl>
+                                          <p:spTgt spid="60"/>
+                                        </p:tgtEl>
+                                        <p:attrNameLst>
+                                          <p:attrName>style.visibility</p:attrName>
+                                        </p:attrNameLst>
+                                      </p:cBhvr>
+                                      <p:to>
+                                        <p:strVal val="visible"/>
+                                      </p:to>
+                                    </p:set>
+                                  </p:childTnLst>
+                                </p:cTn>
+                              </p:par>
+                              <p:par>
+                                <p:cTn id="9" presetID="1" presetClass="entr" presetSubtype="0" fill="hold" nodeType="withEffect">
+                                  <p:stCondLst>
+                                    <p:cond delay="0"/>
+                                  </p:stCondLst>
+                                  <p:childTnLst>
+                                    <p:set>
+                                      <p:cBhvr>
+                                        <p:cTn id="10" dur="1" fill="hold">
+                                          <p:stCondLst>
+                                            <p:cond delay="0"/>
+                                          </p:stCondLst>
+                                        </p:cTn>
+                                        <p:tgtEl>
+                                          <p:spTgt spid="4"/>
+                                        </p:tgtEl>
+                                        <p:attrNameLst>
+                                          <p:attrName>style.visibility</p:attrName>
+                                        </p:attrNameLst>
+                                      </p:cBhvr>
+                                      <p:to>
+                                        <p:strVal val="visible"/>
+                                      </p:to>
+                                    </p:set>
+                                  </p:childTnLst>
+                                </p:cTn>
+                              </p:par>
+                            </p:childTnLst>
+                          </p:cTn>
+                        </p:par>
+                      </p:childTnLst>
+                    </p:cTn>
+                  </p:par>
+                  <p:par>
+                    <p:cTn id="11" fill="hold">
+                      <p:stCondLst>
+                        <p:cond delay="indefinite"/>
+                      </p:stCondLst>
+                      <p:childTnLst>
+                        <p:par>
+                          <p:cTn id="12" fill="hold">
+                            <p:stCondLst>
+                              <p:cond delay="0"/>
+                            </p:stCondLst>
+                            <p:childTnLst>
+                              <p:par>
+                                <p:cTn id="13" presetID="1" presetClass="entr" presetSubtype="0" fill="hold" nodeType="clickEffect">
+                                  <p:stCondLst>
+                                    <p:cond delay="0"/>
+                                  </p:stCondLst>
+                                  <p:childTnLst>
+                                    <p:set>
+                                      <p:cBhvr>
+                                        <p:cTn id="14" dur="1" fill="hold">
+                                          <p:stCondLst>
+                                            <p:cond delay="0"/>
+                                          </p:stCondLst>
+                                        </p:cTn>
+                                        <p:tgtEl>
+                                          <p:spTgt spid="54"/>
+                                        </p:tgtEl>
+                                        <p:attrNameLst>
+                                          <p:attrName>style.visibility</p:attrName>
+                                        </p:attrNameLst>
+                                      </p:cBhvr>
+                                      <p:to>
+                                        <p:strVal val="visible"/>
+                                      </p:to>
+                                    </p:set>
+                                  </p:childTnLst>
+                                </p:cTn>
+                              </p:par>
+                              <p:par>
+                                <p:cTn id="15" presetID="1" presetClass="entr" presetSubtype="0" fill="hold" grpId="0" nodeType="withEffect">
+                                  <p:stCondLst>
+                                    <p:cond delay="0"/>
+                                  </p:stCondLst>
+                                  <p:childTnLst>
+                                    <p:set>
+                                      <p:cBhvr>
+                                        <p:cTn id="16" dur="1" fill="hold">
+                                          <p:stCondLst>
+                                            <p:cond delay="0"/>
+                                          </p:stCondLst>
+                                        </p:cTn>
+                                        <p:tgtEl>
+                                          <p:spTgt spid="59"/>
+                                        </p:tgtEl>
+                                        <p:attrNameLst>
+                                          <p:attrName>style.visibility</p:attrName>
+                                        </p:attrNameLst>
+                                      </p:cBhvr>
+                                      <p:to>
+                                        <p:strVal val="visible"/>
+                                      </p:to>
+                                    </p:set>
+                                  </p:childTnLst>
+                                </p:cTn>
+                              </p:par>
+                            </p:childTnLst>
+                          </p:cTn>
+                        </p:par>
+                      </p:childTnLst>
+                    </p:cTn>
+                  </p:par>
+                  <p:par>
+                    <p:cTn id="17" fill="hold">
+                      <p:stCondLst>
+                        <p:cond delay="indefinite"/>
+                      </p:stCondLst>
+                      <p:childTnLst>
+                        <p:par>
+                          <p:cTn id="18" fill="hold">
+                            <p:stCondLst>
+                              <p:cond delay="0"/>
+                            </p:stCondLst>
+                            <p:childTnLst>
+                              <p:par>
+                                <p:cTn id="19" presetID="1" presetClass="entr" presetSubtype="0" fill="hold" nodeType="clickEffect">
+                                  <p:stCondLst>
+                                    <p:cond delay="0"/>
+                                  </p:stCondLst>
+                                  <p:childTnLst>
+                                    <p:set>
+                                      <p:cBhvr>
+                                        <p:cTn id="20" dur="1" fill="hold">
+                                          <p:stCondLst>
+                                            <p:cond delay="0"/>
+                                          </p:stCondLst>
+                                        </p:cTn>
+                                        <p:tgtEl>
+                                          <p:spTgt spid="77"/>
+                                        </p:tgtEl>
+                                        <p:attrNameLst>
+                                          <p:attrName>style.visibility</p:attrName>
+                                        </p:attrNameLst>
+                                      </p:cBhvr>
+                                      <p:to>
+                                        <p:strVal val="visible"/>
+                                      </p:to>
+                                    </p:set>
+                                  </p:childTnLst>
+                                </p:cTn>
+                              </p:par>
+                            </p:childTnLst>
+                          </p:cTn>
+                        </p:par>
+                      </p:childTnLst>
+                    </p:cTn>
+                  </p:par>
+                </p:childTnLst>
+              </p:cTn>
+              <p:prevCondLst>
+                <p:cond evt="onPrev" delay="0">
+                  <p:tgtEl>
+                    <p:sldTgt/>
+                  </p:tgtEl>
+                </p:cond>
+              </p:prevCondLst>
+              <p:nextCondLst>
+                <p:cond evt="onNext" delay="0">
+                  <p:tgtEl>
+                    <p:sldTgt/>
+                  </p:tgtEl>
+                </p:cond>
+              </p:nextCondLst>
+            </p:seq>
+          </p:childTnLst>
+        </p:cTn>
+      </p:par>
+    </p:tnLst>
+    <p:bldLst>
+      <p:bldP spid="8" grpId="0"/>
+      <p:bldP spid="59" grpId="0"/>
+    </p:bldLst>
+  </p:timing>
 </p:sld>
 </file>
 
@@ -6899,12 +8821,8 @@
           <a:lstStyle/>
           <a:p>
             <a:r>
-              <a:rPr lang="en-US" dirty="0">
-                <a:highlight>
-                  <a:srgbClr val="FFFF00"/>
-                </a:highlight>
-              </a:rPr>
-              <a:t>Finding serostatus from cutoff</a:t>
+              <a:rPr lang="en-US" dirty="0"/>
+              <a:t>Determining serostatus from a cutoff</a:t>
             </a:r>
           </a:p>
         </p:txBody>
@@ -6927,7 +8845,7 @@
         </p:nvSpPr>
         <p:spPr>
           <a:xfrm>
-            <a:off x="958970" y="2572498"/>
+            <a:off x="838200" y="1825625"/>
             <a:ext cx="3619500" cy="4351338"/>
           </a:xfrm>
         </p:spPr>
@@ -6935,7 +8853,7 @@
           <a:bodyPr/>
           <a:lstStyle/>
           <a:p>
-            <a:pPr marL="0" indent="0" algn="ctr">
+            <a:pPr marL="0" indent="0">
               <a:buNone/>
             </a:pPr>
             <a:r>
@@ -7043,7 +8961,11 @@
           <a:p>
             <a:r>
               <a:rPr lang="en-US" dirty="0"/>
-              <a:t>Calculating seropositivity</a:t>
+              <a:t>Calculating seropositivity </a:t>
+            </a:r>
+            <a:r>
+              <a:rPr lang="en-US" i="1" dirty="0"/>
+              <a:t>or seroprevalence</a:t>
             </a:r>
           </a:p>
         </p:txBody>
@@ -7271,6 +9193,22 @@
                               <a:cs typeface="Times New Roman" panose="02020603050405020304" pitchFamily="18" charset="0"/>
                             </a:rPr>
                             <m:t>𝑛𝑢𝑚𝑏𝑒𝑟</m:t>
+                          </m:r>
+                          <m:r>
+                            <a:rPr lang="en-US" sz="2400" b="0" i="1" kern="100" smtClean="0">
+                              <a:latin typeface="Cambria Math" panose="02040503050406030204" pitchFamily="18" charset="0"/>
+                              <a:ea typeface="Aptos" panose="020B0004020202020204" pitchFamily="34" charset="0"/>
+                              <a:cs typeface="Times New Roman" panose="02020603050405020304" pitchFamily="18" charset="0"/>
+                            </a:rPr>
+                            <m:t> </m:t>
+                          </m:r>
+                          <m:r>
+                            <a:rPr lang="en-US" sz="2400" b="0" i="1" kern="100" smtClean="0">
+                              <a:latin typeface="Cambria Math" panose="02040503050406030204" pitchFamily="18" charset="0"/>
+                              <a:ea typeface="Aptos" panose="020B0004020202020204" pitchFamily="34" charset="0"/>
+                              <a:cs typeface="Times New Roman" panose="02020603050405020304" pitchFamily="18" charset="0"/>
+                            </a:rPr>
+                            <m:t>𝑡𝑒𝑠𝑡𝑒𝑑</m:t>
                           </m:r>
                         </m:den>
                       </m:f>
@@ -7538,22 +9476,33 @@
             <p:ph idx="1"/>
           </p:nvPr>
         </p:nvSpPr>
-        <p:spPr/>
+        <p:spPr>
+          <a:xfrm>
+            <a:off x="838200" y="1825624"/>
+            <a:ext cx="10975848" cy="4428871"/>
+          </a:xfrm>
+        </p:spPr>
         <p:txBody>
           <a:bodyPr>
-            <a:normAutofit/>
+            <a:normAutofit fontScale="92500" lnSpcReduction="10000"/>
           </a:bodyPr>
           <a:lstStyle/>
           <a:p>
             <a:r>
               <a:rPr lang="en-US" dirty="0"/>
-              <a:t>A confidence interval of 95% accounts for number of people sampled, to make a range that we are 95% confident will include the true population-level seroprevalence.</a:t>
+              <a:t>Estimating uncertainty is important for capturing true population seroprevalence; it typically accounts for variance around a mean estimate.</a:t>
             </a:r>
           </a:p>
           <a:p>
             <a:r>
               <a:rPr lang="en-US" dirty="0"/>
-              <a:t>This method is based on a binomial distribution, and though the equation is complicated, we can use R to easily compute it:</a:t>
+              <a:t>Estimating a 95% confidence interval means we are 95% confident the range will include the true population-level seroprevalence.</a:t>
+            </a:r>
+          </a:p>
+          <a:p>
+            <a:r>
+              <a:rPr lang="en-US" dirty="0"/>
+              <a:t>This method uses a binomial distribution and accounts for the number of people sampled – luckily, we can use R to easily compute it:</a:t>
             </a:r>
           </a:p>
           <a:p>
@@ -7563,7 +9512,7 @@
             <a:endParaRPr lang="en-US" dirty="0"/>
           </a:p>
           <a:p>
-            <a:pPr marL="0" indent="0">
+            <a:pPr marL="239713" indent="0">
               <a:buNone/>
             </a:pPr>
             <a:r>
@@ -7599,7 +9548,7 @@
         </p:blipFill>
         <p:spPr>
           <a:xfrm>
-            <a:off x="4067174" y="4067969"/>
+            <a:off x="3986212" y="4337492"/>
             <a:ext cx="4219575" cy="932628"/>
           </a:xfrm>
           <a:prstGeom prst="rect">
@@ -7653,7 +9602,7 @@
                                         <p:tgtEl>
                                           <p:spTgt spid="3">
                                             <p:txEl>
-                                              <p:pRg st="4" end="4"/>
+                                              <p:pRg st="5" end="5"/>
                                             </p:txEl>
                                           </p:spTgt>
                                         </p:tgtEl>
@@ -7746,12 +9695,22 @@
             </a:r>
           </a:p>
           <a:p>
-            <a:pPr marL="0" indent="0" algn="ctr">
+            <a:pPr marL="0" indent="0">
               <a:buNone/>
             </a:pPr>
+            <a:endParaRPr lang="en-US" dirty="0"/>
+          </a:p>
+          <a:p>
+            <a:pPr marL="0" indent="0">
+              <a:buNone/>
+            </a:pPr>
+            <a:r>
+              <a:rPr lang="en-US" i="1" dirty="0"/>
+              <a:t>Seroprevalence</a:t>
+            </a:r>
             <a:r>
               <a:rPr lang="en-US" dirty="0"/>
-              <a:t>Seroprevalence = 76.7% (95% CI: 74.0%, 79.3%) </a:t>
+              <a:t> = 76.7% (95% CI: 74.0%, 79.3%) </a:t>
             </a:r>
           </a:p>
           <a:p>
@@ -7844,8 +9803,8 @@
         </p:nvSpPr>
         <p:spPr>
           <a:xfrm>
-            <a:off x="747889" y="1888448"/>
-            <a:ext cx="10515600" cy="4311093"/>
+            <a:off x="245646" y="1522688"/>
+            <a:ext cx="11627556" cy="4311093"/>
           </a:xfrm>
           <a:prstGeom prst="rect">
             <a:avLst/>
@@ -7853,7 +9812,7 @@
         </p:spPr>
         <p:txBody>
           <a:bodyPr vert="horz" lIns="91440" tIns="45720" rIns="91440" bIns="45720" rtlCol="0">
-            <a:normAutofit fontScale="77500" lnSpcReduction="20000"/>
+            <a:noAutofit/>
           </a:bodyPr>
           <a:lstStyle>
             <a:lvl1pPr marL="228600" indent="-228600" algn="l" defTabSz="914400" rtl="0" eaLnBrk="1" latinLnBrk="0" hangingPunct="1">
@@ -8020,20 +9979,33 @@
             </a:lvl9pPr>
           </a:lstStyle>
           <a:p>
+            <a:pPr marL="457200" lvl="1" indent="0">
+              <a:lnSpc>
+                <a:spcPct val="115000"/>
+              </a:lnSpc>
+              <a:buNone/>
+            </a:pPr>
+            <a:r>
+              <a:rPr lang="en-US" b="1" kern="100" dirty="0">
+                <a:latin typeface="Aptos" panose="020B0004020202020204" pitchFamily="34" charset="0"/>
+                <a:ea typeface="Aptos" panose="020B0004020202020204" pitchFamily="34" charset="0"/>
+                <a:cs typeface="Times New Roman" panose="02020603050405020304" pitchFamily="18" charset="0"/>
+              </a:rPr>
+              <a:t>Interpretation strongly depends on how seroprevalence is determined, including controls used and selected cutoff. </a:t>
+            </a:r>
+          </a:p>
+          <a:p>
             <a:pPr marL="457200" lvl="1" indent="0" algn="ctr">
               <a:lnSpc>
                 <a:spcPct val="115000"/>
               </a:lnSpc>
               <a:buNone/>
             </a:pPr>
-            <a:r>
-              <a:rPr lang="en-US" sz="3300" b="1" kern="100" dirty="0">
-                <a:latin typeface="Aptos" panose="020B0004020202020204" pitchFamily="34" charset="0"/>
-                <a:ea typeface="Aptos" panose="020B0004020202020204" pitchFamily="34" charset="0"/>
-                <a:cs typeface="Times New Roman" panose="02020603050405020304" pitchFamily="18" charset="0"/>
-              </a:rPr>
-              <a:t>Interpretation strongly depends on how seroprevalence is determined, including controls used and selected cutoff. </a:t>
-            </a:r>
+            <a:endParaRPr lang="en-US" b="1" kern="100" dirty="0">
+              <a:latin typeface="Aptos" panose="020B0004020202020204" pitchFamily="34" charset="0"/>
+              <a:ea typeface="Aptos" panose="020B0004020202020204" pitchFamily="34" charset="0"/>
+              <a:cs typeface="Times New Roman" panose="02020603050405020304" pitchFamily="18" charset="0"/>
+            </a:endParaRPr>
           </a:p>
           <a:p>
             <a:pPr marL="457200" lvl="1" indent="0">
@@ -8043,7 +10015,7 @@
               <a:buNone/>
             </a:pPr>
             <a:r>
-              <a:rPr lang="en-US" sz="3300" kern="100" dirty="0">
+              <a:rPr lang="en-US" kern="100" dirty="0">
                 <a:latin typeface="Aptos" panose="020B0004020202020204" pitchFamily="34" charset="0"/>
                 <a:ea typeface="Aptos" panose="020B0004020202020204" pitchFamily="34" charset="0"/>
                 <a:cs typeface="Times New Roman" panose="02020603050405020304" pitchFamily="18" charset="0"/>
@@ -8060,7 +10032,7 @@
               <a:buChar char="o"/>
             </a:pPr>
             <a:r>
-              <a:rPr lang="en-US" sz="3300" kern="100" dirty="0">
+              <a:rPr lang="en-US" kern="100" dirty="0">
                 <a:latin typeface="Aptos" panose="020B0004020202020204" pitchFamily="34" charset="0"/>
                 <a:ea typeface="Aptos" panose="020B0004020202020204" pitchFamily="34" charset="0"/>
                 <a:cs typeface="Times New Roman" panose="02020603050405020304" pitchFamily="18" charset="0"/>
@@ -8077,7 +10049,7 @@
               <a:buChar char="o"/>
             </a:pPr>
             <a:r>
-              <a:rPr lang="en-US" sz="3300" kern="100" dirty="0">
+              <a:rPr lang="en-US" kern="100" dirty="0">
                 <a:latin typeface="Aptos" panose="020B0004020202020204" pitchFamily="34" charset="0"/>
                 <a:ea typeface="Aptos" panose="020B0004020202020204" pitchFamily="34" charset="0"/>
                 <a:cs typeface="Times New Roman" panose="02020603050405020304" pitchFamily="18" charset="0"/>
@@ -8097,7 +10069,7 @@
               <a:buChar char="o"/>
             </a:pPr>
             <a:r>
-              <a:rPr lang="en-US" sz="3300" kern="100" dirty="0">
+              <a:rPr lang="en-US" kern="100" dirty="0">
                 <a:latin typeface="Aptos" panose="020B0004020202020204" pitchFamily="34" charset="0"/>
                 <a:ea typeface="Aptos" panose="020B0004020202020204" pitchFamily="34" charset="0"/>
                 <a:cs typeface="Times New Roman" panose="02020603050405020304" pitchFamily="18" charset="0"/>
@@ -8106,7 +10078,7 @@
             </a:r>
           </a:p>
           <a:p>
-            <a:endParaRPr lang="en-US" dirty="0"/>
+            <a:endParaRPr lang="en-US" sz="2400" dirty="0"/>
           </a:p>
         </p:txBody>
       </p:sp>
@@ -8189,7 +10161,7 @@
                                         <p:tgtEl>
                                           <p:spTgt spid="4">
                                             <p:txEl>
-                                              <p:pRg st="1" end="1"/>
+                                              <p:pRg st="2" end="2"/>
                                             </p:txEl>
                                           </p:spTgt>
                                         </p:tgtEl>
@@ -8220,7 +10192,7 @@
                                         <p:tgtEl>
                                           <p:spTgt spid="4">
                                             <p:txEl>
-                                              <p:pRg st="2" end="2"/>
+                                              <p:pRg st="3" end="3"/>
                                             </p:txEl>
                                           </p:spTgt>
                                         </p:tgtEl>
@@ -8251,7 +10223,7 @@
                                         <p:tgtEl>
                                           <p:spTgt spid="4">
                                             <p:txEl>
-                                              <p:pRg st="3" end="3"/>
+                                              <p:pRg st="4" end="4"/>
                                             </p:txEl>
                                           </p:spTgt>
                                         </p:tgtEl>
@@ -8282,7 +10254,7 @@
                                         <p:tgtEl>
                                           <p:spTgt spid="4">
                                             <p:txEl>
-                                              <p:pRg st="4" end="4"/>
+                                              <p:pRg st="5" end="5"/>
                                             </p:txEl>
                                           </p:spTgt>
                                         </p:tgtEl>
@@ -8394,11 +10366,19 @@
             <p:ph idx="1"/>
           </p:nvPr>
         </p:nvSpPr>
-        <p:spPr/>
+        <p:spPr>
+          <a:xfrm>
+            <a:off x="575733" y="1804992"/>
+            <a:ext cx="10515600" cy="4351338"/>
+          </a:xfrm>
+        </p:spPr>
         <p:txBody>
           <a:bodyPr/>
           <a:lstStyle/>
           <a:p>
+            <a:pPr marL="0" indent="0">
+              <a:buNone/>
+            </a:pPr>
             <a:r>
               <a:rPr lang="en-US" b="1" dirty="0"/>
               <a:t>How would we interpret seroprevalence if there is NOT a correlate of protection?</a:t>
@@ -8459,7 +10439,7 @@
           <a:p>
             <a:r>
               <a:rPr lang="en-US" dirty="0"/>
-              <a:t>Lecture outline: </a:t>
+              <a:t>Lecture outline</a:t>
             </a:r>
           </a:p>
         </p:txBody>
@@ -8482,7 +10462,7 @@
         </p:nvSpPr>
         <p:spPr>
           <a:xfrm>
-            <a:off x="1135380" y="1814195"/>
+            <a:off x="947121" y="1690688"/>
             <a:ext cx="7597140" cy="4351338"/>
           </a:xfrm>
         </p:spPr>
@@ -8561,11 +10541,19 @@
             <p:ph idx="1"/>
           </p:nvPr>
         </p:nvSpPr>
-        <p:spPr/>
+        <p:spPr>
+          <a:xfrm>
+            <a:off x="575733" y="1811337"/>
+            <a:ext cx="10515600" cy="4351338"/>
+          </a:xfrm>
+        </p:spPr>
         <p:txBody>
           <a:bodyPr/>
           <a:lstStyle/>
           <a:p>
+            <a:pPr marL="0" indent="0">
+              <a:buNone/>
+            </a:pPr>
             <a:r>
               <a:rPr lang="en-US" b="1" dirty="0"/>
               <a:t>How would we interpret seroprevalence if there is NOT a correlate of protection?</a:t>
@@ -8729,7 +10717,7 @@
               <a:buChar char=""/>
             </a:pPr>
             <a:r>
-              <a:rPr lang="en-US" sz="2400" kern="100" dirty="0">
+              <a:rPr lang="en-US" kern="100" dirty="0">
                 <a:effectLst/>
                 <a:latin typeface="Aptos" panose="020B0004020202020204" pitchFamily="34" charset="0"/>
                 <a:ea typeface="Aptos" panose="020B0004020202020204" pitchFamily="34" charset="0"/>
@@ -8747,7 +10735,7 @@
               <a:buChar char=""/>
             </a:pPr>
             <a:r>
-              <a:rPr lang="en-US" kern="100" dirty="0">
+              <a:rPr lang="en-US" sz="2800" kern="100" dirty="0">
                 <a:effectLst/>
                 <a:latin typeface="Aptos" panose="020B0004020202020204" pitchFamily="34" charset="0"/>
                 <a:ea typeface="Aptos" panose="020B0004020202020204" pitchFamily="34" charset="0"/>
@@ -8765,7 +10753,7 @@
               <a:buChar char=""/>
             </a:pPr>
             <a:r>
-              <a:rPr lang="en-US" kern="100" dirty="0">
+              <a:rPr lang="en-US" sz="2800" kern="100" dirty="0">
                 <a:effectLst/>
                 <a:latin typeface="Aptos" panose="020B0004020202020204" pitchFamily="34" charset="0"/>
                 <a:ea typeface="Aptos" panose="020B0004020202020204" pitchFamily="34" charset="0"/>
@@ -8774,7 +10762,7 @@
               <a:t>Often, we only </a:t>
             </a:r>
             <a:r>
-              <a:rPr lang="en-US" kern="100" dirty="0">
+              <a:rPr lang="en-US" sz="2800" kern="100" dirty="0">
                 <a:latin typeface="Aptos" panose="020B0004020202020204" pitchFamily="34" charset="0"/>
                 <a:ea typeface="Aptos" panose="020B0004020202020204" pitchFamily="34" charset="0"/>
                 <a:cs typeface="Times New Roman" panose="02020603050405020304" pitchFamily="18" charset="0"/>
@@ -8791,14 +10779,14 @@
               <a:buChar char=""/>
             </a:pPr>
             <a:r>
-              <a:rPr lang="en-US" sz="2400" kern="100" dirty="0">
+              <a:rPr lang="en-US" kern="100" dirty="0">
                 <a:latin typeface="Aptos" panose="020B0004020202020204" pitchFamily="34" charset="0"/>
                 <a:ea typeface="Aptos" panose="020B0004020202020204" pitchFamily="34" charset="0"/>
                 <a:cs typeface="Times New Roman" panose="02020603050405020304" pitchFamily="18" charset="0"/>
               </a:rPr>
               <a:t>The controls we use to establish cutoffs can affect our interpretation of seroprevalence.</a:t>
             </a:r>
-            <a:endParaRPr lang="en-US" sz="2400" kern="100" dirty="0">
+            <a:endParaRPr lang="en-US" kern="100" dirty="0">
               <a:effectLst/>
               <a:latin typeface="Aptos" panose="020B0004020202020204" pitchFamily="34" charset="0"/>
               <a:ea typeface="Aptos" panose="020B0004020202020204" pitchFamily="34" charset="0"/>
@@ -8806,7 +10794,7 @@
             </a:endParaRPr>
           </a:p>
           <a:p>
-            <a:endParaRPr lang="en-US" sz="2400" dirty="0"/>
+            <a:endParaRPr lang="en-US" dirty="0"/>
           </a:p>
         </p:txBody>
       </p:sp>
@@ -8896,7 +10884,7 @@
           <a:p>
             <a:r>
               <a:rPr lang="en-US" dirty="0"/>
-              <a:t>We also have controls with non-target antigens (SNAP in our dataset, other common ones are GST and Vero).</a:t>
+              <a:t>We also have controls with non-target antigens (SNAP in our dataset, other common ones are GST and Vero cell).</a:t>
             </a:r>
           </a:p>
           <a:p>
@@ -9017,22 +11005,25 @@
             <p:ph idx="1"/>
           </p:nvPr>
         </p:nvSpPr>
-        <p:spPr/>
+        <p:spPr>
+          <a:xfrm>
+            <a:off x="838200" y="1533017"/>
+            <a:ext cx="10515600" cy="4351338"/>
+          </a:xfrm>
+        </p:spPr>
         <p:txBody>
           <a:bodyPr>
             <a:noAutofit/>
           </a:bodyPr>
           <a:lstStyle/>
           <a:p>
-            <a:pPr lvl="1">
+            <a:pPr>
               <a:lnSpc>
                 <a:spcPct val="115000"/>
               </a:lnSpc>
-              <a:buFont typeface="Symbol" pitchFamily="2" charset="2"/>
-              <a:buChar char=""/>
             </a:pPr>
             <a:r>
-              <a:rPr lang="en-US" sz="2600" kern="100" dirty="0">
+              <a:rPr lang="en-US" kern="100" dirty="0">
                 <a:effectLst/>
                 <a:latin typeface="Aptos" panose="020B0004020202020204" pitchFamily="34" charset="0"/>
                 <a:ea typeface="Aptos" panose="020B0004020202020204" pitchFamily="34" charset="0"/>
@@ -9042,15 +11033,13 @@
             </a:r>
           </a:p>
           <a:p>
-            <a:pPr lvl="1">
+            <a:pPr>
               <a:lnSpc>
                 <a:spcPct val="115000"/>
               </a:lnSpc>
-              <a:buFont typeface="Symbol" pitchFamily="2" charset="2"/>
-              <a:buChar char=""/>
             </a:pPr>
             <a:r>
-              <a:rPr lang="en-US" sz="2600" b="1" kern="100" dirty="0">
+              <a:rPr lang="en-US" b="1" kern="100" dirty="0">
                 <a:effectLst/>
                 <a:latin typeface="Aptos" panose="020B0004020202020204" pitchFamily="34" charset="0"/>
                 <a:ea typeface="Aptos" panose="020B0004020202020204" pitchFamily="34" charset="0"/>
@@ -9082,7 +11071,7 @@
         <p:cNvPr id="1" name="">
           <a:extLst>
             <a:ext uri="{FF2B5EF4-FFF2-40B4-BE49-F238E27FC236}">
-              <a16:creationId xmlns:a16="http://schemas.microsoft.com/office/drawing/2014/main" id="{4B106460-6CEE-DABB-9543-757AF629BB1C}"/>
+              <a16:creationId xmlns:a16="http://schemas.microsoft.com/office/drawing/2014/main" id="{D66CFD13-5E28-17E5-E27B-7C80C08B4D42}"/>
             </a:ext>
           </a:extLst>
         </p:cNvPr>
@@ -9102,7 +11091,7 @@
           <p:cNvPr id="2" name="Title 1">
             <a:extLst>
               <a:ext uri="{FF2B5EF4-FFF2-40B4-BE49-F238E27FC236}">
-                <a16:creationId xmlns:a16="http://schemas.microsoft.com/office/drawing/2014/main" id="{78ED7FFC-76FE-A9AF-38EF-D6697D7E6F3B}"/>
+                <a16:creationId xmlns:a16="http://schemas.microsoft.com/office/drawing/2014/main" id="{A4C50C4B-CACB-7D91-7AD3-9EAA81DFC124}"/>
               </a:ext>
             </a:extLst>
           </p:cNvPr>
@@ -9130,7 +11119,7 @@
           <p:cNvPr id="3" name="Content Placeholder 2">
             <a:extLst>
               <a:ext uri="{FF2B5EF4-FFF2-40B4-BE49-F238E27FC236}">
-                <a16:creationId xmlns:a16="http://schemas.microsoft.com/office/drawing/2014/main" id="{9EC8DC62-D5EC-F954-B13D-9CA32A7E8D5B}"/>
+                <a16:creationId xmlns:a16="http://schemas.microsoft.com/office/drawing/2014/main" id="{14812522-68ED-F54E-A149-754C5AAB7C48}"/>
               </a:ext>
             </a:extLst>
           </p:cNvPr>
@@ -9141,22 +11130,25 @@
             <p:ph idx="1"/>
           </p:nvPr>
         </p:nvSpPr>
-        <p:spPr/>
+        <p:spPr>
+          <a:xfrm>
+            <a:off x="838200" y="1533017"/>
+            <a:ext cx="10515600" cy="4351338"/>
+          </a:xfrm>
+        </p:spPr>
         <p:txBody>
           <a:bodyPr>
             <a:noAutofit/>
           </a:bodyPr>
           <a:lstStyle/>
           <a:p>
-            <a:pPr lvl="1">
+            <a:pPr>
               <a:lnSpc>
                 <a:spcPct val="115000"/>
               </a:lnSpc>
-              <a:buFont typeface="Symbol" pitchFamily="2" charset="2"/>
-              <a:buChar char=""/>
             </a:pPr>
             <a:r>
-              <a:rPr lang="en-US" sz="2600" kern="100" dirty="0">
+              <a:rPr lang="en-US" kern="100" dirty="0">
                 <a:effectLst/>
                 <a:latin typeface="Aptos" panose="020B0004020202020204" pitchFamily="34" charset="0"/>
                 <a:ea typeface="Aptos" panose="020B0004020202020204" pitchFamily="34" charset="0"/>
@@ -9166,15 +11158,13 @@
             </a:r>
           </a:p>
           <a:p>
-            <a:pPr lvl="1">
+            <a:pPr>
               <a:lnSpc>
                 <a:spcPct val="115000"/>
               </a:lnSpc>
-              <a:buFont typeface="Symbol" pitchFamily="2" charset="2"/>
-              <a:buChar char=""/>
             </a:pPr>
             <a:r>
-              <a:rPr lang="en-US" sz="2600" b="1" kern="100" dirty="0">
+              <a:rPr lang="en-US" b="1" kern="100" dirty="0">
                 <a:effectLst/>
                 <a:latin typeface="Aptos" panose="020B0004020202020204" pitchFamily="34" charset="0"/>
                 <a:ea typeface="Aptos" panose="020B0004020202020204" pitchFamily="34" charset="0"/>
@@ -9192,8 +11182,7 @@
               <a:buChar char="o"/>
             </a:pPr>
             <a:r>
-              <a:rPr lang="en-US" sz="2200" kern="100" dirty="0">
-                <a:effectLst/>
+              <a:rPr lang="en-US" sz="2600" kern="100" dirty="0">
                 <a:latin typeface="Aptos" panose="020B0004020202020204" pitchFamily="34" charset="0"/>
                 <a:ea typeface="Aptos" panose="020B0004020202020204" pitchFamily="34" charset="0"/>
                 <a:cs typeface="Times New Roman" panose="02020603050405020304" pitchFamily="18" charset="0"/>
@@ -9210,8 +11199,7 @@
               <a:buChar char="o"/>
             </a:pPr>
             <a:r>
-              <a:rPr lang="en-US" sz="2200" kern="100" dirty="0">
-                <a:effectLst/>
+              <a:rPr lang="en-US" sz="2600" kern="100" dirty="0">
                 <a:latin typeface="Aptos" panose="020B0004020202020204" pitchFamily="34" charset="0"/>
                 <a:ea typeface="Aptos" panose="020B0004020202020204" pitchFamily="34" charset="0"/>
                 <a:cs typeface="Times New Roman" panose="02020603050405020304" pitchFamily="18" charset="0"/>
@@ -9231,8 +11219,7 @@
               <a:buChar char="o"/>
             </a:pPr>
             <a:r>
-              <a:rPr lang="en-US" sz="2200" kern="100" dirty="0">
-                <a:effectLst/>
+              <a:rPr lang="en-US" sz="2600" kern="100" dirty="0">
                 <a:latin typeface="Aptos" panose="020B0004020202020204" pitchFamily="34" charset="0"/>
                 <a:ea typeface="Aptos" panose="020B0004020202020204" pitchFamily="34" charset="0"/>
                 <a:cs typeface="Times New Roman" panose="02020603050405020304" pitchFamily="18" charset="0"/>
@@ -9240,12 +11227,25 @@
               <a:t>Timing since infection (controls likely were taken from acute infection phase)</a:t>
             </a:r>
           </a:p>
+          <a:p>
+            <a:pPr>
+              <a:lnSpc>
+                <a:spcPct val="115000"/>
+              </a:lnSpc>
+            </a:pPr>
+            <a:endParaRPr lang="en-US" sz="3000" b="1" kern="100" dirty="0">
+              <a:effectLst/>
+              <a:latin typeface="Aptos" panose="020B0004020202020204" pitchFamily="34" charset="0"/>
+              <a:ea typeface="Aptos" panose="020B0004020202020204" pitchFamily="34" charset="0"/>
+              <a:cs typeface="Times New Roman" panose="02020603050405020304" pitchFamily="18" charset="0"/>
+            </a:endParaRPr>
+          </a:p>
         </p:txBody>
       </p:sp>
     </p:spTree>
     <p:extLst>
       <p:ext uri="{BB962C8B-B14F-4D97-AF65-F5344CB8AC3E}">
-        <p14:creationId xmlns:p14="http://schemas.microsoft.com/office/powerpoint/2010/main" val="1743007105"/>
+        <p14:creationId xmlns:p14="http://schemas.microsoft.com/office/powerpoint/2010/main" val="1444229574"/>
       </p:ext>
     </p:extLst>
   </p:cSld>
@@ -9331,7 +11331,7 @@
               <a:buChar char=""/>
             </a:pPr>
             <a:r>
-              <a:rPr lang="en-US" kern="100" dirty="0">
+              <a:rPr lang="en-US" b="1" kern="100" dirty="0">
                 <a:effectLst/>
                 <a:latin typeface="Aptos" panose="020B0004020202020204" pitchFamily="34" charset="0"/>
                 <a:ea typeface="Aptos" panose="020B0004020202020204" pitchFamily="34" charset="0"/>
@@ -9437,7 +11437,7 @@
               <a:buChar char=""/>
             </a:pPr>
             <a:r>
-              <a:rPr lang="en-US" kern="100" dirty="0">
+              <a:rPr lang="en-US" b="1" kern="100" dirty="0">
                 <a:effectLst/>
                 <a:latin typeface="Aptos" panose="020B0004020202020204" pitchFamily="34" charset="0"/>
                 <a:ea typeface="Aptos" panose="020B0004020202020204" pitchFamily="34" charset="0"/>
@@ -9481,29 +11481,6 @@
               </a:rPr>
               <a:t>Very young presumed unexposed (likely to be from target population)</a:t>
             </a:r>
-          </a:p>
-          <a:p>
-            <a:pPr>
-              <a:lnSpc>
-                <a:spcPct val="115000"/>
-              </a:lnSpc>
-              <a:buFont typeface="Symbol" pitchFamily="2" charset="2"/>
-              <a:buChar char=""/>
-            </a:pPr>
-            <a:r>
-              <a:rPr lang="en-US" kern="100" dirty="0">
-                <a:latin typeface="Aptos" panose="020B0004020202020204" pitchFamily="34" charset="0"/>
-                <a:ea typeface="Aptos" panose="020B0004020202020204" pitchFamily="34" charset="0"/>
-                <a:cs typeface="Times New Roman" panose="02020603050405020304" pitchFamily="18" charset="0"/>
-              </a:rPr>
-              <a:t>Why would you choose to get - or not get - controls from each of these populations?</a:t>
-            </a:r>
-            <a:endParaRPr lang="en-US" kern="100" dirty="0">
-              <a:effectLst/>
-              <a:latin typeface="Aptos" panose="020B0004020202020204" pitchFamily="34" charset="0"/>
-              <a:ea typeface="Aptos" panose="020B0004020202020204" pitchFamily="34" charset="0"/>
-              <a:cs typeface="Times New Roman" panose="02020603050405020304" pitchFamily="18" charset="0"/>
-            </a:endParaRPr>
           </a:p>
           <a:p>
             <a:pPr>
@@ -9536,6 +11513,186 @@
 </file>
 
 <file path=ppt/slides/slide27.xml><?xml version="1.0" encoding="utf-8"?>
+<p:sld xmlns:a="http://schemas.openxmlformats.org/drawingml/2006/main" xmlns:r="http://schemas.openxmlformats.org/officeDocument/2006/relationships" xmlns:p="http://schemas.openxmlformats.org/presentationml/2006/main">
+  <p:cSld>
+    <p:spTree>
+      <p:nvGrpSpPr>
+        <p:cNvPr id="1" name="">
+          <a:extLst>
+            <a:ext uri="{FF2B5EF4-FFF2-40B4-BE49-F238E27FC236}">
+              <a16:creationId xmlns:a16="http://schemas.microsoft.com/office/drawing/2014/main" id="{37A754C4-FF43-3212-563D-F35F1CC4EC1D}"/>
+            </a:ext>
+          </a:extLst>
+        </p:cNvPr>
+        <p:cNvGrpSpPr/>
+        <p:nvPr/>
+      </p:nvGrpSpPr>
+      <p:grpSpPr>
+        <a:xfrm>
+          <a:off x="0" y="0"/>
+          <a:ext cx="0" cy="0"/>
+          <a:chOff x="0" y="0"/>
+          <a:chExt cx="0" cy="0"/>
+        </a:xfrm>
+      </p:grpSpPr>
+      <p:sp>
+        <p:nvSpPr>
+          <p:cNvPr id="2" name="Title 1">
+            <a:extLst>
+              <a:ext uri="{FF2B5EF4-FFF2-40B4-BE49-F238E27FC236}">
+                <a16:creationId xmlns:a16="http://schemas.microsoft.com/office/drawing/2014/main" id="{BDD18FA0-69D7-C569-7D82-4A7057572ED1}"/>
+              </a:ext>
+            </a:extLst>
+          </p:cNvPr>
+          <p:cNvSpPr>
+            <a:spLocks noGrp="1"/>
+          </p:cNvSpPr>
+          <p:nvPr>
+            <p:ph type="title"/>
+          </p:nvPr>
+        </p:nvSpPr>
+        <p:spPr/>
+        <p:txBody>
+          <a:bodyPr/>
+          <a:lstStyle/>
+          <a:p>
+            <a:r>
+              <a:rPr lang="en-US" dirty="0"/>
+              <a:t>Negative controls</a:t>
+            </a:r>
+          </a:p>
+        </p:txBody>
+      </p:sp>
+      <p:sp>
+        <p:nvSpPr>
+          <p:cNvPr id="3" name="Content Placeholder 2">
+            <a:extLst>
+              <a:ext uri="{FF2B5EF4-FFF2-40B4-BE49-F238E27FC236}">
+                <a16:creationId xmlns:a16="http://schemas.microsoft.com/office/drawing/2014/main" id="{71336A5A-AA19-4D2A-8A79-4DDCE13F5EE5}"/>
+              </a:ext>
+            </a:extLst>
+          </p:cNvPr>
+          <p:cNvSpPr>
+            <a:spLocks noGrp="1"/>
+          </p:cNvSpPr>
+          <p:nvPr>
+            <p:ph idx="1"/>
+          </p:nvPr>
+        </p:nvSpPr>
+        <p:spPr/>
+        <p:txBody>
+          <a:bodyPr>
+            <a:normAutofit/>
+          </a:bodyPr>
+          <a:lstStyle/>
+          <a:p>
+            <a:pPr>
+              <a:lnSpc>
+                <a:spcPct val="115000"/>
+              </a:lnSpc>
+              <a:buFont typeface="Symbol" pitchFamily="2" charset="2"/>
+              <a:buChar char=""/>
+            </a:pPr>
+            <a:r>
+              <a:rPr lang="en-US" b="1" kern="100" dirty="0">
+                <a:effectLst/>
+                <a:latin typeface="Aptos" panose="020B0004020202020204" pitchFamily="34" charset="0"/>
+                <a:ea typeface="Aptos" panose="020B0004020202020204" pitchFamily="34" charset="0"/>
+                <a:cs typeface="Times New Roman" panose="02020603050405020304" pitchFamily="18" charset="0"/>
+              </a:rPr>
+              <a:t>What populations might be best to get negative controls from?</a:t>
+            </a:r>
+          </a:p>
+          <a:p>
+            <a:pPr lvl="1">
+              <a:lnSpc>
+                <a:spcPct val="115000"/>
+              </a:lnSpc>
+              <a:buFont typeface="Symbol" pitchFamily="2" charset="2"/>
+              <a:buChar char=""/>
+            </a:pPr>
+            <a:r>
+              <a:rPr lang="en-US" kern="100" dirty="0">
+                <a:effectLst/>
+                <a:latin typeface="Aptos" panose="020B0004020202020204" pitchFamily="34" charset="0"/>
+                <a:ea typeface="Aptos" panose="020B0004020202020204" pitchFamily="34" charset="0"/>
+                <a:cs typeface="Times New Roman" panose="02020603050405020304" pitchFamily="18" charset="0"/>
+              </a:rPr>
+              <a:t>Non-endemic area (likely to be adults)</a:t>
+            </a:r>
+          </a:p>
+          <a:p>
+            <a:pPr lvl="1">
+              <a:lnSpc>
+                <a:spcPct val="115000"/>
+              </a:lnSpc>
+              <a:buFont typeface="Symbol" pitchFamily="2" charset="2"/>
+              <a:buChar char=""/>
+            </a:pPr>
+            <a:r>
+              <a:rPr lang="en-US" kern="100" dirty="0">
+                <a:effectLst/>
+                <a:latin typeface="Aptos" panose="020B0004020202020204" pitchFamily="34" charset="0"/>
+                <a:ea typeface="Aptos" panose="020B0004020202020204" pitchFamily="34" charset="0"/>
+                <a:cs typeface="Times New Roman" panose="02020603050405020304" pitchFamily="18" charset="0"/>
+              </a:rPr>
+              <a:t>Very young presumed unexposed (likely to be from target population)</a:t>
+            </a:r>
+          </a:p>
+          <a:p>
+            <a:pPr>
+              <a:lnSpc>
+                <a:spcPct val="115000"/>
+              </a:lnSpc>
+              <a:buFont typeface="Symbol" pitchFamily="2" charset="2"/>
+              <a:buChar char=""/>
+            </a:pPr>
+            <a:r>
+              <a:rPr lang="en-US" b="1" kern="100" dirty="0">
+                <a:latin typeface="Aptos" panose="020B0004020202020204" pitchFamily="34" charset="0"/>
+                <a:ea typeface="Aptos" panose="020B0004020202020204" pitchFamily="34" charset="0"/>
+                <a:cs typeface="Times New Roman" panose="02020603050405020304" pitchFamily="18" charset="0"/>
+              </a:rPr>
+              <a:t>Why would you choose to get - or not get - controls from each of these populations?</a:t>
+            </a:r>
+            <a:endParaRPr lang="en-US" b="1" kern="100" dirty="0">
+              <a:effectLst/>
+              <a:latin typeface="Aptos" panose="020B0004020202020204" pitchFamily="34" charset="0"/>
+              <a:ea typeface="Aptos" panose="020B0004020202020204" pitchFamily="34" charset="0"/>
+              <a:cs typeface="Times New Roman" panose="02020603050405020304" pitchFamily="18" charset="0"/>
+            </a:endParaRPr>
+          </a:p>
+          <a:p>
+            <a:pPr>
+              <a:lnSpc>
+                <a:spcPct val="115000"/>
+              </a:lnSpc>
+              <a:buFont typeface="Symbol" pitchFamily="2" charset="2"/>
+              <a:buChar char=""/>
+            </a:pPr>
+            <a:endParaRPr lang="en-US" kern="100" dirty="0">
+              <a:effectLst/>
+              <a:latin typeface="Aptos" panose="020B0004020202020204" pitchFamily="34" charset="0"/>
+              <a:ea typeface="Aptos" panose="020B0004020202020204" pitchFamily="34" charset="0"/>
+              <a:cs typeface="Times New Roman" panose="02020603050405020304" pitchFamily="18" charset="0"/>
+            </a:endParaRPr>
+          </a:p>
+        </p:txBody>
+      </p:sp>
+    </p:spTree>
+    <p:extLst>
+      <p:ext uri="{BB962C8B-B14F-4D97-AF65-F5344CB8AC3E}">
+        <p14:creationId xmlns:p14="http://schemas.microsoft.com/office/powerpoint/2010/main" val="1211814404"/>
+      </p:ext>
+    </p:extLst>
+  </p:cSld>
+  <p:clrMapOvr>
+    <a:masterClrMapping/>
+  </p:clrMapOvr>
+</p:sld>
+</file>
+
+<file path=ppt/slides/slide28.xml><?xml version="1.0" encoding="utf-8"?>
 <p:sld xmlns:a="http://schemas.openxmlformats.org/drawingml/2006/main" xmlns:r="http://schemas.openxmlformats.org/officeDocument/2006/relationships" xmlns:p="http://schemas.openxmlformats.org/presentationml/2006/main">
   <p:cSld>
     <p:spTree>
@@ -9617,7 +11774,7 @@
               <a:buChar char=""/>
             </a:pPr>
             <a:r>
-              <a:rPr lang="en-US" kern="100" dirty="0">
+              <a:rPr lang="en-US" b="1" kern="100" dirty="0">
                 <a:effectLst/>
                 <a:latin typeface="Aptos" panose="020B0004020202020204" pitchFamily="34" charset="0"/>
                 <a:ea typeface="Aptos" panose="020B0004020202020204" pitchFamily="34" charset="0"/>
@@ -9671,7 +11828,7 @@
               <a:buChar char=""/>
             </a:pPr>
             <a:r>
-              <a:rPr lang="en-US" kern="100" dirty="0">
+              <a:rPr lang="en-US" b="1" kern="100" dirty="0">
                 <a:latin typeface="Aptos" panose="020B0004020202020204" pitchFamily="34" charset="0"/>
                 <a:ea typeface="Aptos" panose="020B0004020202020204" pitchFamily="34" charset="0"/>
                 <a:cs typeface="Times New Roman" panose="02020603050405020304" pitchFamily="18" charset="0"/>
@@ -9735,151 +11892,6 @@
     <p:extLst>
       <p:ext uri="{BB962C8B-B14F-4D97-AF65-F5344CB8AC3E}">
         <p14:creationId xmlns:p14="http://schemas.microsoft.com/office/powerpoint/2010/main" val="3975271084"/>
-      </p:ext>
-    </p:extLst>
-  </p:cSld>
-  <p:clrMapOvr>
-    <a:masterClrMapping/>
-  </p:clrMapOvr>
-</p:sld>
-</file>
-
-<file path=ppt/slides/slide28.xml><?xml version="1.0" encoding="utf-8"?>
-<p:sld xmlns:a="http://schemas.openxmlformats.org/drawingml/2006/main" xmlns:r="http://schemas.openxmlformats.org/officeDocument/2006/relationships" xmlns:p="http://schemas.openxmlformats.org/presentationml/2006/main">
-  <p:cSld>
-    <p:spTree>
-      <p:nvGrpSpPr>
-        <p:cNvPr id="1" name=""/>
-        <p:cNvGrpSpPr/>
-        <p:nvPr/>
-      </p:nvGrpSpPr>
-      <p:grpSpPr>
-        <a:xfrm>
-          <a:off x="0" y="0"/>
-          <a:ext cx="0" cy="0"/>
-          <a:chOff x="0" y="0"/>
-          <a:chExt cx="0" cy="0"/>
-        </a:xfrm>
-      </p:grpSpPr>
-      <p:sp>
-        <p:nvSpPr>
-          <p:cNvPr id="2" name="Title 1">
-            <a:extLst>
-              <a:ext uri="{FF2B5EF4-FFF2-40B4-BE49-F238E27FC236}">
-                <a16:creationId xmlns:a16="http://schemas.microsoft.com/office/drawing/2014/main" id="{C57C8CBA-3D56-3D4D-EFC5-E6438AA4464B}"/>
-              </a:ext>
-            </a:extLst>
-          </p:cNvPr>
-          <p:cNvSpPr>
-            <a:spLocks noGrp="1"/>
-          </p:cNvSpPr>
-          <p:nvPr>
-            <p:ph type="title"/>
-          </p:nvPr>
-        </p:nvSpPr>
-        <p:spPr/>
-        <p:txBody>
-          <a:bodyPr/>
-          <a:lstStyle/>
-          <a:p>
-            <a:r>
-              <a:rPr lang="en-US" dirty="0"/>
-              <a:t>Controls</a:t>
-            </a:r>
-          </a:p>
-        </p:txBody>
-      </p:sp>
-      <p:sp>
-        <p:nvSpPr>
-          <p:cNvPr id="3" name="Content Placeholder 2">
-            <a:extLst>
-              <a:ext uri="{FF2B5EF4-FFF2-40B4-BE49-F238E27FC236}">
-                <a16:creationId xmlns:a16="http://schemas.microsoft.com/office/drawing/2014/main" id="{7BA8AEDE-9015-DCCE-B184-19C482A99E45}"/>
-              </a:ext>
-            </a:extLst>
-          </p:cNvPr>
-          <p:cNvSpPr>
-            <a:spLocks noGrp="1"/>
-          </p:cNvSpPr>
-          <p:nvPr>
-            <p:ph idx="1"/>
-          </p:nvPr>
-        </p:nvSpPr>
-        <p:spPr/>
-        <p:txBody>
-          <a:bodyPr/>
-          <a:lstStyle/>
-          <a:p>
-            <a:pPr marL="0" indent="0" algn="ctr">
-              <a:buNone/>
-            </a:pPr>
-            <a:endParaRPr lang="en-US" sz="3600" b="1" kern="100" dirty="0">
-              <a:latin typeface="Aptos" panose="020B0004020202020204" pitchFamily="34" charset="0"/>
-              <a:ea typeface="Aptos" panose="020B0004020202020204" pitchFamily="34" charset="0"/>
-              <a:cs typeface="Times New Roman" panose="02020603050405020304" pitchFamily="18" charset="0"/>
-            </a:endParaRPr>
-          </a:p>
-          <a:p>
-            <a:pPr marL="0" indent="0" algn="ctr">
-              <a:buNone/>
-            </a:pPr>
-            <a:r>
-              <a:rPr lang="en-US" sz="3600" b="1" kern="100" dirty="0">
-                <a:latin typeface="Aptos" panose="020B0004020202020204" pitchFamily="34" charset="0"/>
-                <a:ea typeface="Aptos" panose="020B0004020202020204" pitchFamily="34" charset="0"/>
-                <a:cs typeface="Times New Roman" panose="02020603050405020304" pitchFamily="18" charset="0"/>
-              </a:rPr>
-              <a:t>Y</a:t>
-            </a:r>
-            <a:r>
-              <a:rPr lang="en-US" sz="3600" b="1" kern="100" dirty="0">
-                <a:effectLst/>
-                <a:latin typeface="Aptos" panose="020B0004020202020204" pitchFamily="34" charset="0"/>
-                <a:ea typeface="Aptos" panose="020B0004020202020204" pitchFamily="34" charset="0"/>
-                <a:cs typeface="Times New Roman" panose="02020603050405020304" pitchFamily="18" charset="0"/>
-              </a:rPr>
-              <a:t>ou may not have ideal controls. </a:t>
-            </a:r>
-          </a:p>
-          <a:p>
-            <a:pPr marL="0" indent="0" algn="ctr">
-              <a:buNone/>
-            </a:pPr>
-            <a:endParaRPr lang="en-US" sz="3600" b="1" kern="100" dirty="0">
-              <a:latin typeface="Aptos" panose="020B0004020202020204" pitchFamily="34" charset="0"/>
-              <a:ea typeface="Aptos" panose="020B0004020202020204" pitchFamily="34" charset="0"/>
-              <a:cs typeface="Times New Roman" panose="02020603050405020304" pitchFamily="18" charset="0"/>
-            </a:endParaRPr>
-          </a:p>
-          <a:p>
-            <a:pPr marL="0" indent="0" algn="ctr">
-              <a:buNone/>
-            </a:pPr>
-            <a:r>
-              <a:rPr lang="en-US" sz="3600" b="1" kern="100" dirty="0">
-                <a:effectLst/>
-                <a:latin typeface="Aptos" panose="020B0004020202020204" pitchFamily="34" charset="0"/>
-                <a:ea typeface="Aptos" panose="020B0004020202020204" pitchFamily="34" charset="0"/>
-                <a:cs typeface="Times New Roman" panose="02020603050405020304" pitchFamily="18" charset="0"/>
-              </a:rPr>
-              <a:t>You should understand the assumptions/biases of your controls!</a:t>
-            </a:r>
-            <a:endParaRPr lang="en-US" sz="3600" kern="100" dirty="0">
-              <a:effectLst/>
-              <a:latin typeface="Aptos" panose="020B0004020202020204" pitchFamily="34" charset="0"/>
-              <a:ea typeface="Aptos" panose="020B0004020202020204" pitchFamily="34" charset="0"/>
-              <a:cs typeface="Times New Roman" panose="02020603050405020304" pitchFamily="18" charset="0"/>
-            </a:endParaRPr>
-          </a:p>
-          <a:p>
-            <a:endParaRPr lang="en-US" dirty="0"/>
-          </a:p>
-        </p:txBody>
-      </p:sp>
-    </p:spTree>
-    <p:extLst>
-      <p:ext uri="{BB962C8B-B14F-4D97-AF65-F5344CB8AC3E}">
-        <p14:creationId xmlns:p14="http://schemas.microsoft.com/office/powerpoint/2010/main" val="2410735319"/>
       </p:ext>
     </p:extLst>
   </p:cSld>
@@ -9911,7 +11923,7 @@
           <p:cNvPr id="2" name="Title 1">
             <a:extLst>
               <a:ext uri="{FF2B5EF4-FFF2-40B4-BE49-F238E27FC236}">
-                <a16:creationId xmlns:a16="http://schemas.microsoft.com/office/drawing/2014/main" id="{210510F7-6FB9-CB6D-166B-B0B1018724BB}"/>
+                <a16:creationId xmlns:a16="http://schemas.microsoft.com/office/drawing/2014/main" id="{C57C8CBA-3D56-3D4D-EFC5-E6438AA4464B}"/>
               </a:ext>
             </a:extLst>
           </p:cNvPr>
@@ -9929,7 +11941,7 @@
           <a:p>
             <a:r>
               <a:rPr lang="en-US" dirty="0"/>
-              <a:t>Conclusions</a:t>
+              <a:t>Controls</a:t>
             </a:r>
           </a:p>
         </p:txBody>
@@ -9939,7 +11951,7 @@
           <p:cNvPr id="3" name="Content Placeholder 2">
             <a:extLst>
               <a:ext uri="{FF2B5EF4-FFF2-40B4-BE49-F238E27FC236}">
-                <a16:creationId xmlns:a16="http://schemas.microsoft.com/office/drawing/2014/main" id="{39CCD9E5-F605-FC4F-6971-2ED435FBD898}"/>
+                <a16:creationId xmlns:a16="http://schemas.microsoft.com/office/drawing/2014/main" id="{7BA8AEDE-9015-DCCE-B184-19C482A99E45}"/>
               </a:ext>
             </a:extLst>
           </p:cNvPr>
@@ -9955,29 +11967,76 @@
           <a:bodyPr/>
           <a:lstStyle/>
           <a:p>
-            <a:r>
-              <a:rPr lang="en-US" dirty="0"/>
-              <a:t>You should visualize your data before conducting analysis.</a:t>
-            </a:r>
-          </a:p>
-          <a:p>
-            <a:r>
-              <a:rPr lang="en-US" dirty="0"/>
-              <a:t>It can be useful to classify samples as seropositive and seronegative, and to calculate seropositivity.</a:t>
-            </a:r>
-          </a:p>
-          <a:p>
-            <a:r>
-              <a:rPr lang="en-US" dirty="0"/>
-              <a:t>It’s important to understand the controls you use, and how these will affect your inference.</a:t>
-            </a:r>
+            <a:pPr marL="0" indent="0" algn="ctr">
+              <a:buNone/>
+            </a:pPr>
+            <a:endParaRPr lang="en-US" sz="3600" b="1" kern="100" dirty="0">
+              <a:latin typeface="Aptos" panose="020B0004020202020204" pitchFamily="34" charset="0"/>
+              <a:ea typeface="Aptos" panose="020B0004020202020204" pitchFamily="34" charset="0"/>
+              <a:cs typeface="Times New Roman" panose="02020603050405020304" pitchFamily="18" charset="0"/>
+            </a:endParaRPr>
+          </a:p>
+          <a:p>
+            <a:pPr marL="0" indent="0" algn="ctr">
+              <a:buNone/>
+            </a:pPr>
+            <a:r>
+              <a:rPr lang="en-US" sz="3600" b="1" kern="100" dirty="0">
+                <a:latin typeface="Aptos" panose="020B0004020202020204" pitchFamily="34" charset="0"/>
+                <a:ea typeface="Aptos" panose="020B0004020202020204" pitchFamily="34" charset="0"/>
+                <a:cs typeface="Times New Roman" panose="02020603050405020304" pitchFamily="18" charset="0"/>
+              </a:rPr>
+              <a:t>Y</a:t>
+            </a:r>
+            <a:r>
+              <a:rPr lang="en-US" sz="3600" b="1" kern="100" dirty="0">
+                <a:effectLst/>
+                <a:latin typeface="Aptos" panose="020B0004020202020204" pitchFamily="34" charset="0"/>
+                <a:ea typeface="Aptos" panose="020B0004020202020204" pitchFamily="34" charset="0"/>
+                <a:cs typeface="Times New Roman" panose="02020603050405020304" pitchFamily="18" charset="0"/>
+              </a:rPr>
+              <a:t>ou may not have ideal controls. </a:t>
+            </a:r>
+          </a:p>
+          <a:p>
+            <a:pPr marL="0" indent="0" algn="ctr">
+              <a:buNone/>
+            </a:pPr>
+            <a:endParaRPr lang="en-US" sz="3600" b="1" kern="100" dirty="0">
+              <a:latin typeface="Aptos" panose="020B0004020202020204" pitchFamily="34" charset="0"/>
+              <a:ea typeface="Aptos" panose="020B0004020202020204" pitchFamily="34" charset="0"/>
+              <a:cs typeface="Times New Roman" panose="02020603050405020304" pitchFamily="18" charset="0"/>
+            </a:endParaRPr>
+          </a:p>
+          <a:p>
+            <a:pPr marL="0" indent="0" algn="ctr">
+              <a:buNone/>
+            </a:pPr>
+            <a:r>
+              <a:rPr lang="en-US" sz="3600" b="1" kern="100" dirty="0">
+                <a:effectLst/>
+                <a:latin typeface="Aptos" panose="020B0004020202020204" pitchFamily="34" charset="0"/>
+                <a:ea typeface="Aptos" panose="020B0004020202020204" pitchFamily="34" charset="0"/>
+                <a:cs typeface="Times New Roman" panose="02020603050405020304" pitchFamily="18" charset="0"/>
+              </a:rPr>
+              <a:t>You should understand the assumptions/biases of your controls!</a:t>
+            </a:r>
+            <a:endParaRPr lang="en-US" sz="3600" kern="100" dirty="0">
+              <a:effectLst/>
+              <a:latin typeface="Aptos" panose="020B0004020202020204" pitchFamily="34" charset="0"/>
+              <a:ea typeface="Aptos" panose="020B0004020202020204" pitchFamily="34" charset="0"/>
+              <a:cs typeface="Times New Roman" panose="02020603050405020304" pitchFamily="18" charset="0"/>
+            </a:endParaRPr>
+          </a:p>
+          <a:p>
+            <a:endParaRPr lang="en-US" dirty="0"/>
           </a:p>
         </p:txBody>
       </p:sp>
     </p:spTree>
     <p:extLst>
       <p:ext uri="{BB962C8B-B14F-4D97-AF65-F5344CB8AC3E}">
-        <p14:creationId xmlns:p14="http://schemas.microsoft.com/office/powerpoint/2010/main" val="2160286257"/>
+        <p14:creationId xmlns:p14="http://schemas.microsoft.com/office/powerpoint/2010/main" val="2410735319"/>
       </p:ext>
     </p:extLst>
   </p:cSld>
@@ -10050,7 +12109,7 @@
         </p:nvSpPr>
         <p:spPr>
           <a:xfrm>
-            <a:off x="838200" y="5339873"/>
+            <a:off x="838200" y="5425601"/>
             <a:ext cx="10515600" cy="925341"/>
           </a:xfrm>
         </p:spPr>
@@ -10058,7 +12117,7 @@
           <a:bodyPr/>
           <a:lstStyle/>
           <a:p>
-            <a:pPr marL="0" indent="0" algn="ctr">
+            <a:pPr marL="0" indent="0">
               <a:buNone/>
             </a:pPr>
             <a:r>
@@ -10090,8 +12149,8 @@
         </p:blipFill>
         <p:spPr>
           <a:xfrm>
-            <a:off x="2209800" y="1352550"/>
-            <a:ext cx="7772400" cy="3886200"/>
+            <a:off x="838200" y="1338262"/>
+            <a:ext cx="8191500" cy="4095750"/>
           </a:xfrm>
           <a:prstGeom prst="rect">
             <a:avLst/>
@@ -10102,6 +12161,106 @@
     <p:extLst>
       <p:ext uri="{BB962C8B-B14F-4D97-AF65-F5344CB8AC3E}">
         <p14:creationId xmlns:p14="http://schemas.microsoft.com/office/powerpoint/2010/main" val="2682364400"/>
+      </p:ext>
+    </p:extLst>
+  </p:cSld>
+  <p:clrMapOvr>
+    <a:masterClrMapping/>
+  </p:clrMapOvr>
+</p:sld>
+</file>
+
+<file path=ppt/slides/slide30.xml><?xml version="1.0" encoding="utf-8"?>
+<p:sld xmlns:a="http://schemas.openxmlformats.org/drawingml/2006/main" xmlns:r="http://schemas.openxmlformats.org/officeDocument/2006/relationships" xmlns:p="http://schemas.openxmlformats.org/presentationml/2006/main">
+  <p:cSld>
+    <p:spTree>
+      <p:nvGrpSpPr>
+        <p:cNvPr id="1" name=""/>
+        <p:cNvGrpSpPr/>
+        <p:nvPr/>
+      </p:nvGrpSpPr>
+      <p:grpSpPr>
+        <a:xfrm>
+          <a:off x="0" y="0"/>
+          <a:ext cx="0" cy="0"/>
+          <a:chOff x="0" y="0"/>
+          <a:chExt cx="0" cy="0"/>
+        </a:xfrm>
+      </p:grpSpPr>
+      <p:sp>
+        <p:nvSpPr>
+          <p:cNvPr id="2" name="Title 1">
+            <a:extLst>
+              <a:ext uri="{FF2B5EF4-FFF2-40B4-BE49-F238E27FC236}">
+                <a16:creationId xmlns:a16="http://schemas.microsoft.com/office/drawing/2014/main" id="{210510F7-6FB9-CB6D-166B-B0B1018724BB}"/>
+              </a:ext>
+            </a:extLst>
+          </p:cNvPr>
+          <p:cNvSpPr>
+            <a:spLocks noGrp="1"/>
+          </p:cNvSpPr>
+          <p:nvPr>
+            <p:ph type="title"/>
+          </p:nvPr>
+        </p:nvSpPr>
+        <p:spPr/>
+        <p:txBody>
+          <a:bodyPr/>
+          <a:lstStyle/>
+          <a:p>
+            <a:r>
+              <a:rPr lang="en-US" dirty="0"/>
+              <a:t>Conclusions</a:t>
+            </a:r>
+          </a:p>
+        </p:txBody>
+      </p:sp>
+      <p:sp>
+        <p:nvSpPr>
+          <p:cNvPr id="3" name="Content Placeholder 2">
+            <a:extLst>
+              <a:ext uri="{FF2B5EF4-FFF2-40B4-BE49-F238E27FC236}">
+                <a16:creationId xmlns:a16="http://schemas.microsoft.com/office/drawing/2014/main" id="{39CCD9E5-F605-FC4F-6971-2ED435FBD898}"/>
+              </a:ext>
+            </a:extLst>
+          </p:cNvPr>
+          <p:cNvSpPr>
+            <a:spLocks noGrp="1"/>
+          </p:cNvSpPr>
+          <p:nvPr>
+            <p:ph idx="1"/>
+          </p:nvPr>
+        </p:nvSpPr>
+        <p:spPr/>
+        <p:txBody>
+          <a:bodyPr>
+            <a:normAutofit/>
+          </a:bodyPr>
+          <a:lstStyle/>
+          <a:p>
+            <a:r>
+              <a:rPr lang="en-US" sz="3000" dirty="0"/>
+              <a:t>You should visualize your data before conducting analysis.</a:t>
+            </a:r>
+          </a:p>
+          <a:p>
+            <a:r>
+              <a:rPr lang="en-US" sz="3000" dirty="0"/>
+              <a:t>It can be useful to classify samples as seropositive and seronegative, and to calculate seropositivity.</a:t>
+            </a:r>
+          </a:p>
+          <a:p>
+            <a:r>
+              <a:rPr lang="en-US" sz="3000" dirty="0"/>
+              <a:t>It’s important to understand the controls you use, and how these will affect your inference.</a:t>
+            </a:r>
+          </a:p>
+        </p:txBody>
+      </p:sp>
+    </p:spTree>
+    <p:extLst>
+      <p:ext uri="{BB962C8B-B14F-4D97-AF65-F5344CB8AC3E}">
+        <p14:creationId xmlns:p14="http://schemas.microsoft.com/office/powerpoint/2010/main" val="2160286257"/>
       </p:ext>
     </p:extLst>
   </p:cSld>
@@ -10181,14 +12340,14 @@
         <p:spPr>
           <a:xfrm>
             <a:off x="838200" y="5545410"/>
-            <a:ext cx="10515600" cy="925341"/>
+            <a:ext cx="9591675" cy="925341"/>
           </a:xfrm>
         </p:spPr>
         <p:txBody>
           <a:bodyPr/>
           <a:lstStyle/>
           <a:p>
-            <a:pPr marL="0" indent="0" algn="ctr">
+            <a:pPr marL="0" indent="0">
               <a:buNone/>
             </a:pPr>
             <a:r>
@@ -10220,7 +12379,7 @@
         </p:blipFill>
         <p:spPr>
           <a:xfrm>
-            <a:off x="2255520" y="1364954"/>
+            <a:off x="838200" y="1364954"/>
             <a:ext cx="8256182" cy="4128091"/>
           </a:xfrm>
           <a:prstGeom prst="rect">
@@ -10384,7 +12543,7 @@
         </p:blipFill>
         <p:spPr>
           <a:xfrm>
-            <a:off x="3646967" y="1428986"/>
+            <a:off x="838200" y="1452366"/>
             <a:ext cx="5539562" cy="2769781"/>
           </a:xfrm>
           <a:prstGeom prst="rect">
@@ -10474,8 +12633,8 @@
         </p:nvSpPr>
         <p:spPr>
           <a:xfrm>
-            <a:off x="1654951" y="5184039"/>
-            <a:ext cx="9259824" cy="1025068"/>
+            <a:off x="838200" y="5026872"/>
+            <a:ext cx="10706100" cy="1025068"/>
           </a:xfrm>
         </p:spPr>
         <p:txBody>
@@ -10516,7 +12675,7 @@
         </p:blipFill>
         <p:spPr>
           <a:xfrm>
-            <a:off x="2516727" y="1340652"/>
+            <a:off x="1016540" y="1340652"/>
             <a:ext cx="7402033" cy="3701017"/>
           </a:xfrm>
           <a:prstGeom prst="rect">
@@ -10607,7 +12766,7 @@
         <p:spPr>
           <a:xfrm>
             <a:off x="838200" y="4516544"/>
-            <a:ext cx="10122408" cy="1865872"/>
+            <a:ext cx="10720388" cy="1865872"/>
           </a:xfrm>
         </p:spPr>
         <p:txBody>
@@ -10669,7 +12828,7 @@
         </p:blipFill>
         <p:spPr>
           <a:xfrm>
-            <a:off x="2894714" y="1315258"/>
+            <a:off x="838200" y="1315258"/>
             <a:ext cx="6402572" cy="3201286"/>
           </a:xfrm>
           <a:prstGeom prst="rect">
@@ -10766,7 +12925,7 @@
         </p:nvSpPr>
         <p:spPr>
           <a:xfrm>
-            <a:off x="838200" y="4272056"/>
+            <a:off x="838200" y="4143464"/>
             <a:ext cx="11034932" cy="2339668"/>
           </a:xfrm>
         </p:spPr>
@@ -10780,7 +12939,7 @@
               <a:buNone/>
             </a:pPr>
             <a:r>
-              <a:rPr lang="en-US" sz="2600" dirty="0"/>
+              <a:rPr lang="en-US" sz="2600" b="1" dirty="0"/>
               <a:t>How to get information from histograms like these?</a:t>
             </a:r>
           </a:p>
@@ -10811,9 +12970,9 @@
             </a:r>
           </a:p>
           <a:p>
-            <a:pPr lvl="2"/>
-            <a:r>
-              <a:rPr lang="en-US" sz="2200" dirty="0"/>
+            <a:pPr lvl="1"/>
+            <a:r>
+              <a:rPr lang="en-US" sz="2600" dirty="0"/>
               <a:t>Setting a cutoff, and everything above that cutoff is positive</a:t>
             </a:r>
           </a:p>
@@ -10841,7 +13000,7 @@
         </p:blipFill>
         <p:spPr>
           <a:xfrm>
-            <a:off x="2354736" y="1611680"/>
+            <a:off x="2354736" y="1468800"/>
             <a:ext cx="2747963" cy="2747963"/>
           </a:xfrm>
           <a:prstGeom prst="rect">
@@ -10871,7 +13030,7 @@
         </p:blipFill>
         <p:spPr>
           <a:xfrm>
-            <a:off x="6930467" y="1611680"/>
+            <a:off x="6930467" y="1468800"/>
             <a:ext cx="2747964" cy="2747964"/>
           </a:xfrm>
           <a:prstGeom prst="rect">
@@ -10893,7 +13052,7 @@
         </p:nvSpPr>
         <p:spPr>
           <a:xfrm>
-            <a:off x="2354736" y="1433267"/>
+            <a:off x="2354736" y="1290387"/>
             <a:ext cx="7703665" cy="369332"/>
           </a:xfrm>
           <a:prstGeom prst="rect">

--- a/Lecture 3/Lecture 3 draft v2.pptx
+++ b/Lecture 3/Lecture 3 draft v2.pptx
@@ -208,12 +208,37 @@
 <p1510:revInfo xmlns:a="http://schemas.openxmlformats.org/drawingml/2006/main" xmlns:r="http://schemas.openxmlformats.org/officeDocument/2006/relationships" xmlns:p1510="http://schemas.microsoft.com/office/powerpoint/2015/10/main">
   <p1510:revLst>
     <p1510:client id="{353A459F-1326-E646-9951-1A5C678B88AF}" v="863" dt="2025-05-20T05:55:19.009"/>
+    <p1510:client id="{4211DB1D-9E41-C449-90FF-CA878146CA22}" v="204" dt="2025-05-20T06:47:31.940"/>
   </p1510:revLst>
 </p1510:revInfo>
 </file>
 
 <file path=ppt/changesInfos/changesInfo1.xml><?xml version="1.0" encoding="utf-8"?>
 <pc:chgInfo xmlns:a="http://schemas.openxmlformats.org/drawingml/2006/main" xmlns:r="http://schemas.openxmlformats.org/officeDocument/2006/relationships" xmlns:ac="http://schemas.microsoft.com/office/drawing/2013/main/command" xmlns:pc="http://schemas.microsoft.com/office/powerpoint/2013/main/command">
+  <pc:docChgLst>
+    <pc:chgData name="Berube, Sophie" userId="42056e48-058a-47b6-8100-9fca35c7e183" providerId="ADAL" clId="{4211DB1D-9E41-C449-90FF-CA878146CA22}"/>
+    <pc:docChg chg="custSel modSld">
+      <pc:chgData name="Berube, Sophie" userId="42056e48-058a-47b6-8100-9fca35c7e183" providerId="ADAL" clId="{4211DB1D-9E41-C449-90FF-CA878146CA22}" dt="2025-05-20T06:47:31.940" v="206" actId="20577"/>
+      <pc:docMkLst>
+        <pc:docMk/>
+      </pc:docMkLst>
+      <pc:sldChg chg="modSp mod">
+        <pc:chgData name="Berube, Sophie" userId="42056e48-058a-47b6-8100-9fca35c7e183" providerId="ADAL" clId="{4211DB1D-9E41-C449-90FF-CA878146CA22}" dt="2025-05-20T06:47:31.940" v="206" actId="20577"/>
+        <pc:sldMkLst>
+          <pc:docMk/>
+          <pc:sldMk cId="980664946" sldId="309"/>
+        </pc:sldMkLst>
+        <pc:spChg chg="mod">
+          <ac:chgData name="Berube, Sophie" userId="42056e48-058a-47b6-8100-9fca35c7e183" providerId="ADAL" clId="{4211DB1D-9E41-C449-90FF-CA878146CA22}" dt="2025-05-20T06:47:31.940" v="206" actId="20577"/>
+          <ac:spMkLst>
+            <pc:docMk/>
+            <pc:sldMk cId="980664946" sldId="309"/>
+            <ac:spMk id="3" creationId="{BDC9B94E-699B-165F-04D9-613EE637E3F0}"/>
+          </ac:spMkLst>
+        </pc:spChg>
+      </pc:sldChg>
+    </pc:docChg>
+  </pc:docChgLst>
   <pc:docChgLst>
     <pc:chgData name="Sonia Tara Hegde" userId="d93a2558-a889-4521-bcb4-6ed3fce9e012" providerId="ADAL" clId="{353A459F-1326-E646-9951-1A5C678B88AF}"/>
     <pc:docChg chg="undo custSel addSld delSld modSld modSection">
@@ -9484,7 +9509,7 @@
         </p:spPr>
         <p:txBody>
           <a:bodyPr>
-            <a:normAutofit fontScale="92500" lnSpcReduction="10000"/>
+            <a:normAutofit fontScale="92500" lnSpcReduction="20000"/>
           </a:bodyPr>
           <a:lstStyle/>
           <a:p>
@@ -9496,7 +9521,15 @@
           <a:p>
             <a:r>
               <a:rPr lang="en-US" dirty="0"/>
-              <a:t>Estimating a 95% confidence interval means we are 95% confident the range will include the true population-level seroprevalence.</a:t>
+              <a:t>Estimating a 95% confidence interval means that in 95 out of 100 calculations of seroprevalence from the same source population using 1000 individuals</a:t>
+            </a:r>
+            <a:r>
+              <a:rPr lang="en-US"/>
+              <a:t>, the </a:t>
+            </a:r>
+            <a:r>
+              <a:rPr lang="en-US" dirty="0"/>
+              <a:t>range will include the true population-level seroprevalence.</a:t>
             </a:r>
           </a:p>
           <a:p>

--- a/Lecture 3/Lecture 3 draft v2.pptx
+++ b/Lecture 3/Lecture 3 draft v2.pptx
@@ -242,7 +242,7 @@
   <pc:docChgLst>
     <pc:chgData name="Sonia Tara Hegde" userId="d93a2558-a889-4521-bcb4-6ed3fce9e012" providerId="ADAL" clId="{353A459F-1326-E646-9951-1A5C678B88AF}"/>
     <pc:docChg chg="undo custSel addSld delSld modSld modSection">
-      <pc:chgData name="Sonia Tara Hegde" userId="d93a2558-a889-4521-bcb4-6ed3fce9e012" providerId="ADAL" clId="{353A459F-1326-E646-9951-1A5C678B88AF}" dt="2025-05-20T05:55:19.009" v="2795" actId="167"/>
+      <pc:chgData name="Sonia Tara Hegde" userId="d93a2558-a889-4521-bcb4-6ed3fce9e012" providerId="ADAL" clId="{353A459F-1326-E646-9951-1A5C678B88AF}" dt="2025-05-20T20:56:22.365" v="2799" actId="1035"/>
       <pc:docMkLst>
         <pc:docMk/>
       </pc:docMkLst>
@@ -1290,7 +1290,7 @@
         </pc:spChg>
       </pc:sldChg>
       <pc:sldChg chg="modSp mod modAnim">
-        <pc:chgData name="Sonia Tara Hegde" userId="d93a2558-a889-4521-bcb4-6ed3fce9e012" providerId="ADAL" clId="{353A459F-1326-E646-9951-1A5C678B88AF}" dt="2025-05-19T23:19:44.937" v="2626" actId="27636"/>
+        <pc:chgData name="Sonia Tara Hegde" userId="d93a2558-a889-4521-bcb4-6ed3fce9e012" providerId="ADAL" clId="{353A459F-1326-E646-9951-1A5C678B88AF}" dt="2025-05-20T20:56:22.365" v="2799" actId="1035"/>
         <pc:sldMkLst>
           <pc:docMk/>
           <pc:sldMk cId="980664946" sldId="309"/>
@@ -1312,7 +1312,7 @@
           </ac:spMkLst>
         </pc:spChg>
         <pc:picChg chg="mod">
-          <ac:chgData name="Sonia Tara Hegde" userId="d93a2558-a889-4521-bcb4-6ed3fce9e012" providerId="ADAL" clId="{353A459F-1326-E646-9951-1A5C678B88AF}" dt="2025-05-19T23:18:57.777" v="2601" actId="1076"/>
+          <ac:chgData name="Sonia Tara Hegde" userId="d93a2558-a889-4521-bcb4-6ed3fce9e012" providerId="ADAL" clId="{353A459F-1326-E646-9951-1A5C678B88AF}" dt="2025-05-20T20:56:22.365" v="2799" actId="1035"/>
           <ac:picMkLst>
             <pc:docMk/>
             <pc:sldMk cId="980664946" sldId="309"/>
@@ -9581,8 +9581,8 @@
         </p:blipFill>
         <p:spPr>
           <a:xfrm>
-            <a:off x="3986212" y="4337492"/>
-            <a:ext cx="4219575" cy="932628"/>
+            <a:off x="3643312" y="4624074"/>
+            <a:ext cx="4031117" cy="890974"/>
           </a:xfrm>
           <a:prstGeom prst="rect">
             <a:avLst/>
